--- a/XamarinForms_Config_Options.pptx
+++ b/XamarinForms_Config_Options.pptx
@@ -5,7 +5,7 @@
     <p:sldMasterId id="2147483660" r:id="rId1"/>
   </p:sldMasterIdLst>
   <p:notesMasterIdLst>
-    <p:notesMasterId r:id="rId18"/>
+    <p:notesMasterId r:id="rId21"/>
   </p:notesMasterIdLst>
   <p:sldIdLst>
     <p:sldId id="283" r:id="rId2"/>
@@ -17,13 +17,16 @@
     <p:sldId id="273" r:id="rId8"/>
     <p:sldId id="380" r:id="rId9"/>
     <p:sldId id="381" r:id="rId10"/>
-    <p:sldId id="384" r:id="rId11"/>
-    <p:sldId id="385" r:id="rId12"/>
-    <p:sldId id="386" r:id="rId13"/>
-    <p:sldId id="387" r:id="rId14"/>
-    <p:sldId id="389" r:id="rId15"/>
-    <p:sldId id="314" r:id="rId16"/>
-    <p:sldId id="364" r:id="rId17"/>
+    <p:sldId id="390" r:id="rId11"/>
+    <p:sldId id="391" r:id="rId12"/>
+    <p:sldId id="392" r:id="rId13"/>
+    <p:sldId id="384" r:id="rId14"/>
+    <p:sldId id="385" r:id="rId15"/>
+    <p:sldId id="386" r:id="rId16"/>
+    <p:sldId id="387" r:id="rId17"/>
+    <p:sldId id="389" r:id="rId18"/>
+    <p:sldId id="314" r:id="rId19"/>
+    <p:sldId id="364" r:id="rId20"/>
   </p:sldIdLst>
   <p:sldSz cx="12192000" cy="6858000"/>
   <p:notesSz cx="6858000" cy="9144000"/>
@@ -223,7 +226,7 @@
           <a:p>
             <a:fld id="{A334C884-B1D7-A043-A4AA-521744755A4B}" type="datetimeFigureOut">
               <a:rPr lang="en-US" smtClean="0"/>
-              <a:t>4/26/2016</a:t>
+              <a:t>4/27/2016</a:t>
             </a:fld>
             <a:endParaRPr lang="en-US"/>
           </a:p>
@@ -628,12 +631,12 @@
       </p:sp>
       <p:sp>
         <p:nvSpPr>
-          <p:cNvPr id="4" name="Header Placeholder 3"/>
+          <p:cNvPr id="4" name="Slide Number Placeholder 3"/>
           <p:cNvSpPr>
             <a:spLocks noGrp="1"/>
           </p:cNvSpPr>
           <p:nvPr>
-            <p:ph type="hdr" sz="quarter" idx="10"/>
+            <p:ph type="sldNum" sz="quarter" idx="10"/>
           </p:nvPr>
         </p:nvSpPr>
         <p:spPr/>
@@ -641,123 +644,18 @@
           <a:bodyPr/>
           <a:lstStyle/>
           <a:p>
-            <a:r>
-              <a:rPr lang="en-US" dirty="0">
-                <a:solidFill>
-                  <a:prstClr val="black"/>
-                </a:solidFill>
-              </a:rPr>
-              <a:t>Build 2015</a:t>
-            </a:r>
-          </a:p>
-        </p:txBody>
-      </p:sp>
-      <p:sp>
-        <p:nvSpPr>
-          <p:cNvPr id="5" name="Footer Placeholder 4"/>
-          <p:cNvSpPr>
-            <a:spLocks noGrp="1"/>
-          </p:cNvSpPr>
-          <p:nvPr>
-            <p:ph type="ftr" sz="quarter" idx="11"/>
-          </p:nvPr>
-        </p:nvSpPr>
-        <p:spPr/>
-        <p:txBody>
-          <a:bodyPr/>
-          <a:lstStyle/>
-          <a:p>
-            <a:pPr defTabSz="914099" eaLnBrk="0" hangingPunct="0"/>
-            <a:r>
-              <a:rPr lang="en-US" sz="400" dirty="0">
-                <a:gradFill>
-                  <a:gsLst>
-                    <a:gs pos="0">
-                      <a:prstClr val="black"/>
-                    </a:gs>
-                    <a:gs pos="100000">
-                      <a:prstClr val="black"/>
-                    </a:gs>
-                  </a:gsLst>
-                  <a:lin ang="5400000" scaled="0"/>
-                </a:gradFill>
-                <a:latin typeface="Segoe UI" pitchFamily="34" charset="0"/>
-                <a:ea typeface="Segoe UI" pitchFamily="34" charset="0"/>
-                <a:cs typeface="Segoe UI" pitchFamily="34" charset="0"/>
-              </a:rPr>
-              <a:t>© 2015 Microsoft Corporation. All rights reserved. MICROSOFT MAKES NO WARRANTIES, EXPRESS, IMPLIED OR STATUTORY, AS TO THE INFORMATION IN THIS PRESENTATION.</a:t>
-            </a:r>
-          </a:p>
-        </p:txBody>
-      </p:sp>
-      <p:sp>
-        <p:nvSpPr>
-          <p:cNvPr id="6" name="Date Placeholder 5"/>
-          <p:cNvSpPr>
-            <a:spLocks noGrp="1"/>
-          </p:cNvSpPr>
-          <p:nvPr>
-            <p:ph type="dt" idx="12"/>
-          </p:nvPr>
-        </p:nvSpPr>
-        <p:spPr/>
-        <p:txBody>
-          <a:bodyPr/>
-          <a:lstStyle/>
-          <a:p>
-            <a:fld id="{38EEC551-8CDA-4EB6-89BB-2A86C9F091C8}" type="datetime8">
-              <a:rPr lang="en-US" smtClean="0">
-                <a:solidFill>
-                  <a:prstClr val="black"/>
-                </a:solidFill>
-              </a:rPr>
-              <a:pPr/>
-              <a:t>4/26/2016 11:49 PM</a:t>
-            </a:fld>
-            <a:endParaRPr lang="en-US" dirty="0">
-              <a:solidFill>
-                <a:prstClr val="black"/>
-              </a:solidFill>
-            </a:endParaRPr>
-          </a:p>
-        </p:txBody>
-      </p:sp>
-      <p:sp>
-        <p:nvSpPr>
-          <p:cNvPr id="7" name="Slide Number Placeholder 6"/>
-          <p:cNvSpPr>
-            <a:spLocks noGrp="1"/>
-          </p:cNvSpPr>
-          <p:nvPr>
-            <p:ph type="sldNum" sz="quarter" idx="13"/>
-          </p:nvPr>
-        </p:nvSpPr>
-        <p:spPr/>
-        <p:txBody>
-          <a:bodyPr/>
-          <a:lstStyle/>
-          <a:p>
-            <a:fld id="{B4008EB6-D09E-4580-8CD6-DDB14511944F}" type="slidenum">
-              <a:rPr lang="en-US" smtClean="0">
-                <a:solidFill>
-                  <a:prstClr val="black"/>
-                </a:solidFill>
-              </a:rPr>
-              <a:pPr/>
+            <a:fld id="{65097B6B-FF96-F443-AED4-FFB28983C4F8}" type="slidenum">
+              <a:rPr lang="en-US" smtClean="0"/>
               <a:t>11</a:t>
             </a:fld>
-            <a:endParaRPr lang="en-US" dirty="0">
-              <a:solidFill>
-                <a:prstClr val="black"/>
-              </a:solidFill>
-            </a:endParaRPr>
+            <a:endParaRPr lang="en-US"/>
           </a:p>
         </p:txBody>
       </p:sp>
     </p:spTree>
     <p:extLst>
       <p:ext uri="{BB962C8B-B14F-4D97-AF65-F5344CB8AC3E}">
-        <p14:creationId xmlns:p14="http://schemas.microsoft.com/office/powerpoint/2010/main" val="2452547223"/>
+        <p14:creationId xmlns:p14="http://schemas.microsoft.com/office/powerpoint/2010/main" val="4201885427"/>
       </p:ext>
     </p:extLst>
   </p:cSld>
@@ -817,12 +715,12 @@
       </p:sp>
       <p:sp>
         <p:nvSpPr>
-          <p:cNvPr id="4" name="Header Placeholder 3"/>
+          <p:cNvPr id="4" name="Slide Number Placeholder 3"/>
           <p:cNvSpPr>
             <a:spLocks noGrp="1"/>
           </p:cNvSpPr>
           <p:nvPr>
-            <p:ph type="hdr" sz="quarter" idx="10"/>
+            <p:ph type="sldNum" sz="quarter" idx="10"/>
           </p:nvPr>
         </p:nvSpPr>
         <p:spPr/>
@@ -830,123 +728,18 @@
           <a:bodyPr/>
           <a:lstStyle/>
           <a:p>
-            <a:r>
-              <a:rPr lang="en-US" dirty="0">
-                <a:solidFill>
-                  <a:prstClr val="black"/>
-                </a:solidFill>
-              </a:rPr>
-              <a:t>Build 2015</a:t>
-            </a:r>
-          </a:p>
-        </p:txBody>
-      </p:sp>
-      <p:sp>
-        <p:nvSpPr>
-          <p:cNvPr id="5" name="Footer Placeholder 4"/>
-          <p:cNvSpPr>
-            <a:spLocks noGrp="1"/>
-          </p:cNvSpPr>
-          <p:nvPr>
-            <p:ph type="ftr" sz="quarter" idx="11"/>
-          </p:nvPr>
-        </p:nvSpPr>
-        <p:spPr/>
-        <p:txBody>
-          <a:bodyPr/>
-          <a:lstStyle/>
-          <a:p>
-            <a:pPr defTabSz="914099" eaLnBrk="0" hangingPunct="0"/>
-            <a:r>
-              <a:rPr lang="en-US" sz="400" dirty="0">
-                <a:gradFill>
-                  <a:gsLst>
-                    <a:gs pos="0">
-                      <a:prstClr val="black"/>
-                    </a:gs>
-                    <a:gs pos="100000">
-                      <a:prstClr val="black"/>
-                    </a:gs>
-                  </a:gsLst>
-                  <a:lin ang="5400000" scaled="0"/>
-                </a:gradFill>
-                <a:latin typeface="Segoe UI" pitchFamily="34" charset="0"/>
-                <a:ea typeface="Segoe UI" pitchFamily="34" charset="0"/>
-                <a:cs typeface="Segoe UI" pitchFamily="34" charset="0"/>
-              </a:rPr>
-              <a:t>© 2015 Microsoft Corporation. All rights reserved. MICROSOFT MAKES NO WARRANTIES, EXPRESS, IMPLIED OR STATUTORY, AS TO THE INFORMATION IN THIS PRESENTATION.</a:t>
-            </a:r>
-          </a:p>
-        </p:txBody>
-      </p:sp>
-      <p:sp>
-        <p:nvSpPr>
-          <p:cNvPr id="6" name="Date Placeholder 5"/>
-          <p:cNvSpPr>
-            <a:spLocks noGrp="1"/>
-          </p:cNvSpPr>
-          <p:nvPr>
-            <p:ph type="dt" idx="12"/>
-          </p:nvPr>
-        </p:nvSpPr>
-        <p:spPr/>
-        <p:txBody>
-          <a:bodyPr/>
-          <a:lstStyle/>
-          <a:p>
-            <a:fld id="{38EEC551-8CDA-4EB6-89BB-2A86C9F091C8}" type="datetime8">
-              <a:rPr lang="en-US" smtClean="0">
-                <a:solidFill>
-                  <a:prstClr val="black"/>
-                </a:solidFill>
-              </a:rPr>
-              <a:pPr/>
-              <a:t>4/26/2016 11:49 PM</a:t>
-            </a:fld>
-            <a:endParaRPr lang="en-US" dirty="0">
-              <a:solidFill>
-                <a:prstClr val="black"/>
-              </a:solidFill>
-            </a:endParaRPr>
-          </a:p>
-        </p:txBody>
-      </p:sp>
-      <p:sp>
-        <p:nvSpPr>
-          <p:cNvPr id="7" name="Slide Number Placeholder 6"/>
-          <p:cNvSpPr>
-            <a:spLocks noGrp="1"/>
-          </p:cNvSpPr>
-          <p:nvPr>
-            <p:ph type="sldNum" sz="quarter" idx="13"/>
-          </p:nvPr>
-        </p:nvSpPr>
-        <p:spPr/>
-        <p:txBody>
-          <a:bodyPr/>
-          <a:lstStyle/>
-          <a:p>
-            <a:fld id="{B4008EB6-D09E-4580-8CD6-DDB14511944F}" type="slidenum">
-              <a:rPr lang="en-US" smtClean="0">
-                <a:solidFill>
-                  <a:prstClr val="black"/>
-                </a:solidFill>
-              </a:rPr>
-              <a:pPr/>
+            <a:fld id="{65097B6B-FF96-F443-AED4-FFB28983C4F8}" type="slidenum">
+              <a:rPr lang="en-US" smtClean="0"/>
               <a:t>12</a:t>
             </a:fld>
-            <a:endParaRPr lang="en-US" dirty="0">
-              <a:solidFill>
-                <a:prstClr val="black"/>
-              </a:solidFill>
-            </a:endParaRPr>
+            <a:endParaRPr lang="en-US"/>
           </a:p>
         </p:txBody>
       </p:sp>
     </p:spTree>
     <p:extLst>
       <p:ext uri="{BB962C8B-B14F-4D97-AF65-F5344CB8AC3E}">
-        <p14:creationId xmlns:p14="http://schemas.microsoft.com/office/powerpoint/2010/main" val="740047575"/>
+        <p14:creationId xmlns:p14="http://schemas.microsoft.com/office/powerpoint/2010/main" val="945086406"/>
       </p:ext>
     </p:extLst>
   </p:cSld>
@@ -1000,37 +793,6 @@
           <a:bodyPr/>
           <a:lstStyle/>
           <a:p>
-            <a:r>
-              <a:rPr lang="en-GB" dirty="0"/>
-              <a:t> support for deployment server like octopus - build once, deploy everywhere</a:t>
-            </a:r>
-          </a:p>
-          <a:p>
-            <a:endParaRPr lang="en-GB" dirty="0"/>
-          </a:p>
-          <a:p>
-            <a:r>
-              <a:rPr lang="en-GB" dirty="0" err="1"/>
-              <a:t>ios</a:t>
-            </a:r>
-            <a:r>
-              <a:rPr lang="en-GB" dirty="0"/>
-              <a:t> needs </a:t>
-            </a:r>
-            <a:r>
-              <a:rPr lang="en-GB" dirty="0" err="1"/>
-              <a:t>ipa</a:t>
-            </a:r>
-            <a:r>
-              <a:rPr lang="en-GB" dirty="0"/>
-              <a:t> resigning (http://www.xgiovio.com/blog-photos-videos-other/blog/resign-your-ios-ipa-frameworks-and-plugins-included/)</a:t>
-            </a:r>
-          </a:p>
-          <a:p>
-            <a:r>
-              <a:rPr lang="en-GB" dirty="0"/>
-              <a:t>	</a:t>
-            </a:r>
             <a:endParaRPr lang="en-US" dirty="0"/>
           </a:p>
         </p:txBody>
@@ -1121,7 +883,7 @@
                 </a:solidFill>
               </a:rPr>
               <a:pPr/>
-              <a:t>4/26/2016 11:49 PM</a:t>
+              <a:t>4/27/2016 3:46 PM</a:t>
             </a:fld>
             <a:endParaRPr lang="en-US" dirty="0">
               <a:solidFill>
@@ -1166,7 +928,7 @@
     </p:spTree>
     <p:extLst>
       <p:ext uri="{BB962C8B-B14F-4D97-AF65-F5344CB8AC3E}">
-        <p14:creationId xmlns:p14="http://schemas.microsoft.com/office/powerpoint/2010/main" val="2289436491"/>
+        <p14:creationId xmlns:p14="http://schemas.microsoft.com/office/powerpoint/2010/main" val="1026983398"/>
       </p:ext>
     </p:extLst>
   </p:cSld>
@@ -1310,7 +1072,7 @@
                 </a:solidFill>
               </a:rPr>
               <a:pPr/>
-              <a:t>4/26/2016 11:49 PM</a:t>
+              <a:t>4/27/2016 3:46 PM</a:t>
             </a:fld>
             <a:endParaRPr lang="en-US" dirty="0">
               <a:solidFill>
@@ -1355,7 +1117,7 @@
     </p:spTree>
     <p:extLst>
       <p:ext uri="{BB962C8B-B14F-4D97-AF65-F5344CB8AC3E}">
-        <p14:creationId xmlns:p14="http://schemas.microsoft.com/office/powerpoint/2010/main" val="757036243"/>
+        <p14:creationId xmlns:p14="http://schemas.microsoft.com/office/powerpoint/2010/main" val="2452547223"/>
       </p:ext>
     </p:extLst>
   </p:cSld>
@@ -1409,41 +1171,18 @@
           <a:bodyPr/>
           <a:lstStyle/>
           <a:p>
-            <a:pPr marL="0" marR="0" indent="0" algn="l" defTabSz="914400" rtl="0" eaLnBrk="1" fontAlgn="auto" latinLnBrk="0" hangingPunct="1">
-              <a:lnSpc>
-                <a:spcPct val="100000"/>
-              </a:lnSpc>
-              <a:spcBef>
-                <a:spcPts val="0"/>
-              </a:spcBef>
-              <a:spcAft>
-                <a:spcPts val="0"/>
-              </a:spcAft>
-              <a:buClrTx/>
-              <a:buSzTx/>
-              <a:buFontTx/>
-              <a:buNone/>
-              <a:tabLst/>
-              <a:defRPr/>
-            </a:pPr>
-            <a:r>
-              <a:rPr lang="en-US" dirty="0"/>
-              <a:t>Xamarin Forms is a new set of APIs allowing you to quickly and easily write shared User Interface code that is still rendered natively on each platform, while still providing direct access to the underlying SDKs if you need it.</a:t>
-            </a:r>
-          </a:p>
-          <a:p>
             <a:endParaRPr lang="en-US" dirty="0"/>
           </a:p>
         </p:txBody>
       </p:sp>
       <p:sp>
         <p:nvSpPr>
-          <p:cNvPr id="4" name="Slide Number Placeholder 3"/>
+          <p:cNvPr id="4" name="Header Placeholder 3"/>
           <p:cNvSpPr>
             <a:spLocks noGrp="1"/>
           </p:cNvSpPr>
           <p:nvPr>
-            <p:ph type="sldNum" sz="quarter" idx="10"/>
+            <p:ph type="hdr" sz="quarter" idx="10"/>
           </p:nvPr>
         </p:nvSpPr>
         <p:spPr/>
@@ -1451,18 +1190,123 @@
           <a:bodyPr/>
           <a:lstStyle/>
           <a:p>
-            <a:fld id="{65097B6B-FF96-F443-AED4-FFB28983C4F8}" type="slidenum">
-              <a:rPr lang="en-US" smtClean="0"/>
+            <a:r>
+              <a:rPr lang="en-US" dirty="0">
+                <a:solidFill>
+                  <a:prstClr val="black"/>
+                </a:solidFill>
+              </a:rPr>
+              <a:t>Build 2015</a:t>
+            </a:r>
+          </a:p>
+        </p:txBody>
+      </p:sp>
+      <p:sp>
+        <p:nvSpPr>
+          <p:cNvPr id="5" name="Footer Placeholder 4"/>
+          <p:cNvSpPr>
+            <a:spLocks noGrp="1"/>
+          </p:cNvSpPr>
+          <p:nvPr>
+            <p:ph type="ftr" sz="quarter" idx="11"/>
+          </p:nvPr>
+        </p:nvSpPr>
+        <p:spPr/>
+        <p:txBody>
+          <a:bodyPr/>
+          <a:lstStyle/>
+          <a:p>
+            <a:pPr defTabSz="914099" eaLnBrk="0" hangingPunct="0"/>
+            <a:r>
+              <a:rPr lang="en-US" sz="400" dirty="0">
+                <a:gradFill>
+                  <a:gsLst>
+                    <a:gs pos="0">
+                      <a:prstClr val="black"/>
+                    </a:gs>
+                    <a:gs pos="100000">
+                      <a:prstClr val="black"/>
+                    </a:gs>
+                  </a:gsLst>
+                  <a:lin ang="5400000" scaled="0"/>
+                </a:gradFill>
+                <a:latin typeface="Segoe UI" pitchFamily="34" charset="0"/>
+                <a:ea typeface="Segoe UI" pitchFamily="34" charset="0"/>
+                <a:cs typeface="Segoe UI" pitchFamily="34" charset="0"/>
+              </a:rPr>
+              <a:t>© 2015 Microsoft Corporation. All rights reserved. MICROSOFT MAKES NO WARRANTIES, EXPRESS, IMPLIED OR STATUTORY, AS TO THE INFORMATION IN THIS PRESENTATION.</a:t>
+            </a:r>
+          </a:p>
+        </p:txBody>
+      </p:sp>
+      <p:sp>
+        <p:nvSpPr>
+          <p:cNvPr id="6" name="Date Placeholder 5"/>
+          <p:cNvSpPr>
+            <a:spLocks noGrp="1"/>
+          </p:cNvSpPr>
+          <p:nvPr>
+            <p:ph type="dt" idx="12"/>
+          </p:nvPr>
+        </p:nvSpPr>
+        <p:spPr/>
+        <p:txBody>
+          <a:bodyPr/>
+          <a:lstStyle/>
+          <a:p>
+            <a:fld id="{38EEC551-8CDA-4EB6-89BB-2A86C9F091C8}" type="datetime8">
+              <a:rPr lang="en-US" smtClean="0">
+                <a:solidFill>
+                  <a:prstClr val="black"/>
+                </a:solidFill>
+              </a:rPr>
+              <a:pPr/>
+              <a:t>4/27/2016 3:46 PM</a:t>
+            </a:fld>
+            <a:endParaRPr lang="en-US" dirty="0">
+              <a:solidFill>
+                <a:prstClr val="black"/>
+              </a:solidFill>
+            </a:endParaRPr>
+          </a:p>
+        </p:txBody>
+      </p:sp>
+      <p:sp>
+        <p:nvSpPr>
+          <p:cNvPr id="7" name="Slide Number Placeholder 6"/>
+          <p:cNvSpPr>
+            <a:spLocks noGrp="1"/>
+          </p:cNvSpPr>
+          <p:nvPr>
+            <p:ph type="sldNum" sz="quarter" idx="13"/>
+          </p:nvPr>
+        </p:nvSpPr>
+        <p:spPr/>
+        <p:txBody>
+          <a:bodyPr/>
+          <a:lstStyle/>
+          <a:p>
+            <a:fld id="{B4008EB6-D09E-4580-8CD6-DDB14511944F}" type="slidenum">
+              <a:rPr lang="en-US" smtClean="0">
+                <a:solidFill>
+                  <a:prstClr val="black"/>
+                </a:solidFill>
+              </a:rPr>
+              <a:pPr/>
               <a:t>15</a:t>
             </a:fld>
-            <a:endParaRPr lang="en-US"/>
+            <a:endParaRPr lang="en-US" dirty="0">
+              <a:solidFill>
+                <a:prstClr val="black"/>
+              </a:solidFill>
+            </a:endParaRPr>
           </a:p>
         </p:txBody>
       </p:sp>
     </p:spTree>
     <p:extLst>
       <p:ext uri="{BB962C8B-B14F-4D97-AF65-F5344CB8AC3E}">
-        <p14:creationId xmlns:p14="http://schemas.microsoft.com/office/powerpoint/2010/main" val="356228371"/>
+        <p14:creationId xmlns:p14="http://schemas.microsoft.com/office/powerpoint/2010/main" val="740047575"/>
       </p:ext>
     </p:extLst>
   </p:cSld>
@@ -1516,6 +1360,522 @@
           <a:bodyPr/>
           <a:lstStyle/>
           <a:p>
+            <a:r>
+              <a:rPr lang="en-GB" dirty="0"/>
+              <a:t> support for deployment server like octopus - build once, deploy everywhere</a:t>
+            </a:r>
+          </a:p>
+          <a:p>
+            <a:endParaRPr lang="en-GB" dirty="0"/>
+          </a:p>
+          <a:p>
+            <a:r>
+              <a:rPr lang="en-GB" dirty="0" err="1"/>
+              <a:t>ios</a:t>
+            </a:r>
+            <a:r>
+              <a:rPr lang="en-GB" dirty="0"/>
+              <a:t> needs </a:t>
+            </a:r>
+            <a:r>
+              <a:rPr lang="en-GB" dirty="0" err="1"/>
+              <a:t>ipa</a:t>
+            </a:r>
+            <a:r>
+              <a:rPr lang="en-GB" dirty="0"/>
+              <a:t> resigning (http://www.xgiovio.com/blog-photos-videos-other/blog/resign-your-ios-ipa-frameworks-and-plugins-included/)</a:t>
+            </a:r>
+          </a:p>
+          <a:p>
+            <a:r>
+              <a:rPr lang="en-GB" dirty="0"/>
+              <a:t>	</a:t>
+            </a:r>
+            <a:endParaRPr lang="en-US" dirty="0"/>
+          </a:p>
+        </p:txBody>
+      </p:sp>
+      <p:sp>
+        <p:nvSpPr>
+          <p:cNvPr id="4" name="Header Placeholder 3"/>
+          <p:cNvSpPr>
+            <a:spLocks noGrp="1"/>
+          </p:cNvSpPr>
+          <p:nvPr>
+            <p:ph type="hdr" sz="quarter" idx="10"/>
+          </p:nvPr>
+        </p:nvSpPr>
+        <p:spPr/>
+        <p:txBody>
+          <a:bodyPr/>
+          <a:lstStyle/>
+          <a:p>
+            <a:r>
+              <a:rPr lang="en-US" dirty="0">
+                <a:solidFill>
+                  <a:prstClr val="black"/>
+                </a:solidFill>
+              </a:rPr>
+              <a:t>Build 2015</a:t>
+            </a:r>
+          </a:p>
+        </p:txBody>
+      </p:sp>
+      <p:sp>
+        <p:nvSpPr>
+          <p:cNvPr id="5" name="Footer Placeholder 4"/>
+          <p:cNvSpPr>
+            <a:spLocks noGrp="1"/>
+          </p:cNvSpPr>
+          <p:nvPr>
+            <p:ph type="ftr" sz="quarter" idx="11"/>
+          </p:nvPr>
+        </p:nvSpPr>
+        <p:spPr/>
+        <p:txBody>
+          <a:bodyPr/>
+          <a:lstStyle/>
+          <a:p>
+            <a:pPr defTabSz="914099" eaLnBrk="0" hangingPunct="0"/>
+            <a:r>
+              <a:rPr lang="en-US" sz="400" dirty="0">
+                <a:gradFill>
+                  <a:gsLst>
+                    <a:gs pos="0">
+                      <a:prstClr val="black"/>
+                    </a:gs>
+                    <a:gs pos="100000">
+                      <a:prstClr val="black"/>
+                    </a:gs>
+                  </a:gsLst>
+                  <a:lin ang="5400000" scaled="0"/>
+                </a:gradFill>
+                <a:latin typeface="Segoe UI" pitchFamily="34" charset="0"/>
+                <a:ea typeface="Segoe UI" pitchFamily="34" charset="0"/>
+                <a:cs typeface="Segoe UI" pitchFamily="34" charset="0"/>
+              </a:rPr>
+              <a:t>© 2015 Microsoft Corporation. All rights reserved. MICROSOFT MAKES NO WARRANTIES, EXPRESS, IMPLIED OR STATUTORY, AS TO THE INFORMATION IN THIS PRESENTATION.</a:t>
+            </a:r>
+          </a:p>
+        </p:txBody>
+      </p:sp>
+      <p:sp>
+        <p:nvSpPr>
+          <p:cNvPr id="6" name="Date Placeholder 5"/>
+          <p:cNvSpPr>
+            <a:spLocks noGrp="1"/>
+          </p:cNvSpPr>
+          <p:nvPr>
+            <p:ph type="dt" idx="12"/>
+          </p:nvPr>
+        </p:nvSpPr>
+        <p:spPr/>
+        <p:txBody>
+          <a:bodyPr/>
+          <a:lstStyle/>
+          <a:p>
+            <a:fld id="{38EEC551-8CDA-4EB6-89BB-2A86C9F091C8}" type="datetime8">
+              <a:rPr lang="en-US" smtClean="0">
+                <a:solidFill>
+                  <a:prstClr val="black"/>
+                </a:solidFill>
+              </a:rPr>
+              <a:pPr/>
+              <a:t>4/27/2016 3:46 PM</a:t>
+            </a:fld>
+            <a:endParaRPr lang="en-US" dirty="0">
+              <a:solidFill>
+                <a:prstClr val="black"/>
+              </a:solidFill>
+            </a:endParaRPr>
+          </a:p>
+        </p:txBody>
+      </p:sp>
+      <p:sp>
+        <p:nvSpPr>
+          <p:cNvPr id="7" name="Slide Number Placeholder 6"/>
+          <p:cNvSpPr>
+            <a:spLocks noGrp="1"/>
+          </p:cNvSpPr>
+          <p:nvPr>
+            <p:ph type="sldNum" sz="quarter" idx="13"/>
+          </p:nvPr>
+        </p:nvSpPr>
+        <p:spPr/>
+        <p:txBody>
+          <a:bodyPr/>
+          <a:lstStyle/>
+          <a:p>
+            <a:fld id="{B4008EB6-D09E-4580-8CD6-DDB14511944F}" type="slidenum">
+              <a:rPr lang="en-US" smtClean="0">
+                <a:solidFill>
+                  <a:prstClr val="black"/>
+                </a:solidFill>
+              </a:rPr>
+              <a:pPr/>
+              <a:t>16</a:t>
+            </a:fld>
+            <a:endParaRPr lang="en-US" dirty="0">
+              <a:solidFill>
+                <a:prstClr val="black"/>
+              </a:solidFill>
+            </a:endParaRPr>
+          </a:p>
+        </p:txBody>
+      </p:sp>
+    </p:spTree>
+    <p:extLst>
+      <p:ext uri="{BB962C8B-B14F-4D97-AF65-F5344CB8AC3E}">
+        <p14:creationId xmlns:p14="http://schemas.microsoft.com/office/powerpoint/2010/main" val="2289436491"/>
+      </p:ext>
+    </p:extLst>
+  </p:cSld>
+  <p:clrMapOvr>
+    <a:masterClrMapping/>
+  </p:clrMapOvr>
+</p:notes>
+</file>
+
+<file path=ppt/notesSlides/notesSlide16.xml><?xml version="1.0" encoding="utf-8"?>
+<p:notes xmlns:a="http://schemas.openxmlformats.org/drawingml/2006/main" xmlns:r="http://schemas.openxmlformats.org/officeDocument/2006/relationships" xmlns:p="http://schemas.openxmlformats.org/presentationml/2006/main">
+  <p:cSld>
+    <p:spTree>
+      <p:nvGrpSpPr>
+        <p:cNvPr id="1" name=""/>
+        <p:cNvGrpSpPr/>
+        <p:nvPr/>
+      </p:nvGrpSpPr>
+      <p:grpSpPr>
+        <a:xfrm>
+          <a:off x="0" y="0"/>
+          <a:ext cx="0" cy="0"/>
+          <a:chOff x="0" y="0"/>
+          <a:chExt cx="0" cy="0"/>
+        </a:xfrm>
+      </p:grpSpPr>
+      <p:sp>
+        <p:nvSpPr>
+          <p:cNvPr id="2" name="Slide Image Placeholder 1"/>
+          <p:cNvSpPr>
+            <a:spLocks noGrp="1" noRot="1" noChangeAspect="1"/>
+          </p:cNvSpPr>
+          <p:nvPr>
+            <p:ph type="sldImg"/>
+          </p:nvPr>
+        </p:nvSpPr>
+        <p:spPr/>
+      </p:sp>
+      <p:sp>
+        <p:nvSpPr>
+          <p:cNvPr id="3" name="Notes Placeholder 2"/>
+          <p:cNvSpPr>
+            <a:spLocks noGrp="1"/>
+          </p:cNvSpPr>
+          <p:nvPr>
+            <p:ph type="body" idx="1"/>
+          </p:nvPr>
+        </p:nvSpPr>
+        <p:spPr/>
+        <p:txBody>
+          <a:bodyPr/>
+          <a:lstStyle/>
+          <a:p>
+            <a:endParaRPr lang="en-US" dirty="0"/>
+          </a:p>
+        </p:txBody>
+      </p:sp>
+      <p:sp>
+        <p:nvSpPr>
+          <p:cNvPr id="4" name="Header Placeholder 3"/>
+          <p:cNvSpPr>
+            <a:spLocks noGrp="1"/>
+          </p:cNvSpPr>
+          <p:nvPr>
+            <p:ph type="hdr" sz="quarter" idx="10"/>
+          </p:nvPr>
+        </p:nvSpPr>
+        <p:spPr/>
+        <p:txBody>
+          <a:bodyPr/>
+          <a:lstStyle/>
+          <a:p>
+            <a:r>
+              <a:rPr lang="en-US" dirty="0">
+                <a:solidFill>
+                  <a:prstClr val="black"/>
+                </a:solidFill>
+              </a:rPr>
+              <a:t>Build 2015</a:t>
+            </a:r>
+          </a:p>
+        </p:txBody>
+      </p:sp>
+      <p:sp>
+        <p:nvSpPr>
+          <p:cNvPr id="5" name="Footer Placeholder 4"/>
+          <p:cNvSpPr>
+            <a:spLocks noGrp="1"/>
+          </p:cNvSpPr>
+          <p:nvPr>
+            <p:ph type="ftr" sz="quarter" idx="11"/>
+          </p:nvPr>
+        </p:nvSpPr>
+        <p:spPr/>
+        <p:txBody>
+          <a:bodyPr/>
+          <a:lstStyle/>
+          <a:p>
+            <a:pPr defTabSz="914099" eaLnBrk="0" hangingPunct="0"/>
+            <a:r>
+              <a:rPr lang="en-US" sz="400" dirty="0">
+                <a:gradFill>
+                  <a:gsLst>
+                    <a:gs pos="0">
+                      <a:prstClr val="black"/>
+                    </a:gs>
+                    <a:gs pos="100000">
+                      <a:prstClr val="black"/>
+                    </a:gs>
+                  </a:gsLst>
+                  <a:lin ang="5400000" scaled="0"/>
+                </a:gradFill>
+                <a:latin typeface="Segoe UI" pitchFamily="34" charset="0"/>
+                <a:ea typeface="Segoe UI" pitchFamily="34" charset="0"/>
+                <a:cs typeface="Segoe UI" pitchFamily="34" charset="0"/>
+              </a:rPr>
+              <a:t>© 2015 Microsoft Corporation. All rights reserved. MICROSOFT MAKES NO WARRANTIES, EXPRESS, IMPLIED OR STATUTORY, AS TO THE INFORMATION IN THIS PRESENTATION.</a:t>
+            </a:r>
+          </a:p>
+        </p:txBody>
+      </p:sp>
+      <p:sp>
+        <p:nvSpPr>
+          <p:cNvPr id="6" name="Date Placeholder 5"/>
+          <p:cNvSpPr>
+            <a:spLocks noGrp="1"/>
+          </p:cNvSpPr>
+          <p:nvPr>
+            <p:ph type="dt" idx="12"/>
+          </p:nvPr>
+        </p:nvSpPr>
+        <p:spPr/>
+        <p:txBody>
+          <a:bodyPr/>
+          <a:lstStyle/>
+          <a:p>
+            <a:fld id="{38EEC551-8CDA-4EB6-89BB-2A86C9F091C8}" type="datetime8">
+              <a:rPr lang="en-US" smtClean="0">
+                <a:solidFill>
+                  <a:prstClr val="black"/>
+                </a:solidFill>
+              </a:rPr>
+              <a:pPr/>
+              <a:t>4/27/2016 3:46 PM</a:t>
+            </a:fld>
+            <a:endParaRPr lang="en-US" dirty="0">
+              <a:solidFill>
+                <a:prstClr val="black"/>
+              </a:solidFill>
+            </a:endParaRPr>
+          </a:p>
+        </p:txBody>
+      </p:sp>
+      <p:sp>
+        <p:nvSpPr>
+          <p:cNvPr id="7" name="Slide Number Placeholder 6"/>
+          <p:cNvSpPr>
+            <a:spLocks noGrp="1"/>
+          </p:cNvSpPr>
+          <p:nvPr>
+            <p:ph type="sldNum" sz="quarter" idx="13"/>
+          </p:nvPr>
+        </p:nvSpPr>
+        <p:spPr/>
+        <p:txBody>
+          <a:bodyPr/>
+          <a:lstStyle/>
+          <a:p>
+            <a:fld id="{B4008EB6-D09E-4580-8CD6-DDB14511944F}" type="slidenum">
+              <a:rPr lang="en-US" smtClean="0">
+                <a:solidFill>
+                  <a:prstClr val="black"/>
+                </a:solidFill>
+              </a:rPr>
+              <a:pPr/>
+              <a:t>17</a:t>
+            </a:fld>
+            <a:endParaRPr lang="en-US" dirty="0">
+              <a:solidFill>
+                <a:prstClr val="black"/>
+              </a:solidFill>
+            </a:endParaRPr>
+          </a:p>
+        </p:txBody>
+      </p:sp>
+    </p:spTree>
+    <p:extLst>
+      <p:ext uri="{BB962C8B-B14F-4D97-AF65-F5344CB8AC3E}">
+        <p14:creationId xmlns:p14="http://schemas.microsoft.com/office/powerpoint/2010/main" val="757036243"/>
+      </p:ext>
+    </p:extLst>
+  </p:cSld>
+  <p:clrMapOvr>
+    <a:masterClrMapping/>
+  </p:clrMapOvr>
+</p:notes>
+</file>
+
+<file path=ppt/notesSlides/notesSlide17.xml><?xml version="1.0" encoding="utf-8"?>
+<p:notes xmlns:a="http://schemas.openxmlformats.org/drawingml/2006/main" xmlns:r="http://schemas.openxmlformats.org/officeDocument/2006/relationships" xmlns:p="http://schemas.openxmlformats.org/presentationml/2006/main">
+  <p:cSld>
+    <p:spTree>
+      <p:nvGrpSpPr>
+        <p:cNvPr id="1" name=""/>
+        <p:cNvGrpSpPr/>
+        <p:nvPr/>
+      </p:nvGrpSpPr>
+      <p:grpSpPr>
+        <a:xfrm>
+          <a:off x="0" y="0"/>
+          <a:ext cx="0" cy="0"/>
+          <a:chOff x="0" y="0"/>
+          <a:chExt cx="0" cy="0"/>
+        </a:xfrm>
+      </p:grpSpPr>
+      <p:sp>
+        <p:nvSpPr>
+          <p:cNvPr id="2" name="Slide Image Placeholder 1"/>
+          <p:cNvSpPr>
+            <a:spLocks noGrp="1" noRot="1" noChangeAspect="1"/>
+          </p:cNvSpPr>
+          <p:nvPr>
+            <p:ph type="sldImg"/>
+          </p:nvPr>
+        </p:nvSpPr>
+        <p:spPr/>
+      </p:sp>
+      <p:sp>
+        <p:nvSpPr>
+          <p:cNvPr id="3" name="Notes Placeholder 2"/>
+          <p:cNvSpPr>
+            <a:spLocks noGrp="1"/>
+          </p:cNvSpPr>
+          <p:nvPr>
+            <p:ph type="body" idx="1"/>
+          </p:nvPr>
+        </p:nvSpPr>
+        <p:spPr/>
+        <p:txBody>
+          <a:bodyPr/>
+          <a:lstStyle/>
+          <a:p>
+            <a:pPr marL="0" marR="0" indent="0" algn="l" defTabSz="914400" rtl="0" eaLnBrk="1" fontAlgn="auto" latinLnBrk="0" hangingPunct="1">
+              <a:lnSpc>
+                <a:spcPct val="100000"/>
+              </a:lnSpc>
+              <a:spcBef>
+                <a:spcPts val="0"/>
+              </a:spcBef>
+              <a:spcAft>
+                <a:spcPts val="0"/>
+              </a:spcAft>
+              <a:buClrTx/>
+              <a:buSzTx/>
+              <a:buFontTx/>
+              <a:buNone/>
+              <a:tabLst/>
+              <a:defRPr/>
+            </a:pPr>
+            <a:r>
+              <a:rPr lang="en-US" dirty="0"/>
+              <a:t>Xamarin Forms is a new set of APIs allowing you to quickly and easily write shared User Interface code that is still rendered natively on each platform, while still providing direct access to the underlying SDKs if you need it.</a:t>
+            </a:r>
+          </a:p>
+          <a:p>
+            <a:endParaRPr lang="en-US" dirty="0"/>
+          </a:p>
+        </p:txBody>
+      </p:sp>
+      <p:sp>
+        <p:nvSpPr>
+          <p:cNvPr id="4" name="Slide Number Placeholder 3"/>
+          <p:cNvSpPr>
+            <a:spLocks noGrp="1"/>
+          </p:cNvSpPr>
+          <p:nvPr>
+            <p:ph type="sldNum" sz="quarter" idx="10"/>
+          </p:nvPr>
+        </p:nvSpPr>
+        <p:spPr/>
+        <p:txBody>
+          <a:bodyPr/>
+          <a:lstStyle/>
+          <a:p>
+            <a:fld id="{65097B6B-FF96-F443-AED4-FFB28983C4F8}" type="slidenum">
+              <a:rPr lang="en-US" smtClean="0"/>
+              <a:t>18</a:t>
+            </a:fld>
+            <a:endParaRPr lang="en-US"/>
+          </a:p>
+        </p:txBody>
+      </p:sp>
+    </p:spTree>
+    <p:extLst>
+      <p:ext uri="{BB962C8B-B14F-4D97-AF65-F5344CB8AC3E}">
+        <p14:creationId xmlns:p14="http://schemas.microsoft.com/office/powerpoint/2010/main" val="356228371"/>
+      </p:ext>
+    </p:extLst>
+  </p:cSld>
+  <p:clrMapOvr>
+    <a:masterClrMapping/>
+  </p:clrMapOvr>
+</p:notes>
+</file>
+
+<file path=ppt/notesSlides/notesSlide18.xml><?xml version="1.0" encoding="utf-8"?>
+<p:notes xmlns:a="http://schemas.openxmlformats.org/drawingml/2006/main" xmlns:r="http://schemas.openxmlformats.org/officeDocument/2006/relationships" xmlns:p="http://schemas.openxmlformats.org/presentationml/2006/main">
+  <p:cSld>
+    <p:spTree>
+      <p:nvGrpSpPr>
+        <p:cNvPr id="1" name=""/>
+        <p:cNvGrpSpPr/>
+        <p:nvPr/>
+      </p:nvGrpSpPr>
+      <p:grpSpPr>
+        <a:xfrm>
+          <a:off x="0" y="0"/>
+          <a:ext cx="0" cy="0"/>
+          <a:chOff x="0" y="0"/>
+          <a:chExt cx="0" cy="0"/>
+        </a:xfrm>
+      </p:grpSpPr>
+      <p:sp>
+        <p:nvSpPr>
+          <p:cNvPr id="2" name="Slide Image Placeholder 1"/>
+          <p:cNvSpPr>
+            <a:spLocks noGrp="1" noRot="1" noChangeAspect="1"/>
+          </p:cNvSpPr>
+          <p:nvPr>
+            <p:ph type="sldImg"/>
+          </p:nvPr>
+        </p:nvSpPr>
+        <p:spPr/>
+      </p:sp>
+      <p:sp>
+        <p:nvSpPr>
+          <p:cNvPr id="3" name="Notes Placeholder 2"/>
+          <p:cNvSpPr>
+            <a:spLocks noGrp="1"/>
+          </p:cNvSpPr>
+          <p:nvPr>
+            <p:ph type="body" idx="1"/>
+          </p:nvPr>
+        </p:nvSpPr>
+        <p:spPr/>
+        <p:txBody>
+          <a:bodyPr/>
+          <a:lstStyle/>
+          <a:p>
             <a:endParaRPr lang="en-US" dirty="0"/>
           </a:p>
         </p:txBody>
@@ -1591,7 +1951,7 @@
           <a:p>
             <a:fld id="{E74353ED-ACB2-44BF-A903-985B0AF962B7}" type="datetime1">
               <a:rPr lang="en-US" smtClean="0"/>
-              <a:t>4/26/2016</a:t>
+              <a:t>4/27/2016</a:t>
             </a:fld>
             <a:endParaRPr lang="en-US" dirty="0"/>
           </a:p>
@@ -1615,7 +1975,7 @@
             <a:fld id="{B4008EB6-D09E-4580-8CD6-DDB14511944F}" type="slidenum">
               <a:rPr lang="en-US" smtClean="0"/>
               <a:pPr/>
-              <a:t>16</a:t>
+              <a:t>19</a:t>
             </a:fld>
             <a:endParaRPr lang="en-US" dirty="0"/>
           </a:p>
@@ -1879,7 +2239,7 @@
           <a:p>
             <a:fld id="{E74353ED-ACB2-44BF-A903-985B0AF962B7}" type="datetime1">
               <a:rPr lang="en-US" smtClean="0"/>
-              <a:t>4/26/2016</a:t>
+              <a:t>4/27/2016</a:t>
             </a:fld>
             <a:endParaRPr lang="en-US" dirty="0"/>
           </a:p>
@@ -2224,7 +2584,7 @@
                 </a:solidFill>
               </a:rPr>
               <a:pPr/>
-              <a:t>4/26/2016 11:49 PM</a:t>
+              <a:t>4/27/2016 3:46 PM</a:t>
             </a:fld>
             <a:endParaRPr lang="en-US" dirty="0">
               <a:solidFill>
@@ -2413,7 +2773,7 @@
                 </a:solidFill>
               </a:rPr>
               <a:pPr/>
-              <a:t>4/26/2016 11:49 PM</a:t>
+              <a:t>4/27/2016 3:46 PM</a:t>
             </a:fld>
             <a:endParaRPr lang="en-US" dirty="0">
               <a:solidFill>
@@ -2602,7 +2962,7 @@
                 </a:solidFill>
               </a:rPr>
               <a:pPr/>
-              <a:t>4/26/2016 11:49 PM</a:t>
+              <a:t>4/27/2016 3:46 PM</a:t>
             </a:fld>
             <a:endParaRPr lang="en-US" dirty="0">
               <a:solidFill>
@@ -2707,12 +3067,12 @@
       </p:sp>
       <p:sp>
         <p:nvSpPr>
-          <p:cNvPr id="4" name="Header Placeholder 3"/>
+          <p:cNvPr id="4" name="Slide Number Placeholder 3"/>
           <p:cNvSpPr>
             <a:spLocks noGrp="1"/>
           </p:cNvSpPr>
           <p:nvPr>
-            <p:ph type="hdr" sz="quarter" idx="10"/>
+            <p:ph type="sldNum" sz="quarter" idx="10"/>
           </p:nvPr>
         </p:nvSpPr>
         <p:spPr/>
@@ -2720,123 +3080,18 @@
           <a:bodyPr/>
           <a:lstStyle/>
           <a:p>
-            <a:r>
-              <a:rPr lang="en-US" dirty="0">
-                <a:solidFill>
-                  <a:prstClr val="black"/>
-                </a:solidFill>
-              </a:rPr>
-              <a:t>Build 2015</a:t>
-            </a:r>
-          </a:p>
-        </p:txBody>
-      </p:sp>
-      <p:sp>
-        <p:nvSpPr>
-          <p:cNvPr id="5" name="Footer Placeholder 4"/>
-          <p:cNvSpPr>
-            <a:spLocks noGrp="1"/>
-          </p:cNvSpPr>
-          <p:nvPr>
-            <p:ph type="ftr" sz="quarter" idx="11"/>
-          </p:nvPr>
-        </p:nvSpPr>
-        <p:spPr/>
-        <p:txBody>
-          <a:bodyPr/>
-          <a:lstStyle/>
-          <a:p>
-            <a:pPr defTabSz="914099" eaLnBrk="0" hangingPunct="0"/>
-            <a:r>
-              <a:rPr lang="en-US" sz="400" dirty="0">
-                <a:gradFill>
-                  <a:gsLst>
-                    <a:gs pos="0">
-                      <a:prstClr val="black"/>
-                    </a:gs>
-                    <a:gs pos="100000">
-                      <a:prstClr val="black"/>
-                    </a:gs>
-                  </a:gsLst>
-                  <a:lin ang="5400000" scaled="0"/>
-                </a:gradFill>
-                <a:latin typeface="Segoe UI" pitchFamily="34" charset="0"/>
-                <a:ea typeface="Segoe UI" pitchFamily="34" charset="0"/>
-                <a:cs typeface="Segoe UI" pitchFamily="34" charset="0"/>
-              </a:rPr>
-              <a:t>© 2015 Microsoft Corporation. All rights reserved. MICROSOFT MAKES NO WARRANTIES, EXPRESS, IMPLIED OR STATUTORY, AS TO THE INFORMATION IN THIS PRESENTATION.</a:t>
-            </a:r>
-          </a:p>
-        </p:txBody>
-      </p:sp>
-      <p:sp>
-        <p:nvSpPr>
-          <p:cNvPr id="6" name="Date Placeholder 5"/>
-          <p:cNvSpPr>
-            <a:spLocks noGrp="1"/>
-          </p:cNvSpPr>
-          <p:nvPr>
-            <p:ph type="dt" idx="12"/>
-          </p:nvPr>
-        </p:nvSpPr>
-        <p:spPr/>
-        <p:txBody>
-          <a:bodyPr/>
-          <a:lstStyle/>
-          <a:p>
-            <a:fld id="{38EEC551-8CDA-4EB6-89BB-2A86C9F091C8}" type="datetime8">
-              <a:rPr lang="en-US" smtClean="0">
-                <a:solidFill>
-                  <a:prstClr val="black"/>
-                </a:solidFill>
-              </a:rPr>
-              <a:pPr/>
-              <a:t>4/26/2016 11:49 PM</a:t>
-            </a:fld>
-            <a:endParaRPr lang="en-US" dirty="0">
-              <a:solidFill>
-                <a:prstClr val="black"/>
-              </a:solidFill>
-            </a:endParaRPr>
-          </a:p>
-        </p:txBody>
-      </p:sp>
-      <p:sp>
-        <p:nvSpPr>
-          <p:cNvPr id="7" name="Slide Number Placeholder 6"/>
-          <p:cNvSpPr>
-            <a:spLocks noGrp="1"/>
-          </p:cNvSpPr>
-          <p:nvPr>
-            <p:ph type="sldNum" sz="quarter" idx="13"/>
-          </p:nvPr>
-        </p:nvSpPr>
-        <p:spPr/>
-        <p:txBody>
-          <a:bodyPr/>
-          <a:lstStyle/>
-          <a:p>
-            <a:fld id="{B4008EB6-D09E-4580-8CD6-DDB14511944F}" type="slidenum">
-              <a:rPr lang="en-US" smtClean="0">
-                <a:solidFill>
-                  <a:prstClr val="black"/>
-                </a:solidFill>
-              </a:rPr>
-              <a:pPr/>
+            <a:fld id="{65097B6B-FF96-F443-AED4-FFB28983C4F8}" type="slidenum">
+              <a:rPr lang="en-US" smtClean="0"/>
               <a:t>10</a:t>
             </a:fld>
-            <a:endParaRPr lang="en-US" dirty="0">
-              <a:solidFill>
-                <a:prstClr val="black"/>
-              </a:solidFill>
-            </a:endParaRPr>
+            <a:endParaRPr lang="en-US"/>
           </a:p>
         </p:txBody>
       </p:sp>
     </p:spTree>
     <p:extLst>
       <p:ext uri="{BB962C8B-B14F-4D97-AF65-F5344CB8AC3E}">
-        <p14:creationId xmlns:p14="http://schemas.microsoft.com/office/powerpoint/2010/main" val="1026983398"/>
+        <p14:creationId xmlns:p14="http://schemas.microsoft.com/office/powerpoint/2010/main" val="375003379"/>
       </p:ext>
     </p:extLst>
   </p:cSld>
@@ -6967,6 +7222,1024 @@
       </p:grpSpPr>
       <p:sp>
         <p:nvSpPr>
+          <p:cNvPr id="3" name="Title 1"/>
+          <p:cNvSpPr txBox="1">
+            <a:spLocks/>
+          </p:cNvSpPr>
+          <p:nvPr/>
+        </p:nvSpPr>
+        <p:spPr>
+          <a:xfrm>
+            <a:off x="895756" y="1841050"/>
+            <a:ext cx="9860672" cy="4110170"/>
+          </a:xfrm>
+          <a:prstGeom prst="rect">
+            <a:avLst/>
+          </a:prstGeom>
+        </p:spPr>
+        <p:txBody>
+          <a:bodyPr vert="horz" wrap="square" lIns="143428" tIns="89642" rIns="143428" bIns="89642" rtlCol="0" anchor="t">
+            <a:noAutofit/>
+          </a:bodyPr>
+          <a:lstStyle>
+            <a:lvl1pPr algn="l" defTabSz="932742" rtl="0" eaLnBrk="1" latinLnBrk="0" hangingPunct="1">
+              <a:lnSpc>
+                <a:spcPct val="90000"/>
+              </a:lnSpc>
+              <a:spcBef>
+                <a:spcPct val="0"/>
+              </a:spcBef>
+              <a:buNone/>
+              <a:defRPr lang="en-US" sz="4800" b="0" kern="1200" cap="none" spc="-102" baseline="0">
+                <a:ln w="3175">
+                  <a:noFill/>
+                </a:ln>
+                <a:gradFill>
+                  <a:gsLst>
+                    <a:gs pos="1250">
+                      <a:schemeClr val="tx1"/>
+                    </a:gs>
+                    <a:gs pos="100000">
+                      <a:schemeClr val="tx1"/>
+                    </a:gs>
+                  </a:gsLst>
+                  <a:lin ang="5400000" scaled="0"/>
+                </a:gradFill>
+                <a:effectLst/>
+                <a:latin typeface="+mj-lt"/>
+                <a:ea typeface="+mn-ea"/>
+                <a:cs typeface="Segoe UI" pitchFamily="34" charset="0"/>
+              </a:defRPr>
+            </a:lvl1pPr>
+          </a:lstStyle>
+          <a:p>
+            <a:pPr marL="685800" indent="-685800">
+              <a:buFont typeface="Arial" panose="020B0604020202020204" pitchFamily="34" charset="0"/>
+              <a:buChar char="•"/>
+            </a:pPr>
+            <a:r>
+              <a:rPr lang="en-US" sz="4705" dirty="0" smtClean="0"/>
+              <a:t>Full control of the app lifecycle</a:t>
+            </a:r>
+          </a:p>
+          <a:p>
+            <a:pPr marL="685800" indent="-685800">
+              <a:buFont typeface="Arial" panose="020B0604020202020204" pitchFamily="34" charset="0"/>
+              <a:buChar char="•"/>
+            </a:pPr>
+            <a:r>
+              <a:rPr lang="en-US" sz="4705" dirty="0" smtClean="0"/>
+              <a:t>Unlimited Dependency injection</a:t>
+            </a:r>
+          </a:p>
+          <a:p>
+            <a:pPr marL="685800" indent="-685800">
+              <a:buFont typeface="Arial" panose="020B0604020202020204" pitchFamily="34" charset="0"/>
+              <a:buChar char="•"/>
+            </a:pPr>
+            <a:r>
+              <a:rPr lang="en-US" sz="4705" dirty="0" smtClean="0"/>
+              <a:t>View/</a:t>
+            </a:r>
+            <a:r>
+              <a:rPr lang="en-US" sz="4705" dirty="0" err="1" smtClean="0"/>
+              <a:t>ViewModel</a:t>
+            </a:r>
+            <a:r>
+              <a:rPr lang="en-US" sz="4705" dirty="0" smtClean="0"/>
+              <a:t> registration</a:t>
+            </a:r>
+          </a:p>
+          <a:p>
+            <a:pPr marL="685800" indent="-685800">
+              <a:buFont typeface="Arial" panose="020B0604020202020204" pitchFamily="34" charset="0"/>
+              <a:buChar char="•"/>
+            </a:pPr>
+            <a:r>
+              <a:rPr lang="en-US" sz="4705" dirty="0" smtClean="0"/>
+              <a:t>Full navigation Control</a:t>
+            </a:r>
+            <a:endParaRPr lang="en-US" sz="4705" dirty="0"/>
+          </a:p>
+          <a:p>
+            <a:pPr marL="685800" indent="-685800">
+              <a:buFont typeface="Arial" panose="020B0604020202020204" pitchFamily="34" charset="0"/>
+              <a:buChar char="•"/>
+            </a:pPr>
+            <a:r>
+              <a:rPr lang="en-US" sz="4705" dirty="0" smtClean="0"/>
+              <a:t>Unified platform events</a:t>
+            </a:r>
+            <a:endParaRPr lang="en-US" sz="4705" dirty="0"/>
+          </a:p>
+          <a:p>
+            <a:pPr marL="685800" indent="-685800">
+              <a:buFont typeface="Arial" panose="020B0604020202020204" pitchFamily="34" charset="0"/>
+              <a:buChar char="•"/>
+            </a:pPr>
+            <a:r>
+              <a:rPr lang="en-US" sz="4705" dirty="0" err="1" smtClean="0"/>
+              <a:t>ViewModel</a:t>
+            </a:r>
+            <a:r>
+              <a:rPr lang="en-US" sz="4705" dirty="0" smtClean="0"/>
+              <a:t> Unit Testable</a:t>
+            </a:r>
+            <a:endParaRPr lang="en-US" sz="4705" dirty="0"/>
+          </a:p>
+        </p:txBody>
+      </p:sp>
+      <p:sp>
+        <p:nvSpPr>
+          <p:cNvPr id="4" name="Title 1"/>
+          <p:cNvSpPr>
+            <a:spLocks noGrp="1"/>
+          </p:cNvSpPr>
+          <p:nvPr>
+            <p:ph type="title"/>
+          </p:nvPr>
+        </p:nvSpPr>
+        <p:spPr>
+          <a:xfrm>
+            <a:off x="268080" y="226025"/>
+            <a:ext cx="11655840" cy="899537"/>
+          </a:xfrm>
+        </p:spPr>
+        <p:txBody>
+          <a:bodyPr/>
+          <a:lstStyle/>
+          <a:p>
+            <a:pPr algn="ctr"/>
+            <a:r>
+              <a:rPr lang="en-US" dirty="0" smtClean="0"/>
+              <a:t>Digression: Quick intro to </a:t>
+            </a:r>
+            <a:r>
+              <a:rPr lang="en-US" dirty="0" err="1" smtClean="0"/>
+              <a:t>CoreApp</a:t>
+            </a:r>
+            <a:endParaRPr lang="en-US" b="1" dirty="0"/>
+          </a:p>
+        </p:txBody>
+      </p:sp>
+    </p:spTree>
+    <p:extLst>
+      <p:ext uri="{BB962C8B-B14F-4D97-AF65-F5344CB8AC3E}">
+        <p14:creationId xmlns:p14="http://schemas.microsoft.com/office/powerpoint/2010/main" val="3818326814"/>
+      </p:ext>
+    </p:extLst>
+  </p:cSld>
+  <p:clrMapOvr>
+    <a:masterClrMapping/>
+  </p:clrMapOvr>
+  <p:transition>
+    <p:fade/>
+  </p:transition>
+</p:sld>
+</file>
+
+<file path=ppt/slides/slide11.xml><?xml version="1.0" encoding="utf-8"?>
+<p:sld xmlns:a="http://schemas.openxmlformats.org/drawingml/2006/main" xmlns:r="http://schemas.openxmlformats.org/officeDocument/2006/relationships" xmlns:p="http://schemas.openxmlformats.org/presentationml/2006/main">
+  <p:cSld>
+    <p:bg>
+      <p:bgPr>
+        <a:blipFill dpi="0" rotWithShape="1">
+          <a:blip r:embed="rId3">
+            <a:alphaModFix amt="12000"/>
+            <a:lum/>
+          </a:blip>
+          <a:srcRect/>
+          <a:stretch>
+            <a:fillRect l="-45000" t="-39000" r="45000" b="-39000"/>
+          </a:stretch>
+        </a:blipFill>
+        <a:effectLst/>
+      </p:bgPr>
+    </p:bg>
+    <p:spTree>
+      <p:nvGrpSpPr>
+        <p:cNvPr id="1" name=""/>
+        <p:cNvGrpSpPr/>
+        <p:nvPr/>
+      </p:nvGrpSpPr>
+      <p:grpSpPr>
+        <a:xfrm>
+          <a:off x="0" y="0"/>
+          <a:ext cx="0" cy="0"/>
+          <a:chOff x="0" y="0"/>
+          <a:chExt cx="0" cy="0"/>
+        </a:xfrm>
+      </p:grpSpPr>
+      <p:sp>
+        <p:nvSpPr>
+          <p:cNvPr id="3" name="Title 1"/>
+          <p:cNvSpPr txBox="1">
+            <a:spLocks/>
+          </p:cNvSpPr>
+          <p:nvPr/>
+        </p:nvSpPr>
+        <p:spPr>
+          <a:xfrm>
+            <a:off x="895756" y="1841050"/>
+            <a:ext cx="9860672" cy="4110170"/>
+          </a:xfrm>
+          <a:prstGeom prst="rect">
+            <a:avLst/>
+          </a:prstGeom>
+        </p:spPr>
+        <p:txBody>
+          <a:bodyPr vert="horz" wrap="square" lIns="143428" tIns="89642" rIns="143428" bIns="89642" rtlCol="0" anchor="t">
+            <a:noAutofit/>
+          </a:bodyPr>
+          <a:lstStyle>
+            <a:lvl1pPr algn="l" defTabSz="932742" rtl="0" eaLnBrk="1" latinLnBrk="0" hangingPunct="1">
+              <a:lnSpc>
+                <a:spcPct val="90000"/>
+              </a:lnSpc>
+              <a:spcBef>
+                <a:spcPct val="0"/>
+              </a:spcBef>
+              <a:buNone/>
+              <a:defRPr lang="en-US" sz="4800" b="0" kern="1200" cap="none" spc="-102" baseline="0">
+                <a:ln w="3175">
+                  <a:noFill/>
+                </a:ln>
+                <a:gradFill>
+                  <a:gsLst>
+                    <a:gs pos="1250">
+                      <a:schemeClr val="tx1"/>
+                    </a:gs>
+                    <a:gs pos="100000">
+                      <a:schemeClr val="tx1"/>
+                    </a:gs>
+                  </a:gsLst>
+                  <a:lin ang="5400000" scaled="0"/>
+                </a:gradFill>
+                <a:effectLst/>
+                <a:latin typeface="+mj-lt"/>
+                <a:ea typeface="+mn-ea"/>
+                <a:cs typeface="Segoe UI" pitchFamily="34" charset="0"/>
+              </a:defRPr>
+            </a:lvl1pPr>
+          </a:lstStyle>
+          <a:p>
+            <a:pPr marL="685800" indent="-685800">
+              <a:buFont typeface="Arial" panose="020B0604020202020204" pitchFamily="34" charset="0"/>
+              <a:buChar char="•"/>
+            </a:pPr>
+            <a:endParaRPr lang="en-US" sz="4705" dirty="0"/>
+          </a:p>
+        </p:txBody>
+      </p:sp>
+      <p:sp>
+        <p:nvSpPr>
+          <p:cNvPr id="4" name="Title 1"/>
+          <p:cNvSpPr>
+            <a:spLocks noGrp="1"/>
+          </p:cNvSpPr>
+          <p:nvPr>
+            <p:ph type="title"/>
+          </p:nvPr>
+        </p:nvSpPr>
+        <p:spPr>
+          <a:xfrm>
+            <a:off x="268080" y="226025"/>
+            <a:ext cx="11655840" cy="899537"/>
+          </a:xfrm>
+        </p:spPr>
+        <p:txBody>
+          <a:bodyPr/>
+          <a:lstStyle/>
+          <a:p>
+            <a:r>
+              <a:rPr lang="en-US" dirty="0" smtClean="0"/>
+              <a:t>		Unlimited </a:t>
+            </a:r>
+            <a:r>
+              <a:rPr lang="en-US" dirty="0"/>
+              <a:t>Dependency injection</a:t>
+            </a:r>
+          </a:p>
+        </p:txBody>
+      </p:sp>
+      <p:sp>
+        <p:nvSpPr>
+          <p:cNvPr id="2" name="TextBox 1"/>
+          <p:cNvSpPr txBox="1"/>
+          <p:nvPr/>
+        </p:nvSpPr>
+        <p:spPr>
+          <a:xfrm>
+            <a:off x="662940" y="1125563"/>
+            <a:ext cx="4496002" cy="1037207"/>
+          </a:xfrm>
+          <a:prstGeom prst="rect">
+            <a:avLst/>
+          </a:prstGeom>
+          <a:noFill/>
+        </p:spPr>
+        <p:txBody>
+          <a:bodyPr wrap="square" lIns="182880" tIns="146304" rIns="182880" bIns="146304" rtlCol="0">
+            <a:spAutoFit/>
+          </a:bodyPr>
+          <a:lstStyle/>
+          <a:p>
+            <a:pPr>
+              <a:lnSpc>
+                <a:spcPct val="90000"/>
+              </a:lnSpc>
+              <a:spcAft>
+                <a:spcPts val="600"/>
+              </a:spcAft>
+            </a:pPr>
+            <a:r>
+              <a:rPr lang="en-US" sz="2400" dirty="0" smtClean="0">
+                <a:gradFill>
+                  <a:gsLst>
+                    <a:gs pos="2917">
+                      <a:schemeClr val="tx1"/>
+                    </a:gs>
+                    <a:gs pos="30000">
+                      <a:schemeClr val="tx1"/>
+                    </a:gs>
+                  </a:gsLst>
+                  <a:lin ang="5400000" scaled="0"/>
+                </a:gradFill>
+              </a:rPr>
+              <a:t>Xamarin.Forms ships with </a:t>
+            </a:r>
+          </a:p>
+          <a:p>
+            <a:pPr>
+              <a:lnSpc>
+                <a:spcPct val="90000"/>
+              </a:lnSpc>
+              <a:spcAft>
+                <a:spcPts val="600"/>
+              </a:spcAft>
+            </a:pPr>
+            <a:r>
+              <a:rPr lang="en-US" sz="2400" dirty="0" smtClean="0">
+                <a:gradFill>
+                  <a:gsLst>
+                    <a:gs pos="2917">
+                      <a:schemeClr val="tx1"/>
+                    </a:gs>
+                    <a:gs pos="30000">
+                      <a:schemeClr val="tx1"/>
+                    </a:gs>
+                  </a:gsLst>
+                  <a:lin ang="5400000" scaled="0"/>
+                </a:gradFill>
+              </a:rPr>
+              <a:t>a built in dependency service:</a:t>
+            </a:r>
+            <a:endParaRPr lang="en-US" sz="2400" dirty="0" smtClean="0">
+              <a:gradFill>
+                <a:gsLst>
+                  <a:gs pos="2917">
+                    <a:schemeClr val="tx1"/>
+                  </a:gs>
+                  <a:gs pos="30000">
+                    <a:schemeClr val="tx1"/>
+                  </a:gs>
+                </a:gsLst>
+                <a:lin ang="5400000" scaled="0"/>
+              </a:gradFill>
+            </a:endParaRPr>
+          </a:p>
+        </p:txBody>
+      </p:sp>
+      <p:pic>
+        <p:nvPicPr>
+          <p:cNvPr id="5" name="Picture 4"/>
+          <p:cNvPicPr>
+            <a:picLocks noChangeAspect="1"/>
+          </p:cNvPicPr>
+          <p:nvPr/>
+        </p:nvPicPr>
+        <p:blipFill>
+          <a:blip r:embed="rId4">
+            <a:extLst>
+              <a:ext uri="{28A0092B-C50C-407E-A947-70E740481C1C}">
+                <a14:useLocalDpi xmlns:a14="http://schemas.microsoft.com/office/drawing/2010/main" val="0"/>
+              </a:ext>
+            </a:extLst>
+          </a:blip>
+          <a:stretch>
+            <a:fillRect/>
+          </a:stretch>
+        </p:blipFill>
+        <p:spPr>
+          <a:xfrm>
+            <a:off x="147172" y="2413757"/>
+            <a:ext cx="5307320" cy="2964755"/>
+          </a:xfrm>
+          <a:prstGeom prst="rect">
+            <a:avLst/>
+          </a:prstGeom>
+        </p:spPr>
+      </p:pic>
+      <p:pic>
+        <p:nvPicPr>
+          <p:cNvPr id="6" name="Picture 5"/>
+          <p:cNvPicPr>
+            <a:picLocks noChangeAspect="1"/>
+          </p:cNvPicPr>
+          <p:nvPr/>
+        </p:nvPicPr>
+        <p:blipFill>
+          <a:blip r:embed="rId5">
+            <a:extLst>
+              <a:ext uri="{28A0092B-C50C-407E-A947-70E740481C1C}">
+                <a14:useLocalDpi xmlns:a14="http://schemas.microsoft.com/office/drawing/2010/main" val="0"/>
+              </a:ext>
+            </a:extLst>
+          </a:blip>
+          <a:stretch>
+            <a:fillRect/>
+          </a:stretch>
+        </p:blipFill>
+        <p:spPr>
+          <a:xfrm>
+            <a:off x="5520680" y="1325665"/>
+            <a:ext cx="6227662" cy="5306670"/>
+          </a:xfrm>
+          <a:prstGeom prst="rect">
+            <a:avLst/>
+          </a:prstGeom>
+        </p:spPr>
+      </p:pic>
+    </p:spTree>
+    <p:extLst>
+      <p:ext uri="{BB962C8B-B14F-4D97-AF65-F5344CB8AC3E}">
+        <p14:creationId xmlns:p14="http://schemas.microsoft.com/office/powerpoint/2010/main" val="356229997"/>
+      </p:ext>
+    </p:extLst>
+  </p:cSld>
+  <p:clrMapOvr>
+    <a:masterClrMapping/>
+  </p:clrMapOvr>
+  <p:transition>
+    <p:fade/>
+  </p:transition>
+</p:sld>
+</file>
+
+<file path=ppt/slides/slide12.xml><?xml version="1.0" encoding="utf-8"?>
+<p:sld xmlns:a="http://schemas.openxmlformats.org/drawingml/2006/main" xmlns:r="http://schemas.openxmlformats.org/officeDocument/2006/relationships" xmlns:p="http://schemas.openxmlformats.org/presentationml/2006/main">
+  <p:cSld>
+    <p:bg>
+      <p:bgPr>
+        <a:blipFill dpi="0" rotWithShape="1">
+          <a:blip r:embed="rId3">
+            <a:alphaModFix amt="12000"/>
+            <a:lum/>
+          </a:blip>
+          <a:srcRect/>
+          <a:stretch>
+            <a:fillRect l="-45000" t="-39000" r="45000" b="-39000"/>
+          </a:stretch>
+        </a:blipFill>
+        <a:effectLst/>
+      </p:bgPr>
+    </p:bg>
+    <p:spTree>
+      <p:nvGrpSpPr>
+        <p:cNvPr id="1" name=""/>
+        <p:cNvGrpSpPr/>
+        <p:nvPr/>
+      </p:nvGrpSpPr>
+      <p:grpSpPr>
+        <a:xfrm>
+          <a:off x="0" y="0"/>
+          <a:ext cx="0" cy="0"/>
+          <a:chOff x="0" y="0"/>
+          <a:chExt cx="0" cy="0"/>
+        </a:xfrm>
+      </p:grpSpPr>
+      <p:sp>
+        <p:nvSpPr>
+          <p:cNvPr id="3" name="Title 1"/>
+          <p:cNvSpPr txBox="1">
+            <a:spLocks/>
+          </p:cNvSpPr>
+          <p:nvPr/>
+        </p:nvSpPr>
+        <p:spPr>
+          <a:xfrm>
+            <a:off x="895756" y="1841050"/>
+            <a:ext cx="9860672" cy="4110170"/>
+          </a:xfrm>
+          <a:prstGeom prst="rect">
+            <a:avLst/>
+          </a:prstGeom>
+        </p:spPr>
+        <p:txBody>
+          <a:bodyPr vert="horz" wrap="square" lIns="143428" tIns="89642" rIns="143428" bIns="89642" rtlCol="0" anchor="t">
+            <a:noAutofit/>
+          </a:bodyPr>
+          <a:lstStyle>
+            <a:lvl1pPr algn="l" defTabSz="932742" rtl="0" eaLnBrk="1" latinLnBrk="0" hangingPunct="1">
+              <a:lnSpc>
+                <a:spcPct val="90000"/>
+              </a:lnSpc>
+              <a:spcBef>
+                <a:spcPct val="0"/>
+              </a:spcBef>
+              <a:buNone/>
+              <a:defRPr lang="en-US" sz="4800" b="0" kern="1200" cap="none" spc="-102" baseline="0">
+                <a:ln w="3175">
+                  <a:noFill/>
+                </a:ln>
+                <a:gradFill>
+                  <a:gsLst>
+                    <a:gs pos="1250">
+                      <a:schemeClr val="tx1"/>
+                    </a:gs>
+                    <a:gs pos="100000">
+                      <a:schemeClr val="tx1"/>
+                    </a:gs>
+                  </a:gsLst>
+                  <a:lin ang="5400000" scaled="0"/>
+                </a:gradFill>
+                <a:effectLst/>
+                <a:latin typeface="+mj-lt"/>
+                <a:ea typeface="+mn-ea"/>
+                <a:cs typeface="Segoe UI" pitchFamily="34" charset="0"/>
+              </a:defRPr>
+            </a:lvl1pPr>
+          </a:lstStyle>
+          <a:p>
+            <a:pPr marL="685800" indent="-685800">
+              <a:buFont typeface="Arial" panose="020B0604020202020204" pitchFamily="34" charset="0"/>
+              <a:buChar char="•"/>
+            </a:pPr>
+            <a:endParaRPr lang="en-US" sz="4705" dirty="0"/>
+          </a:p>
+        </p:txBody>
+      </p:sp>
+      <p:sp>
+        <p:nvSpPr>
+          <p:cNvPr id="4" name="Title 1"/>
+          <p:cNvSpPr>
+            <a:spLocks noGrp="1"/>
+          </p:cNvSpPr>
+          <p:nvPr>
+            <p:ph type="title"/>
+          </p:nvPr>
+        </p:nvSpPr>
+        <p:spPr>
+          <a:xfrm>
+            <a:off x="268080" y="226025"/>
+            <a:ext cx="11655840" cy="899537"/>
+          </a:xfrm>
+        </p:spPr>
+        <p:txBody>
+          <a:bodyPr/>
+          <a:lstStyle/>
+          <a:p>
+            <a:r>
+              <a:rPr lang="en-US" dirty="0" smtClean="0"/>
+              <a:t>		Unlimited </a:t>
+            </a:r>
+            <a:r>
+              <a:rPr lang="en-US" dirty="0"/>
+              <a:t>Dependency injection</a:t>
+            </a:r>
+          </a:p>
+        </p:txBody>
+      </p:sp>
+      <p:sp>
+        <p:nvSpPr>
+          <p:cNvPr id="7" name="TextBox 6"/>
+          <p:cNvSpPr txBox="1"/>
+          <p:nvPr/>
+        </p:nvSpPr>
+        <p:spPr>
+          <a:xfrm>
+            <a:off x="1208862" y="1340994"/>
+            <a:ext cx="7399020" cy="4413516"/>
+          </a:xfrm>
+          <a:prstGeom prst="rect">
+            <a:avLst/>
+          </a:prstGeom>
+          <a:noFill/>
+        </p:spPr>
+        <p:txBody>
+          <a:bodyPr wrap="square" lIns="182880" tIns="146304" rIns="182880" bIns="146304" rtlCol="0">
+            <a:spAutoFit/>
+          </a:bodyPr>
+          <a:lstStyle/>
+          <a:p>
+            <a:pPr>
+              <a:lnSpc>
+                <a:spcPct val="90000"/>
+              </a:lnSpc>
+              <a:spcAft>
+                <a:spcPts val="600"/>
+              </a:spcAft>
+            </a:pPr>
+            <a:r>
+              <a:rPr lang="en-US" sz="2400" dirty="0" smtClean="0">
+                <a:gradFill>
+                  <a:gsLst>
+                    <a:gs pos="2917">
+                      <a:schemeClr val="tx1"/>
+                    </a:gs>
+                    <a:gs pos="30000">
+                      <a:schemeClr val="tx1"/>
+                    </a:gs>
+                  </a:gsLst>
+                  <a:lin ang="5400000" scaled="0"/>
+                </a:gradFill>
+              </a:rPr>
+              <a:t>It will do just fine in many cases, but will not be suitable provided:</a:t>
+            </a:r>
+          </a:p>
+          <a:p>
+            <a:pPr>
+              <a:lnSpc>
+                <a:spcPct val="90000"/>
+              </a:lnSpc>
+              <a:spcAft>
+                <a:spcPts val="600"/>
+              </a:spcAft>
+            </a:pPr>
+            <a:endParaRPr lang="en-US" sz="2400" dirty="0">
+              <a:gradFill>
+                <a:gsLst>
+                  <a:gs pos="2917">
+                    <a:schemeClr val="tx1"/>
+                  </a:gs>
+                  <a:gs pos="30000">
+                    <a:schemeClr val="tx1"/>
+                  </a:gs>
+                </a:gsLst>
+                <a:lin ang="5400000" scaled="0"/>
+              </a:gradFill>
+            </a:endParaRPr>
+          </a:p>
+          <a:p>
+            <a:pPr marL="342900" indent="-342900">
+              <a:lnSpc>
+                <a:spcPct val="90000"/>
+              </a:lnSpc>
+              <a:spcAft>
+                <a:spcPts val="600"/>
+              </a:spcAft>
+              <a:buFont typeface="Arial" panose="020B0604020202020204" pitchFamily="34" charset="0"/>
+              <a:buChar char="•"/>
+            </a:pPr>
+            <a:r>
+              <a:rPr lang="en-US" sz="2400" dirty="0" smtClean="0">
+                <a:gradFill>
+                  <a:gsLst>
+                    <a:gs pos="2917">
+                      <a:schemeClr val="tx1"/>
+                    </a:gs>
+                    <a:gs pos="30000">
+                      <a:schemeClr val="tx1"/>
+                    </a:gs>
+                  </a:gsLst>
+                  <a:lin ang="5400000" scaled="0"/>
+                </a:gradFill>
+              </a:rPr>
+              <a:t>Your dependencies are only meant for Xamarin.Forms</a:t>
+            </a:r>
+            <a:r>
+              <a:rPr lang="en-US" sz="2400" dirty="0" smtClean="0">
+                <a:gradFill>
+                  <a:gsLst>
+                    <a:gs pos="2917">
+                      <a:schemeClr val="tx1"/>
+                    </a:gs>
+                    <a:gs pos="30000">
+                      <a:schemeClr val="tx1"/>
+                    </a:gs>
+                  </a:gsLst>
+                  <a:lin ang="5400000" scaled="0"/>
+                </a:gradFill>
+              </a:rPr>
+              <a:t>, </a:t>
+            </a:r>
+            <a:r>
+              <a:rPr lang="en-US" sz="2400" dirty="0" err="1" smtClean="0">
+                <a:gradFill>
+                  <a:gsLst>
+                    <a:gs pos="2917">
+                      <a:schemeClr val="tx1"/>
+                    </a:gs>
+                    <a:gs pos="30000">
+                      <a:schemeClr val="tx1"/>
+                    </a:gs>
+                  </a:gsLst>
+                  <a:lin ang="5400000" scaled="0"/>
+                </a:gradFill>
+              </a:rPr>
+              <a:t>ie</a:t>
+            </a:r>
+            <a:r>
+              <a:rPr lang="en-US" sz="2400" dirty="0" smtClean="0">
+                <a:gradFill>
+                  <a:gsLst>
+                    <a:gs pos="2917">
+                      <a:schemeClr val="tx1"/>
+                    </a:gs>
+                    <a:gs pos="30000">
+                      <a:schemeClr val="tx1"/>
+                    </a:gs>
+                  </a:gsLst>
+                  <a:lin ang="5400000" scaled="0"/>
+                </a:gradFill>
+              </a:rPr>
+              <a:t>. If you are like me and like sharing client and server code, that won’t do</a:t>
+            </a:r>
+          </a:p>
+          <a:p>
+            <a:pPr marL="342900" indent="-342900">
+              <a:lnSpc>
+                <a:spcPct val="90000"/>
+              </a:lnSpc>
+              <a:spcAft>
+                <a:spcPts val="600"/>
+              </a:spcAft>
+              <a:buFont typeface="Arial" panose="020B0604020202020204" pitchFamily="34" charset="0"/>
+              <a:buChar char="•"/>
+            </a:pPr>
+            <a:r>
+              <a:rPr lang="en-US" sz="2400" dirty="0" smtClean="0">
+                <a:gradFill>
+                  <a:gsLst>
+                    <a:gs pos="2917">
+                      <a:schemeClr val="tx1"/>
+                    </a:gs>
+                    <a:gs pos="30000">
+                      <a:schemeClr val="tx1"/>
+                    </a:gs>
+                  </a:gsLst>
+                  <a:lin ang="5400000" scaled="0"/>
+                </a:gradFill>
+              </a:rPr>
+              <a:t>You want to use the DI service of your choice</a:t>
+            </a:r>
+          </a:p>
+          <a:p>
+            <a:pPr marL="342900" indent="-342900">
+              <a:lnSpc>
+                <a:spcPct val="90000"/>
+              </a:lnSpc>
+              <a:spcAft>
+                <a:spcPts val="600"/>
+              </a:spcAft>
+              <a:buFont typeface="Arial" panose="020B0604020202020204" pitchFamily="34" charset="0"/>
+              <a:buChar char="•"/>
+            </a:pPr>
+            <a:r>
+              <a:rPr lang="en-US" sz="2400" dirty="0" smtClean="0">
+                <a:gradFill>
+                  <a:gsLst>
+                    <a:gs pos="2917">
+                      <a:schemeClr val="tx1"/>
+                    </a:gs>
+                    <a:gs pos="30000">
+                      <a:schemeClr val="tx1"/>
+                    </a:gs>
+                  </a:gsLst>
+                  <a:lin ang="5400000" scaled="0"/>
+                </a:gradFill>
+              </a:rPr>
+              <a:t>You want one registration method for all</a:t>
+            </a:r>
+          </a:p>
+          <a:p>
+            <a:pPr marL="342900" indent="-342900">
+              <a:lnSpc>
+                <a:spcPct val="90000"/>
+              </a:lnSpc>
+              <a:spcAft>
+                <a:spcPts val="600"/>
+              </a:spcAft>
+              <a:buFont typeface="Arial" panose="020B0604020202020204" pitchFamily="34" charset="0"/>
+              <a:buChar char="•"/>
+            </a:pPr>
+            <a:r>
+              <a:rPr lang="en-US" sz="2400" dirty="0" smtClean="0">
+                <a:gradFill>
+                  <a:gsLst>
+                    <a:gs pos="2917">
+                      <a:schemeClr val="tx1"/>
+                    </a:gs>
+                    <a:gs pos="30000">
+                      <a:schemeClr val="tx1"/>
+                    </a:gs>
+                  </a:gsLst>
+                  <a:lin ang="5400000" scaled="0"/>
+                </a:gradFill>
+              </a:rPr>
+              <a:t>You need advanced DI features, such as generic and multi-interface registration</a:t>
+            </a:r>
+          </a:p>
+          <a:p>
+            <a:pPr marL="342900" indent="-342900">
+              <a:lnSpc>
+                <a:spcPct val="90000"/>
+              </a:lnSpc>
+              <a:spcAft>
+                <a:spcPts val="600"/>
+              </a:spcAft>
+              <a:buFont typeface="Arial" panose="020B0604020202020204" pitchFamily="34" charset="0"/>
+              <a:buChar char="•"/>
+            </a:pPr>
+            <a:r>
+              <a:rPr lang="en-US" sz="2400" dirty="0" smtClean="0">
+                <a:gradFill>
+                  <a:gsLst>
+                    <a:gs pos="2917">
+                      <a:schemeClr val="tx1"/>
+                    </a:gs>
+                    <a:gs pos="30000">
+                      <a:schemeClr val="tx1"/>
+                    </a:gs>
+                  </a:gsLst>
+                  <a:lin ang="5400000" scaled="0"/>
+                </a:gradFill>
+              </a:rPr>
+              <a:t>You need full control of DI container lifecycle</a:t>
+            </a:r>
+          </a:p>
+        </p:txBody>
+      </p:sp>
+      <p:pic>
+        <p:nvPicPr>
+          <p:cNvPr id="8" name="Picture 7"/>
+          <p:cNvPicPr>
+            <a:picLocks noChangeAspect="1"/>
+          </p:cNvPicPr>
+          <p:nvPr/>
+        </p:nvPicPr>
+        <p:blipFill>
+          <a:blip r:embed="rId4">
+            <a:extLst>
+              <a:ext uri="{28A0092B-C50C-407E-A947-70E740481C1C}">
+                <a14:useLocalDpi xmlns:a14="http://schemas.microsoft.com/office/drawing/2010/main" val="0"/>
+              </a:ext>
+            </a:extLst>
+          </a:blip>
+          <a:stretch>
+            <a:fillRect/>
+          </a:stretch>
+        </p:blipFill>
+        <p:spPr>
+          <a:xfrm>
+            <a:off x="9316248" y="3663415"/>
+            <a:ext cx="1229831" cy="997160"/>
+          </a:xfrm>
+          <a:prstGeom prst="rect">
+            <a:avLst/>
+          </a:prstGeom>
+        </p:spPr>
+      </p:pic>
+      <p:pic>
+        <p:nvPicPr>
+          <p:cNvPr id="9" name="Picture 8"/>
+          <p:cNvPicPr>
+            <a:picLocks noChangeAspect="1"/>
+          </p:cNvPicPr>
+          <p:nvPr/>
+        </p:nvPicPr>
+        <p:blipFill>
+          <a:blip r:embed="rId5">
+            <a:extLst>
+              <a:ext uri="{28A0092B-C50C-407E-A947-70E740481C1C}">
+                <a14:useLocalDpi xmlns:a14="http://schemas.microsoft.com/office/drawing/2010/main" val="0"/>
+              </a:ext>
+            </a:extLst>
+          </a:blip>
+          <a:stretch>
+            <a:fillRect/>
+          </a:stretch>
+        </p:blipFill>
+        <p:spPr>
+          <a:xfrm>
+            <a:off x="10651128" y="3649385"/>
+            <a:ext cx="1440180" cy="1011190"/>
+          </a:xfrm>
+          <a:prstGeom prst="rect">
+            <a:avLst/>
+          </a:prstGeom>
+        </p:spPr>
+      </p:pic>
+      <p:pic>
+        <p:nvPicPr>
+          <p:cNvPr id="10" name="Picture 9"/>
+          <p:cNvPicPr>
+            <a:picLocks noChangeAspect="1"/>
+          </p:cNvPicPr>
+          <p:nvPr/>
+        </p:nvPicPr>
+        <p:blipFill>
+          <a:blip r:embed="rId6">
+            <a:extLst>
+              <a:ext uri="{28A0092B-C50C-407E-A947-70E740481C1C}">
+                <a14:useLocalDpi xmlns:a14="http://schemas.microsoft.com/office/drawing/2010/main" val="0"/>
+              </a:ext>
+            </a:extLst>
+          </a:blip>
+          <a:stretch>
+            <a:fillRect/>
+          </a:stretch>
+        </p:blipFill>
+        <p:spPr>
+          <a:xfrm>
+            <a:off x="9662303" y="2369787"/>
+            <a:ext cx="1977649" cy="1076720"/>
+          </a:xfrm>
+          <a:prstGeom prst="rect">
+            <a:avLst/>
+          </a:prstGeom>
+        </p:spPr>
+      </p:pic>
+      <p:pic>
+        <p:nvPicPr>
+          <p:cNvPr id="11" name="Picture 10"/>
+          <p:cNvPicPr>
+            <a:picLocks noChangeAspect="1"/>
+          </p:cNvPicPr>
+          <p:nvPr/>
+        </p:nvPicPr>
+        <p:blipFill>
+          <a:blip r:embed="rId7">
+            <a:extLst>
+              <a:ext uri="{28A0092B-C50C-407E-A947-70E740481C1C}">
+                <a14:useLocalDpi xmlns:a14="http://schemas.microsoft.com/office/drawing/2010/main" val="0"/>
+              </a:ext>
+            </a:extLst>
+          </a:blip>
+          <a:stretch>
+            <a:fillRect/>
+          </a:stretch>
+        </p:blipFill>
+        <p:spPr>
+          <a:xfrm>
+            <a:off x="9968664" y="5051964"/>
+            <a:ext cx="1364928" cy="1364928"/>
+          </a:xfrm>
+          <a:prstGeom prst="rect">
+            <a:avLst/>
+          </a:prstGeom>
+        </p:spPr>
+      </p:pic>
+    </p:spTree>
+    <p:extLst>
+      <p:ext uri="{BB962C8B-B14F-4D97-AF65-F5344CB8AC3E}">
+        <p14:creationId xmlns:p14="http://schemas.microsoft.com/office/powerpoint/2010/main" val="1823739535"/>
+      </p:ext>
+    </p:extLst>
+  </p:cSld>
+  <p:clrMapOvr>
+    <a:masterClrMapping/>
+  </p:clrMapOvr>
+  <p:transition>
+    <p:fade/>
+  </p:transition>
+</p:sld>
+</file>
+
+<file path=ppt/slides/slide13.xml><?xml version="1.0" encoding="utf-8"?>
+<p:sld xmlns:a="http://schemas.openxmlformats.org/drawingml/2006/main" xmlns:r="http://schemas.openxmlformats.org/officeDocument/2006/relationships" xmlns:p="http://schemas.openxmlformats.org/presentationml/2006/main">
+  <p:cSld>
+    <p:bg>
+      <p:bgPr>
+        <a:blipFill dpi="0" rotWithShape="1">
+          <a:blip r:embed="rId3">
+            <a:alphaModFix amt="12000"/>
+            <a:lum/>
+          </a:blip>
+          <a:srcRect/>
+          <a:stretch>
+            <a:fillRect l="-45000" t="-39000" r="45000" b="-39000"/>
+          </a:stretch>
+        </a:blipFill>
+        <a:effectLst/>
+      </p:bgPr>
+    </p:bg>
+    <p:spTree>
+      <p:nvGrpSpPr>
+        <p:cNvPr id="1" name=""/>
+        <p:cNvGrpSpPr/>
+        <p:nvPr/>
+      </p:nvGrpSpPr>
+      <p:grpSpPr>
+        <a:xfrm>
+          <a:off x="0" y="0"/>
+          <a:ext cx="0" cy="0"/>
+          <a:chOff x="0" y="0"/>
+          <a:chExt cx="0" cy="0"/>
+        </a:xfrm>
+      </p:grpSpPr>
+      <p:sp>
+        <p:nvSpPr>
           <p:cNvPr id="2" name="Title 1"/>
           <p:cNvSpPr>
             <a:spLocks noGrp="1"/>
@@ -7548,7 +8821,7 @@
 </p:sld>
 </file>
 
-<file path=ppt/slides/slide11.xml><?xml version="1.0" encoding="utf-8"?>
+<file path=ppt/slides/slide14.xml><?xml version="1.0" encoding="utf-8"?>
 <p:sld xmlns:a="http://schemas.openxmlformats.org/drawingml/2006/main" xmlns:r="http://schemas.openxmlformats.org/officeDocument/2006/relationships" xmlns:p="http://schemas.openxmlformats.org/presentationml/2006/main">
   <p:cSld>
     <p:bg>
@@ -8181,7 +9454,7 @@
 </p:sld>
 </file>
 
-<file path=ppt/slides/slide12.xml><?xml version="1.0" encoding="utf-8"?>
+<file path=ppt/slides/slide15.xml><?xml version="1.0" encoding="utf-8"?>
 <p:sld xmlns:a="http://schemas.openxmlformats.org/drawingml/2006/main" xmlns:r="http://schemas.openxmlformats.org/officeDocument/2006/relationships" xmlns:p="http://schemas.openxmlformats.org/presentationml/2006/main">
   <p:cSld>
     <p:bg>
@@ -8724,7 +9997,7 @@
 </p:sld>
 </file>
 
-<file path=ppt/slides/slide13.xml><?xml version="1.0" encoding="utf-8"?>
+<file path=ppt/slides/slide16.xml><?xml version="1.0" encoding="utf-8"?>
 <p:sld xmlns:a="http://schemas.openxmlformats.org/drawingml/2006/main" xmlns:r="http://schemas.openxmlformats.org/officeDocument/2006/relationships" xmlns:p="http://schemas.openxmlformats.org/presentationml/2006/main">
   <p:cSld>
     <p:bg>
@@ -9416,7 +10689,7 @@
 </p:sld>
 </file>
 
-<file path=ppt/slides/slide14.xml><?xml version="1.0" encoding="utf-8"?>
+<file path=ppt/slides/slide17.xml><?xml version="1.0" encoding="utf-8"?>
 <p:sld xmlns:a="http://schemas.openxmlformats.org/drawingml/2006/main" xmlns:r="http://schemas.openxmlformats.org/officeDocument/2006/relationships" xmlns:p="http://schemas.openxmlformats.org/presentationml/2006/main">
   <p:cSld>
     <p:bg>
@@ -9959,7 +11232,7 @@
 </p:sld>
 </file>
 
-<file path=ppt/slides/slide15.xml><?xml version="1.0" encoding="utf-8"?>
+<file path=ppt/slides/slide18.xml><?xml version="1.0" encoding="utf-8"?>
 <p:sld xmlns:a="http://schemas.openxmlformats.org/drawingml/2006/main" xmlns:r="http://schemas.openxmlformats.org/officeDocument/2006/relationships" xmlns:p="http://schemas.openxmlformats.org/presentationml/2006/main">
   <p:cSld>
     <p:bg>
@@ -10142,7 +11415,7 @@
 </p:sld>
 </file>
 
-<file path=ppt/slides/slide16.xml><?xml version="1.0" encoding="utf-8"?>
+<file path=ppt/slides/slide19.xml><?xml version="1.0" encoding="utf-8"?>
 <p:sld xmlns:a="http://schemas.openxmlformats.org/drawingml/2006/main" xmlns:r="http://schemas.openxmlformats.org/officeDocument/2006/relationships" xmlns:p="http://schemas.openxmlformats.org/presentationml/2006/main">
   <p:cSld>
     <p:bg>
@@ -14931,7 +16204,7 @@
         <p:spPr>
           <a:xfrm>
             <a:off x="799697" y="3275588"/>
-            <a:ext cx="10774664" cy="3490534"/>
+            <a:ext cx="10774664" cy="4598529"/>
           </a:xfrm>
           <a:prstGeom prst="rect">
             <a:avLst/>
@@ -14960,7 +16233,15 @@
                   <a:srgbClr val="FFFFFF"/>
                 </a:solidFill>
               </a:rPr>
-              <a:t>1 config per platform</a:t>
+              <a:t>1 config per </a:t>
+            </a:r>
+            <a:r>
+              <a:rPr lang="en-GB" sz="3600" dirty="0" smtClean="0">
+                <a:solidFill>
+                  <a:srgbClr val="FFFFFF"/>
+                </a:solidFill>
+              </a:rPr>
+              <a:t>platform</a:t>
             </a:r>
           </a:p>
           <a:p>
@@ -14975,13 +16256,34 @@
               <a:buChar char="•"/>
             </a:pPr>
             <a:r>
-              <a:rPr lang="en-US" sz="3600" dirty="0">
+              <a:rPr lang="en-GB" sz="3600" dirty="0" smtClean="0">
                 <a:solidFill>
                   <a:srgbClr val="FFFFFF"/>
                 </a:solidFill>
               </a:rPr>
-              <a:t>different configuration api</a:t>
-            </a:r>
+              <a:t>No </a:t>
+            </a:r>
+            <a:r>
+              <a:rPr lang="en-GB" sz="3600" dirty="0" err="1" smtClean="0">
+                <a:solidFill>
+                  <a:srgbClr val="FFFFFF"/>
+                </a:solidFill>
+              </a:rPr>
+              <a:t>xamarin.forms</a:t>
+            </a:r>
+            <a:r>
+              <a:rPr lang="en-GB" sz="3600" dirty="0" smtClean="0">
+                <a:solidFill>
+                  <a:srgbClr val="FFFFFF"/>
+                </a:solidFill>
+              </a:rPr>
+              <a:t> support</a:t>
+            </a:r>
+            <a:endParaRPr lang="en-GB" sz="3600" dirty="0">
+              <a:solidFill>
+                <a:srgbClr val="FFFFFF"/>
+              </a:solidFill>
+            </a:endParaRPr>
           </a:p>
           <a:p>
             <a:pPr marL="571500" indent="-571500" defTabSz="914102" fontAlgn="base">
@@ -14995,12 +16297,12 @@
               <a:buChar char="•"/>
             </a:pPr>
             <a:r>
-              <a:rPr lang="en-GB" sz="3600" dirty="0">
+              <a:rPr lang="en-US" sz="3600" dirty="0">
                 <a:solidFill>
                   <a:srgbClr val="FFFFFF"/>
                 </a:solidFill>
               </a:rPr>
-              <a:t>pain to maintain</a:t>
+              <a:t>different configuration api</a:t>
             </a:r>
           </a:p>
           <a:p>
@@ -15020,7 +16322,7 @@
                   <a:srgbClr val="FFFFFF"/>
                 </a:solidFill>
               </a:rPr>
-              <a:t>no support for configuration transforms</a:t>
+              <a:t>pain to maintain</a:t>
             </a:r>
           </a:p>
           <a:p>
@@ -15040,8 +16342,80 @@
                   <a:srgbClr val="FFFFFF"/>
                 </a:solidFill>
               </a:rPr>
-              <a:t>not familiar to .net devs</a:t>
-            </a:r>
+              <a:t>no support for configuration </a:t>
+            </a:r>
+            <a:r>
+              <a:rPr lang="en-GB" sz="3600" dirty="0" smtClean="0">
+                <a:solidFill>
+                  <a:srgbClr val="FFFFFF"/>
+                </a:solidFill>
+              </a:rPr>
+              <a:t>transforms</a:t>
+            </a:r>
+            <a:endParaRPr lang="en-GB" sz="3600" dirty="0">
+              <a:solidFill>
+                <a:srgbClr val="FFFFFF"/>
+              </a:solidFill>
+            </a:endParaRPr>
+          </a:p>
+          <a:p>
+            <a:pPr marL="571500" indent="-571500" defTabSz="914102" fontAlgn="base">
+              <a:spcBef>
+                <a:spcPct val="0"/>
+              </a:spcBef>
+              <a:spcAft>
+                <a:spcPct val="0"/>
+              </a:spcAft>
+              <a:buFont typeface="Arial" panose="020B0604020202020204" pitchFamily="34" charset="0"/>
+              <a:buChar char="•"/>
+            </a:pPr>
+            <a:r>
+              <a:rPr lang="en-GB" sz="3600" dirty="0">
+                <a:solidFill>
+                  <a:srgbClr val="FFFFFF"/>
+                </a:solidFill>
+              </a:rPr>
+              <a:t>not familiar to </a:t>
+            </a:r>
+            <a:r>
+              <a:rPr lang="en-GB" sz="3600" dirty="0" err="1">
+                <a:solidFill>
+                  <a:srgbClr val="FFFFFF"/>
+                </a:solidFill>
+              </a:rPr>
+              <a:t>.net</a:t>
+            </a:r>
+            <a:r>
+              <a:rPr lang="en-GB" sz="3600" dirty="0">
+                <a:solidFill>
+                  <a:srgbClr val="FFFFFF"/>
+                </a:solidFill>
+              </a:rPr>
+              <a:t> </a:t>
+            </a:r>
+            <a:r>
+              <a:rPr lang="en-GB" sz="3600" dirty="0" err="1" smtClean="0">
+                <a:solidFill>
+                  <a:srgbClr val="FFFFFF"/>
+                </a:solidFill>
+              </a:rPr>
+              <a:t>devs</a:t>
+            </a:r>
+            <a:endParaRPr lang="en-GB" sz="3600" dirty="0" smtClean="0">
+              <a:solidFill>
+                <a:srgbClr val="FFFFFF"/>
+              </a:solidFill>
+            </a:endParaRPr>
+          </a:p>
+          <a:p>
+            <a:pPr defTabSz="914102" fontAlgn="base">
+              <a:spcBef>
+                <a:spcPct val="0"/>
+              </a:spcBef>
+              <a:spcAft>
+                <a:spcPct val="0"/>
+              </a:spcAft>
+            </a:pPr>
             <a:endParaRPr lang="en-US" sz="3600" b="1" dirty="0">
               <a:solidFill>
                 <a:srgbClr val="FFFFFF"/>

--- a/XamarinForms_Config_Options.pptx
+++ b/XamarinForms_Config_Options.pptx
@@ -7185,6 +7185,13 @@
       </p:transition>
     </mc:Fallback>
   </mc:AlternateContent>
+  <p:timing>
+    <p:tnLst>
+      <p:par>
+        <p:cTn id="1" dur="indefinite" restart="never" nodeType="tmRoot"/>
+      </p:par>
+    </p:tnLst>
+  </p:timing>
 </p:sld>
 </file>
 
@@ -7395,6 +7402,13 @@
   <p:transition>
     <p:fade/>
   </p:transition>
+  <p:timing>
+    <p:tnLst>
+      <p:par>
+        <p:cTn id="1" dur="indefinite" restart="never" nodeType="tmRoot"/>
+      </p:par>
+    </p:tnLst>
+  </p:timing>
 </p:sld>
 </file>
 
@@ -7683,6 +7697,13 @@
   <p:transition>
     <p:fade/>
   </p:transition>
+  <p:timing>
+    <p:tnLst>
+      <p:par>
+        <p:cTn id="1" dur="indefinite" restart="never" nodeType="tmRoot"/>
+      </p:par>
+    </p:tnLst>
+  </p:timing>
 </p:sld>
 </file>
 
@@ -8203,6 +8224,13 @@
   <p:transition>
     <p:fade/>
   </p:transition>
+  <p:timing>
+    <p:tnLst>
+      <p:par>
+        <p:cTn id="1" dur="indefinite" restart="never" nodeType="tmRoot"/>
+      </p:par>
+    </p:tnLst>
+  </p:timing>
 </p:sld>
 </file>
 
@@ -8818,6 +8846,13 @@
   <p:transition>
     <p:fade/>
   </p:transition>
+  <p:timing>
+    <p:tnLst>
+      <p:par>
+        <p:cTn id="1" dur="indefinite" restart="never" nodeType="tmRoot"/>
+      </p:par>
+    </p:tnLst>
+  </p:timing>
 </p:sld>
 </file>
 
@@ -9451,6 +9486,13 @@
   <p:transition>
     <p:fade/>
   </p:transition>
+  <p:timing>
+    <p:tnLst>
+      <p:par>
+        <p:cTn id="1" dur="indefinite" restart="never" nodeType="tmRoot"/>
+      </p:par>
+    </p:tnLst>
+  </p:timing>
 </p:sld>
 </file>
 
@@ -9994,6 +10036,13 @@
   <p:transition>
     <p:fade/>
   </p:transition>
+  <p:timing>
+    <p:tnLst>
+      <p:par>
+        <p:cTn id="1" dur="indefinite" restart="never" nodeType="tmRoot"/>
+      </p:par>
+    </p:tnLst>
+  </p:timing>
 </p:sld>
 </file>
 
@@ -10686,6 +10735,13 @@
   <p:transition>
     <p:fade/>
   </p:transition>
+  <p:timing>
+    <p:tnLst>
+      <p:par>
+        <p:cTn id="1" dur="indefinite" restart="never" nodeType="tmRoot"/>
+      </p:par>
+    </p:tnLst>
+  </p:timing>
 </p:sld>
 </file>
 
@@ -11229,6 +11285,13 @@
   <p:transition>
     <p:fade/>
   </p:transition>
+  <p:timing>
+    <p:tnLst>
+      <p:par>
+        <p:cTn id="1" dur="indefinite" restart="never" nodeType="tmRoot"/>
+      </p:par>
+    </p:tnLst>
+  </p:timing>
 </p:sld>
 </file>
 
@@ -11412,6 +11475,13 @@
   <p:transition>
     <p:fade/>
   </p:transition>
+  <p:timing>
+    <p:tnLst>
+      <p:par>
+        <p:cTn id="1" dur="indefinite" restart="never" nodeType="tmRoot"/>
+      </p:par>
+    </p:tnLst>
+  </p:timing>
 </p:sld>
 </file>
 
@@ -12933,6 +13003,13 @@
   <p:transition>
     <p:fade/>
   </p:transition>
+  <p:timing>
+    <p:tnLst>
+      <p:par>
+        <p:cTn id="1" dur="indefinite" restart="never" nodeType="tmRoot"/>
+      </p:par>
+    </p:tnLst>
+  </p:timing>
 </p:sld>
 </file>
 
@@ -13041,6 +13118,13 @@
   <p:transition>
     <p:fade/>
   </p:transition>
+  <p:timing>
+    <p:tnLst>
+      <p:par>
+        <p:cTn id="1" dur="indefinite" restart="never" nodeType="tmRoot"/>
+      </p:par>
+    </p:tnLst>
+  </p:timing>
 </p:sld>
 </file>
 
@@ -14781,6 +14865,13 @@
   <p:transition>
     <p:fade/>
   </p:transition>
+  <p:timing>
+    <p:tnLst>
+      <p:par>
+        <p:cTn id="1" dur="indefinite" restart="never" nodeType="tmRoot"/>
+      </p:par>
+    </p:tnLst>
+  </p:timing>
 </p:sld>
 </file>
 
@@ -14913,6 +15004,13 @@
   <p:transition>
     <p:fade/>
   </p:transition>
+  <p:timing>
+    <p:tnLst>
+      <p:par>
+        <p:cTn id="1" dur="indefinite" restart="never" nodeType="tmRoot"/>
+      </p:par>
+    </p:tnLst>
+  </p:timing>
 </p:sld>
 </file>
 
@@ -15741,6 +15839,13 @@
   <p:transition>
     <p:fade/>
   </p:transition>
+  <p:timing>
+    <p:tnLst>
+      <p:par>
+        <p:cTn id="1" dur="indefinite" restart="never" nodeType="tmRoot"/>
+      </p:par>
+    </p:tnLst>
+  </p:timing>
 </p:sld>
 </file>
 
@@ -16772,6 +16877,13 @@
   <p:transition>
     <p:fade/>
   </p:transition>
+  <p:timing>
+    <p:tnLst>
+      <p:par>
+        <p:cTn id="1" dur="indefinite" restart="never" nodeType="tmRoot"/>
+      </p:par>
+    </p:tnLst>
+  </p:timing>
 </p:sld>
 </file>
 
@@ -17564,6 +17676,13 @@
   <p:transition>
     <p:fade/>
   </p:transition>
+  <p:timing>
+    <p:tnLst>
+      <p:par>
+        <p:cTn id="1" dur="indefinite" restart="never" nodeType="tmRoot"/>
+      </p:par>
+    </p:tnLst>
+  </p:timing>
 </p:sld>
 </file>
 

--- a/XamarinForms_Config_Options.pptx
+++ b/XamarinForms_Config_Options.pptx
@@ -5,7 +5,7 @@
     <p:sldMasterId id="2147483660" r:id="rId1"/>
   </p:sldMasterIdLst>
   <p:notesMasterIdLst>
-    <p:notesMasterId r:id="rId21"/>
+    <p:notesMasterId r:id="rId24"/>
   </p:notesMasterIdLst>
   <p:sldIdLst>
     <p:sldId id="283" r:id="rId2"/>
@@ -16,17 +16,20 @@
     <p:sldId id="383" r:id="rId7"/>
     <p:sldId id="273" r:id="rId8"/>
     <p:sldId id="380" r:id="rId9"/>
-    <p:sldId id="381" r:id="rId10"/>
-    <p:sldId id="390" r:id="rId11"/>
-    <p:sldId id="391" r:id="rId12"/>
-    <p:sldId id="392" r:id="rId13"/>
-    <p:sldId id="384" r:id="rId14"/>
-    <p:sldId id="385" r:id="rId15"/>
-    <p:sldId id="386" r:id="rId16"/>
-    <p:sldId id="387" r:id="rId17"/>
-    <p:sldId id="389" r:id="rId18"/>
-    <p:sldId id="314" r:id="rId19"/>
-    <p:sldId id="364" r:id="rId20"/>
+    <p:sldId id="393" r:id="rId10"/>
+    <p:sldId id="394" r:id="rId11"/>
+    <p:sldId id="395" r:id="rId12"/>
+    <p:sldId id="381" r:id="rId13"/>
+    <p:sldId id="390" r:id="rId14"/>
+    <p:sldId id="391" r:id="rId15"/>
+    <p:sldId id="392" r:id="rId16"/>
+    <p:sldId id="384" r:id="rId17"/>
+    <p:sldId id="385" r:id="rId18"/>
+    <p:sldId id="386" r:id="rId19"/>
+    <p:sldId id="387" r:id="rId20"/>
+    <p:sldId id="389" r:id="rId21"/>
+    <p:sldId id="314" r:id="rId22"/>
+    <p:sldId id="364" r:id="rId23"/>
   </p:sldIdLst>
   <p:sldSz cx="12192000" cy="6858000"/>
   <p:notesSz cx="6858000" cy="9144000"/>
@@ -631,12 +634,12 @@
       </p:sp>
       <p:sp>
         <p:nvSpPr>
-          <p:cNvPr id="4" name="Slide Number Placeholder 3"/>
+          <p:cNvPr id="4" name="Header Placeholder 3"/>
           <p:cNvSpPr>
             <a:spLocks noGrp="1"/>
           </p:cNvSpPr>
           <p:nvPr>
-            <p:ph type="sldNum" sz="quarter" idx="10"/>
+            <p:ph type="hdr" sz="quarter" idx="10"/>
           </p:nvPr>
         </p:nvSpPr>
         <p:spPr/>
@@ -644,18 +647,123 @@
           <a:bodyPr/>
           <a:lstStyle/>
           <a:p>
-            <a:fld id="{65097B6B-FF96-F443-AED4-FFB28983C4F8}" type="slidenum">
-              <a:rPr lang="en-US" smtClean="0"/>
+            <a:r>
+              <a:rPr lang="en-US" dirty="0">
+                <a:solidFill>
+                  <a:prstClr val="black"/>
+                </a:solidFill>
+              </a:rPr>
+              <a:t>Build 2015</a:t>
+            </a:r>
+          </a:p>
+        </p:txBody>
+      </p:sp>
+      <p:sp>
+        <p:nvSpPr>
+          <p:cNvPr id="5" name="Footer Placeholder 4"/>
+          <p:cNvSpPr>
+            <a:spLocks noGrp="1"/>
+          </p:cNvSpPr>
+          <p:nvPr>
+            <p:ph type="ftr" sz="quarter" idx="11"/>
+          </p:nvPr>
+        </p:nvSpPr>
+        <p:spPr/>
+        <p:txBody>
+          <a:bodyPr/>
+          <a:lstStyle/>
+          <a:p>
+            <a:pPr defTabSz="914099" eaLnBrk="0" hangingPunct="0"/>
+            <a:r>
+              <a:rPr lang="en-US" sz="400" dirty="0">
+                <a:gradFill>
+                  <a:gsLst>
+                    <a:gs pos="0">
+                      <a:prstClr val="black"/>
+                    </a:gs>
+                    <a:gs pos="100000">
+                      <a:prstClr val="black"/>
+                    </a:gs>
+                  </a:gsLst>
+                  <a:lin ang="5400000" scaled="0"/>
+                </a:gradFill>
+                <a:latin typeface="Segoe UI" pitchFamily="34" charset="0"/>
+                <a:ea typeface="Segoe UI" pitchFamily="34" charset="0"/>
+                <a:cs typeface="Segoe UI" pitchFamily="34" charset="0"/>
+              </a:rPr>
+              <a:t>© 2015 Microsoft Corporation. All rights reserved. MICROSOFT MAKES NO WARRANTIES, EXPRESS, IMPLIED OR STATUTORY, AS TO THE INFORMATION IN THIS PRESENTATION.</a:t>
+            </a:r>
+          </a:p>
+        </p:txBody>
+      </p:sp>
+      <p:sp>
+        <p:nvSpPr>
+          <p:cNvPr id="6" name="Date Placeholder 5"/>
+          <p:cNvSpPr>
+            <a:spLocks noGrp="1"/>
+          </p:cNvSpPr>
+          <p:nvPr>
+            <p:ph type="dt" idx="12"/>
+          </p:nvPr>
+        </p:nvSpPr>
+        <p:spPr/>
+        <p:txBody>
+          <a:bodyPr/>
+          <a:lstStyle/>
+          <a:p>
+            <a:fld id="{38EEC551-8CDA-4EB6-89BB-2A86C9F091C8}" type="datetime8">
+              <a:rPr lang="en-US" smtClean="0">
+                <a:solidFill>
+                  <a:prstClr val="black"/>
+                </a:solidFill>
+              </a:rPr>
+              <a:pPr/>
+              <a:t>4/27/2016 5:51 PM</a:t>
+            </a:fld>
+            <a:endParaRPr lang="en-US" dirty="0">
+              <a:solidFill>
+                <a:prstClr val="black"/>
+              </a:solidFill>
+            </a:endParaRPr>
+          </a:p>
+        </p:txBody>
+      </p:sp>
+      <p:sp>
+        <p:nvSpPr>
+          <p:cNvPr id="7" name="Slide Number Placeholder 6"/>
+          <p:cNvSpPr>
+            <a:spLocks noGrp="1"/>
+          </p:cNvSpPr>
+          <p:nvPr>
+            <p:ph type="sldNum" sz="quarter" idx="13"/>
+          </p:nvPr>
+        </p:nvSpPr>
+        <p:spPr/>
+        <p:txBody>
+          <a:bodyPr/>
+          <a:lstStyle/>
+          <a:p>
+            <a:fld id="{B4008EB6-D09E-4580-8CD6-DDB14511944F}" type="slidenum">
+              <a:rPr lang="en-US" smtClean="0">
+                <a:solidFill>
+                  <a:prstClr val="black"/>
+                </a:solidFill>
+              </a:rPr>
+              <a:pPr/>
               <a:t>11</a:t>
             </a:fld>
-            <a:endParaRPr lang="en-US"/>
+            <a:endParaRPr lang="en-US" dirty="0">
+              <a:solidFill>
+                <a:prstClr val="black"/>
+              </a:solidFill>
+            </a:endParaRPr>
           </a:p>
         </p:txBody>
       </p:sp>
     </p:spTree>
     <p:extLst>
       <p:ext uri="{BB962C8B-B14F-4D97-AF65-F5344CB8AC3E}">
-        <p14:creationId xmlns:p14="http://schemas.microsoft.com/office/powerpoint/2010/main" val="4201885427"/>
+        <p14:creationId xmlns:p14="http://schemas.microsoft.com/office/powerpoint/2010/main" val="1512084376"/>
       </p:ext>
     </p:extLst>
   </p:cSld>
@@ -715,12 +823,12 @@
       </p:sp>
       <p:sp>
         <p:nvSpPr>
-          <p:cNvPr id="4" name="Slide Number Placeholder 3"/>
+          <p:cNvPr id="4" name="Header Placeholder 3"/>
           <p:cNvSpPr>
             <a:spLocks noGrp="1"/>
           </p:cNvSpPr>
           <p:nvPr>
-            <p:ph type="sldNum" sz="quarter" idx="10"/>
+            <p:ph type="hdr" sz="quarter" idx="10"/>
           </p:nvPr>
         </p:nvSpPr>
         <p:spPr/>
@@ -728,18 +836,123 @@
           <a:bodyPr/>
           <a:lstStyle/>
           <a:p>
-            <a:fld id="{65097B6B-FF96-F443-AED4-FFB28983C4F8}" type="slidenum">
-              <a:rPr lang="en-US" smtClean="0"/>
+            <a:r>
+              <a:rPr lang="en-US" dirty="0">
+                <a:solidFill>
+                  <a:prstClr val="black"/>
+                </a:solidFill>
+              </a:rPr>
+              <a:t>Build 2015</a:t>
+            </a:r>
+          </a:p>
+        </p:txBody>
+      </p:sp>
+      <p:sp>
+        <p:nvSpPr>
+          <p:cNvPr id="5" name="Footer Placeholder 4"/>
+          <p:cNvSpPr>
+            <a:spLocks noGrp="1"/>
+          </p:cNvSpPr>
+          <p:nvPr>
+            <p:ph type="ftr" sz="quarter" idx="11"/>
+          </p:nvPr>
+        </p:nvSpPr>
+        <p:spPr/>
+        <p:txBody>
+          <a:bodyPr/>
+          <a:lstStyle/>
+          <a:p>
+            <a:pPr defTabSz="914099" eaLnBrk="0" hangingPunct="0"/>
+            <a:r>
+              <a:rPr lang="en-US" sz="400" dirty="0">
+                <a:gradFill>
+                  <a:gsLst>
+                    <a:gs pos="0">
+                      <a:prstClr val="black"/>
+                    </a:gs>
+                    <a:gs pos="100000">
+                      <a:prstClr val="black"/>
+                    </a:gs>
+                  </a:gsLst>
+                  <a:lin ang="5400000" scaled="0"/>
+                </a:gradFill>
+                <a:latin typeface="Segoe UI" pitchFamily="34" charset="0"/>
+                <a:ea typeface="Segoe UI" pitchFamily="34" charset="0"/>
+                <a:cs typeface="Segoe UI" pitchFamily="34" charset="0"/>
+              </a:rPr>
+              <a:t>© 2015 Microsoft Corporation. All rights reserved. MICROSOFT MAKES NO WARRANTIES, EXPRESS, IMPLIED OR STATUTORY, AS TO THE INFORMATION IN THIS PRESENTATION.</a:t>
+            </a:r>
+          </a:p>
+        </p:txBody>
+      </p:sp>
+      <p:sp>
+        <p:nvSpPr>
+          <p:cNvPr id="6" name="Date Placeholder 5"/>
+          <p:cNvSpPr>
+            <a:spLocks noGrp="1"/>
+          </p:cNvSpPr>
+          <p:nvPr>
+            <p:ph type="dt" idx="12"/>
+          </p:nvPr>
+        </p:nvSpPr>
+        <p:spPr/>
+        <p:txBody>
+          <a:bodyPr/>
+          <a:lstStyle/>
+          <a:p>
+            <a:fld id="{38EEC551-8CDA-4EB6-89BB-2A86C9F091C8}" type="datetime8">
+              <a:rPr lang="en-US" smtClean="0">
+                <a:solidFill>
+                  <a:prstClr val="black"/>
+                </a:solidFill>
+              </a:rPr>
+              <a:pPr/>
+              <a:t>4/27/2016 3:46 PM</a:t>
+            </a:fld>
+            <a:endParaRPr lang="en-US" dirty="0">
+              <a:solidFill>
+                <a:prstClr val="black"/>
+              </a:solidFill>
+            </a:endParaRPr>
+          </a:p>
+        </p:txBody>
+      </p:sp>
+      <p:sp>
+        <p:nvSpPr>
+          <p:cNvPr id="7" name="Slide Number Placeholder 6"/>
+          <p:cNvSpPr>
+            <a:spLocks noGrp="1"/>
+          </p:cNvSpPr>
+          <p:nvPr>
+            <p:ph type="sldNum" sz="quarter" idx="13"/>
+          </p:nvPr>
+        </p:nvSpPr>
+        <p:spPr/>
+        <p:txBody>
+          <a:bodyPr/>
+          <a:lstStyle/>
+          <a:p>
+            <a:fld id="{B4008EB6-D09E-4580-8CD6-DDB14511944F}" type="slidenum">
+              <a:rPr lang="en-US" smtClean="0">
+                <a:solidFill>
+                  <a:prstClr val="black"/>
+                </a:solidFill>
+              </a:rPr>
+              <a:pPr/>
               <a:t>12</a:t>
             </a:fld>
-            <a:endParaRPr lang="en-US"/>
+            <a:endParaRPr lang="en-US" dirty="0">
+              <a:solidFill>
+                <a:prstClr val="black"/>
+              </a:solidFill>
+            </a:endParaRPr>
           </a:p>
         </p:txBody>
       </p:sp>
     </p:spTree>
     <p:extLst>
       <p:ext uri="{BB962C8B-B14F-4D97-AF65-F5344CB8AC3E}">
-        <p14:creationId xmlns:p14="http://schemas.microsoft.com/office/powerpoint/2010/main" val="945086406"/>
+        <p14:creationId xmlns:p14="http://schemas.microsoft.com/office/powerpoint/2010/main" val="3476993190"/>
       </p:ext>
     </p:extLst>
   </p:cSld>
@@ -799,12 +1012,12 @@
       </p:sp>
       <p:sp>
         <p:nvSpPr>
-          <p:cNvPr id="4" name="Header Placeholder 3"/>
+          <p:cNvPr id="4" name="Slide Number Placeholder 3"/>
           <p:cNvSpPr>
             <a:spLocks noGrp="1"/>
           </p:cNvSpPr>
           <p:nvPr>
-            <p:ph type="hdr" sz="quarter" idx="10"/>
+            <p:ph type="sldNum" sz="quarter" idx="10"/>
           </p:nvPr>
         </p:nvSpPr>
         <p:spPr/>
@@ -812,123 +1025,18 @@
           <a:bodyPr/>
           <a:lstStyle/>
           <a:p>
-            <a:r>
-              <a:rPr lang="en-US" dirty="0">
-                <a:solidFill>
-                  <a:prstClr val="black"/>
-                </a:solidFill>
-              </a:rPr>
-              <a:t>Build 2015</a:t>
-            </a:r>
-          </a:p>
-        </p:txBody>
-      </p:sp>
-      <p:sp>
-        <p:nvSpPr>
-          <p:cNvPr id="5" name="Footer Placeholder 4"/>
-          <p:cNvSpPr>
-            <a:spLocks noGrp="1"/>
-          </p:cNvSpPr>
-          <p:nvPr>
-            <p:ph type="ftr" sz="quarter" idx="11"/>
-          </p:nvPr>
-        </p:nvSpPr>
-        <p:spPr/>
-        <p:txBody>
-          <a:bodyPr/>
-          <a:lstStyle/>
-          <a:p>
-            <a:pPr defTabSz="914099" eaLnBrk="0" hangingPunct="0"/>
-            <a:r>
-              <a:rPr lang="en-US" sz="400" dirty="0">
-                <a:gradFill>
-                  <a:gsLst>
-                    <a:gs pos="0">
-                      <a:prstClr val="black"/>
-                    </a:gs>
-                    <a:gs pos="100000">
-                      <a:prstClr val="black"/>
-                    </a:gs>
-                  </a:gsLst>
-                  <a:lin ang="5400000" scaled="0"/>
-                </a:gradFill>
-                <a:latin typeface="Segoe UI" pitchFamily="34" charset="0"/>
-                <a:ea typeface="Segoe UI" pitchFamily="34" charset="0"/>
-                <a:cs typeface="Segoe UI" pitchFamily="34" charset="0"/>
-              </a:rPr>
-              <a:t>© 2015 Microsoft Corporation. All rights reserved. MICROSOFT MAKES NO WARRANTIES, EXPRESS, IMPLIED OR STATUTORY, AS TO THE INFORMATION IN THIS PRESENTATION.</a:t>
-            </a:r>
-          </a:p>
-        </p:txBody>
-      </p:sp>
-      <p:sp>
-        <p:nvSpPr>
-          <p:cNvPr id="6" name="Date Placeholder 5"/>
-          <p:cNvSpPr>
-            <a:spLocks noGrp="1"/>
-          </p:cNvSpPr>
-          <p:nvPr>
-            <p:ph type="dt" idx="12"/>
-          </p:nvPr>
-        </p:nvSpPr>
-        <p:spPr/>
-        <p:txBody>
-          <a:bodyPr/>
-          <a:lstStyle/>
-          <a:p>
-            <a:fld id="{38EEC551-8CDA-4EB6-89BB-2A86C9F091C8}" type="datetime8">
-              <a:rPr lang="en-US" smtClean="0">
-                <a:solidFill>
-                  <a:prstClr val="black"/>
-                </a:solidFill>
-              </a:rPr>
-              <a:pPr/>
-              <a:t>4/27/2016 3:46 PM</a:t>
-            </a:fld>
-            <a:endParaRPr lang="en-US" dirty="0">
-              <a:solidFill>
-                <a:prstClr val="black"/>
-              </a:solidFill>
-            </a:endParaRPr>
-          </a:p>
-        </p:txBody>
-      </p:sp>
-      <p:sp>
-        <p:nvSpPr>
-          <p:cNvPr id="7" name="Slide Number Placeholder 6"/>
-          <p:cNvSpPr>
-            <a:spLocks noGrp="1"/>
-          </p:cNvSpPr>
-          <p:nvPr>
-            <p:ph type="sldNum" sz="quarter" idx="13"/>
-          </p:nvPr>
-        </p:nvSpPr>
-        <p:spPr/>
-        <p:txBody>
-          <a:bodyPr/>
-          <a:lstStyle/>
-          <a:p>
-            <a:fld id="{B4008EB6-D09E-4580-8CD6-DDB14511944F}" type="slidenum">
-              <a:rPr lang="en-US" smtClean="0">
-                <a:solidFill>
-                  <a:prstClr val="black"/>
-                </a:solidFill>
-              </a:rPr>
-              <a:pPr/>
+            <a:fld id="{65097B6B-FF96-F443-AED4-FFB28983C4F8}" type="slidenum">
+              <a:rPr lang="en-US" smtClean="0"/>
               <a:t>13</a:t>
             </a:fld>
-            <a:endParaRPr lang="en-US" dirty="0">
-              <a:solidFill>
-                <a:prstClr val="black"/>
-              </a:solidFill>
-            </a:endParaRPr>
+            <a:endParaRPr lang="en-US"/>
           </a:p>
         </p:txBody>
       </p:sp>
     </p:spTree>
     <p:extLst>
       <p:ext uri="{BB962C8B-B14F-4D97-AF65-F5344CB8AC3E}">
-        <p14:creationId xmlns:p14="http://schemas.microsoft.com/office/powerpoint/2010/main" val="1026983398"/>
+        <p14:creationId xmlns:p14="http://schemas.microsoft.com/office/powerpoint/2010/main" val="375003379"/>
       </p:ext>
     </p:extLst>
   </p:cSld>
@@ -988,12 +1096,12 @@
       </p:sp>
       <p:sp>
         <p:nvSpPr>
-          <p:cNvPr id="4" name="Header Placeholder 3"/>
+          <p:cNvPr id="4" name="Slide Number Placeholder 3"/>
           <p:cNvSpPr>
             <a:spLocks noGrp="1"/>
           </p:cNvSpPr>
           <p:nvPr>
-            <p:ph type="hdr" sz="quarter" idx="10"/>
+            <p:ph type="sldNum" sz="quarter" idx="10"/>
           </p:nvPr>
         </p:nvSpPr>
         <p:spPr/>
@@ -1001,123 +1109,18 @@
           <a:bodyPr/>
           <a:lstStyle/>
           <a:p>
-            <a:r>
-              <a:rPr lang="en-US" dirty="0">
-                <a:solidFill>
-                  <a:prstClr val="black"/>
-                </a:solidFill>
-              </a:rPr>
-              <a:t>Build 2015</a:t>
-            </a:r>
-          </a:p>
-        </p:txBody>
-      </p:sp>
-      <p:sp>
-        <p:nvSpPr>
-          <p:cNvPr id="5" name="Footer Placeholder 4"/>
-          <p:cNvSpPr>
-            <a:spLocks noGrp="1"/>
-          </p:cNvSpPr>
-          <p:nvPr>
-            <p:ph type="ftr" sz="quarter" idx="11"/>
-          </p:nvPr>
-        </p:nvSpPr>
-        <p:spPr/>
-        <p:txBody>
-          <a:bodyPr/>
-          <a:lstStyle/>
-          <a:p>
-            <a:pPr defTabSz="914099" eaLnBrk="0" hangingPunct="0"/>
-            <a:r>
-              <a:rPr lang="en-US" sz="400" dirty="0">
-                <a:gradFill>
-                  <a:gsLst>
-                    <a:gs pos="0">
-                      <a:prstClr val="black"/>
-                    </a:gs>
-                    <a:gs pos="100000">
-                      <a:prstClr val="black"/>
-                    </a:gs>
-                  </a:gsLst>
-                  <a:lin ang="5400000" scaled="0"/>
-                </a:gradFill>
-                <a:latin typeface="Segoe UI" pitchFamily="34" charset="0"/>
-                <a:ea typeface="Segoe UI" pitchFamily="34" charset="0"/>
-                <a:cs typeface="Segoe UI" pitchFamily="34" charset="0"/>
-              </a:rPr>
-              <a:t>© 2015 Microsoft Corporation. All rights reserved. MICROSOFT MAKES NO WARRANTIES, EXPRESS, IMPLIED OR STATUTORY, AS TO THE INFORMATION IN THIS PRESENTATION.</a:t>
-            </a:r>
-          </a:p>
-        </p:txBody>
-      </p:sp>
-      <p:sp>
-        <p:nvSpPr>
-          <p:cNvPr id="6" name="Date Placeholder 5"/>
-          <p:cNvSpPr>
-            <a:spLocks noGrp="1"/>
-          </p:cNvSpPr>
-          <p:nvPr>
-            <p:ph type="dt" idx="12"/>
-          </p:nvPr>
-        </p:nvSpPr>
-        <p:spPr/>
-        <p:txBody>
-          <a:bodyPr/>
-          <a:lstStyle/>
-          <a:p>
-            <a:fld id="{38EEC551-8CDA-4EB6-89BB-2A86C9F091C8}" type="datetime8">
-              <a:rPr lang="en-US" smtClean="0">
-                <a:solidFill>
-                  <a:prstClr val="black"/>
-                </a:solidFill>
-              </a:rPr>
-              <a:pPr/>
-              <a:t>4/27/2016 3:46 PM</a:t>
-            </a:fld>
-            <a:endParaRPr lang="en-US" dirty="0">
-              <a:solidFill>
-                <a:prstClr val="black"/>
-              </a:solidFill>
-            </a:endParaRPr>
-          </a:p>
-        </p:txBody>
-      </p:sp>
-      <p:sp>
-        <p:nvSpPr>
-          <p:cNvPr id="7" name="Slide Number Placeholder 6"/>
-          <p:cNvSpPr>
-            <a:spLocks noGrp="1"/>
-          </p:cNvSpPr>
-          <p:nvPr>
-            <p:ph type="sldNum" sz="quarter" idx="13"/>
-          </p:nvPr>
-        </p:nvSpPr>
-        <p:spPr/>
-        <p:txBody>
-          <a:bodyPr/>
-          <a:lstStyle/>
-          <a:p>
-            <a:fld id="{B4008EB6-D09E-4580-8CD6-DDB14511944F}" type="slidenum">
-              <a:rPr lang="en-US" smtClean="0">
-                <a:solidFill>
-                  <a:prstClr val="black"/>
-                </a:solidFill>
-              </a:rPr>
-              <a:pPr/>
+            <a:fld id="{65097B6B-FF96-F443-AED4-FFB28983C4F8}" type="slidenum">
+              <a:rPr lang="en-US" smtClean="0"/>
               <a:t>14</a:t>
             </a:fld>
-            <a:endParaRPr lang="en-US" dirty="0">
-              <a:solidFill>
-                <a:prstClr val="black"/>
-              </a:solidFill>
-            </a:endParaRPr>
+            <a:endParaRPr lang="en-US"/>
           </a:p>
         </p:txBody>
       </p:sp>
     </p:spTree>
     <p:extLst>
       <p:ext uri="{BB962C8B-B14F-4D97-AF65-F5344CB8AC3E}">
-        <p14:creationId xmlns:p14="http://schemas.microsoft.com/office/powerpoint/2010/main" val="2452547223"/>
+        <p14:creationId xmlns:p14="http://schemas.microsoft.com/office/powerpoint/2010/main" val="4201885427"/>
       </p:ext>
     </p:extLst>
   </p:cSld>
@@ -1177,12 +1180,12 @@
       </p:sp>
       <p:sp>
         <p:nvSpPr>
-          <p:cNvPr id="4" name="Header Placeholder 3"/>
+          <p:cNvPr id="4" name="Slide Number Placeholder 3"/>
           <p:cNvSpPr>
             <a:spLocks noGrp="1"/>
           </p:cNvSpPr>
           <p:nvPr>
-            <p:ph type="hdr" sz="quarter" idx="10"/>
+            <p:ph type="sldNum" sz="quarter" idx="10"/>
           </p:nvPr>
         </p:nvSpPr>
         <p:spPr/>
@@ -1190,123 +1193,18 @@
           <a:bodyPr/>
           <a:lstStyle/>
           <a:p>
-            <a:r>
-              <a:rPr lang="en-US" dirty="0">
-                <a:solidFill>
-                  <a:prstClr val="black"/>
-                </a:solidFill>
-              </a:rPr>
-              <a:t>Build 2015</a:t>
-            </a:r>
-          </a:p>
-        </p:txBody>
-      </p:sp>
-      <p:sp>
-        <p:nvSpPr>
-          <p:cNvPr id="5" name="Footer Placeholder 4"/>
-          <p:cNvSpPr>
-            <a:spLocks noGrp="1"/>
-          </p:cNvSpPr>
-          <p:nvPr>
-            <p:ph type="ftr" sz="quarter" idx="11"/>
-          </p:nvPr>
-        </p:nvSpPr>
-        <p:spPr/>
-        <p:txBody>
-          <a:bodyPr/>
-          <a:lstStyle/>
-          <a:p>
-            <a:pPr defTabSz="914099" eaLnBrk="0" hangingPunct="0"/>
-            <a:r>
-              <a:rPr lang="en-US" sz="400" dirty="0">
-                <a:gradFill>
-                  <a:gsLst>
-                    <a:gs pos="0">
-                      <a:prstClr val="black"/>
-                    </a:gs>
-                    <a:gs pos="100000">
-                      <a:prstClr val="black"/>
-                    </a:gs>
-                  </a:gsLst>
-                  <a:lin ang="5400000" scaled="0"/>
-                </a:gradFill>
-                <a:latin typeface="Segoe UI" pitchFamily="34" charset="0"/>
-                <a:ea typeface="Segoe UI" pitchFamily="34" charset="0"/>
-                <a:cs typeface="Segoe UI" pitchFamily="34" charset="0"/>
-              </a:rPr>
-              <a:t>© 2015 Microsoft Corporation. All rights reserved. MICROSOFT MAKES NO WARRANTIES, EXPRESS, IMPLIED OR STATUTORY, AS TO THE INFORMATION IN THIS PRESENTATION.</a:t>
-            </a:r>
-          </a:p>
-        </p:txBody>
-      </p:sp>
-      <p:sp>
-        <p:nvSpPr>
-          <p:cNvPr id="6" name="Date Placeholder 5"/>
-          <p:cNvSpPr>
-            <a:spLocks noGrp="1"/>
-          </p:cNvSpPr>
-          <p:nvPr>
-            <p:ph type="dt" idx="12"/>
-          </p:nvPr>
-        </p:nvSpPr>
-        <p:spPr/>
-        <p:txBody>
-          <a:bodyPr/>
-          <a:lstStyle/>
-          <a:p>
-            <a:fld id="{38EEC551-8CDA-4EB6-89BB-2A86C9F091C8}" type="datetime8">
-              <a:rPr lang="en-US" smtClean="0">
-                <a:solidFill>
-                  <a:prstClr val="black"/>
-                </a:solidFill>
-              </a:rPr>
-              <a:pPr/>
-              <a:t>4/27/2016 3:46 PM</a:t>
-            </a:fld>
-            <a:endParaRPr lang="en-US" dirty="0">
-              <a:solidFill>
-                <a:prstClr val="black"/>
-              </a:solidFill>
-            </a:endParaRPr>
-          </a:p>
-        </p:txBody>
-      </p:sp>
-      <p:sp>
-        <p:nvSpPr>
-          <p:cNvPr id="7" name="Slide Number Placeholder 6"/>
-          <p:cNvSpPr>
-            <a:spLocks noGrp="1"/>
-          </p:cNvSpPr>
-          <p:nvPr>
-            <p:ph type="sldNum" sz="quarter" idx="13"/>
-          </p:nvPr>
-        </p:nvSpPr>
-        <p:spPr/>
-        <p:txBody>
-          <a:bodyPr/>
-          <a:lstStyle/>
-          <a:p>
-            <a:fld id="{B4008EB6-D09E-4580-8CD6-DDB14511944F}" type="slidenum">
-              <a:rPr lang="en-US" smtClean="0">
-                <a:solidFill>
-                  <a:prstClr val="black"/>
-                </a:solidFill>
-              </a:rPr>
-              <a:pPr/>
+            <a:fld id="{65097B6B-FF96-F443-AED4-FFB28983C4F8}" type="slidenum">
+              <a:rPr lang="en-US" smtClean="0"/>
               <a:t>15</a:t>
             </a:fld>
-            <a:endParaRPr lang="en-US" dirty="0">
-              <a:solidFill>
-                <a:prstClr val="black"/>
-              </a:solidFill>
-            </a:endParaRPr>
+            <a:endParaRPr lang="en-US"/>
           </a:p>
         </p:txBody>
       </p:sp>
     </p:spTree>
     <p:extLst>
       <p:ext uri="{BB962C8B-B14F-4D97-AF65-F5344CB8AC3E}">
-        <p14:creationId xmlns:p14="http://schemas.microsoft.com/office/powerpoint/2010/main" val="740047575"/>
+        <p14:creationId xmlns:p14="http://schemas.microsoft.com/office/powerpoint/2010/main" val="945086406"/>
       </p:ext>
     </p:extLst>
   </p:cSld>
@@ -1360,37 +1258,6 @@
           <a:bodyPr/>
           <a:lstStyle/>
           <a:p>
-            <a:r>
-              <a:rPr lang="en-GB" dirty="0"/>
-              <a:t> support for deployment server like octopus - build once, deploy everywhere</a:t>
-            </a:r>
-          </a:p>
-          <a:p>
-            <a:endParaRPr lang="en-GB" dirty="0"/>
-          </a:p>
-          <a:p>
-            <a:r>
-              <a:rPr lang="en-GB" dirty="0" err="1"/>
-              <a:t>ios</a:t>
-            </a:r>
-            <a:r>
-              <a:rPr lang="en-GB" dirty="0"/>
-              <a:t> needs </a:t>
-            </a:r>
-            <a:r>
-              <a:rPr lang="en-GB" dirty="0" err="1"/>
-              <a:t>ipa</a:t>
-            </a:r>
-            <a:r>
-              <a:rPr lang="en-GB" dirty="0"/>
-              <a:t> resigning (http://www.xgiovio.com/blog-photos-videos-other/blog/resign-your-ios-ipa-frameworks-and-plugins-included/)</a:t>
-            </a:r>
-          </a:p>
-          <a:p>
-            <a:r>
-              <a:rPr lang="en-GB" dirty="0"/>
-              <a:t>	</a:t>
-            </a:r>
             <a:endParaRPr lang="en-US" dirty="0"/>
           </a:p>
         </p:txBody>
@@ -1526,7 +1393,7 @@
     </p:spTree>
     <p:extLst>
       <p:ext uri="{BB962C8B-B14F-4D97-AF65-F5344CB8AC3E}">
-        <p14:creationId xmlns:p14="http://schemas.microsoft.com/office/powerpoint/2010/main" val="2289436491"/>
+        <p14:creationId xmlns:p14="http://schemas.microsoft.com/office/powerpoint/2010/main" val="1026983398"/>
       </p:ext>
     </p:extLst>
   </p:cSld>
@@ -1715,7 +1582,7 @@
     </p:spTree>
     <p:extLst>
       <p:ext uri="{BB962C8B-B14F-4D97-AF65-F5344CB8AC3E}">
-        <p14:creationId xmlns:p14="http://schemas.microsoft.com/office/powerpoint/2010/main" val="757036243"/>
+        <p14:creationId xmlns:p14="http://schemas.microsoft.com/office/powerpoint/2010/main" val="2452547223"/>
       </p:ext>
     </p:extLst>
   </p:cSld>
@@ -1769,41 +1636,18 @@
           <a:bodyPr/>
           <a:lstStyle/>
           <a:p>
-            <a:pPr marL="0" marR="0" indent="0" algn="l" defTabSz="914400" rtl="0" eaLnBrk="1" fontAlgn="auto" latinLnBrk="0" hangingPunct="1">
-              <a:lnSpc>
-                <a:spcPct val="100000"/>
-              </a:lnSpc>
-              <a:spcBef>
-                <a:spcPts val="0"/>
-              </a:spcBef>
-              <a:spcAft>
-                <a:spcPts val="0"/>
-              </a:spcAft>
-              <a:buClrTx/>
-              <a:buSzTx/>
-              <a:buFontTx/>
-              <a:buNone/>
-              <a:tabLst/>
-              <a:defRPr/>
-            </a:pPr>
-            <a:r>
-              <a:rPr lang="en-US" dirty="0"/>
-              <a:t>Xamarin Forms is a new set of APIs allowing you to quickly and easily write shared User Interface code that is still rendered natively on each platform, while still providing direct access to the underlying SDKs if you need it.</a:t>
-            </a:r>
-          </a:p>
-          <a:p>
             <a:endParaRPr lang="en-US" dirty="0"/>
           </a:p>
         </p:txBody>
       </p:sp>
       <p:sp>
         <p:nvSpPr>
-          <p:cNvPr id="4" name="Slide Number Placeholder 3"/>
+          <p:cNvPr id="4" name="Header Placeholder 3"/>
           <p:cNvSpPr>
             <a:spLocks noGrp="1"/>
           </p:cNvSpPr>
           <p:nvPr>
-            <p:ph type="sldNum" sz="quarter" idx="10"/>
+            <p:ph type="hdr" sz="quarter" idx="10"/>
           </p:nvPr>
         </p:nvSpPr>
         <p:spPr/>
@@ -1811,18 +1655,123 @@
           <a:bodyPr/>
           <a:lstStyle/>
           <a:p>
-            <a:fld id="{65097B6B-FF96-F443-AED4-FFB28983C4F8}" type="slidenum">
-              <a:rPr lang="en-US" smtClean="0"/>
+            <a:r>
+              <a:rPr lang="en-US" dirty="0">
+                <a:solidFill>
+                  <a:prstClr val="black"/>
+                </a:solidFill>
+              </a:rPr>
+              <a:t>Build 2015</a:t>
+            </a:r>
+          </a:p>
+        </p:txBody>
+      </p:sp>
+      <p:sp>
+        <p:nvSpPr>
+          <p:cNvPr id="5" name="Footer Placeholder 4"/>
+          <p:cNvSpPr>
+            <a:spLocks noGrp="1"/>
+          </p:cNvSpPr>
+          <p:nvPr>
+            <p:ph type="ftr" sz="quarter" idx="11"/>
+          </p:nvPr>
+        </p:nvSpPr>
+        <p:spPr/>
+        <p:txBody>
+          <a:bodyPr/>
+          <a:lstStyle/>
+          <a:p>
+            <a:pPr defTabSz="914099" eaLnBrk="0" hangingPunct="0"/>
+            <a:r>
+              <a:rPr lang="en-US" sz="400" dirty="0">
+                <a:gradFill>
+                  <a:gsLst>
+                    <a:gs pos="0">
+                      <a:prstClr val="black"/>
+                    </a:gs>
+                    <a:gs pos="100000">
+                      <a:prstClr val="black"/>
+                    </a:gs>
+                  </a:gsLst>
+                  <a:lin ang="5400000" scaled="0"/>
+                </a:gradFill>
+                <a:latin typeface="Segoe UI" pitchFamily="34" charset="0"/>
+                <a:ea typeface="Segoe UI" pitchFamily="34" charset="0"/>
+                <a:cs typeface="Segoe UI" pitchFamily="34" charset="0"/>
+              </a:rPr>
+              <a:t>© 2015 Microsoft Corporation. All rights reserved. MICROSOFT MAKES NO WARRANTIES, EXPRESS, IMPLIED OR STATUTORY, AS TO THE INFORMATION IN THIS PRESENTATION.</a:t>
+            </a:r>
+          </a:p>
+        </p:txBody>
+      </p:sp>
+      <p:sp>
+        <p:nvSpPr>
+          <p:cNvPr id="6" name="Date Placeholder 5"/>
+          <p:cNvSpPr>
+            <a:spLocks noGrp="1"/>
+          </p:cNvSpPr>
+          <p:nvPr>
+            <p:ph type="dt" idx="12"/>
+          </p:nvPr>
+        </p:nvSpPr>
+        <p:spPr/>
+        <p:txBody>
+          <a:bodyPr/>
+          <a:lstStyle/>
+          <a:p>
+            <a:fld id="{38EEC551-8CDA-4EB6-89BB-2A86C9F091C8}" type="datetime8">
+              <a:rPr lang="en-US" smtClean="0">
+                <a:solidFill>
+                  <a:prstClr val="black"/>
+                </a:solidFill>
+              </a:rPr>
+              <a:pPr/>
+              <a:t>4/27/2016 3:46 PM</a:t>
+            </a:fld>
+            <a:endParaRPr lang="en-US" dirty="0">
+              <a:solidFill>
+                <a:prstClr val="black"/>
+              </a:solidFill>
+            </a:endParaRPr>
+          </a:p>
+        </p:txBody>
+      </p:sp>
+      <p:sp>
+        <p:nvSpPr>
+          <p:cNvPr id="7" name="Slide Number Placeholder 6"/>
+          <p:cNvSpPr>
+            <a:spLocks noGrp="1"/>
+          </p:cNvSpPr>
+          <p:nvPr>
+            <p:ph type="sldNum" sz="quarter" idx="13"/>
+          </p:nvPr>
+        </p:nvSpPr>
+        <p:spPr/>
+        <p:txBody>
+          <a:bodyPr/>
+          <a:lstStyle/>
+          <a:p>
+            <a:fld id="{B4008EB6-D09E-4580-8CD6-DDB14511944F}" type="slidenum">
+              <a:rPr lang="en-US" smtClean="0">
+                <a:solidFill>
+                  <a:prstClr val="black"/>
+                </a:solidFill>
+              </a:rPr>
+              <a:pPr/>
               <a:t>18</a:t>
             </a:fld>
-            <a:endParaRPr lang="en-US"/>
+            <a:endParaRPr lang="en-US" dirty="0">
+              <a:solidFill>
+                <a:prstClr val="black"/>
+              </a:solidFill>
+            </a:endParaRPr>
           </a:p>
         </p:txBody>
       </p:sp>
     </p:spTree>
     <p:extLst>
       <p:ext uri="{BB962C8B-B14F-4D97-AF65-F5344CB8AC3E}">
-        <p14:creationId xmlns:p14="http://schemas.microsoft.com/office/powerpoint/2010/main" val="356228371"/>
+        <p14:creationId xmlns:p14="http://schemas.microsoft.com/office/powerpoint/2010/main" val="740047575"/>
       </p:ext>
     </p:extLst>
   </p:cSld>
@@ -1876,18 +1825,49 @@
           <a:bodyPr/>
           <a:lstStyle/>
           <a:p>
+            <a:r>
+              <a:rPr lang="en-GB" dirty="0"/>
+              <a:t> support for deployment server like octopus - build once, deploy everywhere</a:t>
+            </a:r>
+          </a:p>
+          <a:p>
+            <a:endParaRPr lang="en-GB" dirty="0"/>
+          </a:p>
+          <a:p>
+            <a:r>
+              <a:rPr lang="en-GB" dirty="0" err="1"/>
+              <a:t>ios</a:t>
+            </a:r>
+            <a:r>
+              <a:rPr lang="en-GB" dirty="0"/>
+              <a:t> needs </a:t>
+            </a:r>
+            <a:r>
+              <a:rPr lang="en-GB" dirty="0" err="1"/>
+              <a:t>ipa</a:t>
+            </a:r>
+            <a:r>
+              <a:rPr lang="en-GB" dirty="0"/>
+              <a:t> resigning (http://www.xgiovio.com/blog-photos-videos-other/blog/resign-your-ios-ipa-frameworks-and-plugins-included/)</a:t>
+            </a:r>
+          </a:p>
+          <a:p>
+            <a:r>
+              <a:rPr lang="en-GB" dirty="0"/>
+              <a:t>	</a:t>
+            </a:r>
             <a:endParaRPr lang="en-US" dirty="0"/>
           </a:p>
         </p:txBody>
       </p:sp>
       <p:sp>
         <p:nvSpPr>
-          <p:cNvPr id="4" name="Footer Placeholder 3"/>
+          <p:cNvPr id="4" name="Header Placeholder 3"/>
           <p:cNvSpPr>
             <a:spLocks noGrp="1"/>
           </p:cNvSpPr>
           <p:nvPr>
-            <p:ph type="ftr" sz="quarter" idx="10"/>
+            <p:ph type="hdr" sz="quarter" idx="10"/>
           </p:nvPr>
         </p:nvSpPr>
         <p:spPr/>
@@ -1895,9 +1875,35 @@
           <a:bodyPr/>
           <a:lstStyle/>
           <a:p>
+            <a:r>
+              <a:rPr lang="en-US" dirty="0">
+                <a:solidFill>
+                  <a:prstClr val="black"/>
+                </a:solidFill>
+              </a:rPr>
+              <a:t>Build 2015</a:t>
+            </a:r>
+          </a:p>
+        </p:txBody>
+      </p:sp>
+      <p:sp>
+        <p:nvSpPr>
+          <p:cNvPr id="5" name="Footer Placeholder 4"/>
+          <p:cNvSpPr>
+            <a:spLocks noGrp="1"/>
+          </p:cNvSpPr>
+          <p:nvPr>
+            <p:ph type="ftr" sz="quarter" idx="11"/>
+          </p:nvPr>
+        </p:nvSpPr>
+        <p:spPr/>
+        <p:txBody>
+          <a:bodyPr/>
+          <a:lstStyle/>
+          <a:p>
             <a:pPr defTabSz="914099" eaLnBrk="0" hangingPunct="0"/>
             <a:r>
-              <a:rPr lang="en-US" sz="400">
+              <a:rPr lang="en-US" sz="400" dirty="0">
                 <a:gradFill>
                   <a:gsLst>
                     <a:gs pos="0">
@@ -1913,35 +1919,19 @@
                 <a:ea typeface="Segoe UI" pitchFamily="34" charset="0"/>
                 <a:cs typeface="Segoe UI" pitchFamily="34" charset="0"/>
               </a:rPr>
-              <a:t>© 2014 Microsoft Corporation. All rights reserved. Microsoft, Windows, and other product names are or may be registered trademarks and/or trademarks in the U.S. and/or other countries. The information herein is for informational purposes only and represents the current view of Microsoft Corporation as of the date of this presentation.  Because Microsoft must respond to changing market conditions, it should not be interpreted to be a commitment on the part of Microsoft, and Microsoft cannot guarantee the accuracy of any information provided after the date of this presentation.  MICROSOFT MAKES NO WARRANTIES, EXPRESS, IMPLIED OR STATUTORY, AS TO THE INFORMATION IN THIS PRESENTATION.</a:t>
-            </a:r>
-            <a:endParaRPr lang="en-US" sz="400" dirty="0">
-              <a:gradFill>
-                <a:gsLst>
-                  <a:gs pos="0">
-                    <a:prstClr val="black"/>
-                  </a:gs>
-                  <a:gs pos="100000">
-                    <a:prstClr val="black"/>
-                  </a:gs>
-                </a:gsLst>
-                <a:lin ang="5400000" scaled="0"/>
-              </a:gradFill>
-              <a:latin typeface="Segoe UI" pitchFamily="34" charset="0"/>
-              <a:ea typeface="Segoe UI" pitchFamily="34" charset="0"/>
-              <a:cs typeface="Segoe UI" pitchFamily="34" charset="0"/>
-            </a:endParaRPr>
+              <a:t>© 2015 Microsoft Corporation. All rights reserved. MICROSOFT MAKES NO WARRANTIES, EXPRESS, IMPLIED OR STATUTORY, AS TO THE INFORMATION IN THIS PRESENTATION.</a:t>
+            </a:r>
           </a:p>
         </p:txBody>
       </p:sp>
       <p:sp>
         <p:nvSpPr>
-          <p:cNvPr id="5" name="Date Placeholder 4"/>
+          <p:cNvPr id="6" name="Date Placeholder 5"/>
           <p:cNvSpPr>
             <a:spLocks noGrp="1"/>
           </p:cNvSpPr>
           <p:nvPr>
-            <p:ph type="dt" idx="11"/>
+            <p:ph type="dt" idx="12"/>
           </p:nvPr>
         </p:nvSpPr>
         <p:spPr/>
@@ -1949,22 +1939,31 @@
           <a:bodyPr/>
           <a:lstStyle/>
           <a:p>
-            <a:fld id="{E74353ED-ACB2-44BF-A903-985B0AF962B7}" type="datetime1">
-              <a:rPr lang="en-US" smtClean="0"/>
-              <a:t>4/27/2016</a:t>
+            <a:fld id="{38EEC551-8CDA-4EB6-89BB-2A86C9F091C8}" type="datetime8">
+              <a:rPr lang="en-US" smtClean="0">
+                <a:solidFill>
+                  <a:prstClr val="black"/>
+                </a:solidFill>
+              </a:rPr>
+              <a:pPr/>
+              <a:t>4/27/2016 3:46 PM</a:t>
             </a:fld>
-            <a:endParaRPr lang="en-US" dirty="0"/>
+            <a:endParaRPr lang="en-US" dirty="0">
+              <a:solidFill>
+                <a:prstClr val="black"/>
+              </a:solidFill>
+            </a:endParaRPr>
           </a:p>
         </p:txBody>
       </p:sp>
       <p:sp>
         <p:nvSpPr>
-          <p:cNvPr id="6" name="Slide Number Placeholder 5"/>
+          <p:cNvPr id="7" name="Slide Number Placeholder 6"/>
           <p:cNvSpPr>
             <a:spLocks noGrp="1"/>
           </p:cNvSpPr>
           <p:nvPr>
-            <p:ph type="sldNum" sz="quarter" idx="12"/>
+            <p:ph type="sldNum" sz="quarter" idx="13"/>
           </p:nvPr>
         </p:nvSpPr>
         <p:spPr/>
@@ -1973,18 +1972,215 @@
           <a:lstStyle/>
           <a:p>
             <a:fld id="{B4008EB6-D09E-4580-8CD6-DDB14511944F}" type="slidenum">
-              <a:rPr lang="en-US" smtClean="0"/>
+              <a:rPr lang="en-US" smtClean="0">
+                <a:solidFill>
+                  <a:prstClr val="black"/>
+                </a:solidFill>
+              </a:rPr>
               <a:pPr/>
               <a:t>19</a:t>
             </a:fld>
-            <a:endParaRPr lang="en-US" dirty="0"/>
+            <a:endParaRPr lang="en-US" dirty="0">
+              <a:solidFill>
+                <a:prstClr val="black"/>
+              </a:solidFill>
+            </a:endParaRPr>
           </a:p>
         </p:txBody>
       </p:sp>
     </p:spTree>
     <p:extLst>
       <p:ext uri="{BB962C8B-B14F-4D97-AF65-F5344CB8AC3E}">
-        <p14:creationId xmlns:p14="http://schemas.microsoft.com/office/powerpoint/2010/main" val="1735079296"/>
+        <p14:creationId xmlns:p14="http://schemas.microsoft.com/office/powerpoint/2010/main" val="2289436491"/>
+      </p:ext>
+    </p:extLst>
+  </p:cSld>
+  <p:clrMapOvr>
+    <a:masterClrMapping/>
+  </p:clrMapOvr>
+</p:notes>
+</file>
+
+<file path=ppt/notesSlides/notesSlide19.xml><?xml version="1.0" encoding="utf-8"?>
+<p:notes xmlns:a="http://schemas.openxmlformats.org/drawingml/2006/main" xmlns:r="http://schemas.openxmlformats.org/officeDocument/2006/relationships" xmlns:p="http://schemas.openxmlformats.org/presentationml/2006/main">
+  <p:cSld>
+    <p:spTree>
+      <p:nvGrpSpPr>
+        <p:cNvPr id="1" name=""/>
+        <p:cNvGrpSpPr/>
+        <p:nvPr/>
+      </p:nvGrpSpPr>
+      <p:grpSpPr>
+        <a:xfrm>
+          <a:off x="0" y="0"/>
+          <a:ext cx="0" cy="0"/>
+          <a:chOff x="0" y="0"/>
+          <a:chExt cx="0" cy="0"/>
+        </a:xfrm>
+      </p:grpSpPr>
+      <p:sp>
+        <p:nvSpPr>
+          <p:cNvPr id="2" name="Slide Image Placeholder 1"/>
+          <p:cNvSpPr>
+            <a:spLocks noGrp="1" noRot="1" noChangeAspect="1"/>
+          </p:cNvSpPr>
+          <p:nvPr>
+            <p:ph type="sldImg"/>
+          </p:nvPr>
+        </p:nvSpPr>
+        <p:spPr/>
+      </p:sp>
+      <p:sp>
+        <p:nvSpPr>
+          <p:cNvPr id="3" name="Notes Placeholder 2"/>
+          <p:cNvSpPr>
+            <a:spLocks noGrp="1"/>
+          </p:cNvSpPr>
+          <p:nvPr>
+            <p:ph type="body" idx="1"/>
+          </p:nvPr>
+        </p:nvSpPr>
+        <p:spPr/>
+        <p:txBody>
+          <a:bodyPr/>
+          <a:lstStyle/>
+          <a:p>
+            <a:endParaRPr lang="en-US" dirty="0"/>
+          </a:p>
+        </p:txBody>
+      </p:sp>
+      <p:sp>
+        <p:nvSpPr>
+          <p:cNvPr id="4" name="Header Placeholder 3"/>
+          <p:cNvSpPr>
+            <a:spLocks noGrp="1"/>
+          </p:cNvSpPr>
+          <p:nvPr>
+            <p:ph type="hdr" sz="quarter" idx="10"/>
+          </p:nvPr>
+        </p:nvSpPr>
+        <p:spPr/>
+        <p:txBody>
+          <a:bodyPr/>
+          <a:lstStyle/>
+          <a:p>
+            <a:r>
+              <a:rPr lang="en-US" dirty="0">
+                <a:solidFill>
+                  <a:prstClr val="black"/>
+                </a:solidFill>
+              </a:rPr>
+              <a:t>Build 2015</a:t>
+            </a:r>
+          </a:p>
+        </p:txBody>
+      </p:sp>
+      <p:sp>
+        <p:nvSpPr>
+          <p:cNvPr id="5" name="Footer Placeholder 4"/>
+          <p:cNvSpPr>
+            <a:spLocks noGrp="1"/>
+          </p:cNvSpPr>
+          <p:nvPr>
+            <p:ph type="ftr" sz="quarter" idx="11"/>
+          </p:nvPr>
+        </p:nvSpPr>
+        <p:spPr/>
+        <p:txBody>
+          <a:bodyPr/>
+          <a:lstStyle/>
+          <a:p>
+            <a:pPr defTabSz="914099" eaLnBrk="0" hangingPunct="0"/>
+            <a:r>
+              <a:rPr lang="en-US" sz="400" dirty="0">
+                <a:gradFill>
+                  <a:gsLst>
+                    <a:gs pos="0">
+                      <a:prstClr val="black"/>
+                    </a:gs>
+                    <a:gs pos="100000">
+                      <a:prstClr val="black"/>
+                    </a:gs>
+                  </a:gsLst>
+                  <a:lin ang="5400000" scaled="0"/>
+                </a:gradFill>
+                <a:latin typeface="Segoe UI" pitchFamily="34" charset="0"/>
+                <a:ea typeface="Segoe UI" pitchFamily="34" charset="0"/>
+                <a:cs typeface="Segoe UI" pitchFamily="34" charset="0"/>
+              </a:rPr>
+              <a:t>© 2015 Microsoft Corporation. All rights reserved. MICROSOFT MAKES NO WARRANTIES, EXPRESS, IMPLIED OR STATUTORY, AS TO THE INFORMATION IN THIS PRESENTATION.</a:t>
+            </a:r>
+          </a:p>
+        </p:txBody>
+      </p:sp>
+      <p:sp>
+        <p:nvSpPr>
+          <p:cNvPr id="6" name="Date Placeholder 5"/>
+          <p:cNvSpPr>
+            <a:spLocks noGrp="1"/>
+          </p:cNvSpPr>
+          <p:nvPr>
+            <p:ph type="dt" idx="12"/>
+          </p:nvPr>
+        </p:nvSpPr>
+        <p:spPr/>
+        <p:txBody>
+          <a:bodyPr/>
+          <a:lstStyle/>
+          <a:p>
+            <a:fld id="{38EEC551-8CDA-4EB6-89BB-2A86C9F091C8}" type="datetime8">
+              <a:rPr lang="en-US" smtClean="0">
+                <a:solidFill>
+                  <a:prstClr val="black"/>
+                </a:solidFill>
+              </a:rPr>
+              <a:pPr/>
+              <a:t>4/27/2016 3:46 PM</a:t>
+            </a:fld>
+            <a:endParaRPr lang="en-US" dirty="0">
+              <a:solidFill>
+                <a:prstClr val="black"/>
+              </a:solidFill>
+            </a:endParaRPr>
+          </a:p>
+        </p:txBody>
+      </p:sp>
+      <p:sp>
+        <p:nvSpPr>
+          <p:cNvPr id="7" name="Slide Number Placeholder 6"/>
+          <p:cNvSpPr>
+            <a:spLocks noGrp="1"/>
+          </p:cNvSpPr>
+          <p:nvPr>
+            <p:ph type="sldNum" sz="quarter" idx="13"/>
+          </p:nvPr>
+        </p:nvSpPr>
+        <p:spPr/>
+        <p:txBody>
+          <a:bodyPr/>
+          <a:lstStyle/>
+          <a:p>
+            <a:fld id="{B4008EB6-D09E-4580-8CD6-DDB14511944F}" type="slidenum">
+              <a:rPr lang="en-US" smtClean="0">
+                <a:solidFill>
+                  <a:prstClr val="black"/>
+                </a:solidFill>
+              </a:rPr>
+              <a:pPr/>
+              <a:t>20</a:t>
+            </a:fld>
+            <a:endParaRPr lang="en-US" dirty="0">
+              <a:solidFill>
+                <a:prstClr val="black"/>
+              </a:solidFill>
+            </a:endParaRPr>
+          </a:p>
+        </p:txBody>
+      </p:sp>
+    </p:spTree>
+    <p:extLst>
+      <p:ext uri="{BB962C8B-B14F-4D97-AF65-F5344CB8AC3E}">
+        <p14:creationId xmlns:p14="http://schemas.microsoft.com/office/powerpoint/2010/main" val="757036243"/>
       </p:ext>
     </p:extLst>
   </p:cSld>
@@ -2069,6 +2265,275 @@
     <p:extLst>
       <p:ext uri="{BB962C8B-B14F-4D97-AF65-F5344CB8AC3E}">
         <p14:creationId xmlns:p14="http://schemas.microsoft.com/office/powerpoint/2010/main" val="1728671166"/>
+      </p:ext>
+    </p:extLst>
+  </p:cSld>
+  <p:clrMapOvr>
+    <a:masterClrMapping/>
+  </p:clrMapOvr>
+</p:notes>
+</file>
+
+<file path=ppt/notesSlides/notesSlide20.xml><?xml version="1.0" encoding="utf-8"?>
+<p:notes xmlns:a="http://schemas.openxmlformats.org/drawingml/2006/main" xmlns:r="http://schemas.openxmlformats.org/officeDocument/2006/relationships" xmlns:p="http://schemas.openxmlformats.org/presentationml/2006/main">
+  <p:cSld>
+    <p:spTree>
+      <p:nvGrpSpPr>
+        <p:cNvPr id="1" name=""/>
+        <p:cNvGrpSpPr/>
+        <p:nvPr/>
+      </p:nvGrpSpPr>
+      <p:grpSpPr>
+        <a:xfrm>
+          <a:off x="0" y="0"/>
+          <a:ext cx="0" cy="0"/>
+          <a:chOff x="0" y="0"/>
+          <a:chExt cx="0" cy="0"/>
+        </a:xfrm>
+      </p:grpSpPr>
+      <p:sp>
+        <p:nvSpPr>
+          <p:cNvPr id="2" name="Slide Image Placeholder 1"/>
+          <p:cNvSpPr>
+            <a:spLocks noGrp="1" noRot="1" noChangeAspect="1"/>
+          </p:cNvSpPr>
+          <p:nvPr>
+            <p:ph type="sldImg"/>
+          </p:nvPr>
+        </p:nvSpPr>
+        <p:spPr/>
+      </p:sp>
+      <p:sp>
+        <p:nvSpPr>
+          <p:cNvPr id="3" name="Notes Placeholder 2"/>
+          <p:cNvSpPr>
+            <a:spLocks noGrp="1"/>
+          </p:cNvSpPr>
+          <p:nvPr>
+            <p:ph type="body" idx="1"/>
+          </p:nvPr>
+        </p:nvSpPr>
+        <p:spPr/>
+        <p:txBody>
+          <a:bodyPr/>
+          <a:lstStyle/>
+          <a:p>
+            <a:pPr marL="0" marR="0" indent="0" algn="l" defTabSz="914400" rtl="0" eaLnBrk="1" fontAlgn="auto" latinLnBrk="0" hangingPunct="1">
+              <a:lnSpc>
+                <a:spcPct val="100000"/>
+              </a:lnSpc>
+              <a:spcBef>
+                <a:spcPts val="0"/>
+              </a:spcBef>
+              <a:spcAft>
+                <a:spcPts val="0"/>
+              </a:spcAft>
+              <a:buClrTx/>
+              <a:buSzTx/>
+              <a:buFontTx/>
+              <a:buNone/>
+              <a:tabLst/>
+              <a:defRPr/>
+            </a:pPr>
+            <a:r>
+              <a:rPr lang="en-US" dirty="0"/>
+              <a:t>Xamarin Forms is a new set of APIs allowing you to quickly and easily write shared User Interface code that is still rendered natively on each platform, while still providing direct access to the underlying SDKs if you need it.</a:t>
+            </a:r>
+          </a:p>
+          <a:p>
+            <a:endParaRPr lang="en-US" dirty="0"/>
+          </a:p>
+        </p:txBody>
+      </p:sp>
+      <p:sp>
+        <p:nvSpPr>
+          <p:cNvPr id="4" name="Slide Number Placeholder 3"/>
+          <p:cNvSpPr>
+            <a:spLocks noGrp="1"/>
+          </p:cNvSpPr>
+          <p:nvPr>
+            <p:ph type="sldNum" sz="quarter" idx="10"/>
+          </p:nvPr>
+        </p:nvSpPr>
+        <p:spPr/>
+        <p:txBody>
+          <a:bodyPr/>
+          <a:lstStyle/>
+          <a:p>
+            <a:fld id="{65097B6B-FF96-F443-AED4-FFB28983C4F8}" type="slidenum">
+              <a:rPr lang="en-US" smtClean="0"/>
+              <a:t>21</a:t>
+            </a:fld>
+            <a:endParaRPr lang="en-US"/>
+          </a:p>
+        </p:txBody>
+      </p:sp>
+    </p:spTree>
+    <p:extLst>
+      <p:ext uri="{BB962C8B-B14F-4D97-AF65-F5344CB8AC3E}">
+        <p14:creationId xmlns:p14="http://schemas.microsoft.com/office/powerpoint/2010/main" val="356228371"/>
+      </p:ext>
+    </p:extLst>
+  </p:cSld>
+  <p:clrMapOvr>
+    <a:masterClrMapping/>
+  </p:clrMapOvr>
+</p:notes>
+</file>
+
+<file path=ppt/notesSlides/notesSlide21.xml><?xml version="1.0" encoding="utf-8"?>
+<p:notes xmlns:a="http://schemas.openxmlformats.org/drawingml/2006/main" xmlns:r="http://schemas.openxmlformats.org/officeDocument/2006/relationships" xmlns:p="http://schemas.openxmlformats.org/presentationml/2006/main">
+  <p:cSld>
+    <p:spTree>
+      <p:nvGrpSpPr>
+        <p:cNvPr id="1" name=""/>
+        <p:cNvGrpSpPr/>
+        <p:nvPr/>
+      </p:nvGrpSpPr>
+      <p:grpSpPr>
+        <a:xfrm>
+          <a:off x="0" y="0"/>
+          <a:ext cx="0" cy="0"/>
+          <a:chOff x="0" y="0"/>
+          <a:chExt cx="0" cy="0"/>
+        </a:xfrm>
+      </p:grpSpPr>
+      <p:sp>
+        <p:nvSpPr>
+          <p:cNvPr id="2" name="Slide Image Placeholder 1"/>
+          <p:cNvSpPr>
+            <a:spLocks noGrp="1" noRot="1" noChangeAspect="1"/>
+          </p:cNvSpPr>
+          <p:nvPr>
+            <p:ph type="sldImg"/>
+          </p:nvPr>
+        </p:nvSpPr>
+        <p:spPr/>
+      </p:sp>
+      <p:sp>
+        <p:nvSpPr>
+          <p:cNvPr id="3" name="Notes Placeholder 2"/>
+          <p:cNvSpPr>
+            <a:spLocks noGrp="1"/>
+          </p:cNvSpPr>
+          <p:nvPr>
+            <p:ph type="body" idx="1"/>
+          </p:nvPr>
+        </p:nvSpPr>
+        <p:spPr/>
+        <p:txBody>
+          <a:bodyPr/>
+          <a:lstStyle/>
+          <a:p>
+            <a:endParaRPr lang="en-US" dirty="0"/>
+          </a:p>
+        </p:txBody>
+      </p:sp>
+      <p:sp>
+        <p:nvSpPr>
+          <p:cNvPr id="4" name="Footer Placeholder 3"/>
+          <p:cNvSpPr>
+            <a:spLocks noGrp="1"/>
+          </p:cNvSpPr>
+          <p:nvPr>
+            <p:ph type="ftr" sz="quarter" idx="10"/>
+          </p:nvPr>
+        </p:nvSpPr>
+        <p:spPr/>
+        <p:txBody>
+          <a:bodyPr/>
+          <a:lstStyle/>
+          <a:p>
+            <a:pPr defTabSz="914099" eaLnBrk="0" hangingPunct="0"/>
+            <a:r>
+              <a:rPr lang="en-US" sz="400">
+                <a:gradFill>
+                  <a:gsLst>
+                    <a:gs pos="0">
+                      <a:prstClr val="black"/>
+                    </a:gs>
+                    <a:gs pos="100000">
+                      <a:prstClr val="black"/>
+                    </a:gs>
+                  </a:gsLst>
+                  <a:lin ang="5400000" scaled="0"/>
+                </a:gradFill>
+                <a:latin typeface="Segoe UI" pitchFamily="34" charset="0"/>
+                <a:ea typeface="Segoe UI" pitchFamily="34" charset="0"/>
+                <a:cs typeface="Segoe UI" pitchFamily="34" charset="0"/>
+              </a:rPr>
+              <a:t>© 2014 Microsoft Corporation. All rights reserved. Microsoft, Windows, and other product names are or may be registered trademarks and/or trademarks in the U.S. and/or other countries. The information herein is for informational purposes only and represents the current view of Microsoft Corporation as of the date of this presentation.  Because Microsoft must respond to changing market conditions, it should not be interpreted to be a commitment on the part of Microsoft, and Microsoft cannot guarantee the accuracy of any information provided after the date of this presentation.  MICROSOFT MAKES NO WARRANTIES, EXPRESS, IMPLIED OR STATUTORY, AS TO THE INFORMATION IN THIS PRESENTATION.</a:t>
+            </a:r>
+            <a:endParaRPr lang="en-US" sz="400" dirty="0">
+              <a:gradFill>
+                <a:gsLst>
+                  <a:gs pos="0">
+                    <a:prstClr val="black"/>
+                  </a:gs>
+                  <a:gs pos="100000">
+                    <a:prstClr val="black"/>
+                  </a:gs>
+                </a:gsLst>
+                <a:lin ang="5400000" scaled="0"/>
+              </a:gradFill>
+              <a:latin typeface="Segoe UI" pitchFamily="34" charset="0"/>
+              <a:ea typeface="Segoe UI" pitchFamily="34" charset="0"/>
+              <a:cs typeface="Segoe UI" pitchFamily="34" charset="0"/>
+            </a:endParaRPr>
+          </a:p>
+        </p:txBody>
+      </p:sp>
+      <p:sp>
+        <p:nvSpPr>
+          <p:cNvPr id="5" name="Date Placeholder 4"/>
+          <p:cNvSpPr>
+            <a:spLocks noGrp="1"/>
+          </p:cNvSpPr>
+          <p:nvPr>
+            <p:ph type="dt" idx="11"/>
+          </p:nvPr>
+        </p:nvSpPr>
+        <p:spPr/>
+        <p:txBody>
+          <a:bodyPr/>
+          <a:lstStyle/>
+          <a:p>
+            <a:fld id="{E74353ED-ACB2-44BF-A903-985B0AF962B7}" type="datetime1">
+              <a:rPr lang="en-US" smtClean="0"/>
+              <a:t>4/27/2016</a:t>
+            </a:fld>
+            <a:endParaRPr lang="en-US" dirty="0"/>
+          </a:p>
+        </p:txBody>
+      </p:sp>
+      <p:sp>
+        <p:nvSpPr>
+          <p:cNvPr id="6" name="Slide Number Placeholder 5"/>
+          <p:cNvSpPr>
+            <a:spLocks noGrp="1"/>
+          </p:cNvSpPr>
+          <p:nvPr>
+            <p:ph type="sldNum" sz="quarter" idx="12"/>
+          </p:nvPr>
+        </p:nvSpPr>
+        <p:spPr/>
+        <p:txBody>
+          <a:bodyPr/>
+          <a:lstStyle/>
+          <a:p>
+            <a:fld id="{B4008EB6-D09E-4580-8CD6-DDB14511944F}" type="slidenum">
+              <a:rPr lang="en-US" smtClean="0"/>
+              <a:pPr/>
+              <a:t>22</a:t>
+            </a:fld>
+            <a:endParaRPr lang="en-US" dirty="0"/>
+          </a:p>
+        </p:txBody>
+      </p:sp>
+    </p:spTree>
+    <p:extLst>
+      <p:ext uri="{BB962C8B-B14F-4D97-AF65-F5344CB8AC3E}">
+        <p14:creationId xmlns:p14="http://schemas.microsoft.com/office/powerpoint/2010/main" val="1735079296"/>
       </p:ext>
     </p:extLst>
   </p:cSld>
@@ -2962,7 +3427,7 @@
                 </a:solidFill>
               </a:rPr>
               <a:pPr/>
-              <a:t>4/27/2016 3:46 PM</a:t>
+              <a:t>4/27/2016 5:17 PM</a:t>
             </a:fld>
             <a:endParaRPr lang="en-US" dirty="0">
               <a:solidFill>
@@ -3007,7 +3472,7 @@
     </p:spTree>
     <p:extLst>
       <p:ext uri="{BB962C8B-B14F-4D97-AF65-F5344CB8AC3E}">
-        <p14:creationId xmlns:p14="http://schemas.microsoft.com/office/powerpoint/2010/main" val="3476993190"/>
+        <p14:creationId xmlns:p14="http://schemas.microsoft.com/office/powerpoint/2010/main" val="2407248664"/>
       </p:ext>
     </p:extLst>
   </p:cSld>
@@ -3067,12 +3532,12 @@
       </p:sp>
       <p:sp>
         <p:nvSpPr>
-          <p:cNvPr id="4" name="Slide Number Placeholder 3"/>
+          <p:cNvPr id="4" name="Header Placeholder 3"/>
           <p:cNvSpPr>
             <a:spLocks noGrp="1"/>
           </p:cNvSpPr>
           <p:nvPr>
-            <p:ph type="sldNum" sz="quarter" idx="10"/>
+            <p:ph type="hdr" sz="quarter" idx="10"/>
           </p:nvPr>
         </p:nvSpPr>
         <p:spPr/>
@@ -3080,18 +3545,123 @@
           <a:bodyPr/>
           <a:lstStyle/>
           <a:p>
-            <a:fld id="{65097B6B-FF96-F443-AED4-FFB28983C4F8}" type="slidenum">
-              <a:rPr lang="en-US" smtClean="0"/>
+            <a:r>
+              <a:rPr lang="en-US" dirty="0">
+                <a:solidFill>
+                  <a:prstClr val="black"/>
+                </a:solidFill>
+              </a:rPr>
+              <a:t>Build 2015</a:t>
+            </a:r>
+          </a:p>
+        </p:txBody>
+      </p:sp>
+      <p:sp>
+        <p:nvSpPr>
+          <p:cNvPr id="5" name="Footer Placeholder 4"/>
+          <p:cNvSpPr>
+            <a:spLocks noGrp="1"/>
+          </p:cNvSpPr>
+          <p:nvPr>
+            <p:ph type="ftr" sz="quarter" idx="11"/>
+          </p:nvPr>
+        </p:nvSpPr>
+        <p:spPr/>
+        <p:txBody>
+          <a:bodyPr/>
+          <a:lstStyle/>
+          <a:p>
+            <a:pPr defTabSz="914099" eaLnBrk="0" hangingPunct="0"/>
+            <a:r>
+              <a:rPr lang="en-US" sz="400" dirty="0">
+                <a:gradFill>
+                  <a:gsLst>
+                    <a:gs pos="0">
+                      <a:prstClr val="black"/>
+                    </a:gs>
+                    <a:gs pos="100000">
+                      <a:prstClr val="black"/>
+                    </a:gs>
+                  </a:gsLst>
+                  <a:lin ang="5400000" scaled="0"/>
+                </a:gradFill>
+                <a:latin typeface="Segoe UI" pitchFamily="34" charset="0"/>
+                <a:ea typeface="Segoe UI" pitchFamily="34" charset="0"/>
+                <a:cs typeface="Segoe UI" pitchFamily="34" charset="0"/>
+              </a:rPr>
+              <a:t>© 2015 Microsoft Corporation. All rights reserved. MICROSOFT MAKES NO WARRANTIES, EXPRESS, IMPLIED OR STATUTORY, AS TO THE INFORMATION IN THIS PRESENTATION.</a:t>
+            </a:r>
+          </a:p>
+        </p:txBody>
+      </p:sp>
+      <p:sp>
+        <p:nvSpPr>
+          <p:cNvPr id="6" name="Date Placeholder 5"/>
+          <p:cNvSpPr>
+            <a:spLocks noGrp="1"/>
+          </p:cNvSpPr>
+          <p:nvPr>
+            <p:ph type="dt" idx="12"/>
+          </p:nvPr>
+        </p:nvSpPr>
+        <p:spPr/>
+        <p:txBody>
+          <a:bodyPr/>
+          <a:lstStyle/>
+          <a:p>
+            <a:fld id="{38EEC551-8CDA-4EB6-89BB-2A86C9F091C8}" type="datetime8">
+              <a:rPr lang="en-US" smtClean="0">
+                <a:solidFill>
+                  <a:prstClr val="black"/>
+                </a:solidFill>
+              </a:rPr>
+              <a:pPr/>
+              <a:t>4/27/2016 5:10 PM</a:t>
+            </a:fld>
+            <a:endParaRPr lang="en-US" dirty="0">
+              <a:solidFill>
+                <a:prstClr val="black"/>
+              </a:solidFill>
+            </a:endParaRPr>
+          </a:p>
+        </p:txBody>
+      </p:sp>
+      <p:sp>
+        <p:nvSpPr>
+          <p:cNvPr id="7" name="Slide Number Placeholder 6"/>
+          <p:cNvSpPr>
+            <a:spLocks noGrp="1"/>
+          </p:cNvSpPr>
+          <p:nvPr>
+            <p:ph type="sldNum" sz="quarter" idx="13"/>
+          </p:nvPr>
+        </p:nvSpPr>
+        <p:spPr/>
+        <p:txBody>
+          <a:bodyPr/>
+          <a:lstStyle/>
+          <a:p>
+            <a:fld id="{B4008EB6-D09E-4580-8CD6-DDB14511944F}" type="slidenum">
+              <a:rPr lang="en-US" smtClean="0">
+                <a:solidFill>
+                  <a:prstClr val="black"/>
+                </a:solidFill>
+              </a:rPr>
+              <a:pPr/>
               <a:t>10</a:t>
             </a:fld>
-            <a:endParaRPr lang="en-US"/>
+            <a:endParaRPr lang="en-US" dirty="0">
+              <a:solidFill>
+                <a:prstClr val="black"/>
+              </a:solidFill>
+            </a:endParaRPr>
           </a:p>
         </p:txBody>
       </p:sp>
     </p:spTree>
     <p:extLst>
       <p:ext uri="{BB962C8B-B14F-4D97-AF65-F5344CB8AC3E}">
-        <p14:creationId xmlns:p14="http://schemas.microsoft.com/office/powerpoint/2010/main" val="375003379"/>
+        <p14:creationId xmlns:p14="http://schemas.microsoft.com/office/powerpoint/2010/main" val="2513588197"/>
       </p:ext>
     </p:extLst>
   </p:cSld>
@@ -7198,6 +7768,2062 @@
 <file path=ppt/slides/slide10.xml><?xml version="1.0" encoding="utf-8"?>
 <p:sld xmlns:a="http://schemas.openxmlformats.org/drawingml/2006/main" xmlns:r="http://schemas.openxmlformats.org/officeDocument/2006/relationships" xmlns:p="http://schemas.openxmlformats.org/presentationml/2006/main">
   <p:cSld>
+    <p:spTree>
+      <p:nvGrpSpPr>
+        <p:cNvPr id="1" name=""/>
+        <p:cNvGrpSpPr/>
+        <p:nvPr/>
+      </p:nvGrpSpPr>
+      <p:grpSpPr>
+        <a:xfrm>
+          <a:off x="0" y="0"/>
+          <a:ext cx="0" cy="0"/>
+          <a:chOff x="0" y="0"/>
+          <a:chExt cx="0" cy="0"/>
+        </a:xfrm>
+      </p:grpSpPr>
+      <p:sp>
+        <p:nvSpPr>
+          <p:cNvPr id="2" name="Title 1"/>
+          <p:cNvSpPr>
+            <a:spLocks noGrp="1"/>
+          </p:cNvSpPr>
+          <p:nvPr>
+            <p:ph type="title"/>
+          </p:nvPr>
+        </p:nvSpPr>
+        <p:spPr>
+          <a:xfrm>
+            <a:off x="268080" y="226025"/>
+            <a:ext cx="11655840" cy="899537"/>
+          </a:xfrm>
+        </p:spPr>
+        <p:txBody>
+          <a:bodyPr/>
+          <a:lstStyle/>
+          <a:p>
+            <a:pPr algn="ctr"/>
+            <a:r>
+              <a:rPr lang="en-US" dirty="0"/>
+              <a:t>Native </a:t>
+            </a:r>
+            <a:r>
+              <a:rPr lang="en-US" dirty="0" smtClean="0"/>
+              <a:t>Android </a:t>
+            </a:r>
+            <a:r>
+              <a:rPr lang="en-US" dirty="0" err="1" smtClean="0"/>
+              <a:t>Config</a:t>
+            </a:r>
+            <a:endParaRPr lang="en-US" b="1" dirty="0"/>
+          </a:p>
+        </p:txBody>
+      </p:sp>
+      <p:sp>
+        <p:nvSpPr>
+          <p:cNvPr id="24" name="Rectangle 23"/>
+          <p:cNvSpPr/>
+          <p:nvPr/>
+        </p:nvSpPr>
+        <p:spPr bwMode="auto">
+          <a:xfrm>
+            <a:off x="555812" y="2960240"/>
+            <a:ext cx="11368108" cy="3763289"/>
+          </a:xfrm>
+          <a:prstGeom prst="rect">
+            <a:avLst/>
+          </a:prstGeom>
+          <a:solidFill>
+            <a:schemeClr val="tx1">
+              <a:lumMod val="50000"/>
+              <a:alpha val="49000"/>
+            </a:schemeClr>
+          </a:solidFill>
+          <a:ln>
+            <a:noFill/>
+            <a:headEnd type="none" w="med" len="med"/>
+            <a:tailEnd type="none" w="med" len="med"/>
+          </a:ln>
+          <a:effectLst/>
+        </p:spPr>
+        <p:style>
+          <a:lnRef idx="1">
+            <a:schemeClr val="accent2"/>
+          </a:lnRef>
+          <a:fillRef idx="3">
+            <a:schemeClr val="accent2"/>
+          </a:fillRef>
+          <a:effectRef idx="2">
+            <a:schemeClr val="accent2"/>
+          </a:effectRef>
+          <a:fontRef idx="minor">
+            <a:schemeClr val="lt1"/>
+          </a:fontRef>
+        </p:style>
+        <p:txBody>
+          <a:bodyPr lIns="89642" tIns="89642" rIns="33620" bIns="33620" rtlCol="0" anchor="b" anchorCtr="0"/>
+          <a:lstStyle/>
+          <a:p>
+            <a:pPr algn="ctr" defTabSz="914038"/>
+            <a:r>
+              <a:rPr lang="en-US" sz="784" dirty="0">
+                <a:gradFill>
+                  <a:gsLst>
+                    <a:gs pos="0">
+                      <a:srgbClr val="FFFFFF"/>
+                    </a:gs>
+                    <a:gs pos="100000">
+                      <a:srgbClr val="FFFFFF"/>
+                    </a:gs>
+                  </a:gsLst>
+                  <a:lin ang="5400000" scaled="0"/>
+                </a:gradFill>
+                <a:ea typeface="Segoe UI" pitchFamily="34" charset="0"/>
+                <a:cs typeface="Segoe UI" pitchFamily="34" charset="0"/>
+              </a:rPr>
+              <a:t> </a:t>
+            </a:r>
+          </a:p>
+        </p:txBody>
+      </p:sp>
+      <p:sp>
+        <p:nvSpPr>
+          <p:cNvPr id="37" name="Rectangle 36"/>
+          <p:cNvSpPr/>
+          <p:nvPr/>
+        </p:nvSpPr>
+        <p:spPr bwMode="auto">
+          <a:xfrm>
+            <a:off x="555812" y="2198611"/>
+            <a:ext cx="3757255" cy="750418"/>
+          </a:xfrm>
+          <a:prstGeom prst="rect">
+            <a:avLst/>
+          </a:prstGeom>
+          <a:solidFill>
+            <a:srgbClr val="66B11F"/>
+          </a:solidFill>
+          <a:ln>
+            <a:noFill/>
+            <a:headEnd type="none" w="med" len="med"/>
+            <a:tailEnd type="none" w="med" len="med"/>
+          </a:ln>
+          <a:effectLst/>
+        </p:spPr>
+        <p:style>
+          <a:lnRef idx="1">
+            <a:schemeClr val="accent2"/>
+          </a:lnRef>
+          <a:fillRef idx="3">
+            <a:schemeClr val="accent2"/>
+          </a:fillRef>
+          <a:effectRef idx="2">
+            <a:schemeClr val="accent2"/>
+          </a:effectRef>
+          <a:fontRef idx="minor">
+            <a:schemeClr val="lt1"/>
+          </a:fontRef>
+        </p:style>
+        <p:txBody>
+          <a:bodyPr lIns="89642" tIns="89642" rIns="33620" bIns="33620" rtlCol="0" anchor="b" anchorCtr="0"/>
+          <a:lstStyle/>
+          <a:p>
+            <a:pPr algn="ctr" defTabSz="914038"/>
+            <a:r>
+              <a:rPr lang="en-US" sz="784" dirty="0">
+                <a:gradFill>
+                  <a:gsLst>
+                    <a:gs pos="0">
+                      <a:srgbClr val="FFFFFF"/>
+                    </a:gs>
+                    <a:gs pos="100000">
+                      <a:srgbClr val="FFFFFF"/>
+                    </a:gs>
+                  </a:gsLst>
+                  <a:lin ang="5400000" scaled="0"/>
+                </a:gradFill>
+                <a:ea typeface="Segoe UI" pitchFamily="34" charset="0"/>
+                <a:cs typeface="Segoe UI" pitchFamily="34" charset="0"/>
+              </a:rPr>
+              <a:t> </a:t>
+            </a:r>
+          </a:p>
+        </p:txBody>
+      </p:sp>
+      <p:sp>
+        <p:nvSpPr>
+          <p:cNvPr id="43" name="TextBox 42"/>
+          <p:cNvSpPr txBox="1"/>
+          <p:nvPr/>
+        </p:nvSpPr>
+        <p:spPr>
+          <a:xfrm>
+            <a:off x="579898" y="2156161"/>
+            <a:ext cx="3733168" cy="720545"/>
+          </a:xfrm>
+          <a:prstGeom prst="rect">
+            <a:avLst/>
+          </a:prstGeom>
+          <a:noFill/>
+        </p:spPr>
+        <p:txBody>
+          <a:bodyPr wrap="square" lIns="179285" tIns="143428" rIns="179285" bIns="143428" rtlCol="0">
+            <a:spAutoFit/>
+          </a:bodyPr>
+          <a:lstStyle/>
+          <a:p>
+            <a:pPr algn="ctr" defTabSz="914102" fontAlgn="base">
+              <a:spcBef>
+                <a:spcPct val="0"/>
+              </a:spcBef>
+              <a:spcAft>
+                <a:spcPct val="0"/>
+              </a:spcAft>
+            </a:pPr>
+            <a:r>
+              <a:rPr lang="en-US" sz="2800" dirty="0">
+                <a:solidFill>
+                  <a:srgbClr val="FFFFFF"/>
+                </a:solidFill>
+              </a:rPr>
+              <a:t>SharedPreferences</a:t>
+            </a:r>
+            <a:r>
+              <a:rPr lang="en-US" sz="1568" dirty="0">
+                <a:solidFill>
+                  <a:srgbClr val="FFFFFF"/>
+                </a:solidFill>
+              </a:rPr>
+              <a:t> </a:t>
+            </a:r>
+          </a:p>
+        </p:txBody>
+      </p:sp>
+      <p:sp>
+        <p:nvSpPr>
+          <p:cNvPr id="19" name="TextBox 18"/>
+          <p:cNvSpPr txBox="1"/>
+          <p:nvPr/>
+        </p:nvSpPr>
+        <p:spPr>
+          <a:xfrm>
+            <a:off x="708668" y="2924695"/>
+            <a:ext cx="10774664" cy="1274542"/>
+          </a:xfrm>
+          <a:prstGeom prst="rect">
+            <a:avLst/>
+          </a:prstGeom>
+          <a:noFill/>
+        </p:spPr>
+        <p:txBody>
+          <a:bodyPr wrap="square" lIns="179285" tIns="143428" rIns="179285" bIns="143428" rtlCol="0">
+            <a:spAutoFit/>
+          </a:bodyPr>
+          <a:lstStyle/>
+          <a:p>
+            <a:pPr marL="571500" indent="-571500" defTabSz="914102" fontAlgn="base">
+              <a:spcBef>
+                <a:spcPct val="0"/>
+              </a:spcBef>
+              <a:spcAft>
+                <a:spcPct val="0"/>
+              </a:spcAft>
+              <a:buFont typeface="Arial" panose="020B0604020202020204" pitchFamily="34" charset="0"/>
+              <a:buChar char="•"/>
+            </a:pPr>
+            <a:r>
+              <a:rPr lang="en-US" sz="3600" dirty="0" smtClean="0">
+                <a:solidFill>
+                  <a:srgbClr val="FFFFFF"/>
+                </a:solidFill>
+              </a:rPr>
+              <a:t>…</a:t>
+            </a:r>
+            <a:endParaRPr lang="en-US" sz="3600" b="1" dirty="0">
+              <a:solidFill>
+                <a:srgbClr val="FFFFFF"/>
+              </a:solidFill>
+            </a:endParaRPr>
+          </a:p>
+          <a:p>
+            <a:pPr marL="571500" indent="-571500" defTabSz="914102" fontAlgn="base">
+              <a:spcBef>
+                <a:spcPct val="0"/>
+              </a:spcBef>
+              <a:spcAft>
+                <a:spcPct val="0"/>
+              </a:spcAft>
+              <a:buFont typeface="Arial" panose="020B0604020202020204" pitchFamily="34" charset="0"/>
+              <a:buChar char="•"/>
+            </a:pPr>
+            <a:endParaRPr lang="en-US" sz="2800" dirty="0">
+              <a:solidFill>
+                <a:srgbClr val="FFFFFF"/>
+              </a:solidFill>
+            </a:endParaRPr>
+          </a:p>
+        </p:txBody>
+      </p:sp>
+      <p:grpSp>
+        <p:nvGrpSpPr>
+          <p:cNvPr id="32" name="Group 31"/>
+          <p:cNvGrpSpPr/>
+          <p:nvPr/>
+        </p:nvGrpSpPr>
+        <p:grpSpPr>
+          <a:xfrm>
+            <a:off x="1901989" y="1052457"/>
+            <a:ext cx="1088487" cy="960142"/>
+            <a:chOff x="3810000" y="3144890"/>
+            <a:chExt cx="1028699" cy="1028700"/>
+          </a:xfrm>
+        </p:grpSpPr>
+        <p:sp>
+          <p:nvSpPr>
+            <p:cNvPr id="41" name="Oval 40"/>
+            <p:cNvSpPr/>
+            <p:nvPr/>
+          </p:nvSpPr>
+          <p:spPr bwMode="auto">
+            <a:xfrm>
+              <a:off x="3810000" y="3144890"/>
+              <a:ext cx="1028699" cy="1028700"/>
+            </a:xfrm>
+            <a:prstGeom prst="ellipse">
+              <a:avLst/>
+            </a:prstGeom>
+            <a:solidFill>
+              <a:srgbClr val="66B11F"/>
+            </a:solidFill>
+            <a:ln>
+              <a:noFill/>
+              <a:headEnd type="none" w="med" len="med"/>
+              <a:tailEnd type="none" w="med" len="med"/>
+            </a:ln>
+            <a:effectLst/>
+          </p:spPr>
+          <p:style>
+            <a:lnRef idx="1">
+              <a:schemeClr val="accent2"/>
+            </a:lnRef>
+            <a:fillRef idx="3">
+              <a:schemeClr val="accent2"/>
+            </a:fillRef>
+            <a:effectRef idx="2">
+              <a:schemeClr val="accent2"/>
+            </a:effectRef>
+            <a:fontRef idx="minor">
+              <a:schemeClr val="lt1"/>
+            </a:fontRef>
+          </p:style>
+          <p:txBody>
+            <a:bodyPr lIns="89642" tIns="89642" rIns="33620" bIns="33620" rtlCol="0" anchor="b" anchorCtr="0"/>
+            <a:lstStyle/>
+            <a:p>
+              <a:pPr algn="ctr" defTabSz="914038"/>
+              <a:endParaRPr lang="en-US" sz="784" dirty="0">
+                <a:gradFill>
+                  <a:gsLst>
+                    <a:gs pos="0">
+                      <a:srgbClr val="FFFFFF"/>
+                    </a:gs>
+                    <a:gs pos="100000">
+                      <a:srgbClr val="FFFFFF"/>
+                    </a:gs>
+                  </a:gsLst>
+                  <a:lin ang="5400000" scaled="0"/>
+                </a:gradFill>
+                <a:ea typeface="Segoe UI" pitchFamily="34" charset="0"/>
+                <a:cs typeface="Segoe UI" pitchFamily="34" charset="0"/>
+              </a:endParaRPr>
+            </a:p>
+          </p:txBody>
+        </p:sp>
+        <p:pic>
+          <p:nvPicPr>
+            <p:cNvPr id="44" name="Picture 43" descr="Android_logo.pdf"/>
+            <p:cNvPicPr>
+              <a:picLocks noChangeAspect="1"/>
+            </p:cNvPicPr>
+            <p:nvPr/>
+          </p:nvPicPr>
+          <p:blipFill>
+            <a:blip r:embed="rId3">
+              <a:extLst>
+                <a:ext uri="{28A0092B-C50C-407E-A947-70E740481C1C}">
+                  <a14:useLocalDpi xmlns:a14="http://schemas.microsoft.com/office/drawing/2010/main"/>
+                </a:ext>
+              </a:extLst>
+            </a:blip>
+            <a:stretch>
+              <a:fillRect/>
+            </a:stretch>
+          </p:blipFill>
+          <p:spPr>
+            <a:xfrm>
+              <a:off x="4097337" y="3402859"/>
+              <a:ext cx="434973" cy="500220"/>
+            </a:xfrm>
+            <a:prstGeom prst="rect">
+              <a:avLst/>
+            </a:prstGeom>
+          </p:spPr>
+        </p:pic>
+      </p:grpSp>
+    </p:spTree>
+    <p:extLst>
+      <p:ext uri="{BB962C8B-B14F-4D97-AF65-F5344CB8AC3E}">
+        <p14:creationId xmlns:p14="http://schemas.microsoft.com/office/powerpoint/2010/main" val="1741444847"/>
+      </p:ext>
+    </p:extLst>
+  </p:cSld>
+  <p:clrMapOvr>
+    <a:masterClrMapping/>
+  </p:clrMapOvr>
+  <p:transition>
+    <p:fade/>
+  </p:transition>
+  <p:timing>
+    <p:tnLst>
+      <p:par>
+        <p:cTn id="1" dur="indefinite" restart="never" nodeType="tmRoot"/>
+      </p:par>
+    </p:tnLst>
+  </p:timing>
+</p:sld>
+</file>
+
+<file path=ppt/slides/slide11.xml><?xml version="1.0" encoding="utf-8"?>
+<p:sld xmlns:a="http://schemas.openxmlformats.org/drawingml/2006/main" xmlns:r="http://schemas.openxmlformats.org/officeDocument/2006/relationships" xmlns:p="http://schemas.openxmlformats.org/presentationml/2006/main">
+  <p:cSld>
+    <p:spTree>
+      <p:nvGrpSpPr>
+        <p:cNvPr id="1" name=""/>
+        <p:cNvGrpSpPr/>
+        <p:nvPr/>
+      </p:nvGrpSpPr>
+      <p:grpSpPr>
+        <a:xfrm>
+          <a:off x="0" y="0"/>
+          <a:ext cx="0" cy="0"/>
+          <a:chOff x="0" y="0"/>
+          <a:chExt cx="0" cy="0"/>
+        </a:xfrm>
+      </p:grpSpPr>
+      <p:sp>
+        <p:nvSpPr>
+          <p:cNvPr id="2" name="Title 1"/>
+          <p:cNvSpPr>
+            <a:spLocks noGrp="1"/>
+          </p:cNvSpPr>
+          <p:nvPr>
+            <p:ph type="title"/>
+          </p:nvPr>
+        </p:nvSpPr>
+        <p:spPr>
+          <a:xfrm>
+            <a:off x="268080" y="226025"/>
+            <a:ext cx="11655840" cy="899537"/>
+          </a:xfrm>
+        </p:spPr>
+        <p:txBody>
+          <a:bodyPr/>
+          <a:lstStyle/>
+          <a:p>
+            <a:pPr algn="ctr"/>
+            <a:r>
+              <a:rPr lang="en-US" dirty="0"/>
+              <a:t>Native </a:t>
+            </a:r>
+            <a:r>
+              <a:rPr lang="en-US" dirty="0" smtClean="0"/>
+              <a:t>UWP </a:t>
+            </a:r>
+            <a:r>
+              <a:rPr lang="en-US" dirty="0" err="1" smtClean="0"/>
+              <a:t>Config</a:t>
+            </a:r>
+            <a:endParaRPr lang="en-US" b="1" dirty="0"/>
+          </a:p>
+        </p:txBody>
+      </p:sp>
+      <p:sp>
+        <p:nvSpPr>
+          <p:cNvPr id="24" name="Rectangle 23"/>
+          <p:cNvSpPr/>
+          <p:nvPr/>
+        </p:nvSpPr>
+        <p:spPr bwMode="auto">
+          <a:xfrm>
+            <a:off x="555812" y="2960241"/>
+            <a:ext cx="6431728" cy="2937640"/>
+          </a:xfrm>
+          <a:prstGeom prst="rect">
+            <a:avLst/>
+          </a:prstGeom>
+          <a:solidFill>
+            <a:schemeClr val="tx1">
+              <a:lumMod val="75000"/>
+              <a:alpha val="49000"/>
+            </a:schemeClr>
+          </a:solidFill>
+          <a:ln>
+            <a:noFill/>
+            <a:headEnd type="none" w="med" len="med"/>
+            <a:tailEnd type="none" w="med" len="med"/>
+          </a:ln>
+          <a:effectLst/>
+        </p:spPr>
+        <p:style>
+          <a:lnRef idx="1">
+            <a:schemeClr val="accent2"/>
+          </a:lnRef>
+          <a:fillRef idx="3">
+            <a:schemeClr val="accent2"/>
+          </a:fillRef>
+          <a:effectRef idx="2">
+            <a:schemeClr val="accent2"/>
+          </a:effectRef>
+          <a:fontRef idx="minor">
+            <a:schemeClr val="lt1"/>
+          </a:fontRef>
+        </p:style>
+        <p:txBody>
+          <a:bodyPr lIns="89642" tIns="89642" rIns="33620" bIns="33620" rtlCol="0" anchor="b" anchorCtr="0"/>
+          <a:lstStyle/>
+          <a:p>
+            <a:pPr algn="ctr" defTabSz="914038"/>
+            <a:r>
+              <a:rPr lang="en-US" sz="784" dirty="0">
+                <a:gradFill>
+                  <a:gsLst>
+                    <a:gs pos="0">
+                      <a:srgbClr val="FFFFFF"/>
+                    </a:gs>
+                    <a:gs pos="100000">
+                      <a:srgbClr val="FFFFFF"/>
+                    </a:gs>
+                  </a:gsLst>
+                  <a:lin ang="5400000" scaled="0"/>
+                </a:gradFill>
+                <a:ea typeface="Segoe UI" pitchFamily="34" charset="0"/>
+                <a:cs typeface="Segoe UI" pitchFamily="34" charset="0"/>
+              </a:rPr>
+              <a:t> </a:t>
+            </a:r>
+          </a:p>
+        </p:txBody>
+      </p:sp>
+      <p:sp>
+        <p:nvSpPr>
+          <p:cNvPr id="40" name="Rectangle 39"/>
+          <p:cNvSpPr/>
+          <p:nvPr/>
+        </p:nvSpPr>
+        <p:spPr bwMode="auto">
+          <a:xfrm>
+            <a:off x="555812" y="2198611"/>
+            <a:ext cx="3757255" cy="750418"/>
+          </a:xfrm>
+          <a:prstGeom prst="rect">
+            <a:avLst/>
+          </a:prstGeom>
+          <a:solidFill>
+            <a:srgbClr val="00BBF1"/>
+          </a:solidFill>
+          <a:ln>
+            <a:noFill/>
+            <a:headEnd type="none" w="med" len="med"/>
+            <a:tailEnd type="none" w="med" len="med"/>
+          </a:ln>
+          <a:effectLst/>
+        </p:spPr>
+        <p:style>
+          <a:lnRef idx="1">
+            <a:schemeClr val="accent2"/>
+          </a:lnRef>
+          <a:fillRef idx="3">
+            <a:schemeClr val="accent2"/>
+          </a:fillRef>
+          <a:effectRef idx="2">
+            <a:schemeClr val="accent2"/>
+          </a:effectRef>
+          <a:fontRef idx="minor">
+            <a:schemeClr val="lt1"/>
+          </a:fontRef>
+        </p:style>
+        <p:txBody>
+          <a:bodyPr lIns="89642" tIns="89642" rIns="33620" bIns="33620" rtlCol="0" anchor="b" anchorCtr="0"/>
+          <a:lstStyle/>
+          <a:p>
+            <a:pPr algn="ctr" defTabSz="914038"/>
+            <a:r>
+              <a:rPr lang="en-US" sz="784" dirty="0">
+                <a:solidFill>
+                  <a:srgbClr val="00BBF1"/>
+                </a:solidFill>
+                <a:ea typeface="Segoe UI" pitchFamily="34" charset="0"/>
+                <a:cs typeface="Segoe UI" pitchFamily="34" charset="0"/>
+              </a:rPr>
+              <a:t> </a:t>
+            </a:r>
+          </a:p>
+        </p:txBody>
+      </p:sp>
+      <p:sp>
+        <p:nvSpPr>
+          <p:cNvPr id="42" name="TextBox 41"/>
+          <p:cNvSpPr txBox="1"/>
+          <p:nvPr/>
+        </p:nvSpPr>
+        <p:spPr>
+          <a:xfrm>
+            <a:off x="579899" y="2156161"/>
+            <a:ext cx="3733168" cy="720545"/>
+          </a:xfrm>
+          <a:prstGeom prst="rect">
+            <a:avLst/>
+          </a:prstGeom>
+          <a:noFill/>
+        </p:spPr>
+        <p:txBody>
+          <a:bodyPr wrap="square" lIns="179285" tIns="143428" rIns="179285" bIns="143428" rtlCol="0">
+            <a:spAutoFit/>
+          </a:bodyPr>
+          <a:lstStyle/>
+          <a:p>
+            <a:pPr algn="ctr" defTabSz="914102" fontAlgn="base">
+              <a:spcBef>
+                <a:spcPct val="0"/>
+              </a:spcBef>
+              <a:spcAft>
+                <a:spcPct val="0"/>
+              </a:spcAft>
+            </a:pPr>
+            <a:r>
+              <a:rPr lang="en-US" sz="2800" dirty="0">
+                <a:solidFill>
+                  <a:srgbClr val="FFFFFF"/>
+                </a:solidFill>
+              </a:rPr>
+              <a:t>ApplicationsData</a:t>
+            </a:r>
+          </a:p>
+        </p:txBody>
+      </p:sp>
+      <p:sp>
+        <p:nvSpPr>
+          <p:cNvPr id="19" name="TextBox 18"/>
+          <p:cNvSpPr txBox="1"/>
+          <p:nvPr/>
+        </p:nvSpPr>
+        <p:spPr>
+          <a:xfrm>
+            <a:off x="487688" y="2952169"/>
+            <a:ext cx="6667492" cy="2505649"/>
+          </a:xfrm>
+          <a:prstGeom prst="rect">
+            <a:avLst/>
+          </a:prstGeom>
+          <a:noFill/>
+        </p:spPr>
+        <p:txBody>
+          <a:bodyPr wrap="square" lIns="179285" tIns="143428" rIns="179285" bIns="143428" rtlCol="0">
+            <a:spAutoFit/>
+          </a:bodyPr>
+          <a:lstStyle/>
+          <a:p>
+            <a:pPr marL="571500" indent="-571500" defTabSz="914102" fontAlgn="base">
+              <a:spcBef>
+                <a:spcPct val="0"/>
+              </a:spcBef>
+              <a:spcAft>
+                <a:spcPct val="0"/>
+              </a:spcAft>
+              <a:buFont typeface="Arial" panose="020B0604020202020204" pitchFamily="34" charset="0"/>
+              <a:buChar char="•"/>
+            </a:pPr>
+            <a:r>
+              <a:rPr lang="en-US" sz="2400" dirty="0" smtClean="0">
+                <a:solidFill>
+                  <a:srgbClr val="FFFFFF"/>
+                </a:solidFill>
+              </a:rPr>
+              <a:t>Local App Data: for between app sessions</a:t>
+            </a:r>
+          </a:p>
+          <a:p>
+            <a:pPr marL="571500" indent="-571500" defTabSz="914102" fontAlgn="base">
+              <a:spcBef>
+                <a:spcPct val="0"/>
+              </a:spcBef>
+              <a:spcAft>
+                <a:spcPct val="0"/>
+              </a:spcAft>
+              <a:buFont typeface="Arial" panose="020B0604020202020204" pitchFamily="34" charset="0"/>
+              <a:buChar char="•"/>
+            </a:pPr>
+            <a:r>
+              <a:rPr lang="en-US" sz="2400" dirty="0" smtClean="0">
+                <a:solidFill>
+                  <a:srgbClr val="FFFFFF"/>
+                </a:solidFill>
+              </a:rPr>
+              <a:t>Roaming Data: sync between devices</a:t>
+            </a:r>
+          </a:p>
+          <a:p>
+            <a:pPr marL="571500" indent="-571500" defTabSz="914102" fontAlgn="base">
+              <a:spcBef>
+                <a:spcPct val="0"/>
+              </a:spcBef>
+              <a:spcAft>
+                <a:spcPct val="0"/>
+              </a:spcAft>
+              <a:buFont typeface="Arial" panose="020B0604020202020204" pitchFamily="34" charset="0"/>
+              <a:buChar char="•"/>
+            </a:pPr>
+            <a:r>
+              <a:rPr lang="en-US" sz="2400" dirty="0" smtClean="0">
+                <a:solidFill>
+                  <a:srgbClr val="FFFFFF"/>
+                </a:solidFill>
+              </a:rPr>
+              <a:t>Temp Data: like cache</a:t>
+            </a:r>
+          </a:p>
+          <a:p>
+            <a:pPr marL="571500" indent="-571500" defTabSz="914102" fontAlgn="base">
+              <a:spcBef>
+                <a:spcPct val="0"/>
+              </a:spcBef>
+              <a:spcAft>
+                <a:spcPct val="0"/>
+              </a:spcAft>
+              <a:buFont typeface="Arial" panose="020B0604020202020204" pitchFamily="34" charset="0"/>
+              <a:buChar char="•"/>
+            </a:pPr>
+            <a:r>
+              <a:rPr lang="en-US" sz="2400" dirty="0" smtClean="0">
+                <a:solidFill>
+                  <a:srgbClr val="FFFFFF"/>
+                </a:solidFill>
+              </a:rPr>
+              <a:t>Doc https</a:t>
+            </a:r>
+            <a:r>
+              <a:rPr lang="en-US" sz="2400" dirty="0">
+                <a:solidFill>
+                  <a:srgbClr val="FFFFFF"/>
+                </a:solidFill>
+              </a:rPr>
+              <a:t>://msdn.microsoft.com/en-us/windows/uwp/app-settings/store-and-retrieve-app-data</a:t>
+            </a:r>
+            <a:endParaRPr lang="en-US" sz="2800" dirty="0">
+              <a:solidFill>
+                <a:srgbClr val="FFFFFF"/>
+              </a:solidFill>
+            </a:endParaRPr>
+          </a:p>
+        </p:txBody>
+      </p:sp>
+      <p:grpSp>
+        <p:nvGrpSpPr>
+          <p:cNvPr id="33" name="Group 32"/>
+          <p:cNvGrpSpPr/>
+          <p:nvPr/>
+        </p:nvGrpSpPr>
+        <p:grpSpPr>
+          <a:xfrm>
+            <a:off x="1900560" y="1052457"/>
+            <a:ext cx="1088489" cy="960142"/>
+            <a:chOff x="6083298" y="3144890"/>
+            <a:chExt cx="1028699" cy="1028700"/>
+          </a:xfrm>
+        </p:grpSpPr>
+        <p:sp>
+          <p:nvSpPr>
+            <p:cNvPr id="36" name="Oval 35"/>
+            <p:cNvSpPr/>
+            <p:nvPr/>
+          </p:nvSpPr>
+          <p:spPr bwMode="auto">
+            <a:xfrm>
+              <a:off x="6083298" y="3144890"/>
+              <a:ext cx="1028699" cy="1028700"/>
+            </a:xfrm>
+            <a:prstGeom prst="ellipse">
+              <a:avLst/>
+            </a:prstGeom>
+            <a:solidFill>
+              <a:srgbClr val="00BBF1"/>
+            </a:solidFill>
+            <a:ln>
+              <a:noFill/>
+              <a:headEnd type="none" w="med" len="med"/>
+              <a:tailEnd type="none" w="med" len="med"/>
+            </a:ln>
+            <a:effectLst/>
+          </p:spPr>
+          <p:style>
+            <a:lnRef idx="1">
+              <a:schemeClr val="accent2"/>
+            </a:lnRef>
+            <a:fillRef idx="3">
+              <a:schemeClr val="accent2"/>
+            </a:fillRef>
+            <a:effectRef idx="2">
+              <a:schemeClr val="accent2"/>
+            </a:effectRef>
+            <a:fontRef idx="minor">
+              <a:schemeClr val="lt1"/>
+            </a:fontRef>
+          </p:style>
+          <p:txBody>
+            <a:bodyPr lIns="89642" tIns="89642" rIns="33620" bIns="33620" rtlCol="0" anchor="b" anchorCtr="0"/>
+            <a:lstStyle/>
+            <a:p>
+              <a:pPr algn="ctr" defTabSz="914038"/>
+              <a:endParaRPr lang="en-US" sz="784" dirty="0">
+                <a:gradFill>
+                  <a:gsLst>
+                    <a:gs pos="0">
+                      <a:srgbClr val="FFFFFF"/>
+                    </a:gs>
+                    <a:gs pos="100000">
+                      <a:srgbClr val="FFFFFF"/>
+                    </a:gs>
+                  </a:gsLst>
+                  <a:lin ang="5400000" scaled="0"/>
+                </a:gradFill>
+                <a:ea typeface="Segoe UI" pitchFamily="34" charset="0"/>
+                <a:cs typeface="Segoe UI" pitchFamily="34" charset="0"/>
+              </a:endParaRPr>
+            </a:p>
+          </p:txBody>
+        </p:sp>
+        <p:pic>
+          <p:nvPicPr>
+            <p:cNvPr id="38" name="Picture 37" descr="Windows_logo.pdf"/>
+            <p:cNvPicPr>
+              <a:picLocks noChangeAspect="1"/>
+            </p:cNvPicPr>
+            <p:nvPr/>
+          </p:nvPicPr>
+          <p:blipFill>
+            <a:blip r:embed="rId3">
+              <a:extLst>
+                <a:ext uri="{28A0092B-C50C-407E-A947-70E740481C1C}">
+                  <a14:useLocalDpi xmlns:a14="http://schemas.microsoft.com/office/drawing/2010/main"/>
+                </a:ext>
+              </a:extLst>
+            </a:blip>
+            <a:stretch>
+              <a:fillRect/>
+            </a:stretch>
+          </p:blipFill>
+          <p:spPr>
+            <a:xfrm>
+              <a:off x="6365885" y="3436990"/>
+              <a:ext cx="466043" cy="434973"/>
+            </a:xfrm>
+            <a:prstGeom prst="rect">
+              <a:avLst/>
+            </a:prstGeom>
+          </p:spPr>
+        </p:pic>
+      </p:grpSp>
+      <p:pic>
+        <p:nvPicPr>
+          <p:cNvPr id="3" name="Picture 2"/>
+          <p:cNvPicPr>
+            <a:picLocks noChangeAspect="1"/>
+          </p:cNvPicPr>
+          <p:nvPr/>
+        </p:nvPicPr>
+        <p:blipFill>
+          <a:blip r:embed="rId4">
+            <a:extLst>
+              <a:ext uri="{28A0092B-C50C-407E-A947-70E740481C1C}">
+                <a14:useLocalDpi xmlns:a14="http://schemas.microsoft.com/office/drawing/2010/main" val="0"/>
+              </a:ext>
+            </a:extLst>
+          </a:blip>
+          <a:stretch>
+            <a:fillRect/>
+          </a:stretch>
+        </p:blipFill>
+        <p:spPr>
+          <a:xfrm>
+            <a:off x="7033261" y="1452664"/>
+            <a:ext cx="3840480" cy="752259"/>
+          </a:xfrm>
+          <a:prstGeom prst="rect">
+            <a:avLst/>
+          </a:prstGeom>
+        </p:spPr>
+      </p:pic>
+      <p:pic>
+        <p:nvPicPr>
+          <p:cNvPr id="4" name="Picture 3"/>
+          <p:cNvPicPr>
+            <a:picLocks noChangeAspect="1"/>
+          </p:cNvPicPr>
+          <p:nvPr/>
+        </p:nvPicPr>
+        <p:blipFill>
+          <a:blip r:embed="rId5">
+            <a:extLst>
+              <a:ext uri="{28A0092B-C50C-407E-A947-70E740481C1C}">
+                <a14:useLocalDpi xmlns:a14="http://schemas.microsoft.com/office/drawing/2010/main" val="0"/>
+              </a:ext>
+            </a:extLst>
+          </a:blip>
+          <a:stretch>
+            <a:fillRect/>
+          </a:stretch>
+        </p:blipFill>
+        <p:spPr>
+          <a:xfrm>
+            <a:off x="7033261" y="2186277"/>
+            <a:ext cx="3856152" cy="559101"/>
+          </a:xfrm>
+          <a:prstGeom prst="rect">
+            <a:avLst/>
+          </a:prstGeom>
+        </p:spPr>
+      </p:pic>
+      <p:pic>
+        <p:nvPicPr>
+          <p:cNvPr id="5" name="Picture 4"/>
+          <p:cNvPicPr>
+            <a:picLocks noChangeAspect="1"/>
+          </p:cNvPicPr>
+          <p:nvPr/>
+        </p:nvPicPr>
+        <p:blipFill>
+          <a:blip r:embed="rId6">
+            <a:extLst>
+              <a:ext uri="{28A0092B-C50C-407E-A947-70E740481C1C}">
+                <a14:useLocalDpi xmlns:a14="http://schemas.microsoft.com/office/drawing/2010/main" val="0"/>
+              </a:ext>
+            </a:extLst>
+          </a:blip>
+          <a:stretch>
+            <a:fillRect/>
+          </a:stretch>
+        </p:blipFill>
+        <p:spPr>
+          <a:xfrm>
+            <a:off x="7055664" y="3021798"/>
+            <a:ext cx="4781998" cy="1380086"/>
+          </a:xfrm>
+          <a:prstGeom prst="rect">
+            <a:avLst/>
+          </a:prstGeom>
+        </p:spPr>
+      </p:pic>
+      <p:sp>
+        <p:nvSpPr>
+          <p:cNvPr id="6" name="TextBox 5"/>
+          <p:cNvSpPr txBox="1"/>
+          <p:nvPr/>
+        </p:nvSpPr>
+        <p:spPr>
+          <a:xfrm>
+            <a:off x="6941391" y="1140330"/>
+            <a:ext cx="778098" cy="489365"/>
+          </a:xfrm>
+          <a:prstGeom prst="rect">
+            <a:avLst/>
+          </a:prstGeom>
+          <a:noFill/>
+        </p:spPr>
+        <p:txBody>
+          <a:bodyPr wrap="none" lIns="182880" tIns="146304" rIns="182880" bIns="146304" rtlCol="0">
+            <a:spAutoFit/>
+          </a:bodyPr>
+          <a:lstStyle/>
+          <a:p>
+            <a:pPr>
+              <a:lnSpc>
+                <a:spcPct val="90000"/>
+              </a:lnSpc>
+              <a:spcAft>
+                <a:spcPts val="600"/>
+              </a:spcAft>
+            </a:pPr>
+            <a:r>
+              <a:rPr lang="en-US" sz="1400" dirty="0" smtClean="0">
+                <a:gradFill>
+                  <a:gsLst>
+                    <a:gs pos="2917">
+                      <a:schemeClr val="tx1"/>
+                    </a:gs>
+                    <a:gs pos="30000">
+                      <a:schemeClr val="tx1"/>
+                    </a:gs>
+                  </a:gsLst>
+                  <a:lin ang="5400000" scaled="0"/>
+                </a:gradFill>
+              </a:rPr>
+              <a:t>Local</a:t>
+            </a:r>
+            <a:endParaRPr lang="en-US" sz="1400" dirty="0" smtClean="0">
+              <a:gradFill>
+                <a:gsLst>
+                  <a:gs pos="2917">
+                    <a:schemeClr val="tx1"/>
+                  </a:gs>
+                  <a:gs pos="30000">
+                    <a:schemeClr val="tx1"/>
+                  </a:gs>
+                </a:gsLst>
+                <a:lin ang="5400000" scaled="0"/>
+              </a:gradFill>
+            </a:endParaRPr>
+          </a:p>
+        </p:txBody>
+      </p:sp>
+      <p:sp>
+        <p:nvSpPr>
+          <p:cNvPr id="25" name="TextBox 24"/>
+          <p:cNvSpPr txBox="1"/>
+          <p:nvPr/>
+        </p:nvSpPr>
+        <p:spPr>
+          <a:xfrm>
+            <a:off x="6945839" y="2669769"/>
+            <a:ext cx="1070293" cy="489365"/>
+          </a:xfrm>
+          <a:prstGeom prst="rect">
+            <a:avLst/>
+          </a:prstGeom>
+          <a:noFill/>
+        </p:spPr>
+        <p:txBody>
+          <a:bodyPr wrap="none" lIns="182880" tIns="146304" rIns="182880" bIns="146304" rtlCol="0">
+            <a:spAutoFit/>
+          </a:bodyPr>
+          <a:lstStyle/>
+          <a:p>
+            <a:pPr>
+              <a:lnSpc>
+                <a:spcPct val="90000"/>
+              </a:lnSpc>
+              <a:spcAft>
+                <a:spcPts val="600"/>
+              </a:spcAft>
+            </a:pPr>
+            <a:r>
+              <a:rPr lang="en-US" sz="1400" dirty="0" smtClean="0">
+                <a:gradFill>
+                  <a:gsLst>
+                    <a:gs pos="2917">
+                      <a:schemeClr val="tx1"/>
+                    </a:gs>
+                    <a:gs pos="30000">
+                      <a:schemeClr val="tx1"/>
+                    </a:gs>
+                  </a:gsLst>
+                  <a:lin ang="5400000" scaled="0"/>
+                </a:gradFill>
+              </a:rPr>
+              <a:t>Roaming</a:t>
+            </a:r>
+            <a:endParaRPr lang="en-US" sz="1400" dirty="0" smtClean="0">
+              <a:gradFill>
+                <a:gsLst>
+                  <a:gs pos="2917">
+                    <a:schemeClr val="tx1"/>
+                  </a:gs>
+                  <a:gs pos="30000">
+                    <a:schemeClr val="tx1"/>
+                  </a:gs>
+                </a:gsLst>
+                <a:lin ang="5400000" scaled="0"/>
+              </a:gradFill>
+            </a:endParaRPr>
+          </a:p>
+        </p:txBody>
+      </p:sp>
+      <p:pic>
+        <p:nvPicPr>
+          <p:cNvPr id="7" name="Picture 6"/>
+          <p:cNvPicPr>
+            <a:picLocks noChangeAspect="1"/>
+          </p:cNvPicPr>
+          <p:nvPr/>
+        </p:nvPicPr>
+        <p:blipFill>
+          <a:blip r:embed="rId7">
+            <a:extLst>
+              <a:ext uri="{28A0092B-C50C-407E-A947-70E740481C1C}">
+                <a14:useLocalDpi xmlns:a14="http://schemas.microsoft.com/office/drawing/2010/main" val="0"/>
+              </a:ext>
+            </a:extLst>
+          </a:blip>
+          <a:stretch>
+            <a:fillRect/>
+          </a:stretch>
+        </p:blipFill>
+        <p:spPr>
+          <a:xfrm>
+            <a:off x="7109459" y="4401884"/>
+            <a:ext cx="4838091" cy="457332"/>
+          </a:xfrm>
+          <a:prstGeom prst="rect">
+            <a:avLst/>
+          </a:prstGeom>
+        </p:spPr>
+      </p:pic>
+      <p:sp>
+        <p:nvSpPr>
+          <p:cNvPr id="26" name="TextBox 25"/>
+          <p:cNvSpPr txBox="1"/>
+          <p:nvPr/>
+        </p:nvSpPr>
+        <p:spPr>
+          <a:xfrm>
+            <a:off x="6987540" y="4870684"/>
+            <a:ext cx="799706" cy="489365"/>
+          </a:xfrm>
+          <a:prstGeom prst="rect">
+            <a:avLst/>
+          </a:prstGeom>
+          <a:noFill/>
+        </p:spPr>
+        <p:txBody>
+          <a:bodyPr wrap="none" lIns="182880" tIns="146304" rIns="182880" bIns="146304" rtlCol="0">
+            <a:spAutoFit/>
+          </a:bodyPr>
+          <a:lstStyle/>
+          <a:p>
+            <a:pPr>
+              <a:lnSpc>
+                <a:spcPct val="90000"/>
+              </a:lnSpc>
+              <a:spcAft>
+                <a:spcPts val="600"/>
+              </a:spcAft>
+            </a:pPr>
+            <a:r>
+              <a:rPr lang="en-US" sz="1400" dirty="0" smtClean="0">
+                <a:gradFill>
+                  <a:gsLst>
+                    <a:gs pos="2917">
+                      <a:schemeClr val="tx1"/>
+                    </a:gs>
+                    <a:gs pos="30000">
+                      <a:schemeClr val="tx1"/>
+                    </a:gs>
+                  </a:gsLst>
+                  <a:lin ang="5400000" scaled="0"/>
+                </a:gradFill>
+              </a:rPr>
+              <a:t>Temp</a:t>
+            </a:r>
+            <a:endParaRPr lang="en-US" sz="1400" dirty="0" smtClean="0">
+              <a:gradFill>
+                <a:gsLst>
+                  <a:gs pos="2917">
+                    <a:schemeClr val="tx1"/>
+                  </a:gs>
+                  <a:gs pos="30000">
+                    <a:schemeClr val="tx1"/>
+                  </a:gs>
+                </a:gsLst>
+                <a:lin ang="5400000" scaled="0"/>
+              </a:gradFill>
+            </a:endParaRPr>
+          </a:p>
+        </p:txBody>
+      </p:sp>
+      <p:pic>
+        <p:nvPicPr>
+          <p:cNvPr id="8" name="Picture 7"/>
+          <p:cNvPicPr>
+            <a:picLocks noChangeAspect="1"/>
+          </p:cNvPicPr>
+          <p:nvPr/>
+        </p:nvPicPr>
+        <p:blipFill>
+          <a:blip r:embed="rId8">
+            <a:extLst>
+              <a:ext uri="{28A0092B-C50C-407E-A947-70E740481C1C}">
+                <a14:useLocalDpi xmlns:a14="http://schemas.microsoft.com/office/drawing/2010/main" val="0"/>
+              </a:ext>
+            </a:extLst>
+          </a:blip>
+          <a:stretch>
+            <a:fillRect/>
+          </a:stretch>
+        </p:blipFill>
+        <p:spPr>
+          <a:xfrm>
+            <a:off x="7155180" y="5192215"/>
+            <a:ext cx="4909074" cy="1273268"/>
+          </a:xfrm>
+          <a:prstGeom prst="rect">
+            <a:avLst/>
+          </a:prstGeom>
+        </p:spPr>
+      </p:pic>
+      <p:pic>
+        <p:nvPicPr>
+          <p:cNvPr id="9" name="Picture 8"/>
+          <p:cNvPicPr>
+            <a:picLocks noChangeAspect="1"/>
+          </p:cNvPicPr>
+          <p:nvPr/>
+        </p:nvPicPr>
+        <p:blipFill>
+          <a:blip r:embed="rId9">
+            <a:extLst>
+              <a:ext uri="{28A0092B-C50C-407E-A947-70E740481C1C}">
+                <a14:useLocalDpi xmlns:a14="http://schemas.microsoft.com/office/drawing/2010/main" val="0"/>
+              </a:ext>
+            </a:extLst>
+          </a:blip>
+          <a:stretch>
+            <a:fillRect/>
+          </a:stretch>
+        </p:blipFill>
+        <p:spPr>
+          <a:xfrm>
+            <a:off x="7033261" y="6399005"/>
+            <a:ext cx="5102543" cy="357256"/>
+          </a:xfrm>
+          <a:prstGeom prst="rect">
+            <a:avLst/>
+          </a:prstGeom>
+        </p:spPr>
+      </p:pic>
+    </p:spTree>
+    <p:extLst>
+      <p:ext uri="{BB962C8B-B14F-4D97-AF65-F5344CB8AC3E}">
+        <p14:creationId xmlns:p14="http://schemas.microsoft.com/office/powerpoint/2010/main" val="228719941"/>
+      </p:ext>
+    </p:extLst>
+  </p:cSld>
+  <p:clrMapOvr>
+    <a:masterClrMapping/>
+  </p:clrMapOvr>
+  <p:transition>
+    <p:fade/>
+  </p:transition>
+  <p:timing>
+    <p:tnLst>
+      <p:par>
+        <p:cTn id="1" dur="indefinite" restart="never" nodeType="tmRoot"/>
+      </p:par>
+    </p:tnLst>
+  </p:timing>
+</p:sld>
+</file>
+
+<file path=ppt/slides/slide12.xml><?xml version="1.0" encoding="utf-8"?>
+<p:sld xmlns:a="http://schemas.openxmlformats.org/drawingml/2006/main" xmlns:r="http://schemas.openxmlformats.org/officeDocument/2006/relationships" xmlns:p="http://schemas.openxmlformats.org/presentationml/2006/main">
+  <p:cSld>
+    <p:bg>
+      <p:bgPr>
+        <a:blipFill dpi="0" rotWithShape="1">
+          <a:blip r:embed="rId3">
+            <a:alphaModFix amt="12000"/>
+            <a:lum/>
+          </a:blip>
+          <a:srcRect/>
+          <a:stretch>
+            <a:fillRect l="-45000" t="-39000" r="45000" b="-39000"/>
+          </a:stretch>
+        </a:blipFill>
+        <a:effectLst/>
+      </p:bgPr>
+    </p:bg>
+    <p:spTree>
+      <p:nvGrpSpPr>
+        <p:cNvPr id="1" name=""/>
+        <p:cNvGrpSpPr/>
+        <p:nvPr/>
+      </p:nvGrpSpPr>
+      <p:grpSpPr>
+        <a:xfrm>
+          <a:off x="0" y="0"/>
+          <a:ext cx="0" cy="0"/>
+          <a:chOff x="0" y="0"/>
+          <a:chExt cx="0" cy="0"/>
+        </a:xfrm>
+      </p:grpSpPr>
+      <p:sp>
+        <p:nvSpPr>
+          <p:cNvPr id="2" name="Title 1"/>
+          <p:cNvSpPr>
+            <a:spLocks noGrp="1"/>
+          </p:cNvSpPr>
+          <p:nvPr>
+            <p:ph type="title"/>
+          </p:nvPr>
+        </p:nvSpPr>
+        <p:spPr>
+          <a:xfrm>
+            <a:off x="268080" y="226025"/>
+            <a:ext cx="11655840" cy="899537"/>
+          </a:xfrm>
+        </p:spPr>
+        <p:txBody>
+          <a:bodyPr/>
+          <a:lstStyle/>
+          <a:p>
+            <a:pPr algn="ctr"/>
+            <a:r>
+              <a:rPr lang="en-US" dirty="0"/>
+              <a:t>Native Platform Configuration</a:t>
+            </a:r>
+            <a:endParaRPr lang="en-US" b="1" dirty="0"/>
+          </a:p>
+        </p:txBody>
+      </p:sp>
+      <p:grpSp>
+        <p:nvGrpSpPr>
+          <p:cNvPr id="3" name="Group 2"/>
+          <p:cNvGrpSpPr/>
+          <p:nvPr/>
+        </p:nvGrpSpPr>
+        <p:grpSpPr>
+          <a:xfrm>
+            <a:off x="555812" y="1021976"/>
+            <a:ext cx="11368108" cy="1896571"/>
+            <a:chOff x="2804067" y="1444948"/>
+            <a:chExt cx="6407259" cy="1211831"/>
+          </a:xfrm>
+        </p:grpSpPr>
+        <p:sp>
+          <p:nvSpPr>
+            <p:cNvPr id="18" name="Rectangle 17"/>
+            <p:cNvSpPr/>
+            <p:nvPr/>
+          </p:nvSpPr>
+          <p:spPr bwMode="auto">
+            <a:xfrm>
+              <a:off x="2804067" y="2177293"/>
+              <a:ext cx="2117653" cy="479486"/>
+            </a:xfrm>
+            <a:prstGeom prst="rect">
+              <a:avLst/>
+            </a:prstGeom>
+            <a:solidFill>
+              <a:srgbClr val="9570D5"/>
+            </a:solidFill>
+            <a:ln>
+              <a:noFill/>
+              <a:headEnd type="none" w="med" len="med"/>
+              <a:tailEnd type="none" w="med" len="med"/>
+            </a:ln>
+            <a:effectLst/>
+          </p:spPr>
+          <p:style>
+            <a:lnRef idx="1">
+              <a:schemeClr val="accent2"/>
+            </a:lnRef>
+            <a:fillRef idx="3">
+              <a:schemeClr val="accent2"/>
+            </a:fillRef>
+            <a:effectRef idx="2">
+              <a:schemeClr val="accent2"/>
+            </a:effectRef>
+            <a:fontRef idx="minor">
+              <a:schemeClr val="lt1"/>
+            </a:fontRef>
+          </p:style>
+          <p:txBody>
+            <a:bodyPr lIns="89642" tIns="89642" rIns="33620" bIns="33620" rtlCol="0" anchor="b" anchorCtr="0"/>
+            <a:lstStyle/>
+            <a:p>
+              <a:pPr algn="ctr" defTabSz="914038"/>
+              <a:r>
+                <a:rPr lang="en-US" sz="784" dirty="0">
+                  <a:gradFill>
+                    <a:gsLst>
+                      <a:gs pos="0">
+                        <a:srgbClr val="FFFFFF"/>
+                      </a:gs>
+                      <a:gs pos="100000">
+                        <a:srgbClr val="FFFFFF"/>
+                      </a:gs>
+                    </a:gsLst>
+                    <a:lin ang="5400000" scaled="0"/>
+                  </a:gradFill>
+                  <a:ea typeface="Segoe UI" pitchFamily="34" charset="0"/>
+                  <a:cs typeface="Segoe UI" pitchFamily="34" charset="0"/>
+                </a:rPr>
+                <a:t> </a:t>
+              </a:r>
+            </a:p>
+          </p:txBody>
+        </p:sp>
+        <p:sp>
+          <p:nvSpPr>
+            <p:cNvPr id="34" name="TextBox 33"/>
+            <p:cNvSpPr txBox="1"/>
+            <p:nvPr/>
+          </p:nvSpPr>
+          <p:spPr>
+            <a:xfrm>
+              <a:off x="2817643" y="2150169"/>
+              <a:ext cx="2104077" cy="460399"/>
+            </a:xfrm>
+            <a:prstGeom prst="rect">
+              <a:avLst/>
+            </a:prstGeom>
+            <a:noFill/>
+          </p:spPr>
+          <p:txBody>
+            <a:bodyPr wrap="square" lIns="179285" tIns="143428" rIns="179285" bIns="143428" rtlCol="0">
+              <a:spAutoFit/>
+            </a:bodyPr>
+            <a:lstStyle/>
+            <a:p>
+              <a:pPr algn="ctr" defTabSz="914102" fontAlgn="base">
+                <a:spcBef>
+                  <a:spcPct val="0"/>
+                </a:spcBef>
+                <a:spcAft>
+                  <a:spcPct val="0"/>
+                </a:spcAft>
+              </a:pPr>
+              <a:r>
+                <a:rPr lang="en-US" sz="2800" dirty="0" err="1">
+                  <a:solidFill>
+                    <a:srgbClr val="FFFFFF"/>
+                  </a:solidFill>
+                </a:rPr>
+                <a:t>plist</a:t>
+              </a:r>
+              <a:endParaRPr lang="en-US" sz="2800" dirty="0">
+                <a:solidFill>
+                  <a:srgbClr val="FFFFFF"/>
+                </a:solidFill>
+              </a:endParaRPr>
+            </a:p>
+          </p:txBody>
+        </p:sp>
+        <p:sp>
+          <p:nvSpPr>
+            <p:cNvPr id="37" name="Rectangle 36"/>
+            <p:cNvSpPr/>
+            <p:nvPr/>
+          </p:nvSpPr>
+          <p:spPr bwMode="auto">
+            <a:xfrm>
+              <a:off x="4948870" y="2177293"/>
+              <a:ext cx="2117653" cy="479486"/>
+            </a:xfrm>
+            <a:prstGeom prst="rect">
+              <a:avLst/>
+            </a:prstGeom>
+            <a:solidFill>
+              <a:srgbClr val="66B11F"/>
+            </a:solidFill>
+            <a:ln>
+              <a:noFill/>
+              <a:headEnd type="none" w="med" len="med"/>
+              <a:tailEnd type="none" w="med" len="med"/>
+            </a:ln>
+            <a:effectLst/>
+          </p:spPr>
+          <p:style>
+            <a:lnRef idx="1">
+              <a:schemeClr val="accent2"/>
+            </a:lnRef>
+            <a:fillRef idx="3">
+              <a:schemeClr val="accent2"/>
+            </a:fillRef>
+            <a:effectRef idx="2">
+              <a:schemeClr val="accent2"/>
+            </a:effectRef>
+            <a:fontRef idx="minor">
+              <a:schemeClr val="lt1"/>
+            </a:fontRef>
+          </p:style>
+          <p:txBody>
+            <a:bodyPr lIns="89642" tIns="89642" rIns="33620" bIns="33620" rtlCol="0" anchor="b" anchorCtr="0"/>
+            <a:lstStyle/>
+            <a:p>
+              <a:pPr algn="ctr" defTabSz="914038"/>
+              <a:r>
+                <a:rPr lang="en-US" sz="784" dirty="0">
+                  <a:gradFill>
+                    <a:gsLst>
+                      <a:gs pos="0">
+                        <a:srgbClr val="FFFFFF"/>
+                      </a:gs>
+                      <a:gs pos="100000">
+                        <a:srgbClr val="FFFFFF"/>
+                      </a:gs>
+                    </a:gsLst>
+                    <a:lin ang="5400000" scaled="0"/>
+                  </a:gradFill>
+                  <a:ea typeface="Segoe UI" pitchFamily="34" charset="0"/>
+                  <a:cs typeface="Segoe UI" pitchFamily="34" charset="0"/>
+                </a:rPr>
+                <a:t> </a:t>
+              </a:r>
+            </a:p>
+          </p:txBody>
+        </p:sp>
+        <p:sp>
+          <p:nvSpPr>
+            <p:cNvPr id="40" name="Rectangle 39"/>
+            <p:cNvSpPr/>
+            <p:nvPr/>
+          </p:nvSpPr>
+          <p:spPr bwMode="auto">
+            <a:xfrm>
+              <a:off x="7093673" y="2177293"/>
+              <a:ext cx="2117653" cy="479486"/>
+            </a:xfrm>
+            <a:prstGeom prst="rect">
+              <a:avLst/>
+            </a:prstGeom>
+            <a:solidFill>
+              <a:srgbClr val="00BBF1"/>
+            </a:solidFill>
+            <a:ln>
+              <a:noFill/>
+              <a:headEnd type="none" w="med" len="med"/>
+              <a:tailEnd type="none" w="med" len="med"/>
+            </a:ln>
+            <a:effectLst/>
+          </p:spPr>
+          <p:style>
+            <a:lnRef idx="1">
+              <a:schemeClr val="accent2"/>
+            </a:lnRef>
+            <a:fillRef idx="3">
+              <a:schemeClr val="accent2"/>
+            </a:fillRef>
+            <a:effectRef idx="2">
+              <a:schemeClr val="accent2"/>
+            </a:effectRef>
+            <a:fontRef idx="minor">
+              <a:schemeClr val="lt1"/>
+            </a:fontRef>
+          </p:style>
+          <p:txBody>
+            <a:bodyPr lIns="89642" tIns="89642" rIns="33620" bIns="33620" rtlCol="0" anchor="b" anchorCtr="0"/>
+            <a:lstStyle/>
+            <a:p>
+              <a:pPr algn="ctr" defTabSz="914038"/>
+              <a:r>
+                <a:rPr lang="en-US" sz="784" dirty="0">
+                  <a:solidFill>
+                    <a:srgbClr val="00BBF1"/>
+                  </a:solidFill>
+                  <a:ea typeface="Segoe UI" pitchFamily="34" charset="0"/>
+                  <a:cs typeface="Segoe UI" pitchFamily="34" charset="0"/>
+                </a:rPr>
+                <a:t> </a:t>
+              </a:r>
+            </a:p>
+          </p:txBody>
+        </p:sp>
+        <p:sp>
+          <p:nvSpPr>
+            <p:cNvPr id="42" name="TextBox 41"/>
+            <p:cNvSpPr txBox="1"/>
+            <p:nvPr/>
+          </p:nvSpPr>
+          <p:spPr>
+            <a:xfrm>
+              <a:off x="7107249" y="2150169"/>
+              <a:ext cx="2104077" cy="460399"/>
+            </a:xfrm>
+            <a:prstGeom prst="rect">
+              <a:avLst/>
+            </a:prstGeom>
+            <a:noFill/>
+          </p:spPr>
+          <p:txBody>
+            <a:bodyPr wrap="square" lIns="179285" tIns="143428" rIns="179285" bIns="143428" rtlCol="0">
+              <a:spAutoFit/>
+            </a:bodyPr>
+            <a:lstStyle/>
+            <a:p>
+              <a:pPr algn="ctr" defTabSz="914102" fontAlgn="base">
+                <a:spcBef>
+                  <a:spcPct val="0"/>
+                </a:spcBef>
+                <a:spcAft>
+                  <a:spcPct val="0"/>
+                </a:spcAft>
+              </a:pPr>
+              <a:r>
+                <a:rPr lang="en-US" sz="2800" dirty="0">
+                  <a:solidFill>
+                    <a:srgbClr val="FFFFFF"/>
+                  </a:solidFill>
+                </a:rPr>
+                <a:t>ApplicationsData</a:t>
+              </a:r>
+            </a:p>
+          </p:txBody>
+        </p:sp>
+        <p:sp>
+          <p:nvSpPr>
+            <p:cNvPr id="43" name="TextBox 42"/>
+            <p:cNvSpPr txBox="1"/>
+            <p:nvPr/>
+          </p:nvSpPr>
+          <p:spPr>
+            <a:xfrm>
+              <a:off x="4962445" y="2150169"/>
+              <a:ext cx="2104077" cy="460399"/>
+            </a:xfrm>
+            <a:prstGeom prst="rect">
+              <a:avLst/>
+            </a:prstGeom>
+            <a:noFill/>
+          </p:spPr>
+          <p:txBody>
+            <a:bodyPr wrap="square" lIns="179285" tIns="143428" rIns="179285" bIns="143428" rtlCol="0">
+              <a:spAutoFit/>
+            </a:bodyPr>
+            <a:lstStyle/>
+            <a:p>
+              <a:pPr algn="ctr" defTabSz="914102" fontAlgn="base">
+                <a:spcBef>
+                  <a:spcPct val="0"/>
+                </a:spcBef>
+                <a:spcAft>
+                  <a:spcPct val="0"/>
+                </a:spcAft>
+              </a:pPr>
+              <a:r>
+                <a:rPr lang="en-US" sz="2800" dirty="0">
+                  <a:solidFill>
+                    <a:srgbClr val="FFFFFF"/>
+                  </a:solidFill>
+                </a:rPr>
+                <a:t>SharedPreferences</a:t>
+              </a:r>
+              <a:r>
+                <a:rPr lang="en-US" sz="1568" dirty="0">
+                  <a:solidFill>
+                    <a:srgbClr val="FFFFFF"/>
+                  </a:solidFill>
+                </a:rPr>
+                <a:t> </a:t>
+              </a:r>
+            </a:p>
+          </p:txBody>
+        </p:sp>
+        <p:grpSp>
+          <p:nvGrpSpPr>
+            <p:cNvPr id="31" name="Group 30"/>
+            <p:cNvGrpSpPr/>
+            <p:nvPr/>
+          </p:nvGrpSpPr>
+          <p:grpSpPr>
+            <a:xfrm>
+              <a:off x="3562935" y="1444948"/>
+              <a:ext cx="613490" cy="613491"/>
+              <a:chOff x="2057399" y="2725789"/>
+              <a:chExt cx="1028699" cy="1028700"/>
+            </a:xfrm>
+          </p:grpSpPr>
+          <p:sp>
+            <p:nvSpPr>
+              <p:cNvPr id="45" name="Oval 44"/>
+              <p:cNvSpPr/>
+              <p:nvPr/>
+            </p:nvSpPr>
+            <p:spPr bwMode="auto">
+              <a:xfrm>
+                <a:off x="2057399" y="2725789"/>
+                <a:ext cx="1028699" cy="1028700"/>
+              </a:xfrm>
+              <a:prstGeom prst="ellipse">
+                <a:avLst/>
+              </a:prstGeom>
+              <a:solidFill>
+                <a:srgbClr val="9570D5"/>
+              </a:solidFill>
+              <a:ln>
+                <a:noFill/>
+                <a:headEnd type="none" w="med" len="med"/>
+                <a:tailEnd type="none" w="med" len="med"/>
+              </a:ln>
+              <a:effectLst/>
+            </p:spPr>
+            <p:style>
+              <a:lnRef idx="1">
+                <a:schemeClr val="accent2"/>
+              </a:lnRef>
+              <a:fillRef idx="3">
+                <a:schemeClr val="accent2"/>
+              </a:fillRef>
+              <a:effectRef idx="2">
+                <a:schemeClr val="accent2"/>
+              </a:effectRef>
+              <a:fontRef idx="minor">
+                <a:schemeClr val="lt1"/>
+              </a:fontRef>
+            </p:style>
+            <p:txBody>
+              <a:bodyPr lIns="89642" tIns="89642" rIns="33620" bIns="33620" rtlCol="0" anchor="b" anchorCtr="0"/>
+              <a:lstStyle/>
+              <a:p>
+                <a:pPr algn="ctr" defTabSz="914038"/>
+                <a:endParaRPr lang="en-US" sz="784" dirty="0">
+                  <a:gradFill>
+                    <a:gsLst>
+                      <a:gs pos="0">
+                        <a:srgbClr val="FFFFFF"/>
+                      </a:gs>
+                      <a:gs pos="100000">
+                        <a:srgbClr val="FFFFFF"/>
+                      </a:gs>
+                    </a:gsLst>
+                    <a:lin ang="5400000" scaled="0"/>
+                  </a:gradFill>
+                  <a:ea typeface="Segoe UI" pitchFamily="34" charset="0"/>
+                  <a:cs typeface="Segoe UI" pitchFamily="34" charset="0"/>
+                </a:endParaRPr>
+              </a:p>
+            </p:txBody>
+          </p:sp>
+          <p:pic>
+            <p:nvPicPr>
+              <p:cNvPr id="46" name="Picture 45" descr="Apple_logo.pdf"/>
+              <p:cNvPicPr>
+                <a:picLocks noChangeAspect="1"/>
+              </p:cNvPicPr>
+              <p:nvPr/>
+            </p:nvPicPr>
+            <p:blipFill>
+              <a:blip r:embed="rId4">
+                <a:extLst>
+                  <a:ext uri="{28A0092B-C50C-407E-A947-70E740481C1C}">
+                    <a14:useLocalDpi xmlns:a14="http://schemas.microsoft.com/office/drawing/2010/main"/>
+                  </a:ext>
+                </a:extLst>
+              </a:blip>
+              <a:stretch>
+                <a:fillRect/>
+              </a:stretch>
+            </p:blipFill>
+            <p:spPr>
+              <a:xfrm>
+                <a:off x="2319103" y="2938131"/>
+                <a:ext cx="468070" cy="523137"/>
+              </a:xfrm>
+              <a:prstGeom prst="rect">
+                <a:avLst/>
+              </a:prstGeom>
+            </p:spPr>
+          </p:pic>
+        </p:grpSp>
+        <p:grpSp>
+          <p:nvGrpSpPr>
+            <p:cNvPr id="32" name="Group 31"/>
+            <p:cNvGrpSpPr/>
+            <p:nvPr/>
+          </p:nvGrpSpPr>
+          <p:grpSpPr>
+            <a:xfrm>
+              <a:off x="5707598" y="1444948"/>
+              <a:ext cx="613490" cy="613491"/>
+              <a:chOff x="3810000" y="3144890"/>
+              <a:chExt cx="1028699" cy="1028700"/>
+            </a:xfrm>
+          </p:grpSpPr>
+          <p:sp>
+            <p:nvSpPr>
+              <p:cNvPr id="41" name="Oval 40"/>
+              <p:cNvSpPr/>
+              <p:nvPr/>
+            </p:nvSpPr>
+            <p:spPr bwMode="auto">
+              <a:xfrm>
+                <a:off x="3810000" y="3144890"/>
+                <a:ext cx="1028699" cy="1028700"/>
+              </a:xfrm>
+              <a:prstGeom prst="ellipse">
+                <a:avLst/>
+              </a:prstGeom>
+              <a:solidFill>
+                <a:srgbClr val="66B11F"/>
+              </a:solidFill>
+              <a:ln>
+                <a:noFill/>
+                <a:headEnd type="none" w="med" len="med"/>
+                <a:tailEnd type="none" w="med" len="med"/>
+              </a:ln>
+              <a:effectLst/>
+            </p:spPr>
+            <p:style>
+              <a:lnRef idx="1">
+                <a:schemeClr val="accent2"/>
+              </a:lnRef>
+              <a:fillRef idx="3">
+                <a:schemeClr val="accent2"/>
+              </a:fillRef>
+              <a:effectRef idx="2">
+                <a:schemeClr val="accent2"/>
+              </a:effectRef>
+              <a:fontRef idx="minor">
+                <a:schemeClr val="lt1"/>
+              </a:fontRef>
+            </p:style>
+            <p:txBody>
+              <a:bodyPr lIns="89642" tIns="89642" rIns="33620" bIns="33620" rtlCol="0" anchor="b" anchorCtr="0"/>
+              <a:lstStyle/>
+              <a:p>
+                <a:pPr algn="ctr" defTabSz="914038"/>
+                <a:endParaRPr lang="en-US" sz="784" dirty="0">
+                  <a:gradFill>
+                    <a:gsLst>
+                      <a:gs pos="0">
+                        <a:srgbClr val="FFFFFF"/>
+                      </a:gs>
+                      <a:gs pos="100000">
+                        <a:srgbClr val="FFFFFF"/>
+                      </a:gs>
+                    </a:gsLst>
+                    <a:lin ang="5400000" scaled="0"/>
+                  </a:gradFill>
+                  <a:ea typeface="Segoe UI" pitchFamily="34" charset="0"/>
+                  <a:cs typeface="Segoe UI" pitchFamily="34" charset="0"/>
+                </a:endParaRPr>
+              </a:p>
+            </p:txBody>
+          </p:sp>
+          <p:pic>
+            <p:nvPicPr>
+              <p:cNvPr id="44" name="Picture 43" descr="Android_logo.pdf"/>
+              <p:cNvPicPr>
+                <a:picLocks noChangeAspect="1"/>
+              </p:cNvPicPr>
+              <p:nvPr/>
+            </p:nvPicPr>
+            <p:blipFill>
+              <a:blip r:embed="rId5">
+                <a:extLst>
+                  <a:ext uri="{28A0092B-C50C-407E-A947-70E740481C1C}">
+                    <a14:useLocalDpi xmlns:a14="http://schemas.microsoft.com/office/drawing/2010/main"/>
+                  </a:ext>
+                </a:extLst>
+              </a:blip>
+              <a:stretch>
+                <a:fillRect/>
+              </a:stretch>
+            </p:blipFill>
+            <p:spPr>
+              <a:xfrm>
+                <a:off x="4097337" y="3402859"/>
+                <a:ext cx="434973" cy="500220"/>
+              </a:xfrm>
+              <a:prstGeom prst="rect">
+                <a:avLst/>
+              </a:prstGeom>
+            </p:spPr>
+          </p:pic>
+        </p:grpSp>
+        <p:grpSp>
+          <p:nvGrpSpPr>
+            <p:cNvPr id="33" name="Group 32"/>
+            <p:cNvGrpSpPr/>
+            <p:nvPr/>
+          </p:nvGrpSpPr>
+          <p:grpSpPr>
+            <a:xfrm>
+              <a:off x="7851596" y="1444948"/>
+              <a:ext cx="613491" cy="613491"/>
+              <a:chOff x="6083298" y="3144890"/>
+              <a:chExt cx="1028699" cy="1028700"/>
+            </a:xfrm>
+          </p:grpSpPr>
+          <p:sp>
+            <p:nvSpPr>
+              <p:cNvPr id="36" name="Oval 35"/>
+              <p:cNvSpPr/>
+              <p:nvPr/>
+            </p:nvSpPr>
+            <p:spPr bwMode="auto">
+              <a:xfrm>
+                <a:off x="6083298" y="3144890"/>
+                <a:ext cx="1028699" cy="1028700"/>
+              </a:xfrm>
+              <a:prstGeom prst="ellipse">
+                <a:avLst/>
+              </a:prstGeom>
+              <a:solidFill>
+                <a:srgbClr val="00BBF1"/>
+              </a:solidFill>
+              <a:ln>
+                <a:noFill/>
+                <a:headEnd type="none" w="med" len="med"/>
+                <a:tailEnd type="none" w="med" len="med"/>
+              </a:ln>
+              <a:effectLst/>
+            </p:spPr>
+            <p:style>
+              <a:lnRef idx="1">
+                <a:schemeClr val="accent2"/>
+              </a:lnRef>
+              <a:fillRef idx="3">
+                <a:schemeClr val="accent2"/>
+              </a:fillRef>
+              <a:effectRef idx="2">
+                <a:schemeClr val="accent2"/>
+              </a:effectRef>
+              <a:fontRef idx="minor">
+                <a:schemeClr val="lt1"/>
+              </a:fontRef>
+            </p:style>
+            <p:txBody>
+              <a:bodyPr lIns="89642" tIns="89642" rIns="33620" bIns="33620" rtlCol="0" anchor="b" anchorCtr="0"/>
+              <a:lstStyle/>
+              <a:p>
+                <a:pPr algn="ctr" defTabSz="914038"/>
+                <a:endParaRPr lang="en-US" sz="784" dirty="0">
+                  <a:gradFill>
+                    <a:gsLst>
+                      <a:gs pos="0">
+                        <a:srgbClr val="FFFFFF"/>
+                      </a:gs>
+                      <a:gs pos="100000">
+                        <a:srgbClr val="FFFFFF"/>
+                      </a:gs>
+                    </a:gsLst>
+                    <a:lin ang="5400000" scaled="0"/>
+                  </a:gradFill>
+                  <a:ea typeface="Segoe UI" pitchFamily="34" charset="0"/>
+                  <a:cs typeface="Segoe UI" pitchFamily="34" charset="0"/>
+                </a:endParaRPr>
+              </a:p>
+            </p:txBody>
+          </p:sp>
+          <p:pic>
+            <p:nvPicPr>
+              <p:cNvPr id="38" name="Picture 37" descr="Windows_logo.pdf"/>
+              <p:cNvPicPr>
+                <a:picLocks noChangeAspect="1"/>
+              </p:cNvPicPr>
+              <p:nvPr/>
+            </p:nvPicPr>
+            <p:blipFill>
+              <a:blip r:embed="rId6">
+                <a:extLst>
+                  <a:ext uri="{28A0092B-C50C-407E-A947-70E740481C1C}">
+                    <a14:useLocalDpi xmlns:a14="http://schemas.microsoft.com/office/drawing/2010/main"/>
+                  </a:ext>
+                </a:extLst>
+              </a:blip>
+              <a:stretch>
+                <a:fillRect/>
+              </a:stretch>
+            </p:blipFill>
+            <p:spPr>
+              <a:xfrm>
+                <a:off x="6365885" y="3436990"/>
+                <a:ext cx="466043" cy="434973"/>
+              </a:xfrm>
+              <a:prstGeom prst="rect">
+                <a:avLst/>
+              </a:prstGeom>
+            </p:spPr>
+          </p:pic>
+        </p:grpSp>
+      </p:grpSp>
+      <p:sp>
+        <p:nvSpPr>
+          <p:cNvPr id="21" name="Title 1"/>
+          <p:cNvSpPr txBox="1">
+            <a:spLocks/>
+          </p:cNvSpPr>
+          <p:nvPr/>
+        </p:nvSpPr>
+        <p:spPr>
+          <a:xfrm>
+            <a:off x="2025421" y="3949324"/>
+            <a:ext cx="7363987" cy="1505132"/>
+          </a:xfrm>
+          <a:prstGeom prst="rect">
+            <a:avLst/>
+          </a:prstGeom>
+        </p:spPr>
+        <p:txBody>
+          <a:bodyPr vert="horz" wrap="square" lIns="146304" tIns="91440" rIns="146304" bIns="91440" rtlCol="0" anchor="t">
+            <a:noAutofit/>
+          </a:bodyPr>
+          <a:lstStyle>
+            <a:lvl1pPr algn="l" defTabSz="914367" rtl="0" eaLnBrk="1" latinLnBrk="0" hangingPunct="1">
+              <a:lnSpc>
+                <a:spcPct val="90000"/>
+              </a:lnSpc>
+              <a:spcBef>
+                <a:spcPct val="0"/>
+              </a:spcBef>
+              <a:buNone/>
+              <a:defRPr lang="en-US" sz="4705" b="0" kern="1200" cap="none" spc="-100" baseline="0" dirty="0" smtClean="0">
+                <a:ln w="3175">
+                  <a:noFill/>
+                </a:ln>
+                <a:gradFill>
+                  <a:gsLst>
+                    <a:gs pos="1250">
+                      <a:schemeClr val="tx1"/>
+                    </a:gs>
+                    <a:gs pos="100000">
+                      <a:schemeClr val="tx1"/>
+                    </a:gs>
+                  </a:gsLst>
+                  <a:lin ang="5400000" scaled="0"/>
+                </a:gradFill>
+                <a:effectLst/>
+                <a:latin typeface="+mj-lt"/>
+                <a:ea typeface="+mn-ea"/>
+                <a:cs typeface="Segoe UI" pitchFamily="34" charset="0"/>
+              </a:defRPr>
+            </a:lvl1pPr>
+          </a:lstStyle>
+          <a:p>
+            <a:pPr algn="ctr"/>
+            <a:r>
+              <a:rPr lang="en-US" sz="9600" dirty="0"/>
+              <a:t>DEMO</a:t>
+            </a:r>
+            <a:endParaRPr lang="en-US" sz="9600" b="1" dirty="0"/>
+          </a:p>
+        </p:txBody>
+      </p:sp>
+    </p:spTree>
+    <p:extLst>
+      <p:ext uri="{BB962C8B-B14F-4D97-AF65-F5344CB8AC3E}">
+        <p14:creationId xmlns:p14="http://schemas.microsoft.com/office/powerpoint/2010/main" val="1896596867"/>
+      </p:ext>
+    </p:extLst>
+  </p:cSld>
+  <p:clrMapOvr>
+    <a:masterClrMapping/>
+  </p:clrMapOvr>
+  <p:transition>
+    <p:fade/>
+  </p:transition>
+  <p:timing>
+    <p:tnLst>
+      <p:par>
+        <p:cTn id="1" dur="indefinite" restart="never" nodeType="tmRoot"/>
+      </p:par>
+    </p:tnLst>
+  </p:timing>
+</p:sld>
+</file>
+
+<file path=ppt/slides/slide13.xml><?xml version="1.0" encoding="utf-8"?>
+<p:sld xmlns:a="http://schemas.openxmlformats.org/drawingml/2006/main" xmlns:r="http://schemas.openxmlformats.org/officeDocument/2006/relationships" xmlns:p="http://schemas.openxmlformats.org/presentationml/2006/main">
+  <p:cSld>
     <p:bg>
       <p:bgPr>
         <a:blipFill dpi="0" rotWithShape="1">
@@ -7412,7 +10038,7 @@
 </p:sld>
 </file>
 
-<file path=ppt/slides/slide11.xml><?xml version="1.0" encoding="utf-8"?>
+<file path=ppt/slides/slide14.xml><?xml version="1.0" encoding="utf-8"?>
 <p:sld xmlns:a="http://schemas.openxmlformats.org/drawingml/2006/main" xmlns:r="http://schemas.openxmlformats.org/officeDocument/2006/relationships" xmlns:p="http://schemas.openxmlformats.org/presentationml/2006/main">
   <p:cSld>
     <p:bg>
@@ -7707,7 +10333,7 @@
 </p:sld>
 </file>
 
-<file path=ppt/slides/slide12.xml><?xml version="1.0" encoding="utf-8"?>
+<file path=ppt/slides/slide15.xml><?xml version="1.0" encoding="utf-8"?>
 <p:sld xmlns:a="http://schemas.openxmlformats.org/drawingml/2006/main" xmlns:r="http://schemas.openxmlformats.org/officeDocument/2006/relationships" xmlns:p="http://schemas.openxmlformats.org/presentationml/2006/main">
   <p:cSld>
     <p:bg>
@@ -8234,7 +10860,7 @@
 </p:sld>
 </file>
 
-<file path=ppt/slides/slide13.xml><?xml version="1.0" encoding="utf-8"?>
+<file path=ppt/slides/slide16.xml><?xml version="1.0" encoding="utf-8"?>
 <p:sld xmlns:a="http://schemas.openxmlformats.org/drawingml/2006/main" xmlns:r="http://schemas.openxmlformats.org/officeDocument/2006/relationships" xmlns:p="http://schemas.openxmlformats.org/presentationml/2006/main">
   <p:cSld>
     <p:bg>
@@ -8856,7 +11482,7 @@
 </p:sld>
 </file>
 
-<file path=ppt/slides/slide14.xml><?xml version="1.0" encoding="utf-8"?>
+<file path=ppt/slides/slide17.xml><?xml version="1.0" encoding="utf-8"?>
 <p:sld xmlns:a="http://schemas.openxmlformats.org/drawingml/2006/main" xmlns:r="http://schemas.openxmlformats.org/officeDocument/2006/relationships" xmlns:p="http://schemas.openxmlformats.org/presentationml/2006/main">
   <p:cSld>
     <p:bg>
@@ -9496,7 +12122,7 @@
 </p:sld>
 </file>
 
-<file path=ppt/slides/slide15.xml><?xml version="1.0" encoding="utf-8"?>
+<file path=ppt/slides/slide18.xml><?xml version="1.0" encoding="utf-8"?>
 <p:sld xmlns:a="http://schemas.openxmlformats.org/drawingml/2006/main" xmlns:r="http://schemas.openxmlformats.org/officeDocument/2006/relationships" xmlns:p="http://schemas.openxmlformats.org/presentationml/2006/main">
   <p:cSld>
     <p:bg>
@@ -10046,7 +12672,7 @@
 </p:sld>
 </file>
 
-<file path=ppt/slides/slide16.xml><?xml version="1.0" encoding="utf-8"?>
+<file path=ppt/slides/slide19.xml><?xml version="1.0" encoding="utf-8"?>
 <p:sld xmlns:a="http://schemas.openxmlformats.org/drawingml/2006/main" xmlns:r="http://schemas.openxmlformats.org/officeDocument/2006/relationships" xmlns:p="http://schemas.openxmlformats.org/presentationml/2006/main">
   <p:cSld>
     <p:bg>
@@ -10745,7 +13371,906 @@
 </p:sld>
 </file>
 
-<file path=ppt/slides/slide17.xml><?xml version="1.0" encoding="utf-8"?>
+<file path=ppt/slides/slide2.xml><?xml version="1.0" encoding="utf-8"?>
+<p:sld xmlns:a="http://schemas.openxmlformats.org/drawingml/2006/main" xmlns:r="http://schemas.openxmlformats.org/officeDocument/2006/relationships" xmlns:p="http://schemas.openxmlformats.org/presentationml/2006/main">
+  <p:cSld>
+    <p:bg>
+      <p:bgPr>
+        <a:blipFill dpi="0" rotWithShape="1">
+          <a:blip r:embed="rId3">
+            <a:alphaModFix amt="12000"/>
+            <a:lum/>
+          </a:blip>
+          <a:srcRect/>
+          <a:stretch>
+            <a:fillRect l="-45000" t="-39000" r="45000" b="-39000"/>
+          </a:stretch>
+        </a:blipFill>
+        <a:effectLst/>
+      </p:bgPr>
+    </p:bg>
+    <p:spTree>
+      <p:nvGrpSpPr>
+        <p:cNvPr id="1" name=""/>
+        <p:cNvGrpSpPr/>
+        <p:nvPr/>
+      </p:nvGrpSpPr>
+      <p:grpSpPr>
+        <a:xfrm>
+          <a:off x="0" y="0"/>
+          <a:ext cx="0" cy="0"/>
+          <a:chOff x="0" y="0"/>
+          <a:chExt cx="0" cy="0"/>
+        </a:xfrm>
+      </p:grpSpPr>
+      <p:sp>
+        <p:nvSpPr>
+          <p:cNvPr id="9" name="Rectangle 8"/>
+          <p:cNvSpPr/>
+          <p:nvPr/>
+        </p:nvSpPr>
+        <p:spPr bwMode="auto">
+          <a:xfrm>
+            <a:off x="75156" y="2542711"/>
+            <a:ext cx="3970751" cy="2544853"/>
+          </a:xfrm>
+          <a:prstGeom prst="rect">
+            <a:avLst/>
+          </a:prstGeom>
+          <a:solidFill>
+            <a:srgbClr val="A6A6A6"/>
+          </a:solidFill>
+          <a:ln>
+            <a:noFill/>
+            <a:headEnd type="none" w="med" len="med"/>
+            <a:tailEnd type="none" w="med" len="med"/>
+          </a:ln>
+          <a:effectLst/>
+        </p:spPr>
+        <p:style>
+          <a:lnRef idx="1">
+            <a:schemeClr val="accent2"/>
+          </a:lnRef>
+          <a:fillRef idx="3">
+            <a:schemeClr val="accent2"/>
+          </a:fillRef>
+          <a:effectRef idx="2">
+            <a:schemeClr val="accent2"/>
+          </a:effectRef>
+          <a:fontRef idx="minor">
+            <a:schemeClr val="lt1"/>
+          </a:fontRef>
+        </p:style>
+        <p:txBody>
+          <a:bodyPr lIns="89642" tIns="89642" rIns="33620" bIns="33620" rtlCol="0" anchor="b" anchorCtr="0"/>
+          <a:lstStyle/>
+          <a:p>
+            <a:pPr algn="ctr" defTabSz="914038"/>
+            <a:r>
+              <a:rPr lang="en-US" sz="784" dirty="0">
+                <a:gradFill>
+                  <a:gsLst>
+                    <a:gs pos="0">
+                      <a:srgbClr val="FFFFFF"/>
+                    </a:gs>
+                    <a:gs pos="100000">
+                      <a:srgbClr val="FFFFFF"/>
+                    </a:gs>
+                  </a:gsLst>
+                  <a:lin ang="5400000" scaled="0"/>
+                </a:gradFill>
+                <a:ea typeface="Segoe UI" pitchFamily="34" charset="0"/>
+                <a:cs typeface="Segoe UI" pitchFamily="34" charset="0"/>
+              </a:rPr>
+              <a:t> </a:t>
+            </a:r>
+          </a:p>
+        </p:txBody>
+      </p:sp>
+      <p:sp>
+        <p:nvSpPr>
+          <p:cNvPr id="31" name="Rectangle 30"/>
+          <p:cNvSpPr/>
+          <p:nvPr/>
+        </p:nvSpPr>
+        <p:spPr bwMode="auto">
+          <a:xfrm>
+            <a:off x="92710" y="2542711"/>
+            <a:ext cx="3953838" cy="806692"/>
+          </a:xfrm>
+          <a:prstGeom prst="rect">
+            <a:avLst/>
+          </a:prstGeom>
+          <a:solidFill>
+            <a:schemeClr val="tx2"/>
+          </a:solidFill>
+          <a:ln>
+            <a:noFill/>
+            <a:headEnd type="none" w="med" len="med"/>
+            <a:tailEnd type="none" w="med" len="med"/>
+          </a:ln>
+          <a:effectLst/>
+        </p:spPr>
+        <p:style>
+          <a:lnRef idx="1">
+            <a:schemeClr val="accent2"/>
+          </a:lnRef>
+          <a:fillRef idx="3">
+            <a:schemeClr val="accent2"/>
+          </a:fillRef>
+          <a:effectRef idx="2">
+            <a:schemeClr val="accent2"/>
+          </a:effectRef>
+          <a:fontRef idx="minor">
+            <a:schemeClr val="lt1"/>
+          </a:fontRef>
+        </p:style>
+        <p:txBody>
+          <a:bodyPr lIns="89642" tIns="89642" rIns="33620" bIns="33620" rtlCol="0" anchor="b" anchorCtr="0"/>
+          <a:lstStyle/>
+          <a:p>
+            <a:pPr algn="ctr" defTabSz="914038"/>
+            <a:r>
+              <a:rPr lang="en-US" sz="784" dirty="0">
+                <a:gradFill>
+                  <a:gsLst>
+                    <a:gs pos="0">
+                      <a:srgbClr val="FFFFFF"/>
+                    </a:gs>
+                    <a:gs pos="100000">
+                      <a:srgbClr val="FFFFFF"/>
+                    </a:gs>
+                  </a:gsLst>
+                  <a:lin ang="5400000" scaled="0"/>
+                </a:gradFill>
+                <a:ea typeface="Segoe UI" pitchFamily="34" charset="0"/>
+                <a:cs typeface="Segoe UI" pitchFamily="34" charset="0"/>
+              </a:rPr>
+              <a:t> </a:t>
+            </a:r>
+          </a:p>
+        </p:txBody>
+      </p:sp>
+      <p:sp>
+        <p:nvSpPr>
+          <p:cNvPr id="2" name="Title 1"/>
+          <p:cNvSpPr>
+            <a:spLocks noGrp="1"/>
+          </p:cNvSpPr>
+          <p:nvPr>
+            <p:ph type="title"/>
+          </p:nvPr>
+        </p:nvSpPr>
+        <p:spPr>
+          <a:xfrm>
+            <a:off x="269241" y="289957"/>
+            <a:ext cx="11655840" cy="899537"/>
+          </a:xfrm>
+        </p:spPr>
+        <p:txBody>
+          <a:bodyPr/>
+          <a:lstStyle/>
+          <a:p>
+            <a:pPr algn="ctr"/>
+            <a:r>
+              <a:rPr lang="en-US" dirty="0"/>
+              <a:t>Configuration in the </a:t>
+            </a:r>
+            <a:r>
+              <a:rPr lang="en-US" dirty="0" err="1"/>
+              <a:t>.net</a:t>
+            </a:r>
+            <a:r>
+              <a:rPr lang="en-US" dirty="0"/>
+              <a:t> world</a:t>
+            </a:r>
+          </a:p>
+        </p:txBody>
+      </p:sp>
+      <p:sp>
+        <p:nvSpPr>
+          <p:cNvPr id="21" name="TextBox 20"/>
+          <p:cNvSpPr txBox="1"/>
+          <p:nvPr/>
+        </p:nvSpPr>
+        <p:spPr>
+          <a:xfrm>
+            <a:off x="161204" y="2642772"/>
+            <a:ext cx="3887841" cy="621608"/>
+          </a:xfrm>
+          <a:prstGeom prst="rect">
+            <a:avLst/>
+          </a:prstGeom>
+          <a:noFill/>
+        </p:spPr>
+        <p:txBody>
+          <a:bodyPr wrap="square" lIns="179285" tIns="143428" rIns="179285" bIns="143428" rtlCol="0">
+            <a:spAutoFit/>
+          </a:bodyPr>
+          <a:lstStyle/>
+          <a:p>
+            <a:pPr algn="ctr" defTabSz="914102" fontAlgn="base">
+              <a:spcBef>
+                <a:spcPct val="0"/>
+              </a:spcBef>
+              <a:spcAft>
+                <a:spcPct val="0"/>
+              </a:spcAft>
+            </a:pPr>
+            <a:r>
+              <a:rPr lang="en-US" sz="2157" dirty="0">
+                <a:solidFill>
+                  <a:schemeClr val="bg1"/>
+                </a:solidFill>
+              </a:rPr>
+              <a:t>ASP.net</a:t>
+            </a:r>
+          </a:p>
+        </p:txBody>
+      </p:sp>
+      <p:sp>
+        <p:nvSpPr>
+          <p:cNvPr id="27" name="TextBox 26"/>
+          <p:cNvSpPr txBox="1"/>
+          <p:nvPr/>
+        </p:nvSpPr>
+        <p:spPr>
+          <a:xfrm>
+            <a:off x="164091" y="3542020"/>
+            <a:ext cx="3825447" cy="1422403"/>
+          </a:xfrm>
+          <a:prstGeom prst="rect">
+            <a:avLst/>
+          </a:prstGeom>
+          <a:noFill/>
+        </p:spPr>
+        <p:txBody>
+          <a:bodyPr wrap="square" lIns="179285" tIns="143428" rIns="179285" bIns="143428" rtlCol="0">
+            <a:spAutoFit/>
+          </a:bodyPr>
+          <a:lstStyle/>
+          <a:p>
+            <a:pPr defTabSz="914102" fontAlgn="base">
+              <a:spcBef>
+                <a:spcPct val="0"/>
+              </a:spcBef>
+              <a:spcAft>
+                <a:spcPct val="0"/>
+              </a:spcAft>
+            </a:pPr>
+            <a:r>
+              <a:rPr lang="en-US" dirty="0" err="1"/>
+              <a:t>web.config</a:t>
+            </a:r>
+            <a:endParaRPr lang="en-US" dirty="0"/>
+          </a:p>
+          <a:p>
+            <a:pPr defTabSz="914102" fontAlgn="base">
+              <a:spcBef>
+                <a:spcPct val="0"/>
+              </a:spcBef>
+              <a:spcAft>
+                <a:spcPct val="0"/>
+              </a:spcAft>
+            </a:pPr>
+            <a:r>
+              <a:rPr lang="en-US" dirty="0"/>
+              <a:t>Api: </a:t>
+            </a:r>
+            <a:r>
+              <a:rPr lang="en-US" dirty="0" err="1"/>
+              <a:t>System.Configuration</a:t>
+            </a:r>
+            <a:endParaRPr lang="en-US" dirty="0"/>
+          </a:p>
+          <a:p>
+            <a:pPr defTabSz="914102" fontAlgn="base">
+              <a:spcBef>
+                <a:spcPct val="0"/>
+              </a:spcBef>
+              <a:spcAft>
+                <a:spcPct val="0"/>
+              </a:spcAft>
+            </a:pPr>
+            <a:r>
+              <a:rPr lang="en-US" dirty="0"/>
+              <a:t>Configurations: Built in transforms</a:t>
+            </a:r>
+          </a:p>
+          <a:p>
+            <a:pPr defTabSz="914102" fontAlgn="base">
+              <a:spcBef>
+                <a:spcPct val="0"/>
+              </a:spcBef>
+              <a:spcAft>
+                <a:spcPct val="0"/>
+              </a:spcAft>
+            </a:pPr>
+            <a:endParaRPr lang="en-US" sz="1961" dirty="0">
+              <a:solidFill>
+                <a:schemeClr val="bg1"/>
+              </a:solidFill>
+              <a:latin typeface="+mj-lt"/>
+            </a:endParaRPr>
+          </a:p>
+        </p:txBody>
+      </p:sp>
+      <p:sp>
+        <p:nvSpPr>
+          <p:cNvPr id="42" name="Rectangle 41"/>
+          <p:cNvSpPr/>
+          <p:nvPr/>
+        </p:nvSpPr>
+        <p:spPr bwMode="auto">
+          <a:xfrm>
+            <a:off x="4104761" y="2542711"/>
+            <a:ext cx="3970751" cy="2544853"/>
+          </a:xfrm>
+          <a:prstGeom prst="rect">
+            <a:avLst/>
+          </a:prstGeom>
+          <a:solidFill>
+            <a:srgbClr val="A6A6A6"/>
+          </a:solidFill>
+          <a:ln>
+            <a:noFill/>
+            <a:headEnd type="none" w="med" len="med"/>
+            <a:tailEnd type="none" w="med" len="med"/>
+          </a:ln>
+          <a:effectLst/>
+        </p:spPr>
+        <p:style>
+          <a:lnRef idx="1">
+            <a:schemeClr val="accent2"/>
+          </a:lnRef>
+          <a:fillRef idx="3">
+            <a:schemeClr val="accent2"/>
+          </a:fillRef>
+          <a:effectRef idx="2">
+            <a:schemeClr val="accent2"/>
+          </a:effectRef>
+          <a:fontRef idx="minor">
+            <a:schemeClr val="lt1"/>
+          </a:fontRef>
+        </p:style>
+        <p:txBody>
+          <a:bodyPr lIns="89642" tIns="89642" rIns="33620" bIns="33620" rtlCol="0" anchor="b" anchorCtr="0"/>
+          <a:lstStyle/>
+          <a:p>
+            <a:pPr algn="ctr" defTabSz="914038"/>
+            <a:r>
+              <a:rPr lang="en-US" sz="784" dirty="0">
+                <a:gradFill>
+                  <a:gsLst>
+                    <a:gs pos="0">
+                      <a:srgbClr val="FFFFFF"/>
+                    </a:gs>
+                    <a:gs pos="100000">
+                      <a:srgbClr val="FFFFFF"/>
+                    </a:gs>
+                  </a:gsLst>
+                  <a:lin ang="5400000" scaled="0"/>
+                </a:gradFill>
+                <a:ea typeface="Segoe UI" pitchFamily="34" charset="0"/>
+                <a:cs typeface="Segoe UI" pitchFamily="34" charset="0"/>
+              </a:rPr>
+              <a:t> </a:t>
+            </a:r>
+          </a:p>
+        </p:txBody>
+      </p:sp>
+      <p:sp>
+        <p:nvSpPr>
+          <p:cNvPr id="43" name="Rectangle 42"/>
+          <p:cNvSpPr/>
+          <p:nvPr/>
+        </p:nvSpPr>
+        <p:spPr bwMode="auto">
+          <a:xfrm>
+            <a:off x="4122315" y="2542711"/>
+            <a:ext cx="3953838" cy="806692"/>
+          </a:xfrm>
+          <a:prstGeom prst="rect">
+            <a:avLst/>
+          </a:prstGeom>
+          <a:solidFill>
+            <a:schemeClr val="tx2"/>
+          </a:solidFill>
+          <a:ln>
+            <a:noFill/>
+            <a:headEnd type="none" w="med" len="med"/>
+            <a:tailEnd type="none" w="med" len="med"/>
+          </a:ln>
+          <a:effectLst/>
+        </p:spPr>
+        <p:style>
+          <a:lnRef idx="1">
+            <a:schemeClr val="accent2"/>
+          </a:lnRef>
+          <a:fillRef idx="3">
+            <a:schemeClr val="accent2"/>
+          </a:fillRef>
+          <a:effectRef idx="2">
+            <a:schemeClr val="accent2"/>
+          </a:effectRef>
+          <a:fontRef idx="minor">
+            <a:schemeClr val="lt1"/>
+          </a:fontRef>
+        </p:style>
+        <p:txBody>
+          <a:bodyPr lIns="89642" tIns="89642" rIns="33620" bIns="33620" rtlCol="0" anchor="b" anchorCtr="0"/>
+          <a:lstStyle/>
+          <a:p>
+            <a:pPr algn="ctr" defTabSz="914038"/>
+            <a:r>
+              <a:rPr lang="en-US" sz="784" dirty="0">
+                <a:gradFill>
+                  <a:gsLst>
+                    <a:gs pos="0">
+                      <a:srgbClr val="FFFFFF"/>
+                    </a:gs>
+                    <a:gs pos="100000">
+                      <a:srgbClr val="FFFFFF"/>
+                    </a:gs>
+                  </a:gsLst>
+                  <a:lin ang="5400000" scaled="0"/>
+                </a:gradFill>
+                <a:ea typeface="Segoe UI" pitchFamily="34" charset="0"/>
+                <a:cs typeface="Segoe UI" pitchFamily="34" charset="0"/>
+              </a:rPr>
+              <a:t> </a:t>
+            </a:r>
+          </a:p>
+        </p:txBody>
+      </p:sp>
+      <p:sp>
+        <p:nvSpPr>
+          <p:cNvPr id="44" name="TextBox 43"/>
+          <p:cNvSpPr txBox="1"/>
+          <p:nvPr/>
+        </p:nvSpPr>
+        <p:spPr>
+          <a:xfrm>
+            <a:off x="4190809" y="2642772"/>
+            <a:ext cx="3887841" cy="621608"/>
+          </a:xfrm>
+          <a:prstGeom prst="rect">
+            <a:avLst/>
+          </a:prstGeom>
+          <a:noFill/>
+        </p:spPr>
+        <p:txBody>
+          <a:bodyPr wrap="square" lIns="179285" tIns="143428" rIns="179285" bIns="143428" rtlCol="0">
+            <a:spAutoFit/>
+          </a:bodyPr>
+          <a:lstStyle/>
+          <a:p>
+            <a:pPr algn="ctr" defTabSz="914102" fontAlgn="base">
+              <a:spcBef>
+                <a:spcPct val="0"/>
+              </a:spcBef>
+              <a:spcAft>
+                <a:spcPct val="0"/>
+              </a:spcAft>
+            </a:pPr>
+            <a:r>
+              <a:rPr lang="en-US" sz="2157" dirty="0">
+                <a:solidFill>
+                  <a:schemeClr val="bg1"/>
+                </a:solidFill>
+              </a:rPr>
+              <a:t>WPF, </a:t>
+            </a:r>
+            <a:r>
+              <a:rPr lang="en-US" sz="2157" dirty="0" err="1">
+                <a:solidFill>
+                  <a:schemeClr val="bg1"/>
+                </a:solidFill>
+              </a:rPr>
+              <a:t>WinForm</a:t>
+            </a:r>
+            <a:r>
+              <a:rPr lang="en-US" sz="2157" dirty="0">
+                <a:solidFill>
+                  <a:schemeClr val="bg1"/>
+                </a:solidFill>
+              </a:rPr>
+              <a:t>, Service</a:t>
+            </a:r>
+          </a:p>
+        </p:txBody>
+      </p:sp>
+      <p:sp>
+        <p:nvSpPr>
+          <p:cNvPr id="45" name="TextBox 44"/>
+          <p:cNvSpPr txBox="1"/>
+          <p:nvPr/>
+        </p:nvSpPr>
+        <p:spPr>
+          <a:xfrm>
+            <a:off x="4193696" y="3542020"/>
+            <a:ext cx="3825447" cy="1699402"/>
+          </a:xfrm>
+          <a:prstGeom prst="rect">
+            <a:avLst/>
+          </a:prstGeom>
+          <a:noFill/>
+        </p:spPr>
+        <p:txBody>
+          <a:bodyPr wrap="square" lIns="179285" tIns="143428" rIns="179285" bIns="143428" rtlCol="0">
+            <a:spAutoFit/>
+          </a:bodyPr>
+          <a:lstStyle/>
+          <a:p>
+            <a:pPr defTabSz="914102" fontAlgn="base">
+              <a:spcBef>
+                <a:spcPct val="0"/>
+              </a:spcBef>
+              <a:spcAft>
+                <a:spcPct val="0"/>
+              </a:spcAft>
+            </a:pPr>
+            <a:r>
+              <a:rPr lang="en-US" dirty="0" err="1"/>
+              <a:t>app.config</a:t>
+            </a:r>
+            <a:r>
+              <a:rPr lang="en-US" dirty="0"/>
+              <a:t>, </a:t>
+            </a:r>
+            <a:r>
+              <a:rPr lang="en-US" dirty="0" err="1"/>
+              <a:t>settings.settings</a:t>
+            </a:r>
+            <a:endParaRPr lang="en-US" dirty="0"/>
+          </a:p>
+          <a:p>
+            <a:pPr defTabSz="914102" fontAlgn="base">
+              <a:spcBef>
+                <a:spcPct val="0"/>
+              </a:spcBef>
+              <a:spcAft>
+                <a:spcPct val="0"/>
+              </a:spcAft>
+            </a:pPr>
+            <a:r>
+              <a:rPr lang="en-US" dirty="0"/>
+              <a:t>Api: </a:t>
+            </a:r>
+            <a:r>
+              <a:rPr lang="en-US" dirty="0" err="1"/>
+              <a:t>System.Configuration</a:t>
+            </a:r>
+            <a:endParaRPr lang="en-US" dirty="0"/>
+          </a:p>
+          <a:p>
+            <a:pPr defTabSz="914102" fontAlgn="base">
+              <a:spcBef>
+                <a:spcPct val="0"/>
+              </a:spcBef>
+              <a:spcAft>
+                <a:spcPct val="0"/>
+              </a:spcAft>
+            </a:pPr>
+            <a:r>
+              <a:rPr lang="en-US" dirty="0"/>
+              <a:t>Configurations: Transforms with 3</a:t>
+            </a:r>
+            <a:r>
+              <a:rPr lang="en-US" baseline="30000" dirty="0"/>
+              <a:t>rd</a:t>
+            </a:r>
+            <a:r>
+              <a:rPr lang="en-US" dirty="0"/>
+              <a:t> party (slow cheetah)</a:t>
+            </a:r>
+          </a:p>
+          <a:p>
+            <a:pPr defTabSz="914102" fontAlgn="base">
+              <a:spcBef>
+                <a:spcPct val="0"/>
+              </a:spcBef>
+              <a:spcAft>
+                <a:spcPct val="0"/>
+              </a:spcAft>
+            </a:pPr>
+            <a:endParaRPr lang="en-US" sz="1961" dirty="0">
+              <a:solidFill>
+                <a:schemeClr val="bg1"/>
+              </a:solidFill>
+              <a:latin typeface="+mj-lt"/>
+            </a:endParaRPr>
+          </a:p>
+        </p:txBody>
+      </p:sp>
+      <p:sp>
+        <p:nvSpPr>
+          <p:cNvPr id="59" name="Rectangle 58"/>
+          <p:cNvSpPr/>
+          <p:nvPr/>
+        </p:nvSpPr>
+        <p:spPr bwMode="auto">
+          <a:xfrm>
+            <a:off x="8138978" y="2542711"/>
+            <a:ext cx="3970751" cy="2544853"/>
+          </a:xfrm>
+          <a:prstGeom prst="rect">
+            <a:avLst/>
+          </a:prstGeom>
+          <a:solidFill>
+            <a:srgbClr val="A6A6A6"/>
+          </a:solidFill>
+          <a:ln>
+            <a:noFill/>
+            <a:headEnd type="none" w="med" len="med"/>
+            <a:tailEnd type="none" w="med" len="med"/>
+          </a:ln>
+          <a:effectLst/>
+        </p:spPr>
+        <p:style>
+          <a:lnRef idx="1">
+            <a:schemeClr val="accent2"/>
+          </a:lnRef>
+          <a:fillRef idx="3">
+            <a:schemeClr val="accent2"/>
+          </a:fillRef>
+          <a:effectRef idx="2">
+            <a:schemeClr val="accent2"/>
+          </a:effectRef>
+          <a:fontRef idx="minor">
+            <a:schemeClr val="lt1"/>
+          </a:fontRef>
+        </p:style>
+        <p:txBody>
+          <a:bodyPr lIns="89642" tIns="89642" rIns="33620" bIns="33620" rtlCol="0" anchor="b" anchorCtr="0"/>
+          <a:lstStyle/>
+          <a:p>
+            <a:pPr algn="ctr" defTabSz="914038"/>
+            <a:r>
+              <a:rPr lang="en-US" sz="784" dirty="0">
+                <a:gradFill>
+                  <a:gsLst>
+                    <a:gs pos="0">
+                      <a:srgbClr val="FFFFFF"/>
+                    </a:gs>
+                    <a:gs pos="100000">
+                      <a:srgbClr val="FFFFFF"/>
+                    </a:gs>
+                  </a:gsLst>
+                  <a:lin ang="5400000" scaled="0"/>
+                </a:gradFill>
+                <a:ea typeface="Segoe UI" pitchFamily="34" charset="0"/>
+                <a:cs typeface="Segoe UI" pitchFamily="34" charset="0"/>
+              </a:rPr>
+              <a:t> </a:t>
+            </a:r>
+          </a:p>
+        </p:txBody>
+      </p:sp>
+      <p:sp>
+        <p:nvSpPr>
+          <p:cNvPr id="60" name="Rectangle 59"/>
+          <p:cNvSpPr/>
+          <p:nvPr/>
+        </p:nvSpPr>
+        <p:spPr bwMode="auto">
+          <a:xfrm>
+            <a:off x="8156532" y="2542711"/>
+            <a:ext cx="3953838" cy="806692"/>
+          </a:xfrm>
+          <a:prstGeom prst="rect">
+            <a:avLst/>
+          </a:prstGeom>
+          <a:solidFill>
+            <a:schemeClr val="tx2"/>
+          </a:solidFill>
+          <a:ln>
+            <a:noFill/>
+            <a:headEnd type="none" w="med" len="med"/>
+            <a:tailEnd type="none" w="med" len="med"/>
+          </a:ln>
+          <a:effectLst/>
+        </p:spPr>
+        <p:style>
+          <a:lnRef idx="1">
+            <a:schemeClr val="accent2"/>
+          </a:lnRef>
+          <a:fillRef idx="3">
+            <a:schemeClr val="accent2"/>
+          </a:fillRef>
+          <a:effectRef idx="2">
+            <a:schemeClr val="accent2"/>
+          </a:effectRef>
+          <a:fontRef idx="minor">
+            <a:schemeClr val="lt1"/>
+          </a:fontRef>
+        </p:style>
+        <p:txBody>
+          <a:bodyPr lIns="89642" tIns="89642" rIns="33620" bIns="33620" rtlCol="0" anchor="b" anchorCtr="0"/>
+          <a:lstStyle/>
+          <a:p>
+            <a:pPr algn="ctr" defTabSz="914038"/>
+            <a:r>
+              <a:rPr lang="en-US" sz="784" dirty="0">
+                <a:gradFill>
+                  <a:gsLst>
+                    <a:gs pos="0">
+                      <a:srgbClr val="FFFFFF"/>
+                    </a:gs>
+                    <a:gs pos="100000">
+                      <a:srgbClr val="FFFFFF"/>
+                    </a:gs>
+                  </a:gsLst>
+                  <a:lin ang="5400000" scaled="0"/>
+                </a:gradFill>
+                <a:ea typeface="Segoe UI" pitchFamily="34" charset="0"/>
+                <a:cs typeface="Segoe UI" pitchFamily="34" charset="0"/>
+              </a:rPr>
+              <a:t> </a:t>
+            </a:r>
+          </a:p>
+        </p:txBody>
+      </p:sp>
+      <p:sp>
+        <p:nvSpPr>
+          <p:cNvPr id="61" name="TextBox 60"/>
+          <p:cNvSpPr txBox="1"/>
+          <p:nvPr/>
+        </p:nvSpPr>
+        <p:spPr>
+          <a:xfrm>
+            <a:off x="8225026" y="2642772"/>
+            <a:ext cx="3887841" cy="621608"/>
+          </a:xfrm>
+          <a:prstGeom prst="rect">
+            <a:avLst/>
+          </a:prstGeom>
+          <a:noFill/>
+        </p:spPr>
+        <p:txBody>
+          <a:bodyPr wrap="square" lIns="179285" tIns="143428" rIns="179285" bIns="143428" rtlCol="0">
+            <a:spAutoFit/>
+          </a:bodyPr>
+          <a:lstStyle/>
+          <a:p>
+            <a:pPr algn="ctr" defTabSz="914102" fontAlgn="base">
+              <a:spcBef>
+                <a:spcPct val="0"/>
+              </a:spcBef>
+              <a:spcAft>
+                <a:spcPct val="0"/>
+              </a:spcAft>
+            </a:pPr>
+            <a:r>
+              <a:rPr lang="en-US" sz="2157" dirty="0">
+                <a:solidFill>
+                  <a:schemeClr val="bg1"/>
+                </a:solidFill>
+              </a:rPr>
+              <a:t>Silverlight</a:t>
+            </a:r>
+          </a:p>
+        </p:txBody>
+      </p:sp>
+      <p:sp>
+        <p:nvSpPr>
+          <p:cNvPr id="62" name="TextBox 61"/>
+          <p:cNvSpPr txBox="1"/>
+          <p:nvPr/>
+        </p:nvSpPr>
+        <p:spPr>
+          <a:xfrm>
+            <a:off x="8227913" y="3542020"/>
+            <a:ext cx="3825447" cy="1422403"/>
+          </a:xfrm>
+          <a:prstGeom prst="rect">
+            <a:avLst/>
+          </a:prstGeom>
+          <a:noFill/>
+        </p:spPr>
+        <p:txBody>
+          <a:bodyPr wrap="square" lIns="179285" tIns="143428" rIns="179285" bIns="143428" rtlCol="0">
+            <a:spAutoFit/>
+          </a:bodyPr>
+          <a:lstStyle/>
+          <a:p>
+            <a:pPr defTabSz="914102" fontAlgn="base">
+              <a:spcBef>
+                <a:spcPct val="0"/>
+              </a:spcBef>
+              <a:spcAft>
+                <a:spcPct val="0"/>
+              </a:spcAft>
+            </a:pPr>
+            <a:r>
+              <a:rPr lang="en-US" dirty="0" err="1"/>
+              <a:t>Xaml</a:t>
+            </a:r>
+            <a:r>
+              <a:rPr lang="en-US" dirty="0"/>
+              <a:t>, </a:t>
+            </a:r>
+            <a:r>
+              <a:rPr lang="en-US" dirty="0" err="1"/>
+              <a:t>web.config</a:t>
+            </a:r>
+            <a:endParaRPr lang="en-US" dirty="0"/>
+          </a:p>
+          <a:p>
+            <a:pPr defTabSz="914102" fontAlgn="base">
+              <a:spcBef>
+                <a:spcPct val="0"/>
+              </a:spcBef>
+              <a:spcAft>
+                <a:spcPct val="0"/>
+              </a:spcAft>
+            </a:pPr>
+            <a:r>
+              <a:rPr lang="en-US" dirty="0"/>
+              <a:t>Api: </a:t>
+            </a:r>
+            <a:r>
+              <a:rPr lang="en-US" dirty="0" err="1"/>
+              <a:t>System.Configuration</a:t>
+            </a:r>
+            <a:endParaRPr lang="en-US" dirty="0"/>
+          </a:p>
+          <a:p>
+            <a:pPr defTabSz="914102" fontAlgn="base">
+              <a:spcBef>
+                <a:spcPct val="0"/>
+              </a:spcBef>
+              <a:spcAft>
+                <a:spcPct val="0"/>
+              </a:spcAft>
+            </a:pPr>
+            <a:r>
+              <a:rPr lang="en-US" dirty="0"/>
+              <a:t>Configurations: Built in transforms</a:t>
+            </a:r>
+          </a:p>
+          <a:p>
+            <a:pPr defTabSz="914102" fontAlgn="base">
+              <a:spcBef>
+                <a:spcPct val="0"/>
+              </a:spcBef>
+              <a:spcAft>
+                <a:spcPct val="0"/>
+              </a:spcAft>
+            </a:pPr>
+            <a:endParaRPr lang="en-US" sz="1961" dirty="0">
+              <a:solidFill>
+                <a:schemeClr val="bg1"/>
+              </a:solidFill>
+              <a:latin typeface="+mj-lt"/>
+            </a:endParaRPr>
+          </a:p>
+        </p:txBody>
+      </p:sp>
+    </p:spTree>
+    <p:extLst>
+      <p:ext uri="{BB962C8B-B14F-4D97-AF65-F5344CB8AC3E}">
+        <p14:creationId xmlns:p14="http://schemas.microsoft.com/office/powerpoint/2010/main" val="1424771149"/>
+      </p:ext>
+    </p:extLst>
+  </p:cSld>
+  <p:clrMapOvr>
+    <a:masterClrMapping/>
+  </p:clrMapOvr>
+  <p:transition>
+    <p:fade/>
+  </p:transition>
+  <p:timing>
+    <p:tnLst>
+      <p:par>
+        <p:cTn id="1" dur="indefinite" restart="never" nodeType="tmRoot"/>
+      </p:par>
+    </p:tnLst>
+  </p:timing>
+</p:sld>
+</file>
+
+<file path=ppt/slides/slide20.xml><?xml version="1.0" encoding="utf-8"?>
 <p:sld xmlns:a="http://schemas.openxmlformats.org/drawingml/2006/main" xmlns:r="http://schemas.openxmlformats.org/officeDocument/2006/relationships" xmlns:p="http://schemas.openxmlformats.org/presentationml/2006/main">
   <p:cSld>
     <p:bg>
@@ -11295,7 +14820,7 @@
 </p:sld>
 </file>
 
-<file path=ppt/slides/slide18.xml><?xml version="1.0" encoding="utf-8"?>
+<file path=ppt/slides/slide21.xml><?xml version="1.0" encoding="utf-8"?>
 <p:sld xmlns:a="http://schemas.openxmlformats.org/drawingml/2006/main" xmlns:r="http://schemas.openxmlformats.org/officeDocument/2006/relationships" xmlns:p="http://schemas.openxmlformats.org/presentationml/2006/main">
   <p:cSld>
     <p:bg>
@@ -11485,7 +15010,7 @@
 </p:sld>
 </file>
 
-<file path=ppt/slides/slide19.xml><?xml version="1.0" encoding="utf-8"?>
+<file path=ppt/slides/slide22.xml><?xml version="1.0" encoding="utf-8"?>
 <p:sld xmlns:a="http://schemas.openxmlformats.org/drawingml/2006/main" xmlns:r="http://schemas.openxmlformats.org/officeDocument/2006/relationships" xmlns:p="http://schemas.openxmlformats.org/presentationml/2006/main">
   <p:cSld>
     <p:bg>
@@ -12110,905 +15635,6 @@
     <p:bldLst>
       <p:bldP spid="27" grpId="0"/>
     </p:bldLst>
-  </p:timing>
-</p:sld>
-</file>
-
-<file path=ppt/slides/slide2.xml><?xml version="1.0" encoding="utf-8"?>
-<p:sld xmlns:a="http://schemas.openxmlformats.org/drawingml/2006/main" xmlns:r="http://schemas.openxmlformats.org/officeDocument/2006/relationships" xmlns:p="http://schemas.openxmlformats.org/presentationml/2006/main">
-  <p:cSld>
-    <p:bg>
-      <p:bgPr>
-        <a:blipFill dpi="0" rotWithShape="1">
-          <a:blip r:embed="rId3">
-            <a:alphaModFix amt="12000"/>
-            <a:lum/>
-          </a:blip>
-          <a:srcRect/>
-          <a:stretch>
-            <a:fillRect l="-45000" t="-39000" r="45000" b="-39000"/>
-          </a:stretch>
-        </a:blipFill>
-        <a:effectLst/>
-      </p:bgPr>
-    </p:bg>
-    <p:spTree>
-      <p:nvGrpSpPr>
-        <p:cNvPr id="1" name=""/>
-        <p:cNvGrpSpPr/>
-        <p:nvPr/>
-      </p:nvGrpSpPr>
-      <p:grpSpPr>
-        <a:xfrm>
-          <a:off x="0" y="0"/>
-          <a:ext cx="0" cy="0"/>
-          <a:chOff x="0" y="0"/>
-          <a:chExt cx="0" cy="0"/>
-        </a:xfrm>
-      </p:grpSpPr>
-      <p:sp>
-        <p:nvSpPr>
-          <p:cNvPr id="9" name="Rectangle 8"/>
-          <p:cNvSpPr/>
-          <p:nvPr/>
-        </p:nvSpPr>
-        <p:spPr bwMode="auto">
-          <a:xfrm>
-            <a:off x="75156" y="2542711"/>
-            <a:ext cx="3970751" cy="2544853"/>
-          </a:xfrm>
-          <a:prstGeom prst="rect">
-            <a:avLst/>
-          </a:prstGeom>
-          <a:solidFill>
-            <a:srgbClr val="A6A6A6"/>
-          </a:solidFill>
-          <a:ln>
-            <a:noFill/>
-            <a:headEnd type="none" w="med" len="med"/>
-            <a:tailEnd type="none" w="med" len="med"/>
-          </a:ln>
-          <a:effectLst/>
-        </p:spPr>
-        <p:style>
-          <a:lnRef idx="1">
-            <a:schemeClr val="accent2"/>
-          </a:lnRef>
-          <a:fillRef idx="3">
-            <a:schemeClr val="accent2"/>
-          </a:fillRef>
-          <a:effectRef idx="2">
-            <a:schemeClr val="accent2"/>
-          </a:effectRef>
-          <a:fontRef idx="minor">
-            <a:schemeClr val="lt1"/>
-          </a:fontRef>
-        </p:style>
-        <p:txBody>
-          <a:bodyPr lIns="89642" tIns="89642" rIns="33620" bIns="33620" rtlCol="0" anchor="b" anchorCtr="0"/>
-          <a:lstStyle/>
-          <a:p>
-            <a:pPr algn="ctr" defTabSz="914038"/>
-            <a:r>
-              <a:rPr lang="en-US" sz="784" dirty="0">
-                <a:gradFill>
-                  <a:gsLst>
-                    <a:gs pos="0">
-                      <a:srgbClr val="FFFFFF"/>
-                    </a:gs>
-                    <a:gs pos="100000">
-                      <a:srgbClr val="FFFFFF"/>
-                    </a:gs>
-                  </a:gsLst>
-                  <a:lin ang="5400000" scaled="0"/>
-                </a:gradFill>
-                <a:ea typeface="Segoe UI" pitchFamily="34" charset="0"/>
-                <a:cs typeface="Segoe UI" pitchFamily="34" charset="0"/>
-              </a:rPr>
-              <a:t> </a:t>
-            </a:r>
-          </a:p>
-        </p:txBody>
-      </p:sp>
-      <p:sp>
-        <p:nvSpPr>
-          <p:cNvPr id="31" name="Rectangle 30"/>
-          <p:cNvSpPr/>
-          <p:nvPr/>
-        </p:nvSpPr>
-        <p:spPr bwMode="auto">
-          <a:xfrm>
-            <a:off x="92710" y="2542711"/>
-            <a:ext cx="3953838" cy="806692"/>
-          </a:xfrm>
-          <a:prstGeom prst="rect">
-            <a:avLst/>
-          </a:prstGeom>
-          <a:solidFill>
-            <a:schemeClr val="tx2"/>
-          </a:solidFill>
-          <a:ln>
-            <a:noFill/>
-            <a:headEnd type="none" w="med" len="med"/>
-            <a:tailEnd type="none" w="med" len="med"/>
-          </a:ln>
-          <a:effectLst/>
-        </p:spPr>
-        <p:style>
-          <a:lnRef idx="1">
-            <a:schemeClr val="accent2"/>
-          </a:lnRef>
-          <a:fillRef idx="3">
-            <a:schemeClr val="accent2"/>
-          </a:fillRef>
-          <a:effectRef idx="2">
-            <a:schemeClr val="accent2"/>
-          </a:effectRef>
-          <a:fontRef idx="minor">
-            <a:schemeClr val="lt1"/>
-          </a:fontRef>
-        </p:style>
-        <p:txBody>
-          <a:bodyPr lIns="89642" tIns="89642" rIns="33620" bIns="33620" rtlCol="0" anchor="b" anchorCtr="0"/>
-          <a:lstStyle/>
-          <a:p>
-            <a:pPr algn="ctr" defTabSz="914038"/>
-            <a:r>
-              <a:rPr lang="en-US" sz="784" dirty="0">
-                <a:gradFill>
-                  <a:gsLst>
-                    <a:gs pos="0">
-                      <a:srgbClr val="FFFFFF"/>
-                    </a:gs>
-                    <a:gs pos="100000">
-                      <a:srgbClr val="FFFFFF"/>
-                    </a:gs>
-                  </a:gsLst>
-                  <a:lin ang="5400000" scaled="0"/>
-                </a:gradFill>
-                <a:ea typeface="Segoe UI" pitchFamily="34" charset="0"/>
-                <a:cs typeface="Segoe UI" pitchFamily="34" charset="0"/>
-              </a:rPr>
-              <a:t> </a:t>
-            </a:r>
-          </a:p>
-        </p:txBody>
-      </p:sp>
-      <p:sp>
-        <p:nvSpPr>
-          <p:cNvPr id="2" name="Title 1"/>
-          <p:cNvSpPr>
-            <a:spLocks noGrp="1"/>
-          </p:cNvSpPr>
-          <p:nvPr>
-            <p:ph type="title"/>
-          </p:nvPr>
-        </p:nvSpPr>
-        <p:spPr>
-          <a:xfrm>
-            <a:off x="269241" y="289957"/>
-            <a:ext cx="11655840" cy="899537"/>
-          </a:xfrm>
-        </p:spPr>
-        <p:txBody>
-          <a:bodyPr/>
-          <a:lstStyle/>
-          <a:p>
-            <a:pPr algn="ctr"/>
-            <a:r>
-              <a:rPr lang="en-US" dirty="0"/>
-              <a:t>Configuration in the </a:t>
-            </a:r>
-            <a:r>
-              <a:rPr lang="en-US" dirty="0" err="1"/>
-              <a:t>.net</a:t>
-            </a:r>
-            <a:r>
-              <a:rPr lang="en-US" dirty="0"/>
-              <a:t> world</a:t>
-            </a:r>
-          </a:p>
-        </p:txBody>
-      </p:sp>
-      <p:sp>
-        <p:nvSpPr>
-          <p:cNvPr id="21" name="TextBox 20"/>
-          <p:cNvSpPr txBox="1"/>
-          <p:nvPr/>
-        </p:nvSpPr>
-        <p:spPr>
-          <a:xfrm>
-            <a:off x="161204" y="2642772"/>
-            <a:ext cx="3887841" cy="621608"/>
-          </a:xfrm>
-          <a:prstGeom prst="rect">
-            <a:avLst/>
-          </a:prstGeom>
-          <a:noFill/>
-        </p:spPr>
-        <p:txBody>
-          <a:bodyPr wrap="square" lIns="179285" tIns="143428" rIns="179285" bIns="143428" rtlCol="0">
-            <a:spAutoFit/>
-          </a:bodyPr>
-          <a:lstStyle/>
-          <a:p>
-            <a:pPr algn="ctr" defTabSz="914102" fontAlgn="base">
-              <a:spcBef>
-                <a:spcPct val="0"/>
-              </a:spcBef>
-              <a:spcAft>
-                <a:spcPct val="0"/>
-              </a:spcAft>
-            </a:pPr>
-            <a:r>
-              <a:rPr lang="en-US" sz="2157" dirty="0">
-                <a:solidFill>
-                  <a:schemeClr val="bg1"/>
-                </a:solidFill>
-              </a:rPr>
-              <a:t>ASP.net</a:t>
-            </a:r>
-          </a:p>
-        </p:txBody>
-      </p:sp>
-      <p:sp>
-        <p:nvSpPr>
-          <p:cNvPr id="27" name="TextBox 26"/>
-          <p:cNvSpPr txBox="1"/>
-          <p:nvPr/>
-        </p:nvSpPr>
-        <p:spPr>
-          <a:xfrm>
-            <a:off x="164091" y="3542020"/>
-            <a:ext cx="3825447" cy="1422403"/>
-          </a:xfrm>
-          <a:prstGeom prst="rect">
-            <a:avLst/>
-          </a:prstGeom>
-          <a:noFill/>
-        </p:spPr>
-        <p:txBody>
-          <a:bodyPr wrap="square" lIns="179285" tIns="143428" rIns="179285" bIns="143428" rtlCol="0">
-            <a:spAutoFit/>
-          </a:bodyPr>
-          <a:lstStyle/>
-          <a:p>
-            <a:pPr defTabSz="914102" fontAlgn="base">
-              <a:spcBef>
-                <a:spcPct val="0"/>
-              </a:spcBef>
-              <a:spcAft>
-                <a:spcPct val="0"/>
-              </a:spcAft>
-            </a:pPr>
-            <a:r>
-              <a:rPr lang="en-US" dirty="0" err="1"/>
-              <a:t>web.config</a:t>
-            </a:r>
-            <a:endParaRPr lang="en-US" dirty="0"/>
-          </a:p>
-          <a:p>
-            <a:pPr defTabSz="914102" fontAlgn="base">
-              <a:spcBef>
-                <a:spcPct val="0"/>
-              </a:spcBef>
-              <a:spcAft>
-                <a:spcPct val="0"/>
-              </a:spcAft>
-            </a:pPr>
-            <a:r>
-              <a:rPr lang="en-US" dirty="0"/>
-              <a:t>Api: </a:t>
-            </a:r>
-            <a:r>
-              <a:rPr lang="en-US" dirty="0" err="1"/>
-              <a:t>System.Configuration</a:t>
-            </a:r>
-            <a:endParaRPr lang="en-US" dirty="0"/>
-          </a:p>
-          <a:p>
-            <a:pPr defTabSz="914102" fontAlgn="base">
-              <a:spcBef>
-                <a:spcPct val="0"/>
-              </a:spcBef>
-              <a:spcAft>
-                <a:spcPct val="0"/>
-              </a:spcAft>
-            </a:pPr>
-            <a:r>
-              <a:rPr lang="en-US" dirty="0"/>
-              <a:t>Configurations: Built in transforms</a:t>
-            </a:r>
-          </a:p>
-          <a:p>
-            <a:pPr defTabSz="914102" fontAlgn="base">
-              <a:spcBef>
-                <a:spcPct val="0"/>
-              </a:spcBef>
-              <a:spcAft>
-                <a:spcPct val="0"/>
-              </a:spcAft>
-            </a:pPr>
-            <a:endParaRPr lang="en-US" sz="1961" dirty="0">
-              <a:solidFill>
-                <a:schemeClr val="bg1"/>
-              </a:solidFill>
-              <a:latin typeface="+mj-lt"/>
-            </a:endParaRPr>
-          </a:p>
-        </p:txBody>
-      </p:sp>
-      <p:sp>
-        <p:nvSpPr>
-          <p:cNvPr id="42" name="Rectangle 41"/>
-          <p:cNvSpPr/>
-          <p:nvPr/>
-        </p:nvSpPr>
-        <p:spPr bwMode="auto">
-          <a:xfrm>
-            <a:off x="4104761" y="2542711"/>
-            <a:ext cx="3970751" cy="2544853"/>
-          </a:xfrm>
-          <a:prstGeom prst="rect">
-            <a:avLst/>
-          </a:prstGeom>
-          <a:solidFill>
-            <a:srgbClr val="A6A6A6"/>
-          </a:solidFill>
-          <a:ln>
-            <a:noFill/>
-            <a:headEnd type="none" w="med" len="med"/>
-            <a:tailEnd type="none" w="med" len="med"/>
-          </a:ln>
-          <a:effectLst/>
-        </p:spPr>
-        <p:style>
-          <a:lnRef idx="1">
-            <a:schemeClr val="accent2"/>
-          </a:lnRef>
-          <a:fillRef idx="3">
-            <a:schemeClr val="accent2"/>
-          </a:fillRef>
-          <a:effectRef idx="2">
-            <a:schemeClr val="accent2"/>
-          </a:effectRef>
-          <a:fontRef idx="minor">
-            <a:schemeClr val="lt1"/>
-          </a:fontRef>
-        </p:style>
-        <p:txBody>
-          <a:bodyPr lIns="89642" tIns="89642" rIns="33620" bIns="33620" rtlCol="0" anchor="b" anchorCtr="0"/>
-          <a:lstStyle/>
-          <a:p>
-            <a:pPr algn="ctr" defTabSz="914038"/>
-            <a:r>
-              <a:rPr lang="en-US" sz="784" dirty="0">
-                <a:gradFill>
-                  <a:gsLst>
-                    <a:gs pos="0">
-                      <a:srgbClr val="FFFFFF"/>
-                    </a:gs>
-                    <a:gs pos="100000">
-                      <a:srgbClr val="FFFFFF"/>
-                    </a:gs>
-                  </a:gsLst>
-                  <a:lin ang="5400000" scaled="0"/>
-                </a:gradFill>
-                <a:ea typeface="Segoe UI" pitchFamily="34" charset="0"/>
-                <a:cs typeface="Segoe UI" pitchFamily="34" charset="0"/>
-              </a:rPr>
-              <a:t> </a:t>
-            </a:r>
-          </a:p>
-        </p:txBody>
-      </p:sp>
-      <p:sp>
-        <p:nvSpPr>
-          <p:cNvPr id="43" name="Rectangle 42"/>
-          <p:cNvSpPr/>
-          <p:nvPr/>
-        </p:nvSpPr>
-        <p:spPr bwMode="auto">
-          <a:xfrm>
-            <a:off x="4122315" y="2542711"/>
-            <a:ext cx="3953838" cy="806692"/>
-          </a:xfrm>
-          <a:prstGeom prst="rect">
-            <a:avLst/>
-          </a:prstGeom>
-          <a:solidFill>
-            <a:schemeClr val="tx2"/>
-          </a:solidFill>
-          <a:ln>
-            <a:noFill/>
-            <a:headEnd type="none" w="med" len="med"/>
-            <a:tailEnd type="none" w="med" len="med"/>
-          </a:ln>
-          <a:effectLst/>
-        </p:spPr>
-        <p:style>
-          <a:lnRef idx="1">
-            <a:schemeClr val="accent2"/>
-          </a:lnRef>
-          <a:fillRef idx="3">
-            <a:schemeClr val="accent2"/>
-          </a:fillRef>
-          <a:effectRef idx="2">
-            <a:schemeClr val="accent2"/>
-          </a:effectRef>
-          <a:fontRef idx="minor">
-            <a:schemeClr val="lt1"/>
-          </a:fontRef>
-        </p:style>
-        <p:txBody>
-          <a:bodyPr lIns="89642" tIns="89642" rIns="33620" bIns="33620" rtlCol="0" anchor="b" anchorCtr="0"/>
-          <a:lstStyle/>
-          <a:p>
-            <a:pPr algn="ctr" defTabSz="914038"/>
-            <a:r>
-              <a:rPr lang="en-US" sz="784" dirty="0">
-                <a:gradFill>
-                  <a:gsLst>
-                    <a:gs pos="0">
-                      <a:srgbClr val="FFFFFF"/>
-                    </a:gs>
-                    <a:gs pos="100000">
-                      <a:srgbClr val="FFFFFF"/>
-                    </a:gs>
-                  </a:gsLst>
-                  <a:lin ang="5400000" scaled="0"/>
-                </a:gradFill>
-                <a:ea typeface="Segoe UI" pitchFamily="34" charset="0"/>
-                <a:cs typeface="Segoe UI" pitchFamily="34" charset="0"/>
-              </a:rPr>
-              <a:t> </a:t>
-            </a:r>
-          </a:p>
-        </p:txBody>
-      </p:sp>
-      <p:sp>
-        <p:nvSpPr>
-          <p:cNvPr id="44" name="TextBox 43"/>
-          <p:cNvSpPr txBox="1"/>
-          <p:nvPr/>
-        </p:nvSpPr>
-        <p:spPr>
-          <a:xfrm>
-            <a:off x="4190809" y="2642772"/>
-            <a:ext cx="3887841" cy="621608"/>
-          </a:xfrm>
-          <a:prstGeom prst="rect">
-            <a:avLst/>
-          </a:prstGeom>
-          <a:noFill/>
-        </p:spPr>
-        <p:txBody>
-          <a:bodyPr wrap="square" lIns="179285" tIns="143428" rIns="179285" bIns="143428" rtlCol="0">
-            <a:spAutoFit/>
-          </a:bodyPr>
-          <a:lstStyle/>
-          <a:p>
-            <a:pPr algn="ctr" defTabSz="914102" fontAlgn="base">
-              <a:spcBef>
-                <a:spcPct val="0"/>
-              </a:spcBef>
-              <a:spcAft>
-                <a:spcPct val="0"/>
-              </a:spcAft>
-            </a:pPr>
-            <a:r>
-              <a:rPr lang="en-US" sz="2157" dirty="0">
-                <a:solidFill>
-                  <a:schemeClr val="bg1"/>
-                </a:solidFill>
-              </a:rPr>
-              <a:t>WPF, </a:t>
-            </a:r>
-            <a:r>
-              <a:rPr lang="en-US" sz="2157" dirty="0" err="1">
-                <a:solidFill>
-                  <a:schemeClr val="bg1"/>
-                </a:solidFill>
-              </a:rPr>
-              <a:t>WinForm</a:t>
-            </a:r>
-            <a:r>
-              <a:rPr lang="en-US" sz="2157" dirty="0">
-                <a:solidFill>
-                  <a:schemeClr val="bg1"/>
-                </a:solidFill>
-              </a:rPr>
-              <a:t>, Service</a:t>
-            </a:r>
-          </a:p>
-        </p:txBody>
-      </p:sp>
-      <p:sp>
-        <p:nvSpPr>
-          <p:cNvPr id="45" name="TextBox 44"/>
-          <p:cNvSpPr txBox="1"/>
-          <p:nvPr/>
-        </p:nvSpPr>
-        <p:spPr>
-          <a:xfrm>
-            <a:off x="4193696" y="3542020"/>
-            <a:ext cx="3825447" cy="1699402"/>
-          </a:xfrm>
-          <a:prstGeom prst="rect">
-            <a:avLst/>
-          </a:prstGeom>
-          <a:noFill/>
-        </p:spPr>
-        <p:txBody>
-          <a:bodyPr wrap="square" lIns="179285" tIns="143428" rIns="179285" bIns="143428" rtlCol="0">
-            <a:spAutoFit/>
-          </a:bodyPr>
-          <a:lstStyle/>
-          <a:p>
-            <a:pPr defTabSz="914102" fontAlgn="base">
-              <a:spcBef>
-                <a:spcPct val="0"/>
-              </a:spcBef>
-              <a:spcAft>
-                <a:spcPct val="0"/>
-              </a:spcAft>
-            </a:pPr>
-            <a:r>
-              <a:rPr lang="en-US" dirty="0" err="1"/>
-              <a:t>app.config</a:t>
-            </a:r>
-            <a:r>
-              <a:rPr lang="en-US" dirty="0"/>
-              <a:t>, </a:t>
-            </a:r>
-            <a:r>
-              <a:rPr lang="en-US" dirty="0" err="1"/>
-              <a:t>settings.settings</a:t>
-            </a:r>
-            <a:endParaRPr lang="en-US" dirty="0"/>
-          </a:p>
-          <a:p>
-            <a:pPr defTabSz="914102" fontAlgn="base">
-              <a:spcBef>
-                <a:spcPct val="0"/>
-              </a:spcBef>
-              <a:spcAft>
-                <a:spcPct val="0"/>
-              </a:spcAft>
-            </a:pPr>
-            <a:r>
-              <a:rPr lang="en-US" dirty="0"/>
-              <a:t>Api: </a:t>
-            </a:r>
-            <a:r>
-              <a:rPr lang="en-US" dirty="0" err="1"/>
-              <a:t>System.Configuration</a:t>
-            </a:r>
-            <a:endParaRPr lang="en-US" dirty="0"/>
-          </a:p>
-          <a:p>
-            <a:pPr defTabSz="914102" fontAlgn="base">
-              <a:spcBef>
-                <a:spcPct val="0"/>
-              </a:spcBef>
-              <a:spcAft>
-                <a:spcPct val="0"/>
-              </a:spcAft>
-            </a:pPr>
-            <a:r>
-              <a:rPr lang="en-US" dirty="0"/>
-              <a:t>Configurations: Transforms with 3</a:t>
-            </a:r>
-            <a:r>
-              <a:rPr lang="en-US" baseline="30000" dirty="0"/>
-              <a:t>rd</a:t>
-            </a:r>
-            <a:r>
-              <a:rPr lang="en-US" dirty="0"/>
-              <a:t> party (slow cheetah)</a:t>
-            </a:r>
-          </a:p>
-          <a:p>
-            <a:pPr defTabSz="914102" fontAlgn="base">
-              <a:spcBef>
-                <a:spcPct val="0"/>
-              </a:spcBef>
-              <a:spcAft>
-                <a:spcPct val="0"/>
-              </a:spcAft>
-            </a:pPr>
-            <a:endParaRPr lang="en-US" sz="1961" dirty="0">
-              <a:solidFill>
-                <a:schemeClr val="bg1"/>
-              </a:solidFill>
-              <a:latin typeface="+mj-lt"/>
-            </a:endParaRPr>
-          </a:p>
-        </p:txBody>
-      </p:sp>
-      <p:sp>
-        <p:nvSpPr>
-          <p:cNvPr id="59" name="Rectangle 58"/>
-          <p:cNvSpPr/>
-          <p:nvPr/>
-        </p:nvSpPr>
-        <p:spPr bwMode="auto">
-          <a:xfrm>
-            <a:off x="8138978" y="2542711"/>
-            <a:ext cx="3970751" cy="2544853"/>
-          </a:xfrm>
-          <a:prstGeom prst="rect">
-            <a:avLst/>
-          </a:prstGeom>
-          <a:solidFill>
-            <a:srgbClr val="A6A6A6"/>
-          </a:solidFill>
-          <a:ln>
-            <a:noFill/>
-            <a:headEnd type="none" w="med" len="med"/>
-            <a:tailEnd type="none" w="med" len="med"/>
-          </a:ln>
-          <a:effectLst/>
-        </p:spPr>
-        <p:style>
-          <a:lnRef idx="1">
-            <a:schemeClr val="accent2"/>
-          </a:lnRef>
-          <a:fillRef idx="3">
-            <a:schemeClr val="accent2"/>
-          </a:fillRef>
-          <a:effectRef idx="2">
-            <a:schemeClr val="accent2"/>
-          </a:effectRef>
-          <a:fontRef idx="minor">
-            <a:schemeClr val="lt1"/>
-          </a:fontRef>
-        </p:style>
-        <p:txBody>
-          <a:bodyPr lIns="89642" tIns="89642" rIns="33620" bIns="33620" rtlCol="0" anchor="b" anchorCtr="0"/>
-          <a:lstStyle/>
-          <a:p>
-            <a:pPr algn="ctr" defTabSz="914038"/>
-            <a:r>
-              <a:rPr lang="en-US" sz="784" dirty="0">
-                <a:gradFill>
-                  <a:gsLst>
-                    <a:gs pos="0">
-                      <a:srgbClr val="FFFFFF"/>
-                    </a:gs>
-                    <a:gs pos="100000">
-                      <a:srgbClr val="FFFFFF"/>
-                    </a:gs>
-                  </a:gsLst>
-                  <a:lin ang="5400000" scaled="0"/>
-                </a:gradFill>
-                <a:ea typeface="Segoe UI" pitchFamily="34" charset="0"/>
-                <a:cs typeface="Segoe UI" pitchFamily="34" charset="0"/>
-              </a:rPr>
-              <a:t> </a:t>
-            </a:r>
-          </a:p>
-        </p:txBody>
-      </p:sp>
-      <p:sp>
-        <p:nvSpPr>
-          <p:cNvPr id="60" name="Rectangle 59"/>
-          <p:cNvSpPr/>
-          <p:nvPr/>
-        </p:nvSpPr>
-        <p:spPr bwMode="auto">
-          <a:xfrm>
-            <a:off x="8156532" y="2542711"/>
-            <a:ext cx="3953838" cy="806692"/>
-          </a:xfrm>
-          <a:prstGeom prst="rect">
-            <a:avLst/>
-          </a:prstGeom>
-          <a:solidFill>
-            <a:schemeClr val="tx2"/>
-          </a:solidFill>
-          <a:ln>
-            <a:noFill/>
-            <a:headEnd type="none" w="med" len="med"/>
-            <a:tailEnd type="none" w="med" len="med"/>
-          </a:ln>
-          <a:effectLst/>
-        </p:spPr>
-        <p:style>
-          <a:lnRef idx="1">
-            <a:schemeClr val="accent2"/>
-          </a:lnRef>
-          <a:fillRef idx="3">
-            <a:schemeClr val="accent2"/>
-          </a:fillRef>
-          <a:effectRef idx="2">
-            <a:schemeClr val="accent2"/>
-          </a:effectRef>
-          <a:fontRef idx="minor">
-            <a:schemeClr val="lt1"/>
-          </a:fontRef>
-        </p:style>
-        <p:txBody>
-          <a:bodyPr lIns="89642" tIns="89642" rIns="33620" bIns="33620" rtlCol="0" anchor="b" anchorCtr="0"/>
-          <a:lstStyle/>
-          <a:p>
-            <a:pPr algn="ctr" defTabSz="914038"/>
-            <a:r>
-              <a:rPr lang="en-US" sz="784" dirty="0">
-                <a:gradFill>
-                  <a:gsLst>
-                    <a:gs pos="0">
-                      <a:srgbClr val="FFFFFF"/>
-                    </a:gs>
-                    <a:gs pos="100000">
-                      <a:srgbClr val="FFFFFF"/>
-                    </a:gs>
-                  </a:gsLst>
-                  <a:lin ang="5400000" scaled="0"/>
-                </a:gradFill>
-                <a:ea typeface="Segoe UI" pitchFamily="34" charset="0"/>
-                <a:cs typeface="Segoe UI" pitchFamily="34" charset="0"/>
-              </a:rPr>
-              <a:t> </a:t>
-            </a:r>
-          </a:p>
-        </p:txBody>
-      </p:sp>
-      <p:sp>
-        <p:nvSpPr>
-          <p:cNvPr id="61" name="TextBox 60"/>
-          <p:cNvSpPr txBox="1"/>
-          <p:nvPr/>
-        </p:nvSpPr>
-        <p:spPr>
-          <a:xfrm>
-            <a:off x="8225026" y="2642772"/>
-            <a:ext cx="3887841" cy="621608"/>
-          </a:xfrm>
-          <a:prstGeom prst="rect">
-            <a:avLst/>
-          </a:prstGeom>
-          <a:noFill/>
-        </p:spPr>
-        <p:txBody>
-          <a:bodyPr wrap="square" lIns="179285" tIns="143428" rIns="179285" bIns="143428" rtlCol="0">
-            <a:spAutoFit/>
-          </a:bodyPr>
-          <a:lstStyle/>
-          <a:p>
-            <a:pPr algn="ctr" defTabSz="914102" fontAlgn="base">
-              <a:spcBef>
-                <a:spcPct val="0"/>
-              </a:spcBef>
-              <a:spcAft>
-                <a:spcPct val="0"/>
-              </a:spcAft>
-            </a:pPr>
-            <a:r>
-              <a:rPr lang="en-US" sz="2157" dirty="0">
-                <a:solidFill>
-                  <a:schemeClr val="bg1"/>
-                </a:solidFill>
-              </a:rPr>
-              <a:t>Silverlight</a:t>
-            </a:r>
-          </a:p>
-        </p:txBody>
-      </p:sp>
-      <p:sp>
-        <p:nvSpPr>
-          <p:cNvPr id="62" name="TextBox 61"/>
-          <p:cNvSpPr txBox="1"/>
-          <p:nvPr/>
-        </p:nvSpPr>
-        <p:spPr>
-          <a:xfrm>
-            <a:off x="8227913" y="3542020"/>
-            <a:ext cx="3825447" cy="1422403"/>
-          </a:xfrm>
-          <a:prstGeom prst="rect">
-            <a:avLst/>
-          </a:prstGeom>
-          <a:noFill/>
-        </p:spPr>
-        <p:txBody>
-          <a:bodyPr wrap="square" lIns="179285" tIns="143428" rIns="179285" bIns="143428" rtlCol="0">
-            <a:spAutoFit/>
-          </a:bodyPr>
-          <a:lstStyle/>
-          <a:p>
-            <a:pPr defTabSz="914102" fontAlgn="base">
-              <a:spcBef>
-                <a:spcPct val="0"/>
-              </a:spcBef>
-              <a:spcAft>
-                <a:spcPct val="0"/>
-              </a:spcAft>
-            </a:pPr>
-            <a:r>
-              <a:rPr lang="en-US" dirty="0" err="1"/>
-              <a:t>Xaml</a:t>
-            </a:r>
-            <a:r>
-              <a:rPr lang="en-US" dirty="0"/>
-              <a:t>, </a:t>
-            </a:r>
-            <a:r>
-              <a:rPr lang="en-US" dirty="0" err="1"/>
-              <a:t>web.config</a:t>
-            </a:r>
-            <a:endParaRPr lang="en-US" dirty="0"/>
-          </a:p>
-          <a:p>
-            <a:pPr defTabSz="914102" fontAlgn="base">
-              <a:spcBef>
-                <a:spcPct val="0"/>
-              </a:spcBef>
-              <a:spcAft>
-                <a:spcPct val="0"/>
-              </a:spcAft>
-            </a:pPr>
-            <a:r>
-              <a:rPr lang="en-US" dirty="0"/>
-              <a:t>Api: </a:t>
-            </a:r>
-            <a:r>
-              <a:rPr lang="en-US" dirty="0" err="1"/>
-              <a:t>System.Configuration</a:t>
-            </a:r>
-            <a:endParaRPr lang="en-US" dirty="0"/>
-          </a:p>
-          <a:p>
-            <a:pPr defTabSz="914102" fontAlgn="base">
-              <a:spcBef>
-                <a:spcPct val="0"/>
-              </a:spcBef>
-              <a:spcAft>
-                <a:spcPct val="0"/>
-              </a:spcAft>
-            </a:pPr>
-            <a:r>
-              <a:rPr lang="en-US" dirty="0"/>
-              <a:t>Configurations: Built in transforms</a:t>
-            </a:r>
-          </a:p>
-          <a:p>
-            <a:pPr defTabSz="914102" fontAlgn="base">
-              <a:spcBef>
-                <a:spcPct val="0"/>
-              </a:spcBef>
-              <a:spcAft>
-                <a:spcPct val="0"/>
-              </a:spcAft>
-            </a:pPr>
-            <a:endParaRPr lang="en-US" sz="1961" dirty="0">
-              <a:solidFill>
-                <a:schemeClr val="bg1"/>
-              </a:solidFill>
-              <a:latin typeface="+mj-lt"/>
-            </a:endParaRPr>
-          </a:p>
-        </p:txBody>
-      </p:sp>
-    </p:spTree>
-    <p:extLst>
-      <p:ext uri="{BB962C8B-B14F-4D97-AF65-F5344CB8AC3E}">
-        <p14:creationId xmlns:p14="http://schemas.microsoft.com/office/powerpoint/2010/main" val="1424771149"/>
-      </p:ext>
-    </p:extLst>
-  </p:cSld>
-  <p:clrMapOvr>
-    <a:masterClrMapping/>
-  </p:clrMapOvr>
-  <p:transition>
-    <p:fade/>
-  </p:transition>
-  <p:timing>
-    <p:tnLst>
-      <p:par>
-        <p:cTn id="1" dur="indefinite" restart="never" nodeType="tmRoot"/>
-      </p:par>
-    </p:tnLst>
   </p:timing>
 </p:sld>
 </file>
@@ -16308,8 +18934,8 @@
         </p:nvSpPr>
         <p:spPr>
           <a:xfrm>
-            <a:off x="799697" y="3275588"/>
-            <a:ext cx="10774664" cy="4598529"/>
+            <a:off x="708668" y="2924695"/>
+            <a:ext cx="10774664" cy="4044531"/>
           </a:xfrm>
           <a:prstGeom prst="rect">
             <a:avLst/>
@@ -16457,11 +19083,6 @@
               </a:rPr>
               <a:t>transforms</a:t>
             </a:r>
-            <a:endParaRPr lang="en-GB" sz="3600" dirty="0">
-              <a:solidFill>
-                <a:srgbClr val="FFFFFF"/>
-              </a:solidFill>
-            </a:endParaRPr>
           </a:p>
           <a:p>
             <a:pPr marL="571500" indent="-571500" defTabSz="914102" fontAlgn="base">
@@ -16475,12 +19096,20 @@
               <a:buChar char="•"/>
             </a:pPr>
             <a:r>
+              <a:rPr lang="en-GB" sz="3600" dirty="0" smtClean="0">
+                <a:solidFill>
+                  <a:srgbClr val="FFFFFF"/>
+                </a:solidFill>
+              </a:rPr>
+              <a:t>not </a:t>
+            </a:r>
+            <a:r>
               <a:rPr lang="en-GB" sz="3600" dirty="0">
                 <a:solidFill>
                   <a:srgbClr val="FFFFFF"/>
                 </a:solidFill>
               </a:rPr>
-              <a:t>not familiar to </a:t>
+              <a:t>familiar to </a:t>
             </a:r>
             <a:r>
               <a:rPr lang="en-GB" sz="3600" dirty="0" err="1">
@@ -16506,21 +19135,6 @@
               </a:rPr>
               <a:t>devs</a:t>
             </a:r>
-            <a:endParaRPr lang="en-GB" sz="3600" dirty="0" smtClean="0">
-              <a:solidFill>
-                <a:srgbClr val="FFFFFF"/>
-              </a:solidFill>
-            </a:endParaRPr>
-          </a:p>
-          <a:p>
-            <a:pPr defTabSz="914102" fontAlgn="base">
-              <a:spcBef>
-                <a:spcPct val="0"/>
-              </a:spcBef>
-              <a:spcAft>
-                <a:spcPct val="0"/>
-              </a:spcAft>
-            </a:pPr>
             <a:endParaRPr lang="en-US" sz="3600" b="1" dirty="0">
               <a:solidFill>
                 <a:srgbClr val="FFFFFF"/>
@@ -16890,21 +19504,6 @@
 <file path=ppt/slides/slide9.xml><?xml version="1.0" encoding="utf-8"?>
 <p:sld xmlns:a="http://schemas.openxmlformats.org/drawingml/2006/main" xmlns:r="http://schemas.openxmlformats.org/officeDocument/2006/relationships" xmlns:p="http://schemas.openxmlformats.org/presentationml/2006/main">
   <p:cSld>
-    <p:bg>
-      <p:bgPr>
-        <a:blipFill dpi="0" rotWithShape="1">
-          <a:blip r:embed="rId3">
-            <a:alphaModFix amt="12000"/>
-            <a:lum/>
-          </a:blip>
-          <a:srcRect/>
-          <a:stretch>
-            <a:fillRect l="-45000" t="-39000" r="45000" b="-39000"/>
-          </a:stretch>
-        </a:blipFill>
-        <a:effectLst/>
-      </p:bgPr>
-    </p:bg>
     <p:spTree>
       <p:nvGrpSpPr>
         <p:cNvPr id="1" name=""/>
@@ -16942,38 +19541,429 @@
             <a:pPr algn="ctr"/>
             <a:r>
               <a:rPr lang="en-US" dirty="0"/>
-              <a:t>Native Platform Configuration</a:t>
+              <a:t>Native </a:t>
+            </a:r>
+            <a:r>
+              <a:rPr lang="en-US" dirty="0" smtClean="0"/>
+              <a:t>iOS </a:t>
+            </a:r>
+            <a:r>
+              <a:rPr lang="en-US" dirty="0" err="1" smtClean="0"/>
+              <a:t>Config</a:t>
             </a:r>
             <a:endParaRPr lang="en-US" b="1" dirty="0"/>
+          </a:p>
+        </p:txBody>
+      </p:sp>
+      <p:sp>
+        <p:nvSpPr>
+          <p:cNvPr id="18" name="Rectangle 17"/>
+          <p:cNvSpPr/>
+          <p:nvPr/>
+        </p:nvSpPr>
+        <p:spPr bwMode="auto">
+          <a:xfrm>
+            <a:off x="555812" y="2168131"/>
+            <a:ext cx="3757255" cy="750418"/>
+          </a:xfrm>
+          <a:prstGeom prst="rect">
+            <a:avLst/>
+          </a:prstGeom>
+          <a:solidFill>
+            <a:srgbClr val="9570D5"/>
+          </a:solidFill>
+          <a:ln>
+            <a:noFill/>
+            <a:headEnd type="none" w="med" len="med"/>
+            <a:tailEnd type="none" w="med" len="med"/>
+          </a:ln>
+          <a:effectLst/>
+        </p:spPr>
+        <p:style>
+          <a:lnRef idx="1">
+            <a:schemeClr val="accent2"/>
+          </a:lnRef>
+          <a:fillRef idx="3">
+            <a:schemeClr val="accent2"/>
+          </a:fillRef>
+          <a:effectRef idx="2">
+            <a:schemeClr val="accent2"/>
+          </a:effectRef>
+          <a:fontRef idx="minor">
+            <a:schemeClr val="lt1"/>
+          </a:fontRef>
+        </p:style>
+        <p:txBody>
+          <a:bodyPr lIns="89642" tIns="89642" rIns="33620" bIns="33620" rtlCol="0" anchor="b" anchorCtr="0"/>
+          <a:lstStyle/>
+          <a:p>
+            <a:pPr algn="ctr" defTabSz="914038"/>
+            <a:r>
+              <a:rPr lang="en-US" sz="784" dirty="0">
+                <a:gradFill>
+                  <a:gsLst>
+                    <a:gs pos="0">
+                      <a:srgbClr val="FFFFFF"/>
+                    </a:gs>
+                    <a:gs pos="100000">
+                      <a:srgbClr val="FFFFFF"/>
+                    </a:gs>
+                  </a:gsLst>
+                  <a:lin ang="5400000" scaled="0"/>
+                </a:gradFill>
+                <a:ea typeface="Segoe UI" pitchFamily="34" charset="0"/>
+                <a:cs typeface="Segoe UI" pitchFamily="34" charset="0"/>
+              </a:rPr>
+              <a:t> </a:t>
+            </a:r>
+          </a:p>
+        </p:txBody>
+      </p:sp>
+      <p:sp>
+        <p:nvSpPr>
+          <p:cNvPr id="24" name="Rectangle 23"/>
+          <p:cNvSpPr/>
+          <p:nvPr/>
+        </p:nvSpPr>
+        <p:spPr bwMode="auto">
+          <a:xfrm>
+            <a:off x="555812" y="2888676"/>
+            <a:ext cx="3757255" cy="3763289"/>
+          </a:xfrm>
+          <a:prstGeom prst="rect">
+            <a:avLst/>
+          </a:prstGeom>
+          <a:solidFill>
+            <a:schemeClr val="tx1">
+              <a:lumMod val="50000"/>
+              <a:alpha val="49000"/>
+            </a:schemeClr>
+          </a:solidFill>
+          <a:ln>
+            <a:noFill/>
+            <a:headEnd type="none" w="med" len="med"/>
+            <a:tailEnd type="none" w="med" len="med"/>
+          </a:ln>
+          <a:effectLst/>
+        </p:spPr>
+        <p:style>
+          <a:lnRef idx="1">
+            <a:schemeClr val="accent2"/>
+          </a:lnRef>
+          <a:fillRef idx="3">
+            <a:schemeClr val="accent2"/>
+          </a:fillRef>
+          <a:effectRef idx="2">
+            <a:schemeClr val="accent2"/>
+          </a:effectRef>
+          <a:fontRef idx="minor">
+            <a:schemeClr val="lt1"/>
+          </a:fontRef>
+        </p:style>
+        <p:txBody>
+          <a:bodyPr lIns="89642" tIns="89642" rIns="33620" bIns="33620" rtlCol="0" anchor="b" anchorCtr="0"/>
+          <a:lstStyle/>
+          <a:p>
+            <a:pPr algn="ctr" defTabSz="914038"/>
+            <a:r>
+              <a:rPr lang="en-US" sz="784" dirty="0">
+                <a:gradFill>
+                  <a:gsLst>
+                    <a:gs pos="0">
+                      <a:srgbClr val="FFFFFF"/>
+                    </a:gs>
+                    <a:gs pos="100000">
+                      <a:srgbClr val="FFFFFF"/>
+                    </a:gs>
+                  </a:gsLst>
+                  <a:lin ang="5400000" scaled="0"/>
+                </a:gradFill>
+                <a:ea typeface="Segoe UI" pitchFamily="34" charset="0"/>
+                <a:cs typeface="Segoe UI" pitchFamily="34" charset="0"/>
+              </a:rPr>
+              <a:t> </a:t>
+            </a:r>
+          </a:p>
+        </p:txBody>
+      </p:sp>
+      <p:sp>
+        <p:nvSpPr>
+          <p:cNvPr id="34" name="TextBox 33"/>
+          <p:cNvSpPr txBox="1"/>
+          <p:nvPr/>
+        </p:nvSpPr>
+        <p:spPr>
+          <a:xfrm>
+            <a:off x="579899" y="2125681"/>
+            <a:ext cx="3733168" cy="720545"/>
+          </a:xfrm>
+          <a:prstGeom prst="rect">
+            <a:avLst/>
+          </a:prstGeom>
+          <a:noFill/>
+        </p:spPr>
+        <p:txBody>
+          <a:bodyPr wrap="square" lIns="179285" tIns="143428" rIns="179285" bIns="143428" rtlCol="0">
+            <a:spAutoFit/>
+          </a:bodyPr>
+          <a:lstStyle/>
+          <a:p>
+            <a:pPr algn="ctr" defTabSz="914102" fontAlgn="base">
+              <a:spcBef>
+                <a:spcPct val="0"/>
+              </a:spcBef>
+              <a:spcAft>
+                <a:spcPct val="0"/>
+              </a:spcAft>
+            </a:pPr>
+            <a:r>
+              <a:rPr lang="en-US" sz="2800" dirty="0" err="1">
+                <a:solidFill>
+                  <a:srgbClr val="FFFFFF"/>
+                </a:solidFill>
+              </a:rPr>
+              <a:t>plist</a:t>
+            </a:r>
+            <a:endParaRPr lang="en-US" sz="2800" dirty="0">
+              <a:solidFill>
+                <a:srgbClr val="FFFFFF"/>
+              </a:solidFill>
+            </a:endParaRPr>
+          </a:p>
+        </p:txBody>
+      </p:sp>
+      <p:sp>
+        <p:nvSpPr>
+          <p:cNvPr id="19" name="TextBox 18"/>
+          <p:cNvSpPr txBox="1"/>
+          <p:nvPr/>
+        </p:nvSpPr>
+        <p:spPr>
+          <a:xfrm>
+            <a:off x="708668" y="2924695"/>
+            <a:ext cx="3604399" cy="3121202"/>
+          </a:xfrm>
+          <a:prstGeom prst="rect">
+            <a:avLst/>
+          </a:prstGeom>
+          <a:noFill/>
+        </p:spPr>
+        <p:txBody>
+          <a:bodyPr wrap="square" lIns="179285" tIns="143428" rIns="179285" bIns="143428" rtlCol="0">
+            <a:spAutoFit/>
+          </a:bodyPr>
+          <a:lstStyle/>
+          <a:p>
+            <a:pPr marL="571500" indent="-571500" defTabSz="914102" fontAlgn="base">
+              <a:spcBef>
+                <a:spcPct val="0"/>
+              </a:spcBef>
+              <a:spcAft>
+                <a:spcPct val="0"/>
+              </a:spcAft>
+              <a:buFont typeface="Arial" panose="020B0604020202020204" pitchFamily="34" charset="0"/>
+              <a:buChar char="•"/>
+            </a:pPr>
+            <a:r>
+              <a:rPr lang="en-US" sz="2000" dirty="0" smtClean="0">
+                <a:solidFill>
+                  <a:srgbClr val="FFFFFF"/>
+                </a:solidFill>
+              </a:rPr>
+              <a:t>Specific xml format</a:t>
+            </a:r>
+          </a:p>
+          <a:p>
+            <a:pPr marL="571500" indent="-571500" defTabSz="914102" fontAlgn="base">
+              <a:spcBef>
+                <a:spcPct val="0"/>
+              </a:spcBef>
+              <a:spcAft>
+                <a:spcPct val="0"/>
+              </a:spcAft>
+              <a:buFont typeface="Arial" panose="020B0604020202020204" pitchFamily="34" charset="0"/>
+              <a:buChar char="•"/>
+            </a:pPr>
+            <a:r>
+              <a:rPr lang="en-US" sz="2000" dirty="0" smtClean="0">
+                <a:solidFill>
+                  <a:srgbClr val="FFFFFF"/>
+                </a:solidFill>
+              </a:rPr>
+              <a:t>Must live in </a:t>
+            </a:r>
+            <a:r>
+              <a:rPr lang="en-US" sz="2000" dirty="0" err="1" smtClean="0">
+                <a:solidFill>
+                  <a:srgbClr val="FFFFFF"/>
+                </a:solidFill>
+              </a:rPr>
+              <a:t>ios</a:t>
+            </a:r>
+            <a:r>
+              <a:rPr lang="en-US" sz="2000" dirty="0" smtClean="0">
+                <a:solidFill>
+                  <a:srgbClr val="FFFFFF"/>
+                </a:solidFill>
+              </a:rPr>
+              <a:t> app ‘</a:t>
+            </a:r>
+            <a:r>
+              <a:rPr lang="en-US" sz="2000" dirty="0" err="1" smtClean="0">
+                <a:solidFill>
+                  <a:srgbClr val="FFFFFF"/>
+                </a:solidFill>
+              </a:rPr>
+              <a:t>Settings.bundle</a:t>
+            </a:r>
+            <a:r>
+              <a:rPr lang="en-US" sz="2000" dirty="0" smtClean="0">
+                <a:solidFill>
+                  <a:srgbClr val="FFFFFF"/>
+                </a:solidFill>
+              </a:rPr>
+              <a:t>’ directory</a:t>
+            </a:r>
+          </a:p>
+          <a:p>
+            <a:pPr marL="571500" indent="-571500" defTabSz="914102" fontAlgn="base">
+              <a:spcBef>
+                <a:spcPct val="0"/>
+              </a:spcBef>
+              <a:spcAft>
+                <a:spcPct val="0"/>
+              </a:spcAft>
+              <a:buFont typeface="Arial" panose="020B0604020202020204" pitchFamily="34" charset="0"/>
+              <a:buChar char="•"/>
+            </a:pPr>
+            <a:r>
+              <a:rPr lang="en-US" sz="2000" dirty="0" smtClean="0">
+                <a:solidFill>
+                  <a:srgbClr val="FFFFFF"/>
+                </a:solidFill>
+              </a:rPr>
+              <a:t>iOS specific </a:t>
+            </a:r>
+            <a:r>
+              <a:rPr lang="en-US" sz="2000" dirty="0" err="1" smtClean="0">
+                <a:solidFill>
+                  <a:srgbClr val="FFFFFF"/>
+                </a:solidFill>
+              </a:rPr>
+              <a:t>api</a:t>
+            </a:r>
+            <a:endParaRPr lang="en-US" sz="2000" dirty="0" smtClean="0">
+              <a:solidFill>
+                <a:srgbClr val="FFFFFF"/>
+              </a:solidFill>
+            </a:endParaRPr>
+          </a:p>
+          <a:p>
+            <a:pPr marL="571500" indent="-571500" defTabSz="914102" fontAlgn="base">
+              <a:spcBef>
+                <a:spcPct val="0"/>
+              </a:spcBef>
+              <a:spcAft>
+                <a:spcPct val="0"/>
+              </a:spcAft>
+              <a:buFont typeface="Arial" panose="020B0604020202020204" pitchFamily="34" charset="0"/>
+              <a:buChar char="•"/>
+            </a:pPr>
+            <a:r>
+              <a:rPr lang="en-US" sz="2000" dirty="0" smtClean="0">
+                <a:solidFill>
+                  <a:srgbClr val="FFFFFF"/>
+                </a:solidFill>
+              </a:rPr>
+              <a:t>Doc</a:t>
+            </a:r>
+            <a:r>
+              <a:rPr lang="en-US" sz="2000" dirty="0">
+                <a:solidFill>
+                  <a:srgbClr val="FFFFFF"/>
+                </a:solidFill>
+              </a:rPr>
+              <a:t>: </a:t>
+            </a:r>
+            <a:r>
+              <a:rPr lang="en-US" sz="2000" dirty="0">
+                <a:solidFill>
+                  <a:schemeClr val="tx2">
+                    <a:lumMod val="75000"/>
+                  </a:schemeClr>
+                </a:solidFill>
+                <a:hlinkClick r:id="rId3"/>
+              </a:rPr>
+              <a:t>documentation</a:t>
+            </a:r>
+            <a:endParaRPr lang="en-US" sz="2000" b="1" dirty="0">
+              <a:solidFill>
+                <a:schemeClr val="tx2">
+                  <a:lumMod val="75000"/>
+                </a:schemeClr>
+              </a:solidFill>
+            </a:endParaRPr>
+          </a:p>
+          <a:p>
+            <a:pPr defTabSz="914102" fontAlgn="base">
+              <a:spcBef>
+                <a:spcPct val="0"/>
+              </a:spcBef>
+              <a:spcAft>
+                <a:spcPct val="0"/>
+              </a:spcAft>
+            </a:pPr>
+            <a:endParaRPr lang="en-GB" sz="3600" dirty="0" smtClean="0">
+              <a:solidFill>
+                <a:srgbClr val="FFFFFF"/>
+              </a:solidFill>
+            </a:endParaRPr>
+          </a:p>
+          <a:p>
+            <a:pPr marL="571500" indent="-571500" defTabSz="914102" fontAlgn="base">
+              <a:spcBef>
+                <a:spcPct val="0"/>
+              </a:spcBef>
+              <a:spcAft>
+                <a:spcPct val="0"/>
+              </a:spcAft>
+              <a:buFont typeface="Arial" panose="020B0604020202020204" pitchFamily="34" charset="0"/>
+              <a:buChar char="•"/>
+            </a:pPr>
+            <a:endParaRPr lang="en-US" sz="2800" dirty="0">
+              <a:solidFill>
+                <a:srgbClr val="FFFFFF"/>
+              </a:solidFill>
+            </a:endParaRPr>
           </a:p>
         </p:txBody>
       </p:sp>
       <p:grpSp>
         <p:nvGrpSpPr>
-          <p:cNvPr id="3" name="Group 2"/>
+          <p:cNvPr id="31" name="Group 30"/>
           <p:cNvGrpSpPr/>
           <p:nvPr/>
         </p:nvGrpSpPr>
         <p:grpSpPr>
           <a:xfrm>
-            <a:off x="555812" y="1021976"/>
-            <a:ext cx="11368108" cy="1896571"/>
-            <a:chOff x="2804067" y="1444948"/>
-            <a:chExt cx="6407259" cy="1211831"/>
+            <a:off x="1902237" y="1021977"/>
+            <a:ext cx="1088487" cy="960142"/>
+            <a:chOff x="2057399" y="2725789"/>
+            <a:chExt cx="1028699" cy="1028700"/>
           </a:xfrm>
         </p:grpSpPr>
         <p:sp>
           <p:nvSpPr>
-            <p:cNvPr id="18" name="Rectangle 17"/>
+            <p:cNvPr id="45" name="Oval 44"/>
             <p:cNvSpPr/>
             <p:nvPr/>
           </p:nvSpPr>
           <p:spPr bwMode="auto">
             <a:xfrm>
-              <a:off x="2804067" y="2177293"/>
-              <a:ext cx="2117653" cy="479486"/>
+              <a:off x="2057399" y="2725789"/>
+              <a:ext cx="1028699" cy="1028700"/>
             </a:xfrm>
-            <a:prstGeom prst="rect">
+            <a:prstGeom prst="ellipse">
               <a:avLst/>
             </a:prstGeom>
             <a:solidFill>
@@ -17005,668 +19995,119 @@
             <a:lstStyle/>
             <a:p>
               <a:pPr algn="ctr" defTabSz="914038"/>
-              <a:r>
-                <a:rPr lang="en-US" sz="784" dirty="0">
-                  <a:gradFill>
-                    <a:gsLst>
-                      <a:gs pos="0">
-                        <a:srgbClr val="FFFFFF"/>
-                      </a:gs>
-                      <a:gs pos="100000">
-                        <a:srgbClr val="FFFFFF"/>
-                      </a:gs>
-                    </a:gsLst>
-                    <a:lin ang="5400000" scaled="0"/>
-                  </a:gradFill>
-                  <a:ea typeface="Segoe UI" pitchFamily="34" charset="0"/>
-                  <a:cs typeface="Segoe UI" pitchFamily="34" charset="0"/>
-                </a:rPr>
-                <a:t> </a:t>
-              </a:r>
+              <a:endParaRPr lang="en-US" sz="784" dirty="0">
+                <a:gradFill>
+                  <a:gsLst>
+                    <a:gs pos="0">
+                      <a:srgbClr val="FFFFFF"/>
+                    </a:gs>
+                    <a:gs pos="100000">
+                      <a:srgbClr val="FFFFFF"/>
+                    </a:gs>
+                  </a:gsLst>
+                  <a:lin ang="5400000" scaled="0"/>
+                </a:gradFill>
+                <a:ea typeface="Segoe UI" pitchFamily="34" charset="0"/>
+                <a:cs typeface="Segoe UI" pitchFamily="34" charset="0"/>
+              </a:endParaRPr>
             </a:p>
           </p:txBody>
         </p:sp>
-        <p:sp>
-          <p:nvSpPr>
-            <p:cNvPr id="34" name="TextBox 33"/>
-            <p:cNvSpPr txBox="1"/>
+        <p:pic>
+          <p:nvPicPr>
+            <p:cNvPr id="46" name="Picture 45" descr="Apple_logo.pdf"/>
+            <p:cNvPicPr>
+              <a:picLocks noChangeAspect="1"/>
+            </p:cNvPicPr>
             <p:nvPr/>
-          </p:nvSpPr>
+          </p:nvPicPr>
+          <p:blipFill>
+            <a:blip r:embed="rId4">
+              <a:extLst>
+                <a:ext uri="{28A0092B-C50C-407E-A947-70E740481C1C}">
+                  <a14:useLocalDpi xmlns:a14="http://schemas.microsoft.com/office/drawing/2010/main"/>
+                </a:ext>
+              </a:extLst>
+            </a:blip>
+            <a:stretch>
+              <a:fillRect/>
+            </a:stretch>
+          </p:blipFill>
           <p:spPr>
             <a:xfrm>
-              <a:off x="2817643" y="2150169"/>
-              <a:ext cx="2104077" cy="460399"/>
+              <a:off x="2319103" y="2938131"/>
+              <a:ext cx="468070" cy="523137"/>
             </a:xfrm>
             <a:prstGeom prst="rect">
               <a:avLst/>
             </a:prstGeom>
-            <a:noFill/>
           </p:spPr>
-          <p:txBody>
-            <a:bodyPr wrap="square" lIns="179285" tIns="143428" rIns="179285" bIns="143428" rtlCol="0">
-              <a:spAutoFit/>
-            </a:bodyPr>
-            <a:lstStyle/>
-            <a:p>
-              <a:pPr algn="ctr" defTabSz="914102" fontAlgn="base">
-                <a:spcBef>
-                  <a:spcPct val="0"/>
-                </a:spcBef>
-                <a:spcAft>
-                  <a:spcPct val="0"/>
-                </a:spcAft>
-              </a:pPr>
-              <a:r>
-                <a:rPr lang="en-US" sz="2800" dirty="0" err="1">
-                  <a:solidFill>
-                    <a:srgbClr val="FFFFFF"/>
-                  </a:solidFill>
-                </a:rPr>
-                <a:t>plist</a:t>
-              </a:r>
-              <a:endParaRPr lang="en-US" sz="2800" dirty="0">
-                <a:solidFill>
-                  <a:srgbClr val="FFFFFF"/>
-                </a:solidFill>
-              </a:endParaRPr>
-            </a:p>
-          </p:txBody>
-        </p:sp>
-        <p:sp>
-          <p:nvSpPr>
-            <p:cNvPr id="37" name="Rectangle 36"/>
-            <p:cNvSpPr/>
-            <p:nvPr/>
-          </p:nvSpPr>
-          <p:spPr bwMode="auto">
-            <a:xfrm>
-              <a:off x="4948870" y="2177293"/>
-              <a:ext cx="2117653" cy="479486"/>
-            </a:xfrm>
-            <a:prstGeom prst="rect">
-              <a:avLst/>
-            </a:prstGeom>
-            <a:solidFill>
-              <a:srgbClr val="66B11F"/>
-            </a:solidFill>
-            <a:ln>
-              <a:noFill/>
-              <a:headEnd type="none" w="med" len="med"/>
-              <a:tailEnd type="none" w="med" len="med"/>
-            </a:ln>
-            <a:effectLst/>
-          </p:spPr>
-          <p:style>
-            <a:lnRef idx="1">
-              <a:schemeClr val="accent2"/>
-            </a:lnRef>
-            <a:fillRef idx="3">
-              <a:schemeClr val="accent2"/>
-            </a:fillRef>
-            <a:effectRef idx="2">
-              <a:schemeClr val="accent2"/>
-            </a:effectRef>
-            <a:fontRef idx="minor">
-              <a:schemeClr val="lt1"/>
-            </a:fontRef>
-          </p:style>
-          <p:txBody>
-            <a:bodyPr lIns="89642" tIns="89642" rIns="33620" bIns="33620" rtlCol="0" anchor="b" anchorCtr="0"/>
-            <a:lstStyle/>
-            <a:p>
-              <a:pPr algn="ctr" defTabSz="914038"/>
-              <a:r>
-                <a:rPr lang="en-US" sz="784" dirty="0">
-                  <a:gradFill>
-                    <a:gsLst>
-                      <a:gs pos="0">
-                        <a:srgbClr val="FFFFFF"/>
-                      </a:gs>
-                      <a:gs pos="100000">
-                        <a:srgbClr val="FFFFFF"/>
-                      </a:gs>
-                    </a:gsLst>
-                    <a:lin ang="5400000" scaled="0"/>
-                  </a:gradFill>
-                  <a:ea typeface="Segoe UI" pitchFamily="34" charset="0"/>
-                  <a:cs typeface="Segoe UI" pitchFamily="34" charset="0"/>
-                </a:rPr>
-                <a:t> </a:t>
-              </a:r>
-            </a:p>
-          </p:txBody>
-        </p:sp>
-        <p:sp>
-          <p:nvSpPr>
-            <p:cNvPr id="40" name="Rectangle 39"/>
-            <p:cNvSpPr/>
-            <p:nvPr/>
-          </p:nvSpPr>
-          <p:spPr bwMode="auto">
-            <a:xfrm>
-              <a:off x="7093673" y="2177293"/>
-              <a:ext cx="2117653" cy="479486"/>
-            </a:xfrm>
-            <a:prstGeom prst="rect">
-              <a:avLst/>
-            </a:prstGeom>
-            <a:solidFill>
-              <a:srgbClr val="00BBF1"/>
-            </a:solidFill>
-            <a:ln>
-              <a:noFill/>
-              <a:headEnd type="none" w="med" len="med"/>
-              <a:tailEnd type="none" w="med" len="med"/>
-            </a:ln>
-            <a:effectLst/>
-          </p:spPr>
-          <p:style>
-            <a:lnRef idx="1">
-              <a:schemeClr val="accent2"/>
-            </a:lnRef>
-            <a:fillRef idx="3">
-              <a:schemeClr val="accent2"/>
-            </a:fillRef>
-            <a:effectRef idx="2">
-              <a:schemeClr val="accent2"/>
-            </a:effectRef>
-            <a:fontRef idx="minor">
-              <a:schemeClr val="lt1"/>
-            </a:fontRef>
-          </p:style>
-          <p:txBody>
-            <a:bodyPr lIns="89642" tIns="89642" rIns="33620" bIns="33620" rtlCol="0" anchor="b" anchorCtr="0"/>
-            <a:lstStyle/>
-            <a:p>
-              <a:pPr algn="ctr" defTabSz="914038"/>
-              <a:r>
-                <a:rPr lang="en-US" sz="784" dirty="0">
-                  <a:solidFill>
-                    <a:srgbClr val="00BBF1"/>
-                  </a:solidFill>
-                  <a:ea typeface="Segoe UI" pitchFamily="34" charset="0"/>
-                  <a:cs typeface="Segoe UI" pitchFamily="34" charset="0"/>
-                </a:rPr>
-                <a:t> </a:t>
-              </a:r>
-            </a:p>
-          </p:txBody>
-        </p:sp>
-        <p:sp>
-          <p:nvSpPr>
-            <p:cNvPr id="42" name="TextBox 41"/>
-            <p:cNvSpPr txBox="1"/>
-            <p:nvPr/>
-          </p:nvSpPr>
-          <p:spPr>
-            <a:xfrm>
-              <a:off x="7107249" y="2150169"/>
-              <a:ext cx="2104077" cy="460399"/>
-            </a:xfrm>
-            <a:prstGeom prst="rect">
-              <a:avLst/>
-            </a:prstGeom>
-            <a:noFill/>
-          </p:spPr>
-          <p:txBody>
-            <a:bodyPr wrap="square" lIns="179285" tIns="143428" rIns="179285" bIns="143428" rtlCol="0">
-              <a:spAutoFit/>
-            </a:bodyPr>
-            <a:lstStyle/>
-            <a:p>
-              <a:pPr algn="ctr" defTabSz="914102" fontAlgn="base">
-                <a:spcBef>
-                  <a:spcPct val="0"/>
-                </a:spcBef>
-                <a:spcAft>
-                  <a:spcPct val="0"/>
-                </a:spcAft>
-              </a:pPr>
-              <a:r>
-                <a:rPr lang="en-US" sz="2800" dirty="0">
-                  <a:solidFill>
-                    <a:srgbClr val="FFFFFF"/>
-                  </a:solidFill>
-                </a:rPr>
-                <a:t>ApplicationsData</a:t>
-              </a:r>
-            </a:p>
-          </p:txBody>
-        </p:sp>
-        <p:sp>
-          <p:nvSpPr>
-            <p:cNvPr id="43" name="TextBox 42"/>
-            <p:cNvSpPr txBox="1"/>
-            <p:nvPr/>
-          </p:nvSpPr>
-          <p:spPr>
-            <a:xfrm>
-              <a:off x="4962445" y="2150169"/>
-              <a:ext cx="2104077" cy="460399"/>
-            </a:xfrm>
-            <a:prstGeom prst="rect">
-              <a:avLst/>
-            </a:prstGeom>
-            <a:noFill/>
-          </p:spPr>
-          <p:txBody>
-            <a:bodyPr wrap="square" lIns="179285" tIns="143428" rIns="179285" bIns="143428" rtlCol="0">
-              <a:spAutoFit/>
-            </a:bodyPr>
-            <a:lstStyle/>
-            <a:p>
-              <a:pPr algn="ctr" defTabSz="914102" fontAlgn="base">
-                <a:spcBef>
-                  <a:spcPct val="0"/>
-                </a:spcBef>
-                <a:spcAft>
-                  <a:spcPct val="0"/>
-                </a:spcAft>
-              </a:pPr>
-              <a:r>
-                <a:rPr lang="en-US" sz="2800" dirty="0">
-                  <a:solidFill>
-                    <a:srgbClr val="FFFFFF"/>
-                  </a:solidFill>
-                </a:rPr>
-                <a:t>SharedPreferences</a:t>
-              </a:r>
-              <a:r>
-                <a:rPr lang="en-US" sz="1568" dirty="0">
-                  <a:solidFill>
-                    <a:srgbClr val="FFFFFF"/>
-                  </a:solidFill>
-                </a:rPr>
-                <a:t> </a:t>
-              </a:r>
-            </a:p>
-          </p:txBody>
-        </p:sp>
-        <p:grpSp>
-          <p:nvGrpSpPr>
-            <p:cNvPr id="31" name="Group 30"/>
-            <p:cNvGrpSpPr/>
-            <p:nvPr/>
-          </p:nvGrpSpPr>
-          <p:grpSpPr>
-            <a:xfrm>
-              <a:off x="3562935" y="1444948"/>
-              <a:ext cx="613490" cy="613491"/>
-              <a:chOff x="2057399" y="2725789"/>
-              <a:chExt cx="1028699" cy="1028700"/>
-            </a:xfrm>
-          </p:grpSpPr>
-          <p:sp>
-            <p:nvSpPr>
-              <p:cNvPr id="45" name="Oval 44"/>
-              <p:cNvSpPr/>
-              <p:nvPr/>
-            </p:nvSpPr>
-            <p:spPr bwMode="auto">
-              <a:xfrm>
-                <a:off x="2057399" y="2725789"/>
-                <a:ext cx="1028699" cy="1028700"/>
-              </a:xfrm>
-              <a:prstGeom prst="ellipse">
-                <a:avLst/>
-              </a:prstGeom>
-              <a:solidFill>
-                <a:srgbClr val="9570D5"/>
-              </a:solidFill>
-              <a:ln>
-                <a:noFill/>
-                <a:headEnd type="none" w="med" len="med"/>
-                <a:tailEnd type="none" w="med" len="med"/>
-              </a:ln>
-              <a:effectLst/>
-            </p:spPr>
-            <p:style>
-              <a:lnRef idx="1">
-                <a:schemeClr val="accent2"/>
-              </a:lnRef>
-              <a:fillRef idx="3">
-                <a:schemeClr val="accent2"/>
-              </a:fillRef>
-              <a:effectRef idx="2">
-                <a:schemeClr val="accent2"/>
-              </a:effectRef>
-              <a:fontRef idx="minor">
-                <a:schemeClr val="lt1"/>
-              </a:fontRef>
-            </p:style>
-            <p:txBody>
-              <a:bodyPr lIns="89642" tIns="89642" rIns="33620" bIns="33620" rtlCol="0" anchor="b" anchorCtr="0"/>
-              <a:lstStyle/>
-              <a:p>
-                <a:pPr algn="ctr" defTabSz="914038"/>
-                <a:endParaRPr lang="en-US" sz="784" dirty="0">
-                  <a:gradFill>
-                    <a:gsLst>
-                      <a:gs pos="0">
-                        <a:srgbClr val="FFFFFF"/>
-                      </a:gs>
-                      <a:gs pos="100000">
-                        <a:srgbClr val="FFFFFF"/>
-                      </a:gs>
-                    </a:gsLst>
-                    <a:lin ang="5400000" scaled="0"/>
-                  </a:gradFill>
-                  <a:ea typeface="Segoe UI" pitchFamily="34" charset="0"/>
-                  <a:cs typeface="Segoe UI" pitchFamily="34" charset="0"/>
-                </a:endParaRPr>
-              </a:p>
-            </p:txBody>
-          </p:sp>
-          <p:pic>
-            <p:nvPicPr>
-              <p:cNvPr id="46" name="Picture 45" descr="Apple_logo.pdf"/>
-              <p:cNvPicPr>
-                <a:picLocks noChangeAspect="1"/>
-              </p:cNvPicPr>
-              <p:nvPr/>
-            </p:nvPicPr>
-            <p:blipFill>
-              <a:blip r:embed="rId4">
-                <a:extLst>
-                  <a:ext uri="{28A0092B-C50C-407E-A947-70E740481C1C}">
-                    <a14:useLocalDpi xmlns:a14="http://schemas.microsoft.com/office/drawing/2010/main"/>
-                  </a:ext>
-                </a:extLst>
-              </a:blip>
-              <a:stretch>
-                <a:fillRect/>
-              </a:stretch>
-            </p:blipFill>
-            <p:spPr>
-              <a:xfrm>
-                <a:off x="2319103" y="2938131"/>
-                <a:ext cx="468070" cy="523137"/>
-              </a:xfrm>
-              <a:prstGeom prst="rect">
-                <a:avLst/>
-              </a:prstGeom>
-            </p:spPr>
-          </p:pic>
-        </p:grpSp>
-        <p:grpSp>
-          <p:nvGrpSpPr>
-            <p:cNvPr id="32" name="Group 31"/>
-            <p:cNvGrpSpPr/>
-            <p:nvPr/>
-          </p:nvGrpSpPr>
-          <p:grpSpPr>
-            <a:xfrm>
-              <a:off x="5707598" y="1444948"/>
-              <a:ext cx="613490" cy="613491"/>
-              <a:chOff x="3810000" y="3144890"/>
-              <a:chExt cx="1028699" cy="1028700"/>
-            </a:xfrm>
-          </p:grpSpPr>
-          <p:sp>
-            <p:nvSpPr>
-              <p:cNvPr id="41" name="Oval 40"/>
-              <p:cNvSpPr/>
-              <p:nvPr/>
-            </p:nvSpPr>
-            <p:spPr bwMode="auto">
-              <a:xfrm>
-                <a:off x="3810000" y="3144890"/>
-                <a:ext cx="1028699" cy="1028700"/>
-              </a:xfrm>
-              <a:prstGeom prst="ellipse">
-                <a:avLst/>
-              </a:prstGeom>
-              <a:solidFill>
-                <a:srgbClr val="66B11F"/>
-              </a:solidFill>
-              <a:ln>
-                <a:noFill/>
-                <a:headEnd type="none" w="med" len="med"/>
-                <a:tailEnd type="none" w="med" len="med"/>
-              </a:ln>
-              <a:effectLst/>
-            </p:spPr>
-            <p:style>
-              <a:lnRef idx="1">
-                <a:schemeClr val="accent2"/>
-              </a:lnRef>
-              <a:fillRef idx="3">
-                <a:schemeClr val="accent2"/>
-              </a:fillRef>
-              <a:effectRef idx="2">
-                <a:schemeClr val="accent2"/>
-              </a:effectRef>
-              <a:fontRef idx="minor">
-                <a:schemeClr val="lt1"/>
-              </a:fontRef>
-            </p:style>
-            <p:txBody>
-              <a:bodyPr lIns="89642" tIns="89642" rIns="33620" bIns="33620" rtlCol="0" anchor="b" anchorCtr="0"/>
-              <a:lstStyle/>
-              <a:p>
-                <a:pPr algn="ctr" defTabSz="914038"/>
-                <a:endParaRPr lang="en-US" sz="784" dirty="0">
-                  <a:gradFill>
-                    <a:gsLst>
-                      <a:gs pos="0">
-                        <a:srgbClr val="FFFFFF"/>
-                      </a:gs>
-                      <a:gs pos="100000">
-                        <a:srgbClr val="FFFFFF"/>
-                      </a:gs>
-                    </a:gsLst>
-                    <a:lin ang="5400000" scaled="0"/>
-                  </a:gradFill>
-                  <a:ea typeface="Segoe UI" pitchFamily="34" charset="0"/>
-                  <a:cs typeface="Segoe UI" pitchFamily="34" charset="0"/>
-                </a:endParaRPr>
-              </a:p>
-            </p:txBody>
-          </p:sp>
-          <p:pic>
-            <p:nvPicPr>
-              <p:cNvPr id="44" name="Picture 43" descr="Android_logo.pdf"/>
-              <p:cNvPicPr>
-                <a:picLocks noChangeAspect="1"/>
-              </p:cNvPicPr>
-              <p:nvPr/>
-            </p:nvPicPr>
-            <p:blipFill>
-              <a:blip r:embed="rId5">
-                <a:extLst>
-                  <a:ext uri="{28A0092B-C50C-407E-A947-70E740481C1C}">
-                    <a14:useLocalDpi xmlns:a14="http://schemas.microsoft.com/office/drawing/2010/main"/>
-                  </a:ext>
-                </a:extLst>
-              </a:blip>
-              <a:stretch>
-                <a:fillRect/>
-              </a:stretch>
-            </p:blipFill>
-            <p:spPr>
-              <a:xfrm>
-                <a:off x="4097337" y="3402859"/>
-                <a:ext cx="434973" cy="500220"/>
-              </a:xfrm>
-              <a:prstGeom prst="rect">
-                <a:avLst/>
-              </a:prstGeom>
-            </p:spPr>
-          </p:pic>
-        </p:grpSp>
-        <p:grpSp>
-          <p:nvGrpSpPr>
-            <p:cNvPr id="33" name="Group 32"/>
-            <p:cNvGrpSpPr/>
-            <p:nvPr/>
-          </p:nvGrpSpPr>
-          <p:grpSpPr>
-            <a:xfrm>
-              <a:off x="7851596" y="1444948"/>
-              <a:ext cx="613491" cy="613491"/>
-              <a:chOff x="6083298" y="3144890"/>
-              <a:chExt cx="1028699" cy="1028700"/>
-            </a:xfrm>
-          </p:grpSpPr>
-          <p:sp>
-            <p:nvSpPr>
-              <p:cNvPr id="36" name="Oval 35"/>
-              <p:cNvSpPr/>
-              <p:nvPr/>
-            </p:nvSpPr>
-            <p:spPr bwMode="auto">
-              <a:xfrm>
-                <a:off x="6083298" y="3144890"/>
-                <a:ext cx="1028699" cy="1028700"/>
-              </a:xfrm>
-              <a:prstGeom prst="ellipse">
-                <a:avLst/>
-              </a:prstGeom>
-              <a:solidFill>
-                <a:srgbClr val="00BBF1"/>
-              </a:solidFill>
-              <a:ln>
-                <a:noFill/>
-                <a:headEnd type="none" w="med" len="med"/>
-                <a:tailEnd type="none" w="med" len="med"/>
-              </a:ln>
-              <a:effectLst/>
-            </p:spPr>
-            <p:style>
-              <a:lnRef idx="1">
-                <a:schemeClr val="accent2"/>
-              </a:lnRef>
-              <a:fillRef idx="3">
-                <a:schemeClr val="accent2"/>
-              </a:fillRef>
-              <a:effectRef idx="2">
-                <a:schemeClr val="accent2"/>
-              </a:effectRef>
-              <a:fontRef idx="minor">
-                <a:schemeClr val="lt1"/>
-              </a:fontRef>
-            </p:style>
-            <p:txBody>
-              <a:bodyPr lIns="89642" tIns="89642" rIns="33620" bIns="33620" rtlCol="0" anchor="b" anchorCtr="0"/>
-              <a:lstStyle/>
-              <a:p>
-                <a:pPr algn="ctr" defTabSz="914038"/>
-                <a:endParaRPr lang="en-US" sz="784" dirty="0">
-                  <a:gradFill>
-                    <a:gsLst>
-                      <a:gs pos="0">
-                        <a:srgbClr val="FFFFFF"/>
-                      </a:gs>
-                      <a:gs pos="100000">
-                        <a:srgbClr val="FFFFFF"/>
-                      </a:gs>
-                    </a:gsLst>
-                    <a:lin ang="5400000" scaled="0"/>
-                  </a:gradFill>
-                  <a:ea typeface="Segoe UI" pitchFamily="34" charset="0"/>
-                  <a:cs typeface="Segoe UI" pitchFamily="34" charset="0"/>
-                </a:endParaRPr>
-              </a:p>
-            </p:txBody>
-          </p:sp>
-          <p:pic>
-            <p:nvPicPr>
-              <p:cNvPr id="38" name="Picture 37" descr="Windows_logo.pdf"/>
-              <p:cNvPicPr>
-                <a:picLocks noChangeAspect="1"/>
-              </p:cNvPicPr>
-              <p:nvPr/>
-            </p:nvPicPr>
-            <p:blipFill>
-              <a:blip r:embed="rId6">
-                <a:extLst>
-                  <a:ext uri="{28A0092B-C50C-407E-A947-70E740481C1C}">
-                    <a14:useLocalDpi xmlns:a14="http://schemas.microsoft.com/office/drawing/2010/main"/>
-                  </a:ext>
-                </a:extLst>
-              </a:blip>
-              <a:stretch>
-                <a:fillRect/>
-              </a:stretch>
-            </p:blipFill>
-            <p:spPr>
-              <a:xfrm>
-                <a:off x="6365885" y="3436990"/>
-                <a:ext cx="466043" cy="434973"/>
-              </a:xfrm>
-              <a:prstGeom prst="rect">
-                <a:avLst/>
-              </a:prstGeom>
-            </p:spPr>
-          </p:pic>
-        </p:grpSp>
+        </p:pic>
       </p:grpSp>
-      <p:sp>
-        <p:nvSpPr>
-          <p:cNvPr id="21" name="Title 1"/>
-          <p:cNvSpPr txBox="1">
-            <a:spLocks/>
-          </p:cNvSpPr>
+      <p:pic>
+        <p:nvPicPr>
+          <p:cNvPr id="4" name="Picture 3"/>
+          <p:cNvPicPr>
+            <a:picLocks noChangeAspect="1"/>
+          </p:cNvPicPr>
           <p:nvPr/>
-        </p:nvSpPr>
+        </p:nvPicPr>
+        <p:blipFill>
+          <a:blip r:embed="rId5">
+            <a:extLst>
+              <a:ext uri="{28A0092B-C50C-407E-A947-70E740481C1C}">
+                <a14:useLocalDpi xmlns:a14="http://schemas.microsoft.com/office/drawing/2010/main" val="0"/>
+              </a:ext>
+            </a:extLst>
+          </a:blip>
+          <a:stretch>
+            <a:fillRect/>
+          </a:stretch>
+        </p:blipFill>
         <p:spPr>
           <a:xfrm>
-            <a:off x="2025421" y="3949324"/>
-            <a:ext cx="7363987" cy="1505132"/>
+            <a:off x="9098239" y="1379822"/>
+            <a:ext cx="3512862" cy="5272143"/>
           </a:xfrm>
           <a:prstGeom prst="rect">
             <a:avLst/>
           </a:prstGeom>
         </p:spPr>
-        <p:txBody>
-          <a:bodyPr vert="horz" wrap="square" lIns="146304" tIns="91440" rIns="146304" bIns="91440" rtlCol="0" anchor="t">
-            <a:noAutofit/>
-          </a:bodyPr>
-          <a:lstStyle>
-            <a:lvl1pPr algn="l" defTabSz="914367" rtl="0" eaLnBrk="1" latinLnBrk="0" hangingPunct="1">
-              <a:lnSpc>
-                <a:spcPct val="90000"/>
-              </a:lnSpc>
-              <a:spcBef>
-                <a:spcPct val="0"/>
-              </a:spcBef>
-              <a:buNone/>
-              <a:defRPr lang="en-US" sz="4705" b="0" kern="1200" cap="none" spc="-100" baseline="0" dirty="0" smtClean="0">
-                <a:ln w="3175">
-                  <a:noFill/>
-                </a:ln>
-                <a:gradFill>
-                  <a:gsLst>
-                    <a:gs pos="1250">
-                      <a:schemeClr val="tx1"/>
-                    </a:gs>
-                    <a:gs pos="100000">
-                      <a:schemeClr val="tx1"/>
-                    </a:gs>
-                  </a:gsLst>
-                  <a:lin ang="5400000" scaled="0"/>
-                </a:gradFill>
-                <a:effectLst/>
-                <a:latin typeface="+mj-lt"/>
-                <a:ea typeface="+mn-ea"/>
-                <a:cs typeface="Segoe UI" pitchFamily="34" charset="0"/>
-              </a:defRPr>
-            </a:lvl1pPr>
-          </a:lstStyle>
-          <a:p>
-            <a:pPr algn="ctr"/>
-            <a:r>
-              <a:rPr lang="en-US" sz="9600" dirty="0"/>
-              <a:t>DEMO</a:t>
-            </a:r>
-            <a:endParaRPr lang="en-US" sz="9600" b="1" dirty="0"/>
-          </a:p>
-        </p:txBody>
-      </p:sp>
+      </p:pic>
+      <p:pic>
+        <p:nvPicPr>
+          <p:cNvPr id="5" name="Picture 4"/>
+          <p:cNvPicPr>
+            <a:picLocks noChangeAspect="1"/>
+          </p:cNvPicPr>
+          <p:nvPr/>
+        </p:nvPicPr>
+        <p:blipFill>
+          <a:blip r:embed="rId6">
+            <a:extLst>
+              <a:ext uri="{28A0092B-C50C-407E-A947-70E740481C1C}">
+                <a14:useLocalDpi xmlns:a14="http://schemas.microsoft.com/office/drawing/2010/main" val="0"/>
+              </a:ext>
+            </a:extLst>
+          </a:blip>
+          <a:stretch>
+            <a:fillRect/>
+          </a:stretch>
+        </p:blipFill>
+        <p:spPr>
+          <a:xfrm>
+            <a:off x="4351167" y="3500879"/>
+            <a:ext cx="4654446" cy="3151086"/>
+          </a:xfrm>
+          <a:prstGeom prst="rect">
+            <a:avLst/>
+          </a:prstGeom>
+        </p:spPr>
+      </p:pic>
     </p:spTree>
     <p:extLst>
       <p:ext uri="{BB962C8B-B14F-4D97-AF65-F5344CB8AC3E}">
-        <p14:creationId xmlns:p14="http://schemas.microsoft.com/office/powerpoint/2010/main" val="1896596867"/>
+        <p14:creationId xmlns:p14="http://schemas.microsoft.com/office/powerpoint/2010/main" val="1182207792"/>
       </p:ext>
     </p:extLst>
   </p:cSld>

--- a/XamarinForms_Config_Options.pptx
+++ b/XamarinForms_Config_Options.pptx
@@ -5,7 +5,7 @@
     <p:sldMasterId id="2147483660" r:id="rId1"/>
   </p:sldMasterIdLst>
   <p:notesMasterIdLst>
-    <p:notesMasterId r:id="rId24"/>
+    <p:notesMasterId r:id="rId21"/>
   </p:notesMasterIdLst>
   <p:sldIdLst>
     <p:sldId id="283" r:id="rId2"/>
@@ -17,19 +17,16 @@
     <p:sldId id="273" r:id="rId8"/>
     <p:sldId id="380" r:id="rId9"/>
     <p:sldId id="393" r:id="rId10"/>
-    <p:sldId id="394" r:id="rId11"/>
-    <p:sldId id="395" r:id="rId12"/>
-    <p:sldId id="381" r:id="rId13"/>
-    <p:sldId id="390" r:id="rId14"/>
-    <p:sldId id="391" r:id="rId15"/>
-    <p:sldId id="392" r:id="rId16"/>
-    <p:sldId id="384" r:id="rId17"/>
-    <p:sldId id="385" r:id="rId18"/>
-    <p:sldId id="386" r:id="rId19"/>
-    <p:sldId id="387" r:id="rId20"/>
-    <p:sldId id="389" r:id="rId21"/>
-    <p:sldId id="314" r:id="rId22"/>
-    <p:sldId id="364" r:id="rId23"/>
+    <p:sldId id="395" r:id="rId11"/>
+    <p:sldId id="390" r:id="rId12"/>
+    <p:sldId id="391" r:id="rId13"/>
+    <p:sldId id="392" r:id="rId14"/>
+    <p:sldId id="384" r:id="rId15"/>
+    <p:sldId id="385" r:id="rId16"/>
+    <p:sldId id="387" r:id="rId17"/>
+    <p:sldId id="389" r:id="rId18"/>
+    <p:sldId id="314" r:id="rId19"/>
+    <p:sldId id="364" r:id="rId20"/>
   </p:sldIdLst>
   <p:sldSz cx="12192000" cy="6858000"/>
   <p:notesSz cx="6858000" cy="9144000"/>
@@ -634,12 +631,12 @@
       </p:sp>
       <p:sp>
         <p:nvSpPr>
-          <p:cNvPr id="4" name="Header Placeholder 3"/>
+          <p:cNvPr id="4" name="Slide Number Placeholder 3"/>
           <p:cNvSpPr>
             <a:spLocks noGrp="1"/>
           </p:cNvSpPr>
           <p:nvPr>
-            <p:ph type="hdr" sz="quarter" idx="10"/>
+            <p:ph type="sldNum" sz="quarter" idx="10"/>
           </p:nvPr>
         </p:nvSpPr>
         <p:spPr/>
@@ -647,123 +644,18 @@
           <a:bodyPr/>
           <a:lstStyle/>
           <a:p>
-            <a:r>
-              <a:rPr lang="en-US" dirty="0">
-                <a:solidFill>
-                  <a:prstClr val="black"/>
-                </a:solidFill>
-              </a:rPr>
-              <a:t>Build 2015</a:t>
-            </a:r>
-          </a:p>
-        </p:txBody>
-      </p:sp>
-      <p:sp>
-        <p:nvSpPr>
-          <p:cNvPr id="5" name="Footer Placeholder 4"/>
-          <p:cNvSpPr>
-            <a:spLocks noGrp="1"/>
-          </p:cNvSpPr>
-          <p:nvPr>
-            <p:ph type="ftr" sz="quarter" idx="11"/>
-          </p:nvPr>
-        </p:nvSpPr>
-        <p:spPr/>
-        <p:txBody>
-          <a:bodyPr/>
-          <a:lstStyle/>
-          <a:p>
-            <a:pPr defTabSz="914099" eaLnBrk="0" hangingPunct="0"/>
-            <a:r>
-              <a:rPr lang="en-US" sz="400" dirty="0">
-                <a:gradFill>
-                  <a:gsLst>
-                    <a:gs pos="0">
-                      <a:prstClr val="black"/>
-                    </a:gs>
-                    <a:gs pos="100000">
-                      <a:prstClr val="black"/>
-                    </a:gs>
-                  </a:gsLst>
-                  <a:lin ang="5400000" scaled="0"/>
-                </a:gradFill>
-                <a:latin typeface="Segoe UI" pitchFamily="34" charset="0"/>
-                <a:ea typeface="Segoe UI" pitchFamily="34" charset="0"/>
-                <a:cs typeface="Segoe UI" pitchFamily="34" charset="0"/>
-              </a:rPr>
-              <a:t>© 2015 Microsoft Corporation. All rights reserved. MICROSOFT MAKES NO WARRANTIES, EXPRESS, IMPLIED OR STATUTORY, AS TO THE INFORMATION IN THIS PRESENTATION.</a:t>
-            </a:r>
-          </a:p>
-        </p:txBody>
-      </p:sp>
-      <p:sp>
-        <p:nvSpPr>
-          <p:cNvPr id="6" name="Date Placeholder 5"/>
-          <p:cNvSpPr>
-            <a:spLocks noGrp="1"/>
-          </p:cNvSpPr>
-          <p:nvPr>
-            <p:ph type="dt" idx="12"/>
-          </p:nvPr>
-        </p:nvSpPr>
-        <p:spPr/>
-        <p:txBody>
-          <a:bodyPr/>
-          <a:lstStyle/>
-          <a:p>
-            <a:fld id="{38EEC551-8CDA-4EB6-89BB-2A86C9F091C8}" type="datetime8">
-              <a:rPr lang="en-US" smtClean="0">
-                <a:solidFill>
-                  <a:prstClr val="black"/>
-                </a:solidFill>
-              </a:rPr>
-              <a:pPr/>
-              <a:t>4/27/2016 5:51 PM</a:t>
-            </a:fld>
-            <a:endParaRPr lang="en-US" dirty="0">
-              <a:solidFill>
-                <a:prstClr val="black"/>
-              </a:solidFill>
-            </a:endParaRPr>
-          </a:p>
-        </p:txBody>
-      </p:sp>
-      <p:sp>
-        <p:nvSpPr>
-          <p:cNvPr id="7" name="Slide Number Placeholder 6"/>
-          <p:cNvSpPr>
-            <a:spLocks noGrp="1"/>
-          </p:cNvSpPr>
-          <p:nvPr>
-            <p:ph type="sldNum" sz="quarter" idx="13"/>
-          </p:nvPr>
-        </p:nvSpPr>
-        <p:spPr/>
-        <p:txBody>
-          <a:bodyPr/>
-          <a:lstStyle/>
-          <a:p>
-            <a:fld id="{B4008EB6-D09E-4580-8CD6-DDB14511944F}" type="slidenum">
-              <a:rPr lang="en-US" smtClean="0">
-                <a:solidFill>
-                  <a:prstClr val="black"/>
-                </a:solidFill>
-              </a:rPr>
-              <a:pPr/>
+            <a:fld id="{65097B6B-FF96-F443-AED4-FFB28983C4F8}" type="slidenum">
+              <a:rPr lang="en-US" smtClean="0"/>
               <a:t>11</a:t>
             </a:fld>
-            <a:endParaRPr lang="en-US" dirty="0">
-              <a:solidFill>
-                <a:prstClr val="black"/>
-              </a:solidFill>
-            </a:endParaRPr>
+            <a:endParaRPr lang="en-US"/>
           </a:p>
         </p:txBody>
       </p:sp>
     </p:spTree>
     <p:extLst>
       <p:ext uri="{BB962C8B-B14F-4D97-AF65-F5344CB8AC3E}">
-        <p14:creationId xmlns:p14="http://schemas.microsoft.com/office/powerpoint/2010/main" val="1512084376"/>
+        <p14:creationId xmlns:p14="http://schemas.microsoft.com/office/powerpoint/2010/main" val="375003379"/>
       </p:ext>
     </p:extLst>
   </p:cSld>
@@ -823,12 +715,12 @@
       </p:sp>
       <p:sp>
         <p:nvSpPr>
-          <p:cNvPr id="4" name="Header Placeholder 3"/>
+          <p:cNvPr id="4" name="Slide Number Placeholder 3"/>
           <p:cNvSpPr>
             <a:spLocks noGrp="1"/>
           </p:cNvSpPr>
           <p:nvPr>
-            <p:ph type="hdr" sz="quarter" idx="10"/>
+            <p:ph type="sldNum" sz="quarter" idx="10"/>
           </p:nvPr>
         </p:nvSpPr>
         <p:spPr/>
@@ -836,123 +728,18 @@
           <a:bodyPr/>
           <a:lstStyle/>
           <a:p>
-            <a:r>
-              <a:rPr lang="en-US" dirty="0">
-                <a:solidFill>
-                  <a:prstClr val="black"/>
-                </a:solidFill>
-              </a:rPr>
-              <a:t>Build 2015</a:t>
-            </a:r>
-          </a:p>
-        </p:txBody>
-      </p:sp>
-      <p:sp>
-        <p:nvSpPr>
-          <p:cNvPr id="5" name="Footer Placeholder 4"/>
-          <p:cNvSpPr>
-            <a:spLocks noGrp="1"/>
-          </p:cNvSpPr>
-          <p:nvPr>
-            <p:ph type="ftr" sz="quarter" idx="11"/>
-          </p:nvPr>
-        </p:nvSpPr>
-        <p:spPr/>
-        <p:txBody>
-          <a:bodyPr/>
-          <a:lstStyle/>
-          <a:p>
-            <a:pPr defTabSz="914099" eaLnBrk="0" hangingPunct="0"/>
-            <a:r>
-              <a:rPr lang="en-US" sz="400" dirty="0">
-                <a:gradFill>
-                  <a:gsLst>
-                    <a:gs pos="0">
-                      <a:prstClr val="black"/>
-                    </a:gs>
-                    <a:gs pos="100000">
-                      <a:prstClr val="black"/>
-                    </a:gs>
-                  </a:gsLst>
-                  <a:lin ang="5400000" scaled="0"/>
-                </a:gradFill>
-                <a:latin typeface="Segoe UI" pitchFamily="34" charset="0"/>
-                <a:ea typeface="Segoe UI" pitchFamily="34" charset="0"/>
-                <a:cs typeface="Segoe UI" pitchFamily="34" charset="0"/>
-              </a:rPr>
-              <a:t>© 2015 Microsoft Corporation. All rights reserved. MICROSOFT MAKES NO WARRANTIES, EXPRESS, IMPLIED OR STATUTORY, AS TO THE INFORMATION IN THIS PRESENTATION.</a:t>
-            </a:r>
-          </a:p>
-        </p:txBody>
-      </p:sp>
-      <p:sp>
-        <p:nvSpPr>
-          <p:cNvPr id="6" name="Date Placeholder 5"/>
-          <p:cNvSpPr>
-            <a:spLocks noGrp="1"/>
-          </p:cNvSpPr>
-          <p:nvPr>
-            <p:ph type="dt" idx="12"/>
-          </p:nvPr>
-        </p:nvSpPr>
-        <p:spPr/>
-        <p:txBody>
-          <a:bodyPr/>
-          <a:lstStyle/>
-          <a:p>
-            <a:fld id="{38EEC551-8CDA-4EB6-89BB-2A86C9F091C8}" type="datetime8">
-              <a:rPr lang="en-US" smtClean="0">
-                <a:solidFill>
-                  <a:prstClr val="black"/>
-                </a:solidFill>
-              </a:rPr>
-              <a:pPr/>
-              <a:t>4/27/2016 3:46 PM</a:t>
-            </a:fld>
-            <a:endParaRPr lang="en-US" dirty="0">
-              <a:solidFill>
-                <a:prstClr val="black"/>
-              </a:solidFill>
-            </a:endParaRPr>
-          </a:p>
-        </p:txBody>
-      </p:sp>
-      <p:sp>
-        <p:nvSpPr>
-          <p:cNvPr id="7" name="Slide Number Placeholder 6"/>
-          <p:cNvSpPr>
-            <a:spLocks noGrp="1"/>
-          </p:cNvSpPr>
-          <p:nvPr>
-            <p:ph type="sldNum" sz="quarter" idx="13"/>
-          </p:nvPr>
-        </p:nvSpPr>
-        <p:spPr/>
-        <p:txBody>
-          <a:bodyPr/>
-          <a:lstStyle/>
-          <a:p>
-            <a:fld id="{B4008EB6-D09E-4580-8CD6-DDB14511944F}" type="slidenum">
-              <a:rPr lang="en-US" smtClean="0">
-                <a:solidFill>
-                  <a:prstClr val="black"/>
-                </a:solidFill>
-              </a:rPr>
-              <a:pPr/>
+            <a:fld id="{65097B6B-FF96-F443-AED4-FFB28983C4F8}" type="slidenum">
+              <a:rPr lang="en-US" smtClean="0"/>
               <a:t>12</a:t>
             </a:fld>
-            <a:endParaRPr lang="en-US" dirty="0">
-              <a:solidFill>
-                <a:prstClr val="black"/>
-              </a:solidFill>
-            </a:endParaRPr>
+            <a:endParaRPr lang="en-US"/>
           </a:p>
         </p:txBody>
       </p:sp>
     </p:spTree>
     <p:extLst>
       <p:ext uri="{BB962C8B-B14F-4D97-AF65-F5344CB8AC3E}">
-        <p14:creationId xmlns:p14="http://schemas.microsoft.com/office/powerpoint/2010/main" val="3476993190"/>
+        <p14:creationId xmlns:p14="http://schemas.microsoft.com/office/powerpoint/2010/main" val="4201885427"/>
       </p:ext>
     </p:extLst>
   </p:cSld>
@@ -1036,7 +823,7 @@
     </p:spTree>
     <p:extLst>
       <p:ext uri="{BB962C8B-B14F-4D97-AF65-F5344CB8AC3E}">
-        <p14:creationId xmlns:p14="http://schemas.microsoft.com/office/powerpoint/2010/main" val="375003379"/>
+        <p14:creationId xmlns:p14="http://schemas.microsoft.com/office/powerpoint/2010/main" val="945086406"/>
       </p:ext>
     </p:extLst>
   </p:cSld>
@@ -1096,12 +883,12 @@
       </p:sp>
       <p:sp>
         <p:nvSpPr>
-          <p:cNvPr id="4" name="Slide Number Placeholder 3"/>
+          <p:cNvPr id="4" name="Header Placeholder 3"/>
           <p:cNvSpPr>
             <a:spLocks noGrp="1"/>
           </p:cNvSpPr>
           <p:nvPr>
-            <p:ph type="sldNum" sz="quarter" idx="10"/>
+            <p:ph type="hdr" sz="quarter" idx="10"/>
           </p:nvPr>
         </p:nvSpPr>
         <p:spPr/>
@@ -1109,18 +896,123 @@
           <a:bodyPr/>
           <a:lstStyle/>
           <a:p>
-            <a:fld id="{65097B6B-FF96-F443-AED4-FFB28983C4F8}" type="slidenum">
-              <a:rPr lang="en-US" smtClean="0"/>
+            <a:r>
+              <a:rPr lang="en-US" dirty="0">
+                <a:solidFill>
+                  <a:prstClr val="black"/>
+                </a:solidFill>
+              </a:rPr>
+              <a:t>Build 2015</a:t>
+            </a:r>
+          </a:p>
+        </p:txBody>
+      </p:sp>
+      <p:sp>
+        <p:nvSpPr>
+          <p:cNvPr id="5" name="Footer Placeholder 4"/>
+          <p:cNvSpPr>
+            <a:spLocks noGrp="1"/>
+          </p:cNvSpPr>
+          <p:nvPr>
+            <p:ph type="ftr" sz="quarter" idx="11"/>
+          </p:nvPr>
+        </p:nvSpPr>
+        <p:spPr/>
+        <p:txBody>
+          <a:bodyPr/>
+          <a:lstStyle/>
+          <a:p>
+            <a:pPr defTabSz="914099" eaLnBrk="0" hangingPunct="0"/>
+            <a:r>
+              <a:rPr lang="en-US" sz="400" dirty="0">
+                <a:gradFill>
+                  <a:gsLst>
+                    <a:gs pos="0">
+                      <a:prstClr val="black"/>
+                    </a:gs>
+                    <a:gs pos="100000">
+                      <a:prstClr val="black"/>
+                    </a:gs>
+                  </a:gsLst>
+                  <a:lin ang="5400000" scaled="0"/>
+                </a:gradFill>
+                <a:latin typeface="Segoe UI" pitchFamily="34" charset="0"/>
+                <a:ea typeface="Segoe UI" pitchFamily="34" charset="0"/>
+                <a:cs typeface="Segoe UI" pitchFamily="34" charset="0"/>
+              </a:rPr>
+              <a:t>© 2015 Microsoft Corporation. All rights reserved. MICROSOFT MAKES NO WARRANTIES, EXPRESS, IMPLIED OR STATUTORY, AS TO THE INFORMATION IN THIS PRESENTATION.</a:t>
+            </a:r>
+          </a:p>
+        </p:txBody>
+      </p:sp>
+      <p:sp>
+        <p:nvSpPr>
+          <p:cNvPr id="6" name="Date Placeholder 5"/>
+          <p:cNvSpPr>
+            <a:spLocks noGrp="1"/>
+          </p:cNvSpPr>
+          <p:nvPr>
+            <p:ph type="dt" idx="12"/>
+          </p:nvPr>
+        </p:nvSpPr>
+        <p:spPr/>
+        <p:txBody>
+          <a:bodyPr/>
+          <a:lstStyle/>
+          <a:p>
+            <a:fld id="{38EEC551-8CDA-4EB6-89BB-2A86C9F091C8}" type="datetime8">
+              <a:rPr lang="en-US" smtClean="0">
+                <a:solidFill>
+                  <a:prstClr val="black"/>
+                </a:solidFill>
+              </a:rPr>
+              <a:pPr/>
+              <a:t>4/27/2016 3:46 PM</a:t>
+            </a:fld>
+            <a:endParaRPr lang="en-US" dirty="0">
+              <a:solidFill>
+                <a:prstClr val="black"/>
+              </a:solidFill>
+            </a:endParaRPr>
+          </a:p>
+        </p:txBody>
+      </p:sp>
+      <p:sp>
+        <p:nvSpPr>
+          <p:cNvPr id="7" name="Slide Number Placeholder 6"/>
+          <p:cNvSpPr>
+            <a:spLocks noGrp="1"/>
+          </p:cNvSpPr>
+          <p:nvPr>
+            <p:ph type="sldNum" sz="quarter" idx="13"/>
+          </p:nvPr>
+        </p:nvSpPr>
+        <p:spPr/>
+        <p:txBody>
+          <a:bodyPr/>
+          <a:lstStyle/>
+          <a:p>
+            <a:fld id="{B4008EB6-D09E-4580-8CD6-DDB14511944F}" type="slidenum">
+              <a:rPr lang="en-US" smtClean="0">
+                <a:solidFill>
+                  <a:prstClr val="black"/>
+                </a:solidFill>
+              </a:rPr>
+              <a:pPr/>
               <a:t>14</a:t>
             </a:fld>
-            <a:endParaRPr lang="en-US"/>
+            <a:endParaRPr lang="en-US" dirty="0">
+              <a:solidFill>
+                <a:prstClr val="black"/>
+              </a:solidFill>
+            </a:endParaRPr>
           </a:p>
         </p:txBody>
       </p:sp>
     </p:spTree>
     <p:extLst>
       <p:ext uri="{BB962C8B-B14F-4D97-AF65-F5344CB8AC3E}">
-        <p14:creationId xmlns:p14="http://schemas.microsoft.com/office/powerpoint/2010/main" val="4201885427"/>
+        <p14:creationId xmlns:p14="http://schemas.microsoft.com/office/powerpoint/2010/main" val="1026983398"/>
       </p:ext>
     </p:extLst>
   </p:cSld>
@@ -1180,12 +1072,12 @@
       </p:sp>
       <p:sp>
         <p:nvSpPr>
-          <p:cNvPr id="4" name="Slide Number Placeholder 3"/>
+          <p:cNvPr id="4" name="Header Placeholder 3"/>
           <p:cNvSpPr>
             <a:spLocks noGrp="1"/>
           </p:cNvSpPr>
           <p:nvPr>
-            <p:ph type="sldNum" sz="quarter" idx="10"/>
+            <p:ph type="hdr" sz="quarter" idx="10"/>
           </p:nvPr>
         </p:nvSpPr>
         <p:spPr/>
@@ -1193,18 +1085,123 @@
           <a:bodyPr/>
           <a:lstStyle/>
           <a:p>
-            <a:fld id="{65097B6B-FF96-F443-AED4-FFB28983C4F8}" type="slidenum">
-              <a:rPr lang="en-US" smtClean="0"/>
+            <a:r>
+              <a:rPr lang="en-US" dirty="0">
+                <a:solidFill>
+                  <a:prstClr val="black"/>
+                </a:solidFill>
+              </a:rPr>
+              <a:t>Build 2015</a:t>
+            </a:r>
+          </a:p>
+        </p:txBody>
+      </p:sp>
+      <p:sp>
+        <p:nvSpPr>
+          <p:cNvPr id="5" name="Footer Placeholder 4"/>
+          <p:cNvSpPr>
+            <a:spLocks noGrp="1"/>
+          </p:cNvSpPr>
+          <p:nvPr>
+            <p:ph type="ftr" sz="quarter" idx="11"/>
+          </p:nvPr>
+        </p:nvSpPr>
+        <p:spPr/>
+        <p:txBody>
+          <a:bodyPr/>
+          <a:lstStyle/>
+          <a:p>
+            <a:pPr defTabSz="914099" eaLnBrk="0" hangingPunct="0"/>
+            <a:r>
+              <a:rPr lang="en-US" sz="400" dirty="0">
+                <a:gradFill>
+                  <a:gsLst>
+                    <a:gs pos="0">
+                      <a:prstClr val="black"/>
+                    </a:gs>
+                    <a:gs pos="100000">
+                      <a:prstClr val="black"/>
+                    </a:gs>
+                  </a:gsLst>
+                  <a:lin ang="5400000" scaled="0"/>
+                </a:gradFill>
+                <a:latin typeface="Segoe UI" pitchFamily="34" charset="0"/>
+                <a:ea typeface="Segoe UI" pitchFamily="34" charset="0"/>
+                <a:cs typeface="Segoe UI" pitchFamily="34" charset="0"/>
+              </a:rPr>
+              <a:t>© 2015 Microsoft Corporation. All rights reserved. MICROSOFT MAKES NO WARRANTIES, EXPRESS, IMPLIED OR STATUTORY, AS TO THE INFORMATION IN THIS PRESENTATION.</a:t>
+            </a:r>
+          </a:p>
+        </p:txBody>
+      </p:sp>
+      <p:sp>
+        <p:nvSpPr>
+          <p:cNvPr id="6" name="Date Placeholder 5"/>
+          <p:cNvSpPr>
+            <a:spLocks noGrp="1"/>
+          </p:cNvSpPr>
+          <p:nvPr>
+            <p:ph type="dt" idx="12"/>
+          </p:nvPr>
+        </p:nvSpPr>
+        <p:spPr/>
+        <p:txBody>
+          <a:bodyPr/>
+          <a:lstStyle/>
+          <a:p>
+            <a:fld id="{38EEC551-8CDA-4EB6-89BB-2A86C9F091C8}" type="datetime8">
+              <a:rPr lang="en-US" smtClean="0">
+                <a:solidFill>
+                  <a:prstClr val="black"/>
+                </a:solidFill>
+              </a:rPr>
+              <a:pPr/>
+              <a:t>4/27/2016 3:46 PM</a:t>
+            </a:fld>
+            <a:endParaRPr lang="en-US" dirty="0">
+              <a:solidFill>
+                <a:prstClr val="black"/>
+              </a:solidFill>
+            </a:endParaRPr>
+          </a:p>
+        </p:txBody>
+      </p:sp>
+      <p:sp>
+        <p:nvSpPr>
+          <p:cNvPr id="7" name="Slide Number Placeholder 6"/>
+          <p:cNvSpPr>
+            <a:spLocks noGrp="1"/>
+          </p:cNvSpPr>
+          <p:nvPr>
+            <p:ph type="sldNum" sz="quarter" idx="13"/>
+          </p:nvPr>
+        </p:nvSpPr>
+        <p:spPr/>
+        <p:txBody>
+          <a:bodyPr/>
+          <a:lstStyle/>
+          <a:p>
+            <a:fld id="{B4008EB6-D09E-4580-8CD6-DDB14511944F}" type="slidenum">
+              <a:rPr lang="en-US" smtClean="0">
+                <a:solidFill>
+                  <a:prstClr val="black"/>
+                </a:solidFill>
+              </a:rPr>
+              <a:pPr/>
               <a:t>15</a:t>
             </a:fld>
-            <a:endParaRPr lang="en-US"/>
+            <a:endParaRPr lang="en-US" dirty="0">
+              <a:solidFill>
+                <a:prstClr val="black"/>
+              </a:solidFill>
+            </a:endParaRPr>
           </a:p>
         </p:txBody>
       </p:sp>
     </p:spTree>
     <p:extLst>
       <p:ext uri="{BB962C8B-B14F-4D97-AF65-F5344CB8AC3E}">
-        <p14:creationId xmlns:p14="http://schemas.microsoft.com/office/powerpoint/2010/main" val="945086406"/>
+        <p14:creationId xmlns:p14="http://schemas.microsoft.com/office/powerpoint/2010/main" val="2452547223"/>
       </p:ext>
     </p:extLst>
   </p:cSld>
@@ -1258,6 +1255,37 @@
           <a:bodyPr/>
           <a:lstStyle/>
           <a:p>
+            <a:r>
+              <a:rPr lang="en-GB" dirty="0"/>
+              <a:t> support for deployment server like octopus - build once, deploy everywhere</a:t>
+            </a:r>
+          </a:p>
+          <a:p>
+            <a:endParaRPr lang="en-GB" dirty="0"/>
+          </a:p>
+          <a:p>
+            <a:r>
+              <a:rPr lang="en-GB" dirty="0" err="1"/>
+              <a:t>ios</a:t>
+            </a:r>
+            <a:r>
+              <a:rPr lang="en-GB" dirty="0"/>
+              <a:t> needs </a:t>
+            </a:r>
+            <a:r>
+              <a:rPr lang="en-GB" dirty="0" err="1"/>
+              <a:t>ipa</a:t>
+            </a:r>
+            <a:r>
+              <a:rPr lang="en-GB" dirty="0"/>
+              <a:t> resigning (http://www.xgiovio.com/blog-photos-videos-other/blog/resign-your-ios-ipa-frameworks-and-plugins-included/)</a:t>
+            </a:r>
+          </a:p>
+          <a:p>
+            <a:r>
+              <a:rPr lang="en-GB" dirty="0"/>
+              <a:t>	</a:t>
+            </a:r>
             <a:endParaRPr lang="en-US" dirty="0"/>
           </a:p>
         </p:txBody>
@@ -1393,7 +1421,7 @@
     </p:spTree>
     <p:extLst>
       <p:ext uri="{BB962C8B-B14F-4D97-AF65-F5344CB8AC3E}">
-        <p14:creationId xmlns:p14="http://schemas.microsoft.com/office/powerpoint/2010/main" val="1026983398"/>
+        <p14:creationId xmlns:p14="http://schemas.microsoft.com/office/powerpoint/2010/main" val="2289436491"/>
       </p:ext>
     </p:extLst>
   </p:cSld>
@@ -1582,7 +1610,7 @@
     </p:spTree>
     <p:extLst>
       <p:ext uri="{BB962C8B-B14F-4D97-AF65-F5344CB8AC3E}">
-        <p14:creationId xmlns:p14="http://schemas.microsoft.com/office/powerpoint/2010/main" val="2452547223"/>
+        <p14:creationId xmlns:p14="http://schemas.microsoft.com/office/powerpoint/2010/main" val="757036243"/>
       </p:ext>
     </p:extLst>
   </p:cSld>
@@ -1636,18 +1664,41 @@
           <a:bodyPr/>
           <a:lstStyle/>
           <a:p>
+            <a:pPr marL="0" marR="0" indent="0" algn="l" defTabSz="914400" rtl="0" eaLnBrk="1" fontAlgn="auto" latinLnBrk="0" hangingPunct="1">
+              <a:lnSpc>
+                <a:spcPct val="100000"/>
+              </a:lnSpc>
+              <a:spcBef>
+                <a:spcPts val="0"/>
+              </a:spcBef>
+              <a:spcAft>
+                <a:spcPts val="0"/>
+              </a:spcAft>
+              <a:buClrTx/>
+              <a:buSzTx/>
+              <a:buFontTx/>
+              <a:buNone/>
+              <a:tabLst/>
+              <a:defRPr/>
+            </a:pPr>
+            <a:r>
+              <a:rPr lang="en-US" dirty="0"/>
+              <a:t>Xamarin Forms is a new set of APIs allowing you to quickly and easily write shared User Interface code that is still rendered natively on each platform, while still providing direct access to the underlying SDKs if you need it.</a:t>
+            </a:r>
+          </a:p>
+          <a:p>
             <a:endParaRPr lang="en-US" dirty="0"/>
           </a:p>
         </p:txBody>
       </p:sp>
       <p:sp>
         <p:nvSpPr>
-          <p:cNvPr id="4" name="Header Placeholder 3"/>
+          <p:cNvPr id="4" name="Slide Number Placeholder 3"/>
           <p:cNvSpPr>
             <a:spLocks noGrp="1"/>
           </p:cNvSpPr>
           <p:nvPr>
-            <p:ph type="hdr" sz="quarter" idx="10"/>
+            <p:ph type="sldNum" sz="quarter" idx="10"/>
           </p:nvPr>
         </p:nvSpPr>
         <p:spPr/>
@@ -1655,123 +1706,18 @@
           <a:bodyPr/>
           <a:lstStyle/>
           <a:p>
-            <a:r>
-              <a:rPr lang="en-US" dirty="0">
-                <a:solidFill>
-                  <a:prstClr val="black"/>
-                </a:solidFill>
-              </a:rPr>
-              <a:t>Build 2015</a:t>
-            </a:r>
-          </a:p>
-        </p:txBody>
-      </p:sp>
-      <p:sp>
-        <p:nvSpPr>
-          <p:cNvPr id="5" name="Footer Placeholder 4"/>
-          <p:cNvSpPr>
-            <a:spLocks noGrp="1"/>
-          </p:cNvSpPr>
-          <p:nvPr>
-            <p:ph type="ftr" sz="quarter" idx="11"/>
-          </p:nvPr>
-        </p:nvSpPr>
-        <p:spPr/>
-        <p:txBody>
-          <a:bodyPr/>
-          <a:lstStyle/>
-          <a:p>
-            <a:pPr defTabSz="914099" eaLnBrk="0" hangingPunct="0"/>
-            <a:r>
-              <a:rPr lang="en-US" sz="400" dirty="0">
-                <a:gradFill>
-                  <a:gsLst>
-                    <a:gs pos="0">
-                      <a:prstClr val="black"/>
-                    </a:gs>
-                    <a:gs pos="100000">
-                      <a:prstClr val="black"/>
-                    </a:gs>
-                  </a:gsLst>
-                  <a:lin ang="5400000" scaled="0"/>
-                </a:gradFill>
-                <a:latin typeface="Segoe UI" pitchFamily="34" charset="0"/>
-                <a:ea typeface="Segoe UI" pitchFamily="34" charset="0"/>
-                <a:cs typeface="Segoe UI" pitchFamily="34" charset="0"/>
-              </a:rPr>
-              <a:t>© 2015 Microsoft Corporation. All rights reserved. MICROSOFT MAKES NO WARRANTIES, EXPRESS, IMPLIED OR STATUTORY, AS TO THE INFORMATION IN THIS PRESENTATION.</a:t>
-            </a:r>
-          </a:p>
-        </p:txBody>
-      </p:sp>
-      <p:sp>
-        <p:nvSpPr>
-          <p:cNvPr id="6" name="Date Placeholder 5"/>
-          <p:cNvSpPr>
-            <a:spLocks noGrp="1"/>
-          </p:cNvSpPr>
-          <p:nvPr>
-            <p:ph type="dt" idx="12"/>
-          </p:nvPr>
-        </p:nvSpPr>
-        <p:spPr/>
-        <p:txBody>
-          <a:bodyPr/>
-          <a:lstStyle/>
-          <a:p>
-            <a:fld id="{38EEC551-8CDA-4EB6-89BB-2A86C9F091C8}" type="datetime8">
-              <a:rPr lang="en-US" smtClean="0">
-                <a:solidFill>
-                  <a:prstClr val="black"/>
-                </a:solidFill>
-              </a:rPr>
-              <a:pPr/>
-              <a:t>4/27/2016 3:46 PM</a:t>
-            </a:fld>
-            <a:endParaRPr lang="en-US" dirty="0">
-              <a:solidFill>
-                <a:prstClr val="black"/>
-              </a:solidFill>
-            </a:endParaRPr>
-          </a:p>
-        </p:txBody>
-      </p:sp>
-      <p:sp>
-        <p:nvSpPr>
-          <p:cNvPr id="7" name="Slide Number Placeholder 6"/>
-          <p:cNvSpPr>
-            <a:spLocks noGrp="1"/>
-          </p:cNvSpPr>
-          <p:nvPr>
-            <p:ph type="sldNum" sz="quarter" idx="13"/>
-          </p:nvPr>
-        </p:nvSpPr>
-        <p:spPr/>
-        <p:txBody>
-          <a:bodyPr/>
-          <a:lstStyle/>
-          <a:p>
-            <a:fld id="{B4008EB6-D09E-4580-8CD6-DDB14511944F}" type="slidenum">
-              <a:rPr lang="en-US" smtClean="0">
-                <a:solidFill>
-                  <a:prstClr val="black"/>
-                </a:solidFill>
-              </a:rPr>
-              <a:pPr/>
+            <a:fld id="{65097B6B-FF96-F443-AED4-FFB28983C4F8}" type="slidenum">
+              <a:rPr lang="en-US" smtClean="0"/>
               <a:t>18</a:t>
             </a:fld>
-            <a:endParaRPr lang="en-US" dirty="0">
-              <a:solidFill>
-                <a:prstClr val="black"/>
-              </a:solidFill>
-            </a:endParaRPr>
+            <a:endParaRPr lang="en-US"/>
           </a:p>
         </p:txBody>
       </p:sp>
     </p:spTree>
     <p:extLst>
       <p:ext uri="{BB962C8B-B14F-4D97-AF65-F5344CB8AC3E}">
-        <p14:creationId xmlns:p14="http://schemas.microsoft.com/office/powerpoint/2010/main" val="740047575"/>
+        <p14:creationId xmlns:p14="http://schemas.microsoft.com/office/powerpoint/2010/main" val="356228371"/>
       </p:ext>
     </p:extLst>
   </p:cSld>
@@ -1825,49 +1771,18 @@
           <a:bodyPr/>
           <a:lstStyle/>
           <a:p>
-            <a:r>
-              <a:rPr lang="en-GB" dirty="0"/>
-              <a:t> support for deployment server like octopus - build once, deploy everywhere</a:t>
-            </a:r>
-          </a:p>
-          <a:p>
-            <a:endParaRPr lang="en-GB" dirty="0"/>
-          </a:p>
-          <a:p>
-            <a:r>
-              <a:rPr lang="en-GB" dirty="0" err="1"/>
-              <a:t>ios</a:t>
-            </a:r>
-            <a:r>
-              <a:rPr lang="en-GB" dirty="0"/>
-              <a:t> needs </a:t>
-            </a:r>
-            <a:r>
-              <a:rPr lang="en-GB" dirty="0" err="1"/>
-              <a:t>ipa</a:t>
-            </a:r>
-            <a:r>
-              <a:rPr lang="en-GB" dirty="0"/>
-              <a:t> resigning (http://www.xgiovio.com/blog-photos-videos-other/blog/resign-your-ios-ipa-frameworks-and-plugins-included/)</a:t>
-            </a:r>
-          </a:p>
-          <a:p>
-            <a:r>
-              <a:rPr lang="en-GB" dirty="0"/>
-              <a:t>	</a:t>
-            </a:r>
             <a:endParaRPr lang="en-US" dirty="0"/>
           </a:p>
         </p:txBody>
       </p:sp>
       <p:sp>
         <p:nvSpPr>
-          <p:cNvPr id="4" name="Header Placeholder 3"/>
+          <p:cNvPr id="4" name="Footer Placeholder 3"/>
           <p:cNvSpPr>
             <a:spLocks noGrp="1"/>
           </p:cNvSpPr>
           <p:nvPr>
-            <p:ph type="hdr" sz="quarter" idx="10"/>
+            <p:ph type="ftr" sz="quarter" idx="10"/>
           </p:nvPr>
         </p:nvSpPr>
         <p:spPr/>
@@ -1875,35 +1790,9 @@
           <a:bodyPr/>
           <a:lstStyle/>
           <a:p>
-            <a:r>
-              <a:rPr lang="en-US" dirty="0">
-                <a:solidFill>
-                  <a:prstClr val="black"/>
-                </a:solidFill>
-              </a:rPr>
-              <a:t>Build 2015</a:t>
-            </a:r>
-          </a:p>
-        </p:txBody>
-      </p:sp>
-      <p:sp>
-        <p:nvSpPr>
-          <p:cNvPr id="5" name="Footer Placeholder 4"/>
-          <p:cNvSpPr>
-            <a:spLocks noGrp="1"/>
-          </p:cNvSpPr>
-          <p:nvPr>
-            <p:ph type="ftr" sz="quarter" idx="11"/>
-          </p:nvPr>
-        </p:nvSpPr>
-        <p:spPr/>
-        <p:txBody>
-          <a:bodyPr/>
-          <a:lstStyle/>
-          <a:p>
             <a:pPr defTabSz="914099" eaLnBrk="0" hangingPunct="0"/>
             <a:r>
-              <a:rPr lang="en-US" sz="400" dirty="0">
+              <a:rPr lang="en-US" sz="400">
                 <a:gradFill>
                   <a:gsLst>
                     <a:gs pos="0">
@@ -1919,19 +1808,35 @@
                 <a:ea typeface="Segoe UI" pitchFamily="34" charset="0"/>
                 <a:cs typeface="Segoe UI" pitchFamily="34" charset="0"/>
               </a:rPr>
-              <a:t>© 2015 Microsoft Corporation. All rights reserved. MICROSOFT MAKES NO WARRANTIES, EXPRESS, IMPLIED OR STATUTORY, AS TO THE INFORMATION IN THIS PRESENTATION.</a:t>
-            </a:r>
+              <a:t>© 2014 Microsoft Corporation. All rights reserved. Microsoft, Windows, and other product names are or may be registered trademarks and/or trademarks in the U.S. and/or other countries. The information herein is for informational purposes only and represents the current view of Microsoft Corporation as of the date of this presentation.  Because Microsoft must respond to changing market conditions, it should not be interpreted to be a commitment on the part of Microsoft, and Microsoft cannot guarantee the accuracy of any information provided after the date of this presentation.  MICROSOFT MAKES NO WARRANTIES, EXPRESS, IMPLIED OR STATUTORY, AS TO THE INFORMATION IN THIS PRESENTATION.</a:t>
+            </a:r>
+            <a:endParaRPr lang="en-US" sz="400" dirty="0">
+              <a:gradFill>
+                <a:gsLst>
+                  <a:gs pos="0">
+                    <a:prstClr val="black"/>
+                  </a:gs>
+                  <a:gs pos="100000">
+                    <a:prstClr val="black"/>
+                  </a:gs>
+                </a:gsLst>
+                <a:lin ang="5400000" scaled="0"/>
+              </a:gradFill>
+              <a:latin typeface="Segoe UI" pitchFamily="34" charset="0"/>
+              <a:ea typeface="Segoe UI" pitchFamily="34" charset="0"/>
+              <a:cs typeface="Segoe UI" pitchFamily="34" charset="0"/>
+            </a:endParaRPr>
           </a:p>
         </p:txBody>
       </p:sp>
       <p:sp>
         <p:nvSpPr>
-          <p:cNvPr id="6" name="Date Placeholder 5"/>
+          <p:cNvPr id="5" name="Date Placeholder 4"/>
           <p:cNvSpPr>
             <a:spLocks noGrp="1"/>
           </p:cNvSpPr>
           <p:nvPr>
-            <p:ph type="dt" idx="12"/>
+            <p:ph type="dt" idx="11"/>
           </p:nvPr>
         </p:nvSpPr>
         <p:spPr/>
@@ -1939,31 +1844,22 @@
           <a:bodyPr/>
           <a:lstStyle/>
           <a:p>
-            <a:fld id="{38EEC551-8CDA-4EB6-89BB-2A86C9F091C8}" type="datetime8">
-              <a:rPr lang="en-US" smtClean="0">
-                <a:solidFill>
-                  <a:prstClr val="black"/>
-                </a:solidFill>
-              </a:rPr>
-              <a:pPr/>
-              <a:t>4/27/2016 3:46 PM</a:t>
+            <a:fld id="{E74353ED-ACB2-44BF-A903-985B0AF962B7}" type="datetime1">
+              <a:rPr lang="en-US" smtClean="0"/>
+              <a:t>4/27/2016</a:t>
             </a:fld>
-            <a:endParaRPr lang="en-US" dirty="0">
-              <a:solidFill>
-                <a:prstClr val="black"/>
-              </a:solidFill>
-            </a:endParaRPr>
+            <a:endParaRPr lang="en-US" dirty="0"/>
           </a:p>
         </p:txBody>
       </p:sp>
       <p:sp>
         <p:nvSpPr>
-          <p:cNvPr id="7" name="Slide Number Placeholder 6"/>
+          <p:cNvPr id="6" name="Slide Number Placeholder 5"/>
           <p:cNvSpPr>
             <a:spLocks noGrp="1"/>
           </p:cNvSpPr>
           <p:nvPr>
-            <p:ph type="sldNum" sz="quarter" idx="13"/>
+            <p:ph type="sldNum" sz="quarter" idx="12"/>
           </p:nvPr>
         </p:nvSpPr>
         <p:spPr/>
@@ -1972,215 +1868,18 @@
           <a:lstStyle/>
           <a:p>
             <a:fld id="{B4008EB6-D09E-4580-8CD6-DDB14511944F}" type="slidenum">
-              <a:rPr lang="en-US" smtClean="0">
-                <a:solidFill>
-                  <a:prstClr val="black"/>
-                </a:solidFill>
-              </a:rPr>
+              <a:rPr lang="en-US" smtClean="0"/>
               <a:pPr/>
               <a:t>19</a:t>
             </a:fld>
-            <a:endParaRPr lang="en-US" dirty="0">
-              <a:solidFill>
-                <a:prstClr val="black"/>
-              </a:solidFill>
-            </a:endParaRPr>
+            <a:endParaRPr lang="en-US" dirty="0"/>
           </a:p>
         </p:txBody>
       </p:sp>
     </p:spTree>
     <p:extLst>
       <p:ext uri="{BB962C8B-B14F-4D97-AF65-F5344CB8AC3E}">
-        <p14:creationId xmlns:p14="http://schemas.microsoft.com/office/powerpoint/2010/main" val="2289436491"/>
-      </p:ext>
-    </p:extLst>
-  </p:cSld>
-  <p:clrMapOvr>
-    <a:masterClrMapping/>
-  </p:clrMapOvr>
-</p:notes>
-</file>
-
-<file path=ppt/notesSlides/notesSlide19.xml><?xml version="1.0" encoding="utf-8"?>
-<p:notes xmlns:a="http://schemas.openxmlformats.org/drawingml/2006/main" xmlns:r="http://schemas.openxmlformats.org/officeDocument/2006/relationships" xmlns:p="http://schemas.openxmlformats.org/presentationml/2006/main">
-  <p:cSld>
-    <p:spTree>
-      <p:nvGrpSpPr>
-        <p:cNvPr id="1" name=""/>
-        <p:cNvGrpSpPr/>
-        <p:nvPr/>
-      </p:nvGrpSpPr>
-      <p:grpSpPr>
-        <a:xfrm>
-          <a:off x="0" y="0"/>
-          <a:ext cx="0" cy="0"/>
-          <a:chOff x="0" y="0"/>
-          <a:chExt cx="0" cy="0"/>
-        </a:xfrm>
-      </p:grpSpPr>
-      <p:sp>
-        <p:nvSpPr>
-          <p:cNvPr id="2" name="Slide Image Placeholder 1"/>
-          <p:cNvSpPr>
-            <a:spLocks noGrp="1" noRot="1" noChangeAspect="1"/>
-          </p:cNvSpPr>
-          <p:nvPr>
-            <p:ph type="sldImg"/>
-          </p:nvPr>
-        </p:nvSpPr>
-        <p:spPr/>
-      </p:sp>
-      <p:sp>
-        <p:nvSpPr>
-          <p:cNvPr id="3" name="Notes Placeholder 2"/>
-          <p:cNvSpPr>
-            <a:spLocks noGrp="1"/>
-          </p:cNvSpPr>
-          <p:nvPr>
-            <p:ph type="body" idx="1"/>
-          </p:nvPr>
-        </p:nvSpPr>
-        <p:spPr/>
-        <p:txBody>
-          <a:bodyPr/>
-          <a:lstStyle/>
-          <a:p>
-            <a:endParaRPr lang="en-US" dirty="0"/>
-          </a:p>
-        </p:txBody>
-      </p:sp>
-      <p:sp>
-        <p:nvSpPr>
-          <p:cNvPr id="4" name="Header Placeholder 3"/>
-          <p:cNvSpPr>
-            <a:spLocks noGrp="1"/>
-          </p:cNvSpPr>
-          <p:nvPr>
-            <p:ph type="hdr" sz="quarter" idx="10"/>
-          </p:nvPr>
-        </p:nvSpPr>
-        <p:spPr/>
-        <p:txBody>
-          <a:bodyPr/>
-          <a:lstStyle/>
-          <a:p>
-            <a:r>
-              <a:rPr lang="en-US" dirty="0">
-                <a:solidFill>
-                  <a:prstClr val="black"/>
-                </a:solidFill>
-              </a:rPr>
-              <a:t>Build 2015</a:t>
-            </a:r>
-          </a:p>
-        </p:txBody>
-      </p:sp>
-      <p:sp>
-        <p:nvSpPr>
-          <p:cNvPr id="5" name="Footer Placeholder 4"/>
-          <p:cNvSpPr>
-            <a:spLocks noGrp="1"/>
-          </p:cNvSpPr>
-          <p:nvPr>
-            <p:ph type="ftr" sz="quarter" idx="11"/>
-          </p:nvPr>
-        </p:nvSpPr>
-        <p:spPr/>
-        <p:txBody>
-          <a:bodyPr/>
-          <a:lstStyle/>
-          <a:p>
-            <a:pPr defTabSz="914099" eaLnBrk="0" hangingPunct="0"/>
-            <a:r>
-              <a:rPr lang="en-US" sz="400" dirty="0">
-                <a:gradFill>
-                  <a:gsLst>
-                    <a:gs pos="0">
-                      <a:prstClr val="black"/>
-                    </a:gs>
-                    <a:gs pos="100000">
-                      <a:prstClr val="black"/>
-                    </a:gs>
-                  </a:gsLst>
-                  <a:lin ang="5400000" scaled="0"/>
-                </a:gradFill>
-                <a:latin typeface="Segoe UI" pitchFamily="34" charset="0"/>
-                <a:ea typeface="Segoe UI" pitchFamily="34" charset="0"/>
-                <a:cs typeface="Segoe UI" pitchFamily="34" charset="0"/>
-              </a:rPr>
-              <a:t>© 2015 Microsoft Corporation. All rights reserved. MICROSOFT MAKES NO WARRANTIES, EXPRESS, IMPLIED OR STATUTORY, AS TO THE INFORMATION IN THIS PRESENTATION.</a:t>
-            </a:r>
-          </a:p>
-        </p:txBody>
-      </p:sp>
-      <p:sp>
-        <p:nvSpPr>
-          <p:cNvPr id="6" name="Date Placeholder 5"/>
-          <p:cNvSpPr>
-            <a:spLocks noGrp="1"/>
-          </p:cNvSpPr>
-          <p:nvPr>
-            <p:ph type="dt" idx="12"/>
-          </p:nvPr>
-        </p:nvSpPr>
-        <p:spPr/>
-        <p:txBody>
-          <a:bodyPr/>
-          <a:lstStyle/>
-          <a:p>
-            <a:fld id="{38EEC551-8CDA-4EB6-89BB-2A86C9F091C8}" type="datetime8">
-              <a:rPr lang="en-US" smtClean="0">
-                <a:solidFill>
-                  <a:prstClr val="black"/>
-                </a:solidFill>
-              </a:rPr>
-              <a:pPr/>
-              <a:t>4/27/2016 3:46 PM</a:t>
-            </a:fld>
-            <a:endParaRPr lang="en-US" dirty="0">
-              <a:solidFill>
-                <a:prstClr val="black"/>
-              </a:solidFill>
-            </a:endParaRPr>
-          </a:p>
-        </p:txBody>
-      </p:sp>
-      <p:sp>
-        <p:nvSpPr>
-          <p:cNvPr id="7" name="Slide Number Placeholder 6"/>
-          <p:cNvSpPr>
-            <a:spLocks noGrp="1"/>
-          </p:cNvSpPr>
-          <p:nvPr>
-            <p:ph type="sldNum" sz="quarter" idx="13"/>
-          </p:nvPr>
-        </p:nvSpPr>
-        <p:spPr/>
-        <p:txBody>
-          <a:bodyPr/>
-          <a:lstStyle/>
-          <a:p>
-            <a:fld id="{B4008EB6-D09E-4580-8CD6-DDB14511944F}" type="slidenum">
-              <a:rPr lang="en-US" smtClean="0">
-                <a:solidFill>
-                  <a:prstClr val="black"/>
-                </a:solidFill>
-              </a:rPr>
-              <a:pPr/>
-              <a:t>20</a:t>
-            </a:fld>
-            <a:endParaRPr lang="en-US" dirty="0">
-              <a:solidFill>
-                <a:prstClr val="black"/>
-              </a:solidFill>
-            </a:endParaRPr>
-          </a:p>
-        </p:txBody>
-      </p:sp>
-    </p:spTree>
-    <p:extLst>
-      <p:ext uri="{BB962C8B-B14F-4D97-AF65-F5344CB8AC3E}">
-        <p14:creationId xmlns:p14="http://schemas.microsoft.com/office/powerpoint/2010/main" val="757036243"/>
+        <p14:creationId xmlns:p14="http://schemas.microsoft.com/office/powerpoint/2010/main" val="1735079296"/>
       </p:ext>
     </p:extLst>
   </p:cSld>
@@ -2265,275 +1964,6 @@
     <p:extLst>
       <p:ext uri="{BB962C8B-B14F-4D97-AF65-F5344CB8AC3E}">
         <p14:creationId xmlns:p14="http://schemas.microsoft.com/office/powerpoint/2010/main" val="1728671166"/>
-      </p:ext>
-    </p:extLst>
-  </p:cSld>
-  <p:clrMapOvr>
-    <a:masterClrMapping/>
-  </p:clrMapOvr>
-</p:notes>
-</file>
-
-<file path=ppt/notesSlides/notesSlide20.xml><?xml version="1.0" encoding="utf-8"?>
-<p:notes xmlns:a="http://schemas.openxmlformats.org/drawingml/2006/main" xmlns:r="http://schemas.openxmlformats.org/officeDocument/2006/relationships" xmlns:p="http://schemas.openxmlformats.org/presentationml/2006/main">
-  <p:cSld>
-    <p:spTree>
-      <p:nvGrpSpPr>
-        <p:cNvPr id="1" name=""/>
-        <p:cNvGrpSpPr/>
-        <p:nvPr/>
-      </p:nvGrpSpPr>
-      <p:grpSpPr>
-        <a:xfrm>
-          <a:off x="0" y="0"/>
-          <a:ext cx="0" cy="0"/>
-          <a:chOff x="0" y="0"/>
-          <a:chExt cx="0" cy="0"/>
-        </a:xfrm>
-      </p:grpSpPr>
-      <p:sp>
-        <p:nvSpPr>
-          <p:cNvPr id="2" name="Slide Image Placeholder 1"/>
-          <p:cNvSpPr>
-            <a:spLocks noGrp="1" noRot="1" noChangeAspect="1"/>
-          </p:cNvSpPr>
-          <p:nvPr>
-            <p:ph type="sldImg"/>
-          </p:nvPr>
-        </p:nvSpPr>
-        <p:spPr/>
-      </p:sp>
-      <p:sp>
-        <p:nvSpPr>
-          <p:cNvPr id="3" name="Notes Placeholder 2"/>
-          <p:cNvSpPr>
-            <a:spLocks noGrp="1"/>
-          </p:cNvSpPr>
-          <p:nvPr>
-            <p:ph type="body" idx="1"/>
-          </p:nvPr>
-        </p:nvSpPr>
-        <p:spPr/>
-        <p:txBody>
-          <a:bodyPr/>
-          <a:lstStyle/>
-          <a:p>
-            <a:pPr marL="0" marR="0" indent="0" algn="l" defTabSz="914400" rtl="0" eaLnBrk="1" fontAlgn="auto" latinLnBrk="0" hangingPunct="1">
-              <a:lnSpc>
-                <a:spcPct val="100000"/>
-              </a:lnSpc>
-              <a:spcBef>
-                <a:spcPts val="0"/>
-              </a:spcBef>
-              <a:spcAft>
-                <a:spcPts val="0"/>
-              </a:spcAft>
-              <a:buClrTx/>
-              <a:buSzTx/>
-              <a:buFontTx/>
-              <a:buNone/>
-              <a:tabLst/>
-              <a:defRPr/>
-            </a:pPr>
-            <a:r>
-              <a:rPr lang="en-US" dirty="0"/>
-              <a:t>Xamarin Forms is a new set of APIs allowing you to quickly and easily write shared User Interface code that is still rendered natively on each platform, while still providing direct access to the underlying SDKs if you need it.</a:t>
-            </a:r>
-          </a:p>
-          <a:p>
-            <a:endParaRPr lang="en-US" dirty="0"/>
-          </a:p>
-        </p:txBody>
-      </p:sp>
-      <p:sp>
-        <p:nvSpPr>
-          <p:cNvPr id="4" name="Slide Number Placeholder 3"/>
-          <p:cNvSpPr>
-            <a:spLocks noGrp="1"/>
-          </p:cNvSpPr>
-          <p:nvPr>
-            <p:ph type="sldNum" sz="quarter" idx="10"/>
-          </p:nvPr>
-        </p:nvSpPr>
-        <p:spPr/>
-        <p:txBody>
-          <a:bodyPr/>
-          <a:lstStyle/>
-          <a:p>
-            <a:fld id="{65097B6B-FF96-F443-AED4-FFB28983C4F8}" type="slidenum">
-              <a:rPr lang="en-US" smtClean="0"/>
-              <a:t>21</a:t>
-            </a:fld>
-            <a:endParaRPr lang="en-US"/>
-          </a:p>
-        </p:txBody>
-      </p:sp>
-    </p:spTree>
-    <p:extLst>
-      <p:ext uri="{BB962C8B-B14F-4D97-AF65-F5344CB8AC3E}">
-        <p14:creationId xmlns:p14="http://schemas.microsoft.com/office/powerpoint/2010/main" val="356228371"/>
-      </p:ext>
-    </p:extLst>
-  </p:cSld>
-  <p:clrMapOvr>
-    <a:masterClrMapping/>
-  </p:clrMapOvr>
-</p:notes>
-</file>
-
-<file path=ppt/notesSlides/notesSlide21.xml><?xml version="1.0" encoding="utf-8"?>
-<p:notes xmlns:a="http://schemas.openxmlformats.org/drawingml/2006/main" xmlns:r="http://schemas.openxmlformats.org/officeDocument/2006/relationships" xmlns:p="http://schemas.openxmlformats.org/presentationml/2006/main">
-  <p:cSld>
-    <p:spTree>
-      <p:nvGrpSpPr>
-        <p:cNvPr id="1" name=""/>
-        <p:cNvGrpSpPr/>
-        <p:nvPr/>
-      </p:nvGrpSpPr>
-      <p:grpSpPr>
-        <a:xfrm>
-          <a:off x="0" y="0"/>
-          <a:ext cx="0" cy="0"/>
-          <a:chOff x="0" y="0"/>
-          <a:chExt cx="0" cy="0"/>
-        </a:xfrm>
-      </p:grpSpPr>
-      <p:sp>
-        <p:nvSpPr>
-          <p:cNvPr id="2" name="Slide Image Placeholder 1"/>
-          <p:cNvSpPr>
-            <a:spLocks noGrp="1" noRot="1" noChangeAspect="1"/>
-          </p:cNvSpPr>
-          <p:nvPr>
-            <p:ph type="sldImg"/>
-          </p:nvPr>
-        </p:nvSpPr>
-        <p:spPr/>
-      </p:sp>
-      <p:sp>
-        <p:nvSpPr>
-          <p:cNvPr id="3" name="Notes Placeholder 2"/>
-          <p:cNvSpPr>
-            <a:spLocks noGrp="1"/>
-          </p:cNvSpPr>
-          <p:nvPr>
-            <p:ph type="body" idx="1"/>
-          </p:nvPr>
-        </p:nvSpPr>
-        <p:spPr/>
-        <p:txBody>
-          <a:bodyPr/>
-          <a:lstStyle/>
-          <a:p>
-            <a:endParaRPr lang="en-US" dirty="0"/>
-          </a:p>
-        </p:txBody>
-      </p:sp>
-      <p:sp>
-        <p:nvSpPr>
-          <p:cNvPr id="4" name="Footer Placeholder 3"/>
-          <p:cNvSpPr>
-            <a:spLocks noGrp="1"/>
-          </p:cNvSpPr>
-          <p:nvPr>
-            <p:ph type="ftr" sz="quarter" idx="10"/>
-          </p:nvPr>
-        </p:nvSpPr>
-        <p:spPr/>
-        <p:txBody>
-          <a:bodyPr/>
-          <a:lstStyle/>
-          <a:p>
-            <a:pPr defTabSz="914099" eaLnBrk="0" hangingPunct="0"/>
-            <a:r>
-              <a:rPr lang="en-US" sz="400">
-                <a:gradFill>
-                  <a:gsLst>
-                    <a:gs pos="0">
-                      <a:prstClr val="black"/>
-                    </a:gs>
-                    <a:gs pos="100000">
-                      <a:prstClr val="black"/>
-                    </a:gs>
-                  </a:gsLst>
-                  <a:lin ang="5400000" scaled="0"/>
-                </a:gradFill>
-                <a:latin typeface="Segoe UI" pitchFamily="34" charset="0"/>
-                <a:ea typeface="Segoe UI" pitchFamily="34" charset="0"/>
-                <a:cs typeface="Segoe UI" pitchFamily="34" charset="0"/>
-              </a:rPr>
-              <a:t>© 2014 Microsoft Corporation. All rights reserved. Microsoft, Windows, and other product names are or may be registered trademarks and/or trademarks in the U.S. and/or other countries. The information herein is for informational purposes only and represents the current view of Microsoft Corporation as of the date of this presentation.  Because Microsoft must respond to changing market conditions, it should not be interpreted to be a commitment on the part of Microsoft, and Microsoft cannot guarantee the accuracy of any information provided after the date of this presentation.  MICROSOFT MAKES NO WARRANTIES, EXPRESS, IMPLIED OR STATUTORY, AS TO THE INFORMATION IN THIS PRESENTATION.</a:t>
-            </a:r>
-            <a:endParaRPr lang="en-US" sz="400" dirty="0">
-              <a:gradFill>
-                <a:gsLst>
-                  <a:gs pos="0">
-                    <a:prstClr val="black"/>
-                  </a:gs>
-                  <a:gs pos="100000">
-                    <a:prstClr val="black"/>
-                  </a:gs>
-                </a:gsLst>
-                <a:lin ang="5400000" scaled="0"/>
-              </a:gradFill>
-              <a:latin typeface="Segoe UI" pitchFamily="34" charset="0"/>
-              <a:ea typeface="Segoe UI" pitchFamily="34" charset="0"/>
-              <a:cs typeface="Segoe UI" pitchFamily="34" charset="0"/>
-            </a:endParaRPr>
-          </a:p>
-        </p:txBody>
-      </p:sp>
-      <p:sp>
-        <p:nvSpPr>
-          <p:cNvPr id="5" name="Date Placeholder 4"/>
-          <p:cNvSpPr>
-            <a:spLocks noGrp="1"/>
-          </p:cNvSpPr>
-          <p:nvPr>
-            <p:ph type="dt" idx="11"/>
-          </p:nvPr>
-        </p:nvSpPr>
-        <p:spPr/>
-        <p:txBody>
-          <a:bodyPr/>
-          <a:lstStyle/>
-          <a:p>
-            <a:fld id="{E74353ED-ACB2-44BF-A903-985B0AF962B7}" type="datetime1">
-              <a:rPr lang="en-US" smtClean="0"/>
-              <a:t>4/27/2016</a:t>
-            </a:fld>
-            <a:endParaRPr lang="en-US" dirty="0"/>
-          </a:p>
-        </p:txBody>
-      </p:sp>
-      <p:sp>
-        <p:nvSpPr>
-          <p:cNvPr id="6" name="Slide Number Placeholder 5"/>
-          <p:cNvSpPr>
-            <a:spLocks noGrp="1"/>
-          </p:cNvSpPr>
-          <p:nvPr>
-            <p:ph type="sldNum" sz="quarter" idx="12"/>
-          </p:nvPr>
-        </p:nvSpPr>
-        <p:spPr/>
-        <p:txBody>
-          <a:bodyPr/>
-          <a:lstStyle/>
-          <a:p>
-            <a:fld id="{B4008EB6-D09E-4580-8CD6-DDB14511944F}" type="slidenum">
-              <a:rPr lang="en-US" smtClean="0"/>
-              <a:pPr/>
-              <a:t>22</a:t>
-            </a:fld>
-            <a:endParaRPr lang="en-US" dirty="0"/>
-          </a:p>
-        </p:txBody>
-      </p:sp>
-    </p:spTree>
-    <p:extLst>
-      <p:ext uri="{BB962C8B-B14F-4D97-AF65-F5344CB8AC3E}">
-        <p14:creationId xmlns:p14="http://schemas.microsoft.com/office/powerpoint/2010/main" val="1735079296"/>
       </p:ext>
     </p:extLst>
   </p:cSld>
@@ -3616,7 +3046,7 @@
                 </a:solidFill>
               </a:rPr>
               <a:pPr/>
-              <a:t>4/27/2016 5:10 PM</a:t>
+              <a:t>4/27/2016 5:51 PM</a:t>
             </a:fld>
             <a:endParaRPr lang="en-US" dirty="0">
               <a:solidFill>
@@ -3661,7 +3091,7 @@
     </p:spTree>
     <p:extLst>
       <p:ext uri="{BB962C8B-B14F-4D97-AF65-F5344CB8AC3E}">
-        <p14:creationId xmlns:p14="http://schemas.microsoft.com/office/powerpoint/2010/main" val="2513588197"/>
+        <p14:creationId xmlns:p14="http://schemas.microsoft.com/office/powerpoint/2010/main" val="1512084376"/>
       </p:ext>
     </p:extLst>
   </p:cSld>
@@ -7809,434 +7239,6 @@
             </a:r>
             <a:r>
               <a:rPr lang="en-US" dirty="0" smtClean="0"/>
-              <a:t>Android </a:t>
-            </a:r>
-            <a:r>
-              <a:rPr lang="en-US" dirty="0" err="1" smtClean="0"/>
-              <a:t>Config</a:t>
-            </a:r>
-            <a:endParaRPr lang="en-US" b="1" dirty="0"/>
-          </a:p>
-        </p:txBody>
-      </p:sp>
-      <p:sp>
-        <p:nvSpPr>
-          <p:cNvPr id="24" name="Rectangle 23"/>
-          <p:cNvSpPr/>
-          <p:nvPr/>
-        </p:nvSpPr>
-        <p:spPr bwMode="auto">
-          <a:xfrm>
-            <a:off x="555812" y="2960240"/>
-            <a:ext cx="11368108" cy="3763289"/>
-          </a:xfrm>
-          <a:prstGeom prst="rect">
-            <a:avLst/>
-          </a:prstGeom>
-          <a:solidFill>
-            <a:schemeClr val="tx1">
-              <a:lumMod val="50000"/>
-              <a:alpha val="49000"/>
-            </a:schemeClr>
-          </a:solidFill>
-          <a:ln>
-            <a:noFill/>
-            <a:headEnd type="none" w="med" len="med"/>
-            <a:tailEnd type="none" w="med" len="med"/>
-          </a:ln>
-          <a:effectLst/>
-        </p:spPr>
-        <p:style>
-          <a:lnRef idx="1">
-            <a:schemeClr val="accent2"/>
-          </a:lnRef>
-          <a:fillRef idx="3">
-            <a:schemeClr val="accent2"/>
-          </a:fillRef>
-          <a:effectRef idx="2">
-            <a:schemeClr val="accent2"/>
-          </a:effectRef>
-          <a:fontRef idx="minor">
-            <a:schemeClr val="lt1"/>
-          </a:fontRef>
-        </p:style>
-        <p:txBody>
-          <a:bodyPr lIns="89642" tIns="89642" rIns="33620" bIns="33620" rtlCol="0" anchor="b" anchorCtr="0"/>
-          <a:lstStyle/>
-          <a:p>
-            <a:pPr algn="ctr" defTabSz="914038"/>
-            <a:r>
-              <a:rPr lang="en-US" sz="784" dirty="0">
-                <a:gradFill>
-                  <a:gsLst>
-                    <a:gs pos="0">
-                      <a:srgbClr val="FFFFFF"/>
-                    </a:gs>
-                    <a:gs pos="100000">
-                      <a:srgbClr val="FFFFFF"/>
-                    </a:gs>
-                  </a:gsLst>
-                  <a:lin ang="5400000" scaled="0"/>
-                </a:gradFill>
-                <a:ea typeface="Segoe UI" pitchFamily="34" charset="0"/>
-                <a:cs typeface="Segoe UI" pitchFamily="34" charset="0"/>
-              </a:rPr>
-              <a:t> </a:t>
-            </a:r>
-          </a:p>
-        </p:txBody>
-      </p:sp>
-      <p:sp>
-        <p:nvSpPr>
-          <p:cNvPr id="37" name="Rectangle 36"/>
-          <p:cNvSpPr/>
-          <p:nvPr/>
-        </p:nvSpPr>
-        <p:spPr bwMode="auto">
-          <a:xfrm>
-            <a:off x="555812" y="2198611"/>
-            <a:ext cx="3757255" cy="750418"/>
-          </a:xfrm>
-          <a:prstGeom prst="rect">
-            <a:avLst/>
-          </a:prstGeom>
-          <a:solidFill>
-            <a:srgbClr val="66B11F"/>
-          </a:solidFill>
-          <a:ln>
-            <a:noFill/>
-            <a:headEnd type="none" w="med" len="med"/>
-            <a:tailEnd type="none" w="med" len="med"/>
-          </a:ln>
-          <a:effectLst/>
-        </p:spPr>
-        <p:style>
-          <a:lnRef idx="1">
-            <a:schemeClr val="accent2"/>
-          </a:lnRef>
-          <a:fillRef idx="3">
-            <a:schemeClr val="accent2"/>
-          </a:fillRef>
-          <a:effectRef idx="2">
-            <a:schemeClr val="accent2"/>
-          </a:effectRef>
-          <a:fontRef idx="minor">
-            <a:schemeClr val="lt1"/>
-          </a:fontRef>
-        </p:style>
-        <p:txBody>
-          <a:bodyPr lIns="89642" tIns="89642" rIns="33620" bIns="33620" rtlCol="0" anchor="b" anchorCtr="0"/>
-          <a:lstStyle/>
-          <a:p>
-            <a:pPr algn="ctr" defTabSz="914038"/>
-            <a:r>
-              <a:rPr lang="en-US" sz="784" dirty="0">
-                <a:gradFill>
-                  <a:gsLst>
-                    <a:gs pos="0">
-                      <a:srgbClr val="FFFFFF"/>
-                    </a:gs>
-                    <a:gs pos="100000">
-                      <a:srgbClr val="FFFFFF"/>
-                    </a:gs>
-                  </a:gsLst>
-                  <a:lin ang="5400000" scaled="0"/>
-                </a:gradFill>
-                <a:ea typeface="Segoe UI" pitchFamily="34" charset="0"/>
-                <a:cs typeface="Segoe UI" pitchFamily="34" charset="0"/>
-              </a:rPr>
-              <a:t> </a:t>
-            </a:r>
-          </a:p>
-        </p:txBody>
-      </p:sp>
-      <p:sp>
-        <p:nvSpPr>
-          <p:cNvPr id="43" name="TextBox 42"/>
-          <p:cNvSpPr txBox="1"/>
-          <p:nvPr/>
-        </p:nvSpPr>
-        <p:spPr>
-          <a:xfrm>
-            <a:off x="579898" y="2156161"/>
-            <a:ext cx="3733168" cy="720545"/>
-          </a:xfrm>
-          <a:prstGeom prst="rect">
-            <a:avLst/>
-          </a:prstGeom>
-          <a:noFill/>
-        </p:spPr>
-        <p:txBody>
-          <a:bodyPr wrap="square" lIns="179285" tIns="143428" rIns="179285" bIns="143428" rtlCol="0">
-            <a:spAutoFit/>
-          </a:bodyPr>
-          <a:lstStyle/>
-          <a:p>
-            <a:pPr algn="ctr" defTabSz="914102" fontAlgn="base">
-              <a:spcBef>
-                <a:spcPct val="0"/>
-              </a:spcBef>
-              <a:spcAft>
-                <a:spcPct val="0"/>
-              </a:spcAft>
-            </a:pPr>
-            <a:r>
-              <a:rPr lang="en-US" sz="2800" dirty="0">
-                <a:solidFill>
-                  <a:srgbClr val="FFFFFF"/>
-                </a:solidFill>
-              </a:rPr>
-              <a:t>SharedPreferences</a:t>
-            </a:r>
-            <a:r>
-              <a:rPr lang="en-US" sz="1568" dirty="0">
-                <a:solidFill>
-                  <a:srgbClr val="FFFFFF"/>
-                </a:solidFill>
-              </a:rPr>
-              <a:t> </a:t>
-            </a:r>
-          </a:p>
-        </p:txBody>
-      </p:sp>
-      <p:sp>
-        <p:nvSpPr>
-          <p:cNvPr id="19" name="TextBox 18"/>
-          <p:cNvSpPr txBox="1"/>
-          <p:nvPr/>
-        </p:nvSpPr>
-        <p:spPr>
-          <a:xfrm>
-            <a:off x="708668" y="2924695"/>
-            <a:ext cx="10774664" cy="1274542"/>
-          </a:xfrm>
-          <a:prstGeom prst="rect">
-            <a:avLst/>
-          </a:prstGeom>
-          <a:noFill/>
-        </p:spPr>
-        <p:txBody>
-          <a:bodyPr wrap="square" lIns="179285" tIns="143428" rIns="179285" bIns="143428" rtlCol="0">
-            <a:spAutoFit/>
-          </a:bodyPr>
-          <a:lstStyle/>
-          <a:p>
-            <a:pPr marL="571500" indent="-571500" defTabSz="914102" fontAlgn="base">
-              <a:spcBef>
-                <a:spcPct val="0"/>
-              </a:spcBef>
-              <a:spcAft>
-                <a:spcPct val="0"/>
-              </a:spcAft>
-              <a:buFont typeface="Arial" panose="020B0604020202020204" pitchFamily="34" charset="0"/>
-              <a:buChar char="•"/>
-            </a:pPr>
-            <a:r>
-              <a:rPr lang="en-US" sz="3600" dirty="0" smtClean="0">
-                <a:solidFill>
-                  <a:srgbClr val="FFFFFF"/>
-                </a:solidFill>
-              </a:rPr>
-              <a:t>…</a:t>
-            </a:r>
-            <a:endParaRPr lang="en-US" sz="3600" b="1" dirty="0">
-              <a:solidFill>
-                <a:srgbClr val="FFFFFF"/>
-              </a:solidFill>
-            </a:endParaRPr>
-          </a:p>
-          <a:p>
-            <a:pPr marL="571500" indent="-571500" defTabSz="914102" fontAlgn="base">
-              <a:spcBef>
-                <a:spcPct val="0"/>
-              </a:spcBef>
-              <a:spcAft>
-                <a:spcPct val="0"/>
-              </a:spcAft>
-              <a:buFont typeface="Arial" panose="020B0604020202020204" pitchFamily="34" charset="0"/>
-              <a:buChar char="•"/>
-            </a:pPr>
-            <a:endParaRPr lang="en-US" sz="2800" dirty="0">
-              <a:solidFill>
-                <a:srgbClr val="FFFFFF"/>
-              </a:solidFill>
-            </a:endParaRPr>
-          </a:p>
-        </p:txBody>
-      </p:sp>
-      <p:grpSp>
-        <p:nvGrpSpPr>
-          <p:cNvPr id="32" name="Group 31"/>
-          <p:cNvGrpSpPr/>
-          <p:nvPr/>
-        </p:nvGrpSpPr>
-        <p:grpSpPr>
-          <a:xfrm>
-            <a:off x="1901989" y="1052457"/>
-            <a:ext cx="1088487" cy="960142"/>
-            <a:chOff x="3810000" y="3144890"/>
-            <a:chExt cx="1028699" cy="1028700"/>
-          </a:xfrm>
-        </p:grpSpPr>
-        <p:sp>
-          <p:nvSpPr>
-            <p:cNvPr id="41" name="Oval 40"/>
-            <p:cNvSpPr/>
-            <p:nvPr/>
-          </p:nvSpPr>
-          <p:spPr bwMode="auto">
-            <a:xfrm>
-              <a:off x="3810000" y="3144890"/>
-              <a:ext cx="1028699" cy="1028700"/>
-            </a:xfrm>
-            <a:prstGeom prst="ellipse">
-              <a:avLst/>
-            </a:prstGeom>
-            <a:solidFill>
-              <a:srgbClr val="66B11F"/>
-            </a:solidFill>
-            <a:ln>
-              <a:noFill/>
-              <a:headEnd type="none" w="med" len="med"/>
-              <a:tailEnd type="none" w="med" len="med"/>
-            </a:ln>
-            <a:effectLst/>
-          </p:spPr>
-          <p:style>
-            <a:lnRef idx="1">
-              <a:schemeClr val="accent2"/>
-            </a:lnRef>
-            <a:fillRef idx="3">
-              <a:schemeClr val="accent2"/>
-            </a:fillRef>
-            <a:effectRef idx="2">
-              <a:schemeClr val="accent2"/>
-            </a:effectRef>
-            <a:fontRef idx="minor">
-              <a:schemeClr val="lt1"/>
-            </a:fontRef>
-          </p:style>
-          <p:txBody>
-            <a:bodyPr lIns="89642" tIns="89642" rIns="33620" bIns="33620" rtlCol="0" anchor="b" anchorCtr="0"/>
-            <a:lstStyle/>
-            <a:p>
-              <a:pPr algn="ctr" defTabSz="914038"/>
-              <a:endParaRPr lang="en-US" sz="784" dirty="0">
-                <a:gradFill>
-                  <a:gsLst>
-                    <a:gs pos="0">
-                      <a:srgbClr val="FFFFFF"/>
-                    </a:gs>
-                    <a:gs pos="100000">
-                      <a:srgbClr val="FFFFFF"/>
-                    </a:gs>
-                  </a:gsLst>
-                  <a:lin ang="5400000" scaled="0"/>
-                </a:gradFill>
-                <a:ea typeface="Segoe UI" pitchFamily="34" charset="0"/>
-                <a:cs typeface="Segoe UI" pitchFamily="34" charset="0"/>
-              </a:endParaRPr>
-            </a:p>
-          </p:txBody>
-        </p:sp>
-        <p:pic>
-          <p:nvPicPr>
-            <p:cNvPr id="44" name="Picture 43" descr="Android_logo.pdf"/>
-            <p:cNvPicPr>
-              <a:picLocks noChangeAspect="1"/>
-            </p:cNvPicPr>
-            <p:nvPr/>
-          </p:nvPicPr>
-          <p:blipFill>
-            <a:blip r:embed="rId3">
-              <a:extLst>
-                <a:ext uri="{28A0092B-C50C-407E-A947-70E740481C1C}">
-                  <a14:useLocalDpi xmlns:a14="http://schemas.microsoft.com/office/drawing/2010/main"/>
-                </a:ext>
-              </a:extLst>
-            </a:blip>
-            <a:stretch>
-              <a:fillRect/>
-            </a:stretch>
-          </p:blipFill>
-          <p:spPr>
-            <a:xfrm>
-              <a:off x="4097337" y="3402859"/>
-              <a:ext cx="434973" cy="500220"/>
-            </a:xfrm>
-            <a:prstGeom prst="rect">
-              <a:avLst/>
-            </a:prstGeom>
-          </p:spPr>
-        </p:pic>
-      </p:grpSp>
-    </p:spTree>
-    <p:extLst>
-      <p:ext uri="{BB962C8B-B14F-4D97-AF65-F5344CB8AC3E}">
-        <p14:creationId xmlns:p14="http://schemas.microsoft.com/office/powerpoint/2010/main" val="1741444847"/>
-      </p:ext>
-    </p:extLst>
-  </p:cSld>
-  <p:clrMapOvr>
-    <a:masterClrMapping/>
-  </p:clrMapOvr>
-  <p:transition>
-    <p:fade/>
-  </p:transition>
-  <p:timing>
-    <p:tnLst>
-      <p:par>
-        <p:cTn id="1" dur="indefinite" restart="never" nodeType="tmRoot"/>
-      </p:par>
-    </p:tnLst>
-  </p:timing>
-</p:sld>
-</file>
-
-<file path=ppt/slides/slide11.xml><?xml version="1.0" encoding="utf-8"?>
-<p:sld xmlns:a="http://schemas.openxmlformats.org/drawingml/2006/main" xmlns:r="http://schemas.openxmlformats.org/officeDocument/2006/relationships" xmlns:p="http://schemas.openxmlformats.org/presentationml/2006/main">
-  <p:cSld>
-    <p:spTree>
-      <p:nvGrpSpPr>
-        <p:cNvPr id="1" name=""/>
-        <p:cNvGrpSpPr/>
-        <p:nvPr/>
-      </p:nvGrpSpPr>
-      <p:grpSpPr>
-        <a:xfrm>
-          <a:off x="0" y="0"/>
-          <a:ext cx="0" cy="0"/>
-          <a:chOff x="0" y="0"/>
-          <a:chExt cx="0" cy="0"/>
-        </a:xfrm>
-      </p:grpSpPr>
-      <p:sp>
-        <p:nvSpPr>
-          <p:cNvPr id="2" name="Title 1"/>
-          <p:cNvSpPr>
-            <a:spLocks noGrp="1"/>
-          </p:cNvSpPr>
-          <p:nvPr>
-            <p:ph type="title"/>
-          </p:nvPr>
-        </p:nvSpPr>
-        <p:spPr>
-          <a:xfrm>
-            <a:off x="268080" y="226025"/>
-            <a:ext cx="11655840" cy="899537"/>
-          </a:xfrm>
-        </p:spPr>
-        <p:txBody>
-          <a:bodyPr/>
-          <a:lstStyle/>
-          <a:p>
-            <a:pPr algn="ctr"/>
-            <a:r>
-              <a:rPr lang="en-US" dirty="0"/>
-              <a:t>Native </a:t>
-            </a:r>
-            <a:r>
-              <a:rPr lang="en-US" dirty="0" smtClean="0"/>
               <a:t>UWP </a:t>
             </a:r>
             <a:r>
@@ -9022,806 +8024,7 @@
 </p:sld>
 </file>
 
-<file path=ppt/slides/slide12.xml><?xml version="1.0" encoding="utf-8"?>
-<p:sld xmlns:a="http://schemas.openxmlformats.org/drawingml/2006/main" xmlns:r="http://schemas.openxmlformats.org/officeDocument/2006/relationships" xmlns:p="http://schemas.openxmlformats.org/presentationml/2006/main">
-  <p:cSld>
-    <p:bg>
-      <p:bgPr>
-        <a:blipFill dpi="0" rotWithShape="1">
-          <a:blip r:embed="rId3">
-            <a:alphaModFix amt="12000"/>
-            <a:lum/>
-          </a:blip>
-          <a:srcRect/>
-          <a:stretch>
-            <a:fillRect l="-45000" t="-39000" r="45000" b="-39000"/>
-          </a:stretch>
-        </a:blipFill>
-        <a:effectLst/>
-      </p:bgPr>
-    </p:bg>
-    <p:spTree>
-      <p:nvGrpSpPr>
-        <p:cNvPr id="1" name=""/>
-        <p:cNvGrpSpPr/>
-        <p:nvPr/>
-      </p:nvGrpSpPr>
-      <p:grpSpPr>
-        <a:xfrm>
-          <a:off x="0" y="0"/>
-          <a:ext cx="0" cy="0"/>
-          <a:chOff x="0" y="0"/>
-          <a:chExt cx="0" cy="0"/>
-        </a:xfrm>
-      </p:grpSpPr>
-      <p:sp>
-        <p:nvSpPr>
-          <p:cNvPr id="2" name="Title 1"/>
-          <p:cNvSpPr>
-            <a:spLocks noGrp="1"/>
-          </p:cNvSpPr>
-          <p:nvPr>
-            <p:ph type="title"/>
-          </p:nvPr>
-        </p:nvSpPr>
-        <p:spPr>
-          <a:xfrm>
-            <a:off x="268080" y="226025"/>
-            <a:ext cx="11655840" cy="899537"/>
-          </a:xfrm>
-        </p:spPr>
-        <p:txBody>
-          <a:bodyPr/>
-          <a:lstStyle/>
-          <a:p>
-            <a:pPr algn="ctr"/>
-            <a:r>
-              <a:rPr lang="en-US" dirty="0"/>
-              <a:t>Native Platform Configuration</a:t>
-            </a:r>
-            <a:endParaRPr lang="en-US" b="1" dirty="0"/>
-          </a:p>
-        </p:txBody>
-      </p:sp>
-      <p:grpSp>
-        <p:nvGrpSpPr>
-          <p:cNvPr id="3" name="Group 2"/>
-          <p:cNvGrpSpPr/>
-          <p:nvPr/>
-        </p:nvGrpSpPr>
-        <p:grpSpPr>
-          <a:xfrm>
-            <a:off x="555812" y="1021976"/>
-            <a:ext cx="11368108" cy="1896571"/>
-            <a:chOff x="2804067" y="1444948"/>
-            <a:chExt cx="6407259" cy="1211831"/>
-          </a:xfrm>
-        </p:grpSpPr>
-        <p:sp>
-          <p:nvSpPr>
-            <p:cNvPr id="18" name="Rectangle 17"/>
-            <p:cNvSpPr/>
-            <p:nvPr/>
-          </p:nvSpPr>
-          <p:spPr bwMode="auto">
-            <a:xfrm>
-              <a:off x="2804067" y="2177293"/>
-              <a:ext cx="2117653" cy="479486"/>
-            </a:xfrm>
-            <a:prstGeom prst="rect">
-              <a:avLst/>
-            </a:prstGeom>
-            <a:solidFill>
-              <a:srgbClr val="9570D5"/>
-            </a:solidFill>
-            <a:ln>
-              <a:noFill/>
-              <a:headEnd type="none" w="med" len="med"/>
-              <a:tailEnd type="none" w="med" len="med"/>
-            </a:ln>
-            <a:effectLst/>
-          </p:spPr>
-          <p:style>
-            <a:lnRef idx="1">
-              <a:schemeClr val="accent2"/>
-            </a:lnRef>
-            <a:fillRef idx="3">
-              <a:schemeClr val="accent2"/>
-            </a:fillRef>
-            <a:effectRef idx="2">
-              <a:schemeClr val="accent2"/>
-            </a:effectRef>
-            <a:fontRef idx="minor">
-              <a:schemeClr val="lt1"/>
-            </a:fontRef>
-          </p:style>
-          <p:txBody>
-            <a:bodyPr lIns="89642" tIns="89642" rIns="33620" bIns="33620" rtlCol="0" anchor="b" anchorCtr="0"/>
-            <a:lstStyle/>
-            <a:p>
-              <a:pPr algn="ctr" defTabSz="914038"/>
-              <a:r>
-                <a:rPr lang="en-US" sz="784" dirty="0">
-                  <a:gradFill>
-                    <a:gsLst>
-                      <a:gs pos="0">
-                        <a:srgbClr val="FFFFFF"/>
-                      </a:gs>
-                      <a:gs pos="100000">
-                        <a:srgbClr val="FFFFFF"/>
-                      </a:gs>
-                    </a:gsLst>
-                    <a:lin ang="5400000" scaled="0"/>
-                  </a:gradFill>
-                  <a:ea typeface="Segoe UI" pitchFamily="34" charset="0"/>
-                  <a:cs typeface="Segoe UI" pitchFamily="34" charset="0"/>
-                </a:rPr>
-                <a:t> </a:t>
-              </a:r>
-            </a:p>
-          </p:txBody>
-        </p:sp>
-        <p:sp>
-          <p:nvSpPr>
-            <p:cNvPr id="34" name="TextBox 33"/>
-            <p:cNvSpPr txBox="1"/>
-            <p:nvPr/>
-          </p:nvSpPr>
-          <p:spPr>
-            <a:xfrm>
-              <a:off x="2817643" y="2150169"/>
-              <a:ext cx="2104077" cy="460399"/>
-            </a:xfrm>
-            <a:prstGeom prst="rect">
-              <a:avLst/>
-            </a:prstGeom>
-            <a:noFill/>
-          </p:spPr>
-          <p:txBody>
-            <a:bodyPr wrap="square" lIns="179285" tIns="143428" rIns="179285" bIns="143428" rtlCol="0">
-              <a:spAutoFit/>
-            </a:bodyPr>
-            <a:lstStyle/>
-            <a:p>
-              <a:pPr algn="ctr" defTabSz="914102" fontAlgn="base">
-                <a:spcBef>
-                  <a:spcPct val="0"/>
-                </a:spcBef>
-                <a:spcAft>
-                  <a:spcPct val="0"/>
-                </a:spcAft>
-              </a:pPr>
-              <a:r>
-                <a:rPr lang="en-US" sz="2800" dirty="0" err="1">
-                  <a:solidFill>
-                    <a:srgbClr val="FFFFFF"/>
-                  </a:solidFill>
-                </a:rPr>
-                <a:t>plist</a:t>
-              </a:r>
-              <a:endParaRPr lang="en-US" sz="2800" dirty="0">
-                <a:solidFill>
-                  <a:srgbClr val="FFFFFF"/>
-                </a:solidFill>
-              </a:endParaRPr>
-            </a:p>
-          </p:txBody>
-        </p:sp>
-        <p:sp>
-          <p:nvSpPr>
-            <p:cNvPr id="37" name="Rectangle 36"/>
-            <p:cNvSpPr/>
-            <p:nvPr/>
-          </p:nvSpPr>
-          <p:spPr bwMode="auto">
-            <a:xfrm>
-              <a:off x="4948870" y="2177293"/>
-              <a:ext cx="2117653" cy="479486"/>
-            </a:xfrm>
-            <a:prstGeom prst="rect">
-              <a:avLst/>
-            </a:prstGeom>
-            <a:solidFill>
-              <a:srgbClr val="66B11F"/>
-            </a:solidFill>
-            <a:ln>
-              <a:noFill/>
-              <a:headEnd type="none" w="med" len="med"/>
-              <a:tailEnd type="none" w="med" len="med"/>
-            </a:ln>
-            <a:effectLst/>
-          </p:spPr>
-          <p:style>
-            <a:lnRef idx="1">
-              <a:schemeClr val="accent2"/>
-            </a:lnRef>
-            <a:fillRef idx="3">
-              <a:schemeClr val="accent2"/>
-            </a:fillRef>
-            <a:effectRef idx="2">
-              <a:schemeClr val="accent2"/>
-            </a:effectRef>
-            <a:fontRef idx="minor">
-              <a:schemeClr val="lt1"/>
-            </a:fontRef>
-          </p:style>
-          <p:txBody>
-            <a:bodyPr lIns="89642" tIns="89642" rIns="33620" bIns="33620" rtlCol="0" anchor="b" anchorCtr="0"/>
-            <a:lstStyle/>
-            <a:p>
-              <a:pPr algn="ctr" defTabSz="914038"/>
-              <a:r>
-                <a:rPr lang="en-US" sz="784" dirty="0">
-                  <a:gradFill>
-                    <a:gsLst>
-                      <a:gs pos="0">
-                        <a:srgbClr val="FFFFFF"/>
-                      </a:gs>
-                      <a:gs pos="100000">
-                        <a:srgbClr val="FFFFFF"/>
-                      </a:gs>
-                    </a:gsLst>
-                    <a:lin ang="5400000" scaled="0"/>
-                  </a:gradFill>
-                  <a:ea typeface="Segoe UI" pitchFamily="34" charset="0"/>
-                  <a:cs typeface="Segoe UI" pitchFamily="34" charset="0"/>
-                </a:rPr>
-                <a:t> </a:t>
-              </a:r>
-            </a:p>
-          </p:txBody>
-        </p:sp>
-        <p:sp>
-          <p:nvSpPr>
-            <p:cNvPr id="40" name="Rectangle 39"/>
-            <p:cNvSpPr/>
-            <p:nvPr/>
-          </p:nvSpPr>
-          <p:spPr bwMode="auto">
-            <a:xfrm>
-              <a:off x="7093673" y="2177293"/>
-              <a:ext cx="2117653" cy="479486"/>
-            </a:xfrm>
-            <a:prstGeom prst="rect">
-              <a:avLst/>
-            </a:prstGeom>
-            <a:solidFill>
-              <a:srgbClr val="00BBF1"/>
-            </a:solidFill>
-            <a:ln>
-              <a:noFill/>
-              <a:headEnd type="none" w="med" len="med"/>
-              <a:tailEnd type="none" w="med" len="med"/>
-            </a:ln>
-            <a:effectLst/>
-          </p:spPr>
-          <p:style>
-            <a:lnRef idx="1">
-              <a:schemeClr val="accent2"/>
-            </a:lnRef>
-            <a:fillRef idx="3">
-              <a:schemeClr val="accent2"/>
-            </a:fillRef>
-            <a:effectRef idx="2">
-              <a:schemeClr val="accent2"/>
-            </a:effectRef>
-            <a:fontRef idx="minor">
-              <a:schemeClr val="lt1"/>
-            </a:fontRef>
-          </p:style>
-          <p:txBody>
-            <a:bodyPr lIns="89642" tIns="89642" rIns="33620" bIns="33620" rtlCol="0" anchor="b" anchorCtr="0"/>
-            <a:lstStyle/>
-            <a:p>
-              <a:pPr algn="ctr" defTabSz="914038"/>
-              <a:r>
-                <a:rPr lang="en-US" sz="784" dirty="0">
-                  <a:solidFill>
-                    <a:srgbClr val="00BBF1"/>
-                  </a:solidFill>
-                  <a:ea typeface="Segoe UI" pitchFamily="34" charset="0"/>
-                  <a:cs typeface="Segoe UI" pitchFamily="34" charset="0"/>
-                </a:rPr>
-                <a:t> </a:t>
-              </a:r>
-            </a:p>
-          </p:txBody>
-        </p:sp>
-        <p:sp>
-          <p:nvSpPr>
-            <p:cNvPr id="42" name="TextBox 41"/>
-            <p:cNvSpPr txBox="1"/>
-            <p:nvPr/>
-          </p:nvSpPr>
-          <p:spPr>
-            <a:xfrm>
-              <a:off x="7107249" y="2150169"/>
-              <a:ext cx="2104077" cy="460399"/>
-            </a:xfrm>
-            <a:prstGeom prst="rect">
-              <a:avLst/>
-            </a:prstGeom>
-            <a:noFill/>
-          </p:spPr>
-          <p:txBody>
-            <a:bodyPr wrap="square" lIns="179285" tIns="143428" rIns="179285" bIns="143428" rtlCol="0">
-              <a:spAutoFit/>
-            </a:bodyPr>
-            <a:lstStyle/>
-            <a:p>
-              <a:pPr algn="ctr" defTabSz="914102" fontAlgn="base">
-                <a:spcBef>
-                  <a:spcPct val="0"/>
-                </a:spcBef>
-                <a:spcAft>
-                  <a:spcPct val="0"/>
-                </a:spcAft>
-              </a:pPr>
-              <a:r>
-                <a:rPr lang="en-US" sz="2800" dirty="0">
-                  <a:solidFill>
-                    <a:srgbClr val="FFFFFF"/>
-                  </a:solidFill>
-                </a:rPr>
-                <a:t>ApplicationsData</a:t>
-              </a:r>
-            </a:p>
-          </p:txBody>
-        </p:sp>
-        <p:sp>
-          <p:nvSpPr>
-            <p:cNvPr id="43" name="TextBox 42"/>
-            <p:cNvSpPr txBox="1"/>
-            <p:nvPr/>
-          </p:nvSpPr>
-          <p:spPr>
-            <a:xfrm>
-              <a:off x="4962445" y="2150169"/>
-              <a:ext cx="2104077" cy="460399"/>
-            </a:xfrm>
-            <a:prstGeom prst="rect">
-              <a:avLst/>
-            </a:prstGeom>
-            <a:noFill/>
-          </p:spPr>
-          <p:txBody>
-            <a:bodyPr wrap="square" lIns="179285" tIns="143428" rIns="179285" bIns="143428" rtlCol="0">
-              <a:spAutoFit/>
-            </a:bodyPr>
-            <a:lstStyle/>
-            <a:p>
-              <a:pPr algn="ctr" defTabSz="914102" fontAlgn="base">
-                <a:spcBef>
-                  <a:spcPct val="0"/>
-                </a:spcBef>
-                <a:spcAft>
-                  <a:spcPct val="0"/>
-                </a:spcAft>
-              </a:pPr>
-              <a:r>
-                <a:rPr lang="en-US" sz="2800" dirty="0">
-                  <a:solidFill>
-                    <a:srgbClr val="FFFFFF"/>
-                  </a:solidFill>
-                </a:rPr>
-                <a:t>SharedPreferences</a:t>
-              </a:r>
-              <a:r>
-                <a:rPr lang="en-US" sz="1568" dirty="0">
-                  <a:solidFill>
-                    <a:srgbClr val="FFFFFF"/>
-                  </a:solidFill>
-                </a:rPr>
-                <a:t> </a:t>
-              </a:r>
-            </a:p>
-          </p:txBody>
-        </p:sp>
-        <p:grpSp>
-          <p:nvGrpSpPr>
-            <p:cNvPr id="31" name="Group 30"/>
-            <p:cNvGrpSpPr/>
-            <p:nvPr/>
-          </p:nvGrpSpPr>
-          <p:grpSpPr>
-            <a:xfrm>
-              <a:off x="3562935" y="1444948"/>
-              <a:ext cx="613490" cy="613491"/>
-              <a:chOff x="2057399" y="2725789"/>
-              <a:chExt cx="1028699" cy="1028700"/>
-            </a:xfrm>
-          </p:grpSpPr>
-          <p:sp>
-            <p:nvSpPr>
-              <p:cNvPr id="45" name="Oval 44"/>
-              <p:cNvSpPr/>
-              <p:nvPr/>
-            </p:nvSpPr>
-            <p:spPr bwMode="auto">
-              <a:xfrm>
-                <a:off x="2057399" y="2725789"/>
-                <a:ext cx="1028699" cy="1028700"/>
-              </a:xfrm>
-              <a:prstGeom prst="ellipse">
-                <a:avLst/>
-              </a:prstGeom>
-              <a:solidFill>
-                <a:srgbClr val="9570D5"/>
-              </a:solidFill>
-              <a:ln>
-                <a:noFill/>
-                <a:headEnd type="none" w="med" len="med"/>
-                <a:tailEnd type="none" w="med" len="med"/>
-              </a:ln>
-              <a:effectLst/>
-            </p:spPr>
-            <p:style>
-              <a:lnRef idx="1">
-                <a:schemeClr val="accent2"/>
-              </a:lnRef>
-              <a:fillRef idx="3">
-                <a:schemeClr val="accent2"/>
-              </a:fillRef>
-              <a:effectRef idx="2">
-                <a:schemeClr val="accent2"/>
-              </a:effectRef>
-              <a:fontRef idx="minor">
-                <a:schemeClr val="lt1"/>
-              </a:fontRef>
-            </p:style>
-            <p:txBody>
-              <a:bodyPr lIns="89642" tIns="89642" rIns="33620" bIns="33620" rtlCol="0" anchor="b" anchorCtr="0"/>
-              <a:lstStyle/>
-              <a:p>
-                <a:pPr algn="ctr" defTabSz="914038"/>
-                <a:endParaRPr lang="en-US" sz="784" dirty="0">
-                  <a:gradFill>
-                    <a:gsLst>
-                      <a:gs pos="0">
-                        <a:srgbClr val="FFFFFF"/>
-                      </a:gs>
-                      <a:gs pos="100000">
-                        <a:srgbClr val="FFFFFF"/>
-                      </a:gs>
-                    </a:gsLst>
-                    <a:lin ang="5400000" scaled="0"/>
-                  </a:gradFill>
-                  <a:ea typeface="Segoe UI" pitchFamily="34" charset="0"/>
-                  <a:cs typeface="Segoe UI" pitchFamily="34" charset="0"/>
-                </a:endParaRPr>
-              </a:p>
-            </p:txBody>
-          </p:sp>
-          <p:pic>
-            <p:nvPicPr>
-              <p:cNvPr id="46" name="Picture 45" descr="Apple_logo.pdf"/>
-              <p:cNvPicPr>
-                <a:picLocks noChangeAspect="1"/>
-              </p:cNvPicPr>
-              <p:nvPr/>
-            </p:nvPicPr>
-            <p:blipFill>
-              <a:blip r:embed="rId4">
-                <a:extLst>
-                  <a:ext uri="{28A0092B-C50C-407E-A947-70E740481C1C}">
-                    <a14:useLocalDpi xmlns:a14="http://schemas.microsoft.com/office/drawing/2010/main"/>
-                  </a:ext>
-                </a:extLst>
-              </a:blip>
-              <a:stretch>
-                <a:fillRect/>
-              </a:stretch>
-            </p:blipFill>
-            <p:spPr>
-              <a:xfrm>
-                <a:off x="2319103" y="2938131"/>
-                <a:ext cx="468070" cy="523137"/>
-              </a:xfrm>
-              <a:prstGeom prst="rect">
-                <a:avLst/>
-              </a:prstGeom>
-            </p:spPr>
-          </p:pic>
-        </p:grpSp>
-        <p:grpSp>
-          <p:nvGrpSpPr>
-            <p:cNvPr id="32" name="Group 31"/>
-            <p:cNvGrpSpPr/>
-            <p:nvPr/>
-          </p:nvGrpSpPr>
-          <p:grpSpPr>
-            <a:xfrm>
-              <a:off x="5707598" y="1444948"/>
-              <a:ext cx="613490" cy="613491"/>
-              <a:chOff x="3810000" y="3144890"/>
-              <a:chExt cx="1028699" cy="1028700"/>
-            </a:xfrm>
-          </p:grpSpPr>
-          <p:sp>
-            <p:nvSpPr>
-              <p:cNvPr id="41" name="Oval 40"/>
-              <p:cNvSpPr/>
-              <p:nvPr/>
-            </p:nvSpPr>
-            <p:spPr bwMode="auto">
-              <a:xfrm>
-                <a:off x="3810000" y="3144890"/>
-                <a:ext cx="1028699" cy="1028700"/>
-              </a:xfrm>
-              <a:prstGeom prst="ellipse">
-                <a:avLst/>
-              </a:prstGeom>
-              <a:solidFill>
-                <a:srgbClr val="66B11F"/>
-              </a:solidFill>
-              <a:ln>
-                <a:noFill/>
-                <a:headEnd type="none" w="med" len="med"/>
-                <a:tailEnd type="none" w="med" len="med"/>
-              </a:ln>
-              <a:effectLst/>
-            </p:spPr>
-            <p:style>
-              <a:lnRef idx="1">
-                <a:schemeClr val="accent2"/>
-              </a:lnRef>
-              <a:fillRef idx="3">
-                <a:schemeClr val="accent2"/>
-              </a:fillRef>
-              <a:effectRef idx="2">
-                <a:schemeClr val="accent2"/>
-              </a:effectRef>
-              <a:fontRef idx="minor">
-                <a:schemeClr val="lt1"/>
-              </a:fontRef>
-            </p:style>
-            <p:txBody>
-              <a:bodyPr lIns="89642" tIns="89642" rIns="33620" bIns="33620" rtlCol="0" anchor="b" anchorCtr="0"/>
-              <a:lstStyle/>
-              <a:p>
-                <a:pPr algn="ctr" defTabSz="914038"/>
-                <a:endParaRPr lang="en-US" sz="784" dirty="0">
-                  <a:gradFill>
-                    <a:gsLst>
-                      <a:gs pos="0">
-                        <a:srgbClr val="FFFFFF"/>
-                      </a:gs>
-                      <a:gs pos="100000">
-                        <a:srgbClr val="FFFFFF"/>
-                      </a:gs>
-                    </a:gsLst>
-                    <a:lin ang="5400000" scaled="0"/>
-                  </a:gradFill>
-                  <a:ea typeface="Segoe UI" pitchFamily="34" charset="0"/>
-                  <a:cs typeface="Segoe UI" pitchFamily="34" charset="0"/>
-                </a:endParaRPr>
-              </a:p>
-            </p:txBody>
-          </p:sp>
-          <p:pic>
-            <p:nvPicPr>
-              <p:cNvPr id="44" name="Picture 43" descr="Android_logo.pdf"/>
-              <p:cNvPicPr>
-                <a:picLocks noChangeAspect="1"/>
-              </p:cNvPicPr>
-              <p:nvPr/>
-            </p:nvPicPr>
-            <p:blipFill>
-              <a:blip r:embed="rId5">
-                <a:extLst>
-                  <a:ext uri="{28A0092B-C50C-407E-A947-70E740481C1C}">
-                    <a14:useLocalDpi xmlns:a14="http://schemas.microsoft.com/office/drawing/2010/main"/>
-                  </a:ext>
-                </a:extLst>
-              </a:blip>
-              <a:stretch>
-                <a:fillRect/>
-              </a:stretch>
-            </p:blipFill>
-            <p:spPr>
-              <a:xfrm>
-                <a:off x="4097337" y="3402859"/>
-                <a:ext cx="434973" cy="500220"/>
-              </a:xfrm>
-              <a:prstGeom prst="rect">
-                <a:avLst/>
-              </a:prstGeom>
-            </p:spPr>
-          </p:pic>
-        </p:grpSp>
-        <p:grpSp>
-          <p:nvGrpSpPr>
-            <p:cNvPr id="33" name="Group 32"/>
-            <p:cNvGrpSpPr/>
-            <p:nvPr/>
-          </p:nvGrpSpPr>
-          <p:grpSpPr>
-            <a:xfrm>
-              <a:off x="7851596" y="1444948"/>
-              <a:ext cx="613491" cy="613491"/>
-              <a:chOff x="6083298" y="3144890"/>
-              <a:chExt cx="1028699" cy="1028700"/>
-            </a:xfrm>
-          </p:grpSpPr>
-          <p:sp>
-            <p:nvSpPr>
-              <p:cNvPr id="36" name="Oval 35"/>
-              <p:cNvSpPr/>
-              <p:nvPr/>
-            </p:nvSpPr>
-            <p:spPr bwMode="auto">
-              <a:xfrm>
-                <a:off x="6083298" y="3144890"/>
-                <a:ext cx="1028699" cy="1028700"/>
-              </a:xfrm>
-              <a:prstGeom prst="ellipse">
-                <a:avLst/>
-              </a:prstGeom>
-              <a:solidFill>
-                <a:srgbClr val="00BBF1"/>
-              </a:solidFill>
-              <a:ln>
-                <a:noFill/>
-                <a:headEnd type="none" w="med" len="med"/>
-                <a:tailEnd type="none" w="med" len="med"/>
-              </a:ln>
-              <a:effectLst/>
-            </p:spPr>
-            <p:style>
-              <a:lnRef idx="1">
-                <a:schemeClr val="accent2"/>
-              </a:lnRef>
-              <a:fillRef idx="3">
-                <a:schemeClr val="accent2"/>
-              </a:fillRef>
-              <a:effectRef idx="2">
-                <a:schemeClr val="accent2"/>
-              </a:effectRef>
-              <a:fontRef idx="minor">
-                <a:schemeClr val="lt1"/>
-              </a:fontRef>
-            </p:style>
-            <p:txBody>
-              <a:bodyPr lIns="89642" tIns="89642" rIns="33620" bIns="33620" rtlCol="0" anchor="b" anchorCtr="0"/>
-              <a:lstStyle/>
-              <a:p>
-                <a:pPr algn="ctr" defTabSz="914038"/>
-                <a:endParaRPr lang="en-US" sz="784" dirty="0">
-                  <a:gradFill>
-                    <a:gsLst>
-                      <a:gs pos="0">
-                        <a:srgbClr val="FFFFFF"/>
-                      </a:gs>
-                      <a:gs pos="100000">
-                        <a:srgbClr val="FFFFFF"/>
-                      </a:gs>
-                    </a:gsLst>
-                    <a:lin ang="5400000" scaled="0"/>
-                  </a:gradFill>
-                  <a:ea typeface="Segoe UI" pitchFamily="34" charset="0"/>
-                  <a:cs typeface="Segoe UI" pitchFamily="34" charset="0"/>
-                </a:endParaRPr>
-              </a:p>
-            </p:txBody>
-          </p:sp>
-          <p:pic>
-            <p:nvPicPr>
-              <p:cNvPr id="38" name="Picture 37" descr="Windows_logo.pdf"/>
-              <p:cNvPicPr>
-                <a:picLocks noChangeAspect="1"/>
-              </p:cNvPicPr>
-              <p:nvPr/>
-            </p:nvPicPr>
-            <p:blipFill>
-              <a:blip r:embed="rId6">
-                <a:extLst>
-                  <a:ext uri="{28A0092B-C50C-407E-A947-70E740481C1C}">
-                    <a14:useLocalDpi xmlns:a14="http://schemas.microsoft.com/office/drawing/2010/main"/>
-                  </a:ext>
-                </a:extLst>
-              </a:blip>
-              <a:stretch>
-                <a:fillRect/>
-              </a:stretch>
-            </p:blipFill>
-            <p:spPr>
-              <a:xfrm>
-                <a:off x="6365885" y="3436990"/>
-                <a:ext cx="466043" cy="434973"/>
-              </a:xfrm>
-              <a:prstGeom prst="rect">
-                <a:avLst/>
-              </a:prstGeom>
-            </p:spPr>
-          </p:pic>
-        </p:grpSp>
-      </p:grpSp>
-      <p:sp>
-        <p:nvSpPr>
-          <p:cNvPr id="21" name="Title 1"/>
-          <p:cNvSpPr txBox="1">
-            <a:spLocks/>
-          </p:cNvSpPr>
-          <p:nvPr/>
-        </p:nvSpPr>
-        <p:spPr>
-          <a:xfrm>
-            <a:off x="2025421" y="3949324"/>
-            <a:ext cx="7363987" cy="1505132"/>
-          </a:xfrm>
-          <a:prstGeom prst="rect">
-            <a:avLst/>
-          </a:prstGeom>
-        </p:spPr>
-        <p:txBody>
-          <a:bodyPr vert="horz" wrap="square" lIns="146304" tIns="91440" rIns="146304" bIns="91440" rtlCol="0" anchor="t">
-            <a:noAutofit/>
-          </a:bodyPr>
-          <a:lstStyle>
-            <a:lvl1pPr algn="l" defTabSz="914367" rtl="0" eaLnBrk="1" latinLnBrk="0" hangingPunct="1">
-              <a:lnSpc>
-                <a:spcPct val="90000"/>
-              </a:lnSpc>
-              <a:spcBef>
-                <a:spcPct val="0"/>
-              </a:spcBef>
-              <a:buNone/>
-              <a:defRPr lang="en-US" sz="4705" b="0" kern="1200" cap="none" spc="-100" baseline="0" dirty="0" smtClean="0">
-                <a:ln w="3175">
-                  <a:noFill/>
-                </a:ln>
-                <a:gradFill>
-                  <a:gsLst>
-                    <a:gs pos="1250">
-                      <a:schemeClr val="tx1"/>
-                    </a:gs>
-                    <a:gs pos="100000">
-                      <a:schemeClr val="tx1"/>
-                    </a:gs>
-                  </a:gsLst>
-                  <a:lin ang="5400000" scaled="0"/>
-                </a:gradFill>
-                <a:effectLst/>
-                <a:latin typeface="+mj-lt"/>
-                <a:ea typeface="+mn-ea"/>
-                <a:cs typeface="Segoe UI" pitchFamily="34" charset="0"/>
-              </a:defRPr>
-            </a:lvl1pPr>
-          </a:lstStyle>
-          <a:p>
-            <a:pPr algn="ctr"/>
-            <a:r>
-              <a:rPr lang="en-US" sz="9600" dirty="0"/>
-              <a:t>DEMO</a:t>
-            </a:r>
-            <a:endParaRPr lang="en-US" sz="9600" b="1" dirty="0"/>
-          </a:p>
-        </p:txBody>
-      </p:sp>
-    </p:spTree>
-    <p:extLst>
-      <p:ext uri="{BB962C8B-B14F-4D97-AF65-F5344CB8AC3E}">
-        <p14:creationId xmlns:p14="http://schemas.microsoft.com/office/powerpoint/2010/main" val="1896596867"/>
-      </p:ext>
-    </p:extLst>
-  </p:cSld>
-  <p:clrMapOvr>
-    <a:masterClrMapping/>
-  </p:clrMapOvr>
-  <p:transition>
-    <p:fade/>
-  </p:transition>
-  <p:timing>
-    <p:tnLst>
-      <p:par>
-        <p:cTn id="1" dur="indefinite" restart="never" nodeType="tmRoot"/>
-      </p:par>
-    </p:tnLst>
-  </p:timing>
-</p:sld>
-</file>
-
-<file path=ppt/slides/slide13.xml><?xml version="1.0" encoding="utf-8"?>
+<file path=ppt/slides/slide11.xml><?xml version="1.0" encoding="utf-8"?>
 <p:sld xmlns:a="http://schemas.openxmlformats.org/drawingml/2006/main" xmlns:r="http://schemas.openxmlformats.org/officeDocument/2006/relationships" xmlns:p="http://schemas.openxmlformats.org/presentationml/2006/main">
   <p:cSld>
     <p:bg>
@@ -10038,7 +8241,7 @@
 </p:sld>
 </file>
 
-<file path=ppt/slides/slide14.xml><?xml version="1.0" encoding="utf-8"?>
+<file path=ppt/slides/slide12.xml><?xml version="1.0" encoding="utf-8"?>
 <p:sld xmlns:a="http://schemas.openxmlformats.org/drawingml/2006/main" xmlns:r="http://schemas.openxmlformats.org/officeDocument/2006/relationships" xmlns:p="http://schemas.openxmlformats.org/presentationml/2006/main">
   <p:cSld>
     <p:bg>
@@ -10333,7 +8536,7 @@
 </p:sld>
 </file>
 
-<file path=ppt/slides/slide15.xml><?xml version="1.0" encoding="utf-8"?>
+<file path=ppt/slides/slide13.xml><?xml version="1.0" encoding="utf-8"?>
 <p:sld xmlns:a="http://schemas.openxmlformats.org/drawingml/2006/main" xmlns:r="http://schemas.openxmlformats.org/officeDocument/2006/relationships" xmlns:p="http://schemas.openxmlformats.org/presentationml/2006/main">
   <p:cSld>
     <p:bg>
@@ -10860,7 +9063,7 @@
 </p:sld>
 </file>
 
-<file path=ppt/slides/slide16.xml><?xml version="1.0" encoding="utf-8"?>
+<file path=ppt/slides/slide14.xml><?xml version="1.0" encoding="utf-8"?>
 <p:sld xmlns:a="http://schemas.openxmlformats.org/drawingml/2006/main" xmlns:r="http://schemas.openxmlformats.org/officeDocument/2006/relationships" xmlns:p="http://schemas.openxmlformats.org/presentationml/2006/main">
   <p:cSld>
     <p:bg>
@@ -11482,7 +9685,7 @@
 </p:sld>
 </file>
 
-<file path=ppt/slides/slide17.xml><?xml version="1.0" encoding="utf-8"?>
+<file path=ppt/slides/slide15.xml><?xml version="1.0" encoding="utf-8"?>
 <p:sld xmlns:a="http://schemas.openxmlformats.org/drawingml/2006/main" xmlns:r="http://schemas.openxmlformats.org/officeDocument/2006/relationships" xmlns:p="http://schemas.openxmlformats.org/presentationml/2006/main">
   <p:cSld>
     <p:bg>
@@ -12122,7 +10325,7 @@
 </p:sld>
 </file>
 
-<file path=ppt/slides/slide18.xml><?xml version="1.0" encoding="utf-8"?>
+<file path=ppt/slides/slide16.xml><?xml version="1.0" encoding="utf-8"?>
 <p:sld xmlns:a="http://schemas.openxmlformats.org/drawingml/2006/main" xmlns:r="http://schemas.openxmlformats.org/officeDocument/2006/relationships" xmlns:p="http://schemas.openxmlformats.org/presentationml/2006/main">
   <p:cSld>
     <p:bg>
@@ -12177,7 +10380,706 @@
             <a:pPr algn="ctr"/>
             <a:r>
               <a:rPr lang="en-US" dirty="0"/>
-              <a:t>Native Platform Configuration</a:t>
+              <a:t>PCL App Configuration </a:t>
+            </a:r>
+            <a:r>
+              <a:rPr lang="en-US" b="1" dirty="0"/>
+              <a:t>PROS</a:t>
+            </a:r>
+          </a:p>
+        </p:txBody>
+      </p:sp>
+      <p:sp>
+        <p:nvSpPr>
+          <p:cNvPr id="24" name="Rectangle 23"/>
+          <p:cNvSpPr/>
+          <p:nvPr/>
+        </p:nvSpPr>
+        <p:spPr bwMode="auto">
+          <a:xfrm>
+            <a:off x="555812" y="2960240"/>
+            <a:ext cx="11368108" cy="3763289"/>
+          </a:xfrm>
+          <a:prstGeom prst="rect">
+            <a:avLst/>
+          </a:prstGeom>
+          <a:solidFill>
+            <a:schemeClr val="accent2">
+              <a:lumMod val="50000"/>
+              <a:alpha val="49000"/>
+            </a:schemeClr>
+          </a:solidFill>
+          <a:ln>
+            <a:noFill/>
+            <a:headEnd type="none" w="med" len="med"/>
+            <a:tailEnd type="none" w="med" len="med"/>
+          </a:ln>
+          <a:effectLst/>
+        </p:spPr>
+        <p:style>
+          <a:lnRef idx="1">
+            <a:schemeClr val="accent2"/>
+          </a:lnRef>
+          <a:fillRef idx="3">
+            <a:schemeClr val="accent2"/>
+          </a:fillRef>
+          <a:effectRef idx="2">
+            <a:schemeClr val="accent2"/>
+          </a:effectRef>
+          <a:fontRef idx="minor">
+            <a:schemeClr val="lt1"/>
+          </a:fontRef>
+        </p:style>
+        <p:txBody>
+          <a:bodyPr lIns="89642" tIns="89642" rIns="33620" bIns="33620" rtlCol="0" anchor="b" anchorCtr="0"/>
+          <a:lstStyle/>
+          <a:p>
+            <a:pPr algn="ctr" defTabSz="914038"/>
+            <a:r>
+              <a:rPr lang="en-US" sz="784" dirty="0">
+                <a:gradFill>
+                  <a:gsLst>
+                    <a:gs pos="0">
+                      <a:srgbClr val="FFFFFF"/>
+                    </a:gs>
+                    <a:gs pos="100000">
+                      <a:srgbClr val="FFFFFF"/>
+                    </a:gs>
+                  </a:gsLst>
+                  <a:lin ang="5400000" scaled="0"/>
+                </a:gradFill>
+                <a:ea typeface="Segoe UI" pitchFamily="34" charset="0"/>
+                <a:cs typeface="Segoe UI" pitchFamily="34" charset="0"/>
+              </a:rPr>
+              <a:t> </a:t>
+            </a:r>
+          </a:p>
+        </p:txBody>
+      </p:sp>
+      <p:sp>
+        <p:nvSpPr>
+          <p:cNvPr id="19" name="TextBox 18"/>
+          <p:cNvSpPr txBox="1"/>
+          <p:nvPr/>
+        </p:nvSpPr>
+        <p:spPr>
+          <a:xfrm>
+            <a:off x="799697" y="2975868"/>
+            <a:ext cx="10774664" cy="4513249"/>
+          </a:xfrm>
+          <a:prstGeom prst="rect">
+            <a:avLst/>
+          </a:prstGeom>
+          <a:noFill/>
+        </p:spPr>
+        <p:txBody>
+          <a:bodyPr wrap="square" lIns="179285" tIns="143428" rIns="179285" bIns="143428" rtlCol="0">
+            <a:spAutoFit/>
+          </a:bodyPr>
+          <a:lstStyle/>
+          <a:p>
+            <a:pPr marL="571500" indent="-571500" defTabSz="914102" fontAlgn="base">
+              <a:spcBef>
+                <a:spcPct val="0"/>
+              </a:spcBef>
+              <a:spcAft>
+                <a:spcPct val="0"/>
+              </a:spcAft>
+              <a:buFont typeface="Arial" panose="020B0604020202020204" pitchFamily="34" charset="0"/>
+              <a:buChar char="•"/>
+            </a:pPr>
+            <a:r>
+              <a:rPr lang="en-GB" sz="3921" dirty="0">
+                <a:solidFill>
+                  <a:srgbClr val="FFFFFF"/>
+                </a:solidFill>
+              </a:rPr>
+              <a:t>1 config for all platforms</a:t>
+            </a:r>
+          </a:p>
+          <a:p>
+            <a:pPr marL="571500" indent="-571500" defTabSz="914102" fontAlgn="base">
+              <a:spcBef>
+                <a:spcPct val="0"/>
+              </a:spcBef>
+              <a:spcAft>
+                <a:spcPct val="0"/>
+              </a:spcAft>
+              <a:buFont typeface="Arial" panose="020B0604020202020204" pitchFamily="34" charset="0"/>
+              <a:buChar char="•"/>
+            </a:pPr>
+            <a:r>
+              <a:rPr lang="en-GB" sz="3921" dirty="0">
+                <a:solidFill>
+                  <a:srgbClr val="FFFFFF"/>
+                </a:solidFill>
+              </a:rPr>
+              <a:t>located in pcl app project</a:t>
+            </a:r>
+          </a:p>
+          <a:p>
+            <a:pPr marL="571500" indent="-571500" defTabSz="914102" fontAlgn="base">
+              <a:spcBef>
+                <a:spcPct val="0"/>
+              </a:spcBef>
+              <a:spcAft>
+                <a:spcPct val="0"/>
+              </a:spcAft>
+              <a:buFont typeface="Arial" panose="020B0604020202020204" pitchFamily="34" charset="0"/>
+              <a:buChar char="•"/>
+            </a:pPr>
+            <a:r>
+              <a:rPr lang="en-US" sz="3921" dirty="0">
+                <a:solidFill>
+                  <a:srgbClr val="FFFFFF"/>
+                </a:solidFill>
+              </a:rPr>
+              <a:t>1 config api</a:t>
+            </a:r>
+          </a:p>
+          <a:p>
+            <a:pPr marL="571500" indent="-571500" defTabSz="914102" fontAlgn="base">
+              <a:spcBef>
+                <a:spcPct val="0"/>
+              </a:spcBef>
+              <a:spcAft>
+                <a:spcPct val="0"/>
+              </a:spcAft>
+              <a:buFont typeface="Arial" panose="020B0604020202020204" pitchFamily="34" charset="0"/>
+              <a:buChar char="•"/>
+            </a:pPr>
+            <a:r>
+              <a:rPr lang="en-US" sz="3921" dirty="0">
+                <a:solidFill>
+                  <a:srgbClr val="FFFFFF"/>
+                </a:solidFill>
+              </a:rPr>
+              <a:t>familiar to .net devs</a:t>
+            </a:r>
+          </a:p>
+          <a:p>
+            <a:pPr marL="571500" indent="-571500" defTabSz="914102" fontAlgn="base">
+              <a:spcBef>
+                <a:spcPct val="0"/>
+              </a:spcBef>
+              <a:spcAft>
+                <a:spcPct val="0"/>
+              </a:spcAft>
+              <a:buFont typeface="Arial" panose="020B0604020202020204" pitchFamily="34" charset="0"/>
+              <a:buChar char="•"/>
+            </a:pPr>
+            <a:r>
+              <a:rPr lang="en-US" sz="3921" dirty="0">
+                <a:solidFill>
+                  <a:srgbClr val="FFFFFF"/>
+                </a:solidFill>
+              </a:rPr>
+              <a:t>support for configuration transform</a:t>
+            </a:r>
+          </a:p>
+          <a:p>
+            <a:pPr marL="571500" indent="-571500" defTabSz="914102" fontAlgn="base">
+              <a:spcBef>
+                <a:spcPct val="0"/>
+              </a:spcBef>
+              <a:spcAft>
+                <a:spcPct val="0"/>
+              </a:spcAft>
+              <a:buFont typeface="Arial" panose="020B0604020202020204" pitchFamily="34" charset="0"/>
+              <a:buChar char="•"/>
+            </a:pPr>
+            <a:r>
+              <a:rPr lang="en-US" sz="3921" dirty="0">
+                <a:solidFill>
+                  <a:srgbClr val="FFFFFF"/>
+                </a:solidFill>
+              </a:rPr>
+              <a:t>can alter after compilation</a:t>
+            </a:r>
+          </a:p>
+          <a:p>
+            <a:pPr marL="571500" indent="-571500" defTabSz="914102" fontAlgn="base">
+              <a:spcBef>
+                <a:spcPct val="0"/>
+              </a:spcBef>
+              <a:spcAft>
+                <a:spcPct val="0"/>
+              </a:spcAft>
+              <a:buFont typeface="Arial" panose="020B0604020202020204" pitchFamily="34" charset="0"/>
+              <a:buChar char="•"/>
+            </a:pPr>
+            <a:endParaRPr lang="en-US" sz="3921" dirty="0">
+              <a:solidFill>
+                <a:srgbClr val="FFFFFF"/>
+              </a:solidFill>
+            </a:endParaRPr>
+          </a:p>
+        </p:txBody>
+      </p:sp>
+      <p:grpSp>
+        <p:nvGrpSpPr>
+          <p:cNvPr id="31" name="Group 30"/>
+          <p:cNvGrpSpPr/>
+          <p:nvPr/>
+        </p:nvGrpSpPr>
+        <p:grpSpPr>
+          <a:xfrm>
+            <a:off x="1902237" y="1021977"/>
+            <a:ext cx="1088487" cy="960142"/>
+            <a:chOff x="2057399" y="2725789"/>
+            <a:chExt cx="1028699" cy="1028700"/>
+          </a:xfrm>
+        </p:grpSpPr>
+        <p:sp>
+          <p:nvSpPr>
+            <p:cNvPr id="45" name="Oval 44"/>
+            <p:cNvSpPr/>
+            <p:nvPr/>
+          </p:nvSpPr>
+          <p:spPr bwMode="auto">
+            <a:xfrm>
+              <a:off x="2057399" y="2725789"/>
+              <a:ext cx="1028699" cy="1028700"/>
+            </a:xfrm>
+            <a:prstGeom prst="ellipse">
+              <a:avLst/>
+            </a:prstGeom>
+            <a:solidFill>
+              <a:srgbClr val="9570D5"/>
+            </a:solidFill>
+            <a:ln>
+              <a:noFill/>
+              <a:headEnd type="none" w="med" len="med"/>
+              <a:tailEnd type="none" w="med" len="med"/>
+            </a:ln>
+            <a:effectLst/>
+          </p:spPr>
+          <p:style>
+            <a:lnRef idx="1">
+              <a:schemeClr val="accent2"/>
+            </a:lnRef>
+            <a:fillRef idx="3">
+              <a:schemeClr val="accent2"/>
+            </a:fillRef>
+            <a:effectRef idx="2">
+              <a:schemeClr val="accent2"/>
+            </a:effectRef>
+            <a:fontRef idx="minor">
+              <a:schemeClr val="lt1"/>
+            </a:fontRef>
+          </p:style>
+          <p:txBody>
+            <a:bodyPr lIns="89642" tIns="89642" rIns="33620" bIns="33620" rtlCol="0" anchor="b" anchorCtr="0"/>
+            <a:lstStyle/>
+            <a:p>
+              <a:pPr algn="ctr" defTabSz="914038"/>
+              <a:endParaRPr lang="en-US" sz="784" dirty="0">
+                <a:gradFill>
+                  <a:gsLst>
+                    <a:gs pos="0">
+                      <a:srgbClr val="FFFFFF"/>
+                    </a:gs>
+                    <a:gs pos="100000">
+                      <a:srgbClr val="FFFFFF"/>
+                    </a:gs>
+                  </a:gsLst>
+                  <a:lin ang="5400000" scaled="0"/>
+                </a:gradFill>
+                <a:ea typeface="Segoe UI" pitchFamily="34" charset="0"/>
+                <a:cs typeface="Segoe UI" pitchFamily="34" charset="0"/>
+              </a:endParaRPr>
+            </a:p>
+          </p:txBody>
+        </p:sp>
+        <p:pic>
+          <p:nvPicPr>
+            <p:cNvPr id="46" name="Picture 45" descr="Apple_logo.pdf"/>
+            <p:cNvPicPr>
+              <a:picLocks noChangeAspect="1"/>
+            </p:cNvPicPr>
+            <p:nvPr/>
+          </p:nvPicPr>
+          <p:blipFill>
+            <a:blip r:embed="rId4">
+              <a:extLst>
+                <a:ext uri="{28A0092B-C50C-407E-A947-70E740481C1C}">
+                  <a14:useLocalDpi xmlns:a14="http://schemas.microsoft.com/office/drawing/2010/main"/>
+                </a:ext>
+              </a:extLst>
+            </a:blip>
+            <a:stretch>
+              <a:fillRect/>
+            </a:stretch>
+          </p:blipFill>
+          <p:spPr>
+            <a:xfrm>
+              <a:off x="2319103" y="2938131"/>
+              <a:ext cx="468070" cy="523137"/>
+            </a:xfrm>
+            <a:prstGeom prst="rect">
+              <a:avLst/>
+            </a:prstGeom>
+          </p:spPr>
+        </p:pic>
+      </p:grpSp>
+      <p:grpSp>
+        <p:nvGrpSpPr>
+          <p:cNvPr id="32" name="Group 31"/>
+          <p:cNvGrpSpPr/>
+          <p:nvPr/>
+        </p:nvGrpSpPr>
+        <p:grpSpPr>
+          <a:xfrm>
+            <a:off x="5707415" y="1021977"/>
+            <a:ext cx="1088487" cy="960142"/>
+            <a:chOff x="3810000" y="3144890"/>
+            <a:chExt cx="1028699" cy="1028700"/>
+          </a:xfrm>
+        </p:grpSpPr>
+        <p:sp>
+          <p:nvSpPr>
+            <p:cNvPr id="41" name="Oval 40"/>
+            <p:cNvSpPr/>
+            <p:nvPr/>
+          </p:nvSpPr>
+          <p:spPr bwMode="auto">
+            <a:xfrm>
+              <a:off x="3810000" y="3144890"/>
+              <a:ext cx="1028699" cy="1028700"/>
+            </a:xfrm>
+            <a:prstGeom prst="ellipse">
+              <a:avLst/>
+            </a:prstGeom>
+            <a:solidFill>
+              <a:srgbClr val="66B11F"/>
+            </a:solidFill>
+            <a:ln>
+              <a:noFill/>
+              <a:headEnd type="none" w="med" len="med"/>
+              <a:tailEnd type="none" w="med" len="med"/>
+            </a:ln>
+            <a:effectLst/>
+          </p:spPr>
+          <p:style>
+            <a:lnRef idx="1">
+              <a:schemeClr val="accent2"/>
+            </a:lnRef>
+            <a:fillRef idx="3">
+              <a:schemeClr val="accent2"/>
+            </a:fillRef>
+            <a:effectRef idx="2">
+              <a:schemeClr val="accent2"/>
+            </a:effectRef>
+            <a:fontRef idx="minor">
+              <a:schemeClr val="lt1"/>
+            </a:fontRef>
+          </p:style>
+          <p:txBody>
+            <a:bodyPr lIns="89642" tIns="89642" rIns="33620" bIns="33620" rtlCol="0" anchor="b" anchorCtr="0"/>
+            <a:lstStyle/>
+            <a:p>
+              <a:pPr algn="ctr" defTabSz="914038"/>
+              <a:endParaRPr lang="en-US" sz="784" dirty="0">
+                <a:gradFill>
+                  <a:gsLst>
+                    <a:gs pos="0">
+                      <a:srgbClr val="FFFFFF"/>
+                    </a:gs>
+                    <a:gs pos="100000">
+                      <a:srgbClr val="FFFFFF"/>
+                    </a:gs>
+                  </a:gsLst>
+                  <a:lin ang="5400000" scaled="0"/>
+                </a:gradFill>
+                <a:ea typeface="Segoe UI" pitchFamily="34" charset="0"/>
+                <a:cs typeface="Segoe UI" pitchFamily="34" charset="0"/>
+              </a:endParaRPr>
+            </a:p>
+          </p:txBody>
+        </p:sp>
+        <p:pic>
+          <p:nvPicPr>
+            <p:cNvPr id="44" name="Picture 43" descr="Android_logo.pdf"/>
+            <p:cNvPicPr>
+              <a:picLocks noChangeAspect="1"/>
+            </p:cNvPicPr>
+            <p:nvPr/>
+          </p:nvPicPr>
+          <p:blipFill>
+            <a:blip r:embed="rId5">
+              <a:extLst>
+                <a:ext uri="{28A0092B-C50C-407E-A947-70E740481C1C}">
+                  <a14:useLocalDpi xmlns:a14="http://schemas.microsoft.com/office/drawing/2010/main"/>
+                </a:ext>
+              </a:extLst>
+            </a:blip>
+            <a:stretch>
+              <a:fillRect/>
+            </a:stretch>
+          </p:blipFill>
+          <p:spPr>
+            <a:xfrm>
+              <a:off x="4097337" y="3402859"/>
+              <a:ext cx="434973" cy="500220"/>
+            </a:xfrm>
+            <a:prstGeom prst="rect">
+              <a:avLst/>
+            </a:prstGeom>
+          </p:spPr>
+        </p:pic>
+      </p:grpSp>
+      <p:grpSp>
+        <p:nvGrpSpPr>
+          <p:cNvPr id="33" name="Group 32"/>
+          <p:cNvGrpSpPr/>
+          <p:nvPr/>
+        </p:nvGrpSpPr>
+        <p:grpSpPr>
+          <a:xfrm>
+            <a:off x="9511413" y="1021977"/>
+            <a:ext cx="1088489" cy="960142"/>
+            <a:chOff x="6083298" y="3144890"/>
+            <a:chExt cx="1028699" cy="1028700"/>
+          </a:xfrm>
+        </p:grpSpPr>
+        <p:sp>
+          <p:nvSpPr>
+            <p:cNvPr id="36" name="Oval 35"/>
+            <p:cNvSpPr/>
+            <p:nvPr/>
+          </p:nvSpPr>
+          <p:spPr bwMode="auto">
+            <a:xfrm>
+              <a:off x="6083298" y="3144890"/>
+              <a:ext cx="1028699" cy="1028700"/>
+            </a:xfrm>
+            <a:prstGeom prst="ellipse">
+              <a:avLst/>
+            </a:prstGeom>
+            <a:solidFill>
+              <a:srgbClr val="00BBF1"/>
+            </a:solidFill>
+            <a:ln>
+              <a:noFill/>
+              <a:headEnd type="none" w="med" len="med"/>
+              <a:tailEnd type="none" w="med" len="med"/>
+            </a:ln>
+            <a:effectLst/>
+          </p:spPr>
+          <p:style>
+            <a:lnRef idx="1">
+              <a:schemeClr val="accent2"/>
+            </a:lnRef>
+            <a:fillRef idx="3">
+              <a:schemeClr val="accent2"/>
+            </a:fillRef>
+            <a:effectRef idx="2">
+              <a:schemeClr val="accent2"/>
+            </a:effectRef>
+            <a:fontRef idx="minor">
+              <a:schemeClr val="lt1"/>
+            </a:fontRef>
+          </p:style>
+          <p:txBody>
+            <a:bodyPr lIns="89642" tIns="89642" rIns="33620" bIns="33620" rtlCol="0" anchor="b" anchorCtr="0"/>
+            <a:lstStyle/>
+            <a:p>
+              <a:pPr algn="ctr" defTabSz="914038"/>
+              <a:endParaRPr lang="en-US" sz="784" dirty="0">
+                <a:gradFill>
+                  <a:gsLst>
+                    <a:gs pos="0">
+                      <a:srgbClr val="FFFFFF"/>
+                    </a:gs>
+                    <a:gs pos="100000">
+                      <a:srgbClr val="FFFFFF"/>
+                    </a:gs>
+                  </a:gsLst>
+                  <a:lin ang="5400000" scaled="0"/>
+                </a:gradFill>
+                <a:ea typeface="Segoe UI" pitchFamily="34" charset="0"/>
+                <a:cs typeface="Segoe UI" pitchFamily="34" charset="0"/>
+              </a:endParaRPr>
+            </a:p>
+          </p:txBody>
+        </p:sp>
+        <p:pic>
+          <p:nvPicPr>
+            <p:cNvPr id="38" name="Picture 37" descr="Windows_logo.pdf"/>
+            <p:cNvPicPr>
+              <a:picLocks noChangeAspect="1"/>
+            </p:cNvPicPr>
+            <p:nvPr/>
+          </p:nvPicPr>
+          <p:blipFill>
+            <a:blip r:embed="rId6">
+              <a:extLst>
+                <a:ext uri="{28A0092B-C50C-407E-A947-70E740481C1C}">
+                  <a14:useLocalDpi xmlns:a14="http://schemas.microsoft.com/office/drawing/2010/main"/>
+                </a:ext>
+              </a:extLst>
+            </a:blip>
+            <a:stretch>
+              <a:fillRect/>
+            </a:stretch>
+          </p:blipFill>
+          <p:spPr>
+            <a:xfrm>
+              <a:off x="6365885" y="3436990"/>
+              <a:ext cx="466043" cy="434973"/>
+            </a:xfrm>
+            <a:prstGeom prst="rect">
+              <a:avLst/>
+            </a:prstGeom>
+          </p:spPr>
+        </p:pic>
+      </p:grpSp>
+      <p:sp>
+        <p:nvSpPr>
+          <p:cNvPr id="3" name="Rectangle 2"/>
+          <p:cNvSpPr/>
+          <p:nvPr/>
+        </p:nvSpPr>
+        <p:spPr bwMode="auto">
+          <a:xfrm>
+            <a:off x="555812" y="2119311"/>
+            <a:ext cx="11368108" cy="723642"/>
+          </a:xfrm>
+          <a:prstGeom prst="rect">
+            <a:avLst/>
+          </a:prstGeom>
+          <a:solidFill>
+            <a:schemeClr val="accent2">
+              <a:lumMod val="75000"/>
+            </a:schemeClr>
+          </a:solidFill>
+          <a:ln>
+            <a:noFill/>
+            <a:headEnd type="none" w="med" len="med"/>
+            <a:tailEnd type="none" w="med" len="med"/>
+          </a:ln>
+          <a:effectLst/>
+        </p:spPr>
+        <p:style>
+          <a:lnRef idx="1">
+            <a:schemeClr val="accent2"/>
+          </a:lnRef>
+          <a:fillRef idx="3">
+            <a:schemeClr val="accent2"/>
+          </a:fillRef>
+          <a:effectRef idx="2">
+            <a:schemeClr val="accent2"/>
+          </a:effectRef>
+          <a:fontRef idx="minor">
+            <a:schemeClr val="lt1"/>
+          </a:fontRef>
+        </p:style>
+        <p:txBody>
+          <a:bodyPr lIns="91440" tIns="91440" rIns="34294" bIns="34294" rtlCol="0" anchor="b" anchorCtr="0"/>
+          <a:lstStyle/>
+          <a:p>
+            <a:pPr algn="ctr" defTabSz="932406"/>
+            <a:r>
+              <a:rPr lang="en-US" sz="3200" dirty="0"/>
+              <a:t>Unified App</a:t>
+            </a:r>
+            <a:endParaRPr lang="en-US" sz="3200" dirty="0">
+              <a:gradFill>
+                <a:gsLst>
+                  <a:gs pos="0">
+                    <a:srgbClr val="FFFFFF"/>
+                  </a:gs>
+                  <a:gs pos="100000">
+                    <a:srgbClr val="FFFFFF"/>
+                  </a:gs>
+                </a:gsLst>
+                <a:lin ang="5400000" scaled="0"/>
+              </a:gradFill>
+              <a:ea typeface="Segoe UI" pitchFamily="34" charset="0"/>
+              <a:cs typeface="Segoe UI" pitchFamily="34" charset="0"/>
+            </a:endParaRPr>
+          </a:p>
+        </p:txBody>
+      </p:sp>
+    </p:spTree>
+    <p:extLst>
+      <p:ext uri="{BB962C8B-B14F-4D97-AF65-F5344CB8AC3E}">
+        <p14:creationId xmlns:p14="http://schemas.microsoft.com/office/powerpoint/2010/main" val="2346297038"/>
+      </p:ext>
+    </p:extLst>
+  </p:cSld>
+  <p:clrMapOvr>
+    <a:masterClrMapping/>
+  </p:clrMapOvr>
+  <p:transition>
+    <p:fade/>
+  </p:transition>
+  <p:timing>
+    <p:tnLst>
+      <p:par>
+        <p:cTn id="1" dur="indefinite" restart="never" nodeType="tmRoot"/>
+      </p:par>
+    </p:tnLst>
+  </p:timing>
+</p:sld>
+</file>
+
+<file path=ppt/slides/slide17.xml><?xml version="1.0" encoding="utf-8"?>
+<p:sld xmlns:a="http://schemas.openxmlformats.org/drawingml/2006/main" xmlns:r="http://schemas.openxmlformats.org/officeDocument/2006/relationships" xmlns:p="http://schemas.openxmlformats.org/presentationml/2006/main">
+  <p:cSld>
+    <p:bg>
+      <p:bgPr>
+        <a:blipFill dpi="0" rotWithShape="1">
+          <a:blip r:embed="rId3">
+            <a:alphaModFix amt="12000"/>
+            <a:lum/>
+          </a:blip>
+          <a:srcRect/>
+          <a:stretch>
+            <a:fillRect l="-45000" t="-39000" r="45000" b="-39000"/>
+          </a:stretch>
+        </a:blipFill>
+        <a:effectLst/>
+      </p:bgPr>
+    </p:bg>
+    <p:spTree>
+      <p:nvGrpSpPr>
+        <p:cNvPr id="1" name=""/>
+        <p:cNvGrpSpPr/>
+        <p:nvPr/>
+      </p:nvGrpSpPr>
+      <p:grpSpPr>
+        <a:xfrm>
+          <a:off x="0" y="0"/>
+          <a:ext cx="0" cy="0"/>
+          <a:chOff x="0" y="0"/>
+          <a:chExt cx="0" cy="0"/>
+        </a:xfrm>
+      </p:grpSpPr>
+      <p:sp>
+        <p:nvSpPr>
+          <p:cNvPr id="2" name="Title 1"/>
+          <p:cNvSpPr>
+            <a:spLocks noGrp="1"/>
+          </p:cNvSpPr>
+          <p:nvPr>
+            <p:ph type="title"/>
+          </p:nvPr>
+        </p:nvSpPr>
+        <p:spPr>
+          <a:xfrm>
+            <a:off x="268080" y="226025"/>
+            <a:ext cx="11655840" cy="899537"/>
+          </a:xfrm>
+        </p:spPr>
+        <p:txBody>
+          <a:bodyPr/>
+          <a:lstStyle/>
+          <a:p>
+            <a:pPr algn="ctr"/>
+            <a:r>
+              <a:rPr lang="en-US" dirty="0"/>
+              <a:t>PCL App Configuration</a:t>
             </a:r>
             <a:endParaRPr lang="en-US" b="1" dirty="0"/>
           </a:p>
@@ -12629,2154 +11531,6 @@
             </a:r>
             <a:r>
               <a:rPr lang="en-US" sz="3200" dirty="0"/>
-              <a:t>Constant Reader</a:t>
-            </a:r>
-            <a:endParaRPr lang="en-US" sz="3200" dirty="0">
-              <a:gradFill>
-                <a:gsLst>
-                  <a:gs pos="0">
-                    <a:srgbClr val="FFFFFF"/>
-                  </a:gs>
-                  <a:gs pos="100000">
-                    <a:srgbClr val="FFFFFF"/>
-                  </a:gs>
-                </a:gsLst>
-                <a:lin ang="5400000" scaled="0"/>
-              </a:gradFill>
-              <a:ea typeface="Segoe UI" pitchFamily="34" charset="0"/>
-              <a:cs typeface="Segoe UI" pitchFamily="34" charset="0"/>
-            </a:endParaRPr>
-          </a:p>
-        </p:txBody>
-      </p:sp>
-    </p:spTree>
-    <p:extLst>
-      <p:ext uri="{BB962C8B-B14F-4D97-AF65-F5344CB8AC3E}">
-        <p14:creationId xmlns:p14="http://schemas.microsoft.com/office/powerpoint/2010/main" val="2298950748"/>
-      </p:ext>
-    </p:extLst>
-  </p:cSld>
-  <p:clrMapOvr>
-    <a:masterClrMapping/>
-  </p:clrMapOvr>
-  <p:transition>
-    <p:fade/>
-  </p:transition>
-  <p:timing>
-    <p:tnLst>
-      <p:par>
-        <p:cTn id="1" dur="indefinite" restart="never" nodeType="tmRoot"/>
-      </p:par>
-    </p:tnLst>
-  </p:timing>
-</p:sld>
-</file>
-
-<file path=ppt/slides/slide19.xml><?xml version="1.0" encoding="utf-8"?>
-<p:sld xmlns:a="http://schemas.openxmlformats.org/drawingml/2006/main" xmlns:r="http://schemas.openxmlformats.org/officeDocument/2006/relationships" xmlns:p="http://schemas.openxmlformats.org/presentationml/2006/main">
-  <p:cSld>
-    <p:bg>
-      <p:bgPr>
-        <a:blipFill dpi="0" rotWithShape="1">
-          <a:blip r:embed="rId3">
-            <a:alphaModFix amt="12000"/>
-            <a:lum/>
-          </a:blip>
-          <a:srcRect/>
-          <a:stretch>
-            <a:fillRect l="-45000" t="-39000" r="45000" b="-39000"/>
-          </a:stretch>
-        </a:blipFill>
-        <a:effectLst/>
-      </p:bgPr>
-    </p:bg>
-    <p:spTree>
-      <p:nvGrpSpPr>
-        <p:cNvPr id="1" name=""/>
-        <p:cNvGrpSpPr/>
-        <p:nvPr/>
-      </p:nvGrpSpPr>
-      <p:grpSpPr>
-        <a:xfrm>
-          <a:off x="0" y="0"/>
-          <a:ext cx="0" cy="0"/>
-          <a:chOff x="0" y="0"/>
-          <a:chExt cx="0" cy="0"/>
-        </a:xfrm>
-      </p:grpSpPr>
-      <p:sp>
-        <p:nvSpPr>
-          <p:cNvPr id="2" name="Title 1"/>
-          <p:cNvSpPr>
-            <a:spLocks noGrp="1"/>
-          </p:cNvSpPr>
-          <p:nvPr>
-            <p:ph type="title"/>
-          </p:nvPr>
-        </p:nvSpPr>
-        <p:spPr>
-          <a:xfrm>
-            <a:off x="268080" y="226025"/>
-            <a:ext cx="11655840" cy="899537"/>
-          </a:xfrm>
-        </p:spPr>
-        <p:txBody>
-          <a:bodyPr/>
-          <a:lstStyle/>
-          <a:p>
-            <a:pPr algn="ctr"/>
-            <a:r>
-              <a:rPr lang="en-US" dirty="0"/>
-              <a:t>PCL App Configuration </a:t>
-            </a:r>
-            <a:r>
-              <a:rPr lang="en-US" b="1" dirty="0"/>
-              <a:t>PROS</a:t>
-            </a:r>
-          </a:p>
-        </p:txBody>
-      </p:sp>
-      <p:sp>
-        <p:nvSpPr>
-          <p:cNvPr id="24" name="Rectangle 23"/>
-          <p:cNvSpPr/>
-          <p:nvPr/>
-        </p:nvSpPr>
-        <p:spPr bwMode="auto">
-          <a:xfrm>
-            <a:off x="555812" y="2960240"/>
-            <a:ext cx="11368108" cy="3763289"/>
-          </a:xfrm>
-          <a:prstGeom prst="rect">
-            <a:avLst/>
-          </a:prstGeom>
-          <a:solidFill>
-            <a:schemeClr val="accent2">
-              <a:lumMod val="50000"/>
-              <a:alpha val="49000"/>
-            </a:schemeClr>
-          </a:solidFill>
-          <a:ln>
-            <a:noFill/>
-            <a:headEnd type="none" w="med" len="med"/>
-            <a:tailEnd type="none" w="med" len="med"/>
-          </a:ln>
-          <a:effectLst/>
-        </p:spPr>
-        <p:style>
-          <a:lnRef idx="1">
-            <a:schemeClr val="accent2"/>
-          </a:lnRef>
-          <a:fillRef idx="3">
-            <a:schemeClr val="accent2"/>
-          </a:fillRef>
-          <a:effectRef idx="2">
-            <a:schemeClr val="accent2"/>
-          </a:effectRef>
-          <a:fontRef idx="minor">
-            <a:schemeClr val="lt1"/>
-          </a:fontRef>
-        </p:style>
-        <p:txBody>
-          <a:bodyPr lIns="89642" tIns="89642" rIns="33620" bIns="33620" rtlCol="0" anchor="b" anchorCtr="0"/>
-          <a:lstStyle/>
-          <a:p>
-            <a:pPr algn="ctr" defTabSz="914038"/>
-            <a:r>
-              <a:rPr lang="en-US" sz="784" dirty="0">
-                <a:gradFill>
-                  <a:gsLst>
-                    <a:gs pos="0">
-                      <a:srgbClr val="FFFFFF"/>
-                    </a:gs>
-                    <a:gs pos="100000">
-                      <a:srgbClr val="FFFFFF"/>
-                    </a:gs>
-                  </a:gsLst>
-                  <a:lin ang="5400000" scaled="0"/>
-                </a:gradFill>
-                <a:ea typeface="Segoe UI" pitchFamily="34" charset="0"/>
-                <a:cs typeface="Segoe UI" pitchFamily="34" charset="0"/>
-              </a:rPr>
-              <a:t> </a:t>
-            </a:r>
-          </a:p>
-        </p:txBody>
-      </p:sp>
-      <p:sp>
-        <p:nvSpPr>
-          <p:cNvPr id="19" name="TextBox 18"/>
-          <p:cNvSpPr txBox="1"/>
-          <p:nvPr/>
-        </p:nvSpPr>
-        <p:spPr>
-          <a:xfrm>
-            <a:off x="799697" y="2975868"/>
-            <a:ext cx="10774664" cy="4513249"/>
-          </a:xfrm>
-          <a:prstGeom prst="rect">
-            <a:avLst/>
-          </a:prstGeom>
-          <a:noFill/>
-        </p:spPr>
-        <p:txBody>
-          <a:bodyPr wrap="square" lIns="179285" tIns="143428" rIns="179285" bIns="143428" rtlCol="0">
-            <a:spAutoFit/>
-          </a:bodyPr>
-          <a:lstStyle/>
-          <a:p>
-            <a:pPr marL="571500" indent="-571500" defTabSz="914102" fontAlgn="base">
-              <a:spcBef>
-                <a:spcPct val="0"/>
-              </a:spcBef>
-              <a:spcAft>
-                <a:spcPct val="0"/>
-              </a:spcAft>
-              <a:buFont typeface="Arial" panose="020B0604020202020204" pitchFamily="34" charset="0"/>
-              <a:buChar char="•"/>
-            </a:pPr>
-            <a:r>
-              <a:rPr lang="en-GB" sz="3921" dirty="0">
-                <a:solidFill>
-                  <a:srgbClr val="FFFFFF"/>
-                </a:solidFill>
-              </a:rPr>
-              <a:t>1 config for all platforms</a:t>
-            </a:r>
-          </a:p>
-          <a:p>
-            <a:pPr marL="571500" indent="-571500" defTabSz="914102" fontAlgn="base">
-              <a:spcBef>
-                <a:spcPct val="0"/>
-              </a:spcBef>
-              <a:spcAft>
-                <a:spcPct val="0"/>
-              </a:spcAft>
-              <a:buFont typeface="Arial" panose="020B0604020202020204" pitchFamily="34" charset="0"/>
-              <a:buChar char="•"/>
-            </a:pPr>
-            <a:r>
-              <a:rPr lang="en-GB" sz="3921" dirty="0">
-                <a:solidFill>
-                  <a:srgbClr val="FFFFFF"/>
-                </a:solidFill>
-              </a:rPr>
-              <a:t>located in pcl app project</a:t>
-            </a:r>
-          </a:p>
-          <a:p>
-            <a:pPr marL="571500" indent="-571500" defTabSz="914102" fontAlgn="base">
-              <a:spcBef>
-                <a:spcPct val="0"/>
-              </a:spcBef>
-              <a:spcAft>
-                <a:spcPct val="0"/>
-              </a:spcAft>
-              <a:buFont typeface="Arial" panose="020B0604020202020204" pitchFamily="34" charset="0"/>
-              <a:buChar char="•"/>
-            </a:pPr>
-            <a:r>
-              <a:rPr lang="en-US" sz="3921" dirty="0">
-                <a:solidFill>
-                  <a:srgbClr val="FFFFFF"/>
-                </a:solidFill>
-              </a:rPr>
-              <a:t>1 config api</a:t>
-            </a:r>
-          </a:p>
-          <a:p>
-            <a:pPr marL="571500" indent="-571500" defTabSz="914102" fontAlgn="base">
-              <a:spcBef>
-                <a:spcPct val="0"/>
-              </a:spcBef>
-              <a:spcAft>
-                <a:spcPct val="0"/>
-              </a:spcAft>
-              <a:buFont typeface="Arial" panose="020B0604020202020204" pitchFamily="34" charset="0"/>
-              <a:buChar char="•"/>
-            </a:pPr>
-            <a:r>
-              <a:rPr lang="en-US" sz="3921" dirty="0">
-                <a:solidFill>
-                  <a:srgbClr val="FFFFFF"/>
-                </a:solidFill>
-              </a:rPr>
-              <a:t>familiar to .net devs</a:t>
-            </a:r>
-          </a:p>
-          <a:p>
-            <a:pPr marL="571500" indent="-571500" defTabSz="914102" fontAlgn="base">
-              <a:spcBef>
-                <a:spcPct val="0"/>
-              </a:spcBef>
-              <a:spcAft>
-                <a:spcPct val="0"/>
-              </a:spcAft>
-              <a:buFont typeface="Arial" panose="020B0604020202020204" pitchFamily="34" charset="0"/>
-              <a:buChar char="•"/>
-            </a:pPr>
-            <a:r>
-              <a:rPr lang="en-US" sz="3921" dirty="0">
-                <a:solidFill>
-                  <a:srgbClr val="FFFFFF"/>
-                </a:solidFill>
-              </a:rPr>
-              <a:t>support for configuration transform</a:t>
-            </a:r>
-          </a:p>
-          <a:p>
-            <a:pPr marL="571500" indent="-571500" defTabSz="914102" fontAlgn="base">
-              <a:spcBef>
-                <a:spcPct val="0"/>
-              </a:spcBef>
-              <a:spcAft>
-                <a:spcPct val="0"/>
-              </a:spcAft>
-              <a:buFont typeface="Arial" panose="020B0604020202020204" pitchFamily="34" charset="0"/>
-              <a:buChar char="•"/>
-            </a:pPr>
-            <a:r>
-              <a:rPr lang="en-US" sz="3921" dirty="0">
-                <a:solidFill>
-                  <a:srgbClr val="FFFFFF"/>
-                </a:solidFill>
-              </a:rPr>
-              <a:t>can alter after compilation</a:t>
-            </a:r>
-          </a:p>
-          <a:p>
-            <a:pPr marL="571500" indent="-571500" defTabSz="914102" fontAlgn="base">
-              <a:spcBef>
-                <a:spcPct val="0"/>
-              </a:spcBef>
-              <a:spcAft>
-                <a:spcPct val="0"/>
-              </a:spcAft>
-              <a:buFont typeface="Arial" panose="020B0604020202020204" pitchFamily="34" charset="0"/>
-              <a:buChar char="•"/>
-            </a:pPr>
-            <a:endParaRPr lang="en-US" sz="3921" dirty="0">
-              <a:solidFill>
-                <a:srgbClr val="FFFFFF"/>
-              </a:solidFill>
-            </a:endParaRPr>
-          </a:p>
-        </p:txBody>
-      </p:sp>
-      <p:grpSp>
-        <p:nvGrpSpPr>
-          <p:cNvPr id="31" name="Group 30"/>
-          <p:cNvGrpSpPr/>
-          <p:nvPr/>
-        </p:nvGrpSpPr>
-        <p:grpSpPr>
-          <a:xfrm>
-            <a:off x="1902237" y="1021977"/>
-            <a:ext cx="1088487" cy="960142"/>
-            <a:chOff x="2057399" y="2725789"/>
-            <a:chExt cx="1028699" cy="1028700"/>
-          </a:xfrm>
-        </p:grpSpPr>
-        <p:sp>
-          <p:nvSpPr>
-            <p:cNvPr id="45" name="Oval 44"/>
-            <p:cNvSpPr/>
-            <p:nvPr/>
-          </p:nvSpPr>
-          <p:spPr bwMode="auto">
-            <a:xfrm>
-              <a:off x="2057399" y="2725789"/>
-              <a:ext cx="1028699" cy="1028700"/>
-            </a:xfrm>
-            <a:prstGeom prst="ellipse">
-              <a:avLst/>
-            </a:prstGeom>
-            <a:solidFill>
-              <a:srgbClr val="9570D5"/>
-            </a:solidFill>
-            <a:ln>
-              <a:noFill/>
-              <a:headEnd type="none" w="med" len="med"/>
-              <a:tailEnd type="none" w="med" len="med"/>
-            </a:ln>
-            <a:effectLst/>
-          </p:spPr>
-          <p:style>
-            <a:lnRef idx="1">
-              <a:schemeClr val="accent2"/>
-            </a:lnRef>
-            <a:fillRef idx="3">
-              <a:schemeClr val="accent2"/>
-            </a:fillRef>
-            <a:effectRef idx="2">
-              <a:schemeClr val="accent2"/>
-            </a:effectRef>
-            <a:fontRef idx="minor">
-              <a:schemeClr val="lt1"/>
-            </a:fontRef>
-          </p:style>
-          <p:txBody>
-            <a:bodyPr lIns="89642" tIns="89642" rIns="33620" bIns="33620" rtlCol="0" anchor="b" anchorCtr="0"/>
-            <a:lstStyle/>
-            <a:p>
-              <a:pPr algn="ctr" defTabSz="914038"/>
-              <a:endParaRPr lang="en-US" sz="784" dirty="0">
-                <a:gradFill>
-                  <a:gsLst>
-                    <a:gs pos="0">
-                      <a:srgbClr val="FFFFFF"/>
-                    </a:gs>
-                    <a:gs pos="100000">
-                      <a:srgbClr val="FFFFFF"/>
-                    </a:gs>
-                  </a:gsLst>
-                  <a:lin ang="5400000" scaled="0"/>
-                </a:gradFill>
-                <a:ea typeface="Segoe UI" pitchFamily="34" charset="0"/>
-                <a:cs typeface="Segoe UI" pitchFamily="34" charset="0"/>
-              </a:endParaRPr>
-            </a:p>
-          </p:txBody>
-        </p:sp>
-        <p:pic>
-          <p:nvPicPr>
-            <p:cNvPr id="46" name="Picture 45" descr="Apple_logo.pdf"/>
-            <p:cNvPicPr>
-              <a:picLocks noChangeAspect="1"/>
-            </p:cNvPicPr>
-            <p:nvPr/>
-          </p:nvPicPr>
-          <p:blipFill>
-            <a:blip r:embed="rId4">
-              <a:extLst>
-                <a:ext uri="{28A0092B-C50C-407E-A947-70E740481C1C}">
-                  <a14:useLocalDpi xmlns:a14="http://schemas.microsoft.com/office/drawing/2010/main"/>
-                </a:ext>
-              </a:extLst>
-            </a:blip>
-            <a:stretch>
-              <a:fillRect/>
-            </a:stretch>
-          </p:blipFill>
-          <p:spPr>
-            <a:xfrm>
-              <a:off x="2319103" y="2938131"/>
-              <a:ext cx="468070" cy="523137"/>
-            </a:xfrm>
-            <a:prstGeom prst="rect">
-              <a:avLst/>
-            </a:prstGeom>
-          </p:spPr>
-        </p:pic>
-      </p:grpSp>
-      <p:grpSp>
-        <p:nvGrpSpPr>
-          <p:cNvPr id="32" name="Group 31"/>
-          <p:cNvGrpSpPr/>
-          <p:nvPr/>
-        </p:nvGrpSpPr>
-        <p:grpSpPr>
-          <a:xfrm>
-            <a:off x="5707415" y="1021977"/>
-            <a:ext cx="1088487" cy="960142"/>
-            <a:chOff x="3810000" y="3144890"/>
-            <a:chExt cx="1028699" cy="1028700"/>
-          </a:xfrm>
-        </p:grpSpPr>
-        <p:sp>
-          <p:nvSpPr>
-            <p:cNvPr id="41" name="Oval 40"/>
-            <p:cNvSpPr/>
-            <p:nvPr/>
-          </p:nvSpPr>
-          <p:spPr bwMode="auto">
-            <a:xfrm>
-              <a:off x="3810000" y="3144890"/>
-              <a:ext cx="1028699" cy="1028700"/>
-            </a:xfrm>
-            <a:prstGeom prst="ellipse">
-              <a:avLst/>
-            </a:prstGeom>
-            <a:solidFill>
-              <a:srgbClr val="66B11F"/>
-            </a:solidFill>
-            <a:ln>
-              <a:noFill/>
-              <a:headEnd type="none" w="med" len="med"/>
-              <a:tailEnd type="none" w="med" len="med"/>
-            </a:ln>
-            <a:effectLst/>
-          </p:spPr>
-          <p:style>
-            <a:lnRef idx="1">
-              <a:schemeClr val="accent2"/>
-            </a:lnRef>
-            <a:fillRef idx="3">
-              <a:schemeClr val="accent2"/>
-            </a:fillRef>
-            <a:effectRef idx="2">
-              <a:schemeClr val="accent2"/>
-            </a:effectRef>
-            <a:fontRef idx="minor">
-              <a:schemeClr val="lt1"/>
-            </a:fontRef>
-          </p:style>
-          <p:txBody>
-            <a:bodyPr lIns="89642" tIns="89642" rIns="33620" bIns="33620" rtlCol="0" anchor="b" anchorCtr="0"/>
-            <a:lstStyle/>
-            <a:p>
-              <a:pPr algn="ctr" defTabSz="914038"/>
-              <a:endParaRPr lang="en-US" sz="784" dirty="0">
-                <a:gradFill>
-                  <a:gsLst>
-                    <a:gs pos="0">
-                      <a:srgbClr val="FFFFFF"/>
-                    </a:gs>
-                    <a:gs pos="100000">
-                      <a:srgbClr val="FFFFFF"/>
-                    </a:gs>
-                  </a:gsLst>
-                  <a:lin ang="5400000" scaled="0"/>
-                </a:gradFill>
-                <a:ea typeface="Segoe UI" pitchFamily="34" charset="0"/>
-                <a:cs typeface="Segoe UI" pitchFamily="34" charset="0"/>
-              </a:endParaRPr>
-            </a:p>
-          </p:txBody>
-        </p:sp>
-        <p:pic>
-          <p:nvPicPr>
-            <p:cNvPr id="44" name="Picture 43" descr="Android_logo.pdf"/>
-            <p:cNvPicPr>
-              <a:picLocks noChangeAspect="1"/>
-            </p:cNvPicPr>
-            <p:nvPr/>
-          </p:nvPicPr>
-          <p:blipFill>
-            <a:blip r:embed="rId5">
-              <a:extLst>
-                <a:ext uri="{28A0092B-C50C-407E-A947-70E740481C1C}">
-                  <a14:useLocalDpi xmlns:a14="http://schemas.microsoft.com/office/drawing/2010/main"/>
-                </a:ext>
-              </a:extLst>
-            </a:blip>
-            <a:stretch>
-              <a:fillRect/>
-            </a:stretch>
-          </p:blipFill>
-          <p:spPr>
-            <a:xfrm>
-              <a:off x="4097337" y="3402859"/>
-              <a:ext cx="434973" cy="500220"/>
-            </a:xfrm>
-            <a:prstGeom prst="rect">
-              <a:avLst/>
-            </a:prstGeom>
-          </p:spPr>
-        </p:pic>
-      </p:grpSp>
-      <p:grpSp>
-        <p:nvGrpSpPr>
-          <p:cNvPr id="33" name="Group 32"/>
-          <p:cNvGrpSpPr/>
-          <p:nvPr/>
-        </p:nvGrpSpPr>
-        <p:grpSpPr>
-          <a:xfrm>
-            <a:off x="9511413" y="1021977"/>
-            <a:ext cx="1088489" cy="960142"/>
-            <a:chOff x="6083298" y="3144890"/>
-            <a:chExt cx="1028699" cy="1028700"/>
-          </a:xfrm>
-        </p:grpSpPr>
-        <p:sp>
-          <p:nvSpPr>
-            <p:cNvPr id="36" name="Oval 35"/>
-            <p:cNvSpPr/>
-            <p:nvPr/>
-          </p:nvSpPr>
-          <p:spPr bwMode="auto">
-            <a:xfrm>
-              <a:off x="6083298" y="3144890"/>
-              <a:ext cx="1028699" cy="1028700"/>
-            </a:xfrm>
-            <a:prstGeom prst="ellipse">
-              <a:avLst/>
-            </a:prstGeom>
-            <a:solidFill>
-              <a:srgbClr val="00BBF1"/>
-            </a:solidFill>
-            <a:ln>
-              <a:noFill/>
-              <a:headEnd type="none" w="med" len="med"/>
-              <a:tailEnd type="none" w="med" len="med"/>
-            </a:ln>
-            <a:effectLst/>
-          </p:spPr>
-          <p:style>
-            <a:lnRef idx="1">
-              <a:schemeClr val="accent2"/>
-            </a:lnRef>
-            <a:fillRef idx="3">
-              <a:schemeClr val="accent2"/>
-            </a:fillRef>
-            <a:effectRef idx="2">
-              <a:schemeClr val="accent2"/>
-            </a:effectRef>
-            <a:fontRef idx="minor">
-              <a:schemeClr val="lt1"/>
-            </a:fontRef>
-          </p:style>
-          <p:txBody>
-            <a:bodyPr lIns="89642" tIns="89642" rIns="33620" bIns="33620" rtlCol="0" anchor="b" anchorCtr="0"/>
-            <a:lstStyle/>
-            <a:p>
-              <a:pPr algn="ctr" defTabSz="914038"/>
-              <a:endParaRPr lang="en-US" sz="784" dirty="0">
-                <a:gradFill>
-                  <a:gsLst>
-                    <a:gs pos="0">
-                      <a:srgbClr val="FFFFFF"/>
-                    </a:gs>
-                    <a:gs pos="100000">
-                      <a:srgbClr val="FFFFFF"/>
-                    </a:gs>
-                  </a:gsLst>
-                  <a:lin ang="5400000" scaled="0"/>
-                </a:gradFill>
-                <a:ea typeface="Segoe UI" pitchFamily="34" charset="0"/>
-                <a:cs typeface="Segoe UI" pitchFamily="34" charset="0"/>
-              </a:endParaRPr>
-            </a:p>
-          </p:txBody>
-        </p:sp>
-        <p:pic>
-          <p:nvPicPr>
-            <p:cNvPr id="38" name="Picture 37" descr="Windows_logo.pdf"/>
-            <p:cNvPicPr>
-              <a:picLocks noChangeAspect="1"/>
-            </p:cNvPicPr>
-            <p:nvPr/>
-          </p:nvPicPr>
-          <p:blipFill>
-            <a:blip r:embed="rId6">
-              <a:extLst>
-                <a:ext uri="{28A0092B-C50C-407E-A947-70E740481C1C}">
-                  <a14:useLocalDpi xmlns:a14="http://schemas.microsoft.com/office/drawing/2010/main"/>
-                </a:ext>
-              </a:extLst>
-            </a:blip>
-            <a:stretch>
-              <a:fillRect/>
-            </a:stretch>
-          </p:blipFill>
-          <p:spPr>
-            <a:xfrm>
-              <a:off x="6365885" y="3436990"/>
-              <a:ext cx="466043" cy="434973"/>
-            </a:xfrm>
-            <a:prstGeom prst="rect">
-              <a:avLst/>
-            </a:prstGeom>
-          </p:spPr>
-        </p:pic>
-      </p:grpSp>
-      <p:sp>
-        <p:nvSpPr>
-          <p:cNvPr id="3" name="Rectangle 2"/>
-          <p:cNvSpPr/>
-          <p:nvPr/>
-        </p:nvSpPr>
-        <p:spPr bwMode="auto">
-          <a:xfrm>
-            <a:off x="555812" y="2119311"/>
-            <a:ext cx="11368108" cy="723642"/>
-          </a:xfrm>
-          <a:prstGeom prst="rect">
-            <a:avLst/>
-          </a:prstGeom>
-          <a:solidFill>
-            <a:schemeClr val="accent2">
-              <a:lumMod val="75000"/>
-            </a:schemeClr>
-          </a:solidFill>
-          <a:ln>
-            <a:noFill/>
-            <a:headEnd type="none" w="med" len="med"/>
-            <a:tailEnd type="none" w="med" len="med"/>
-          </a:ln>
-          <a:effectLst/>
-        </p:spPr>
-        <p:style>
-          <a:lnRef idx="1">
-            <a:schemeClr val="accent2"/>
-          </a:lnRef>
-          <a:fillRef idx="3">
-            <a:schemeClr val="accent2"/>
-          </a:fillRef>
-          <a:effectRef idx="2">
-            <a:schemeClr val="accent2"/>
-          </a:effectRef>
-          <a:fontRef idx="minor">
-            <a:schemeClr val="lt1"/>
-          </a:fontRef>
-        </p:style>
-        <p:txBody>
-          <a:bodyPr lIns="91440" tIns="91440" rIns="34294" bIns="34294" rtlCol="0" anchor="b" anchorCtr="0"/>
-          <a:lstStyle/>
-          <a:p>
-            <a:pPr algn="ctr" defTabSz="932406"/>
-            <a:r>
-              <a:rPr lang="en-US" sz="3200" dirty="0"/>
-              <a:t>Unified App</a:t>
-            </a:r>
-            <a:endParaRPr lang="en-US" sz="3200" dirty="0">
-              <a:gradFill>
-                <a:gsLst>
-                  <a:gs pos="0">
-                    <a:srgbClr val="FFFFFF"/>
-                  </a:gs>
-                  <a:gs pos="100000">
-                    <a:srgbClr val="FFFFFF"/>
-                  </a:gs>
-                </a:gsLst>
-                <a:lin ang="5400000" scaled="0"/>
-              </a:gradFill>
-              <a:ea typeface="Segoe UI" pitchFamily="34" charset="0"/>
-              <a:cs typeface="Segoe UI" pitchFamily="34" charset="0"/>
-            </a:endParaRPr>
-          </a:p>
-        </p:txBody>
-      </p:sp>
-    </p:spTree>
-    <p:extLst>
-      <p:ext uri="{BB962C8B-B14F-4D97-AF65-F5344CB8AC3E}">
-        <p14:creationId xmlns:p14="http://schemas.microsoft.com/office/powerpoint/2010/main" val="2346297038"/>
-      </p:ext>
-    </p:extLst>
-  </p:cSld>
-  <p:clrMapOvr>
-    <a:masterClrMapping/>
-  </p:clrMapOvr>
-  <p:transition>
-    <p:fade/>
-  </p:transition>
-  <p:timing>
-    <p:tnLst>
-      <p:par>
-        <p:cTn id="1" dur="indefinite" restart="never" nodeType="tmRoot"/>
-      </p:par>
-    </p:tnLst>
-  </p:timing>
-</p:sld>
-</file>
-
-<file path=ppt/slides/slide2.xml><?xml version="1.0" encoding="utf-8"?>
-<p:sld xmlns:a="http://schemas.openxmlformats.org/drawingml/2006/main" xmlns:r="http://schemas.openxmlformats.org/officeDocument/2006/relationships" xmlns:p="http://schemas.openxmlformats.org/presentationml/2006/main">
-  <p:cSld>
-    <p:bg>
-      <p:bgPr>
-        <a:blipFill dpi="0" rotWithShape="1">
-          <a:blip r:embed="rId3">
-            <a:alphaModFix amt="12000"/>
-            <a:lum/>
-          </a:blip>
-          <a:srcRect/>
-          <a:stretch>
-            <a:fillRect l="-45000" t="-39000" r="45000" b="-39000"/>
-          </a:stretch>
-        </a:blipFill>
-        <a:effectLst/>
-      </p:bgPr>
-    </p:bg>
-    <p:spTree>
-      <p:nvGrpSpPr>
-        <p:cNvPr id="1" name=""/>
-        <p:cNvGrpSpPr/>
-        <p:nvPr/>
-      </p:nvGrpSpPr>
-      <p:grpSpPr>
-        <a:xfrm>
-          <a:off x="0" y="0"/>
-          <a:ext cx="0" cy="0"/>
-          <a:chOff x="0" y="0"/>
-          <a:chExt cx="0" cy="0"/>
-        </a:xfrm>
-      </p:grpSpPr>
-      <p:sp>
-        <p:nvSpPr>
-          <p:cNvPr id="9" name="Rectangle 8"/>
-          <p:cNvSpPr/>
-          <p:nvPr/>
-        </p:nvSpPr>
-        <p:spPr bwMode="auto">
-          <a:xfrm>
-            <a:off x="75156" y="2542711"/>
-            <a:ext cx="3970751" cy="2544853"/>
-          </a:xfrm>
-          <a:prstGeom prst="rect">
-            <a:avLst/>
-          </a:prstGeom>
-          <a:solidFill>
-            <a:srgbClr val="A6A6A6"/>
-          </a:solidFill>
-          <a:ln>
-            <a:noFill/>
-            <a:headEnd type="none" w="med" len="med"/>
-            <a:tailEnd type="none" w="med" len="med"/>
-          </a:ln>
-          <a:effectLst/>
-        </p:spPr>
-        <p:style>
-          <a:lnRef idx="1">
-            <a:schemeClr val="accent2"/>
-          </a:lnRef>
-          <a:fillRef idx="3">
-            <a:schemeClr val="accent2"/>
-          </a:fillRef>
-          <a:effectRef idx="2">
-            <a:schemeClr val="accent2"/>
-          </a:effectRef>
-          <a:fontRef idx="minor">
-            <a:schemeClr val="lt1"/>
-          </a:fontRef>
-        </p:style>
-        <p:txBody>
-          <a:bodyPr lIns="89642" tIns="89642" rIns="33620" bIns="33620" rtlCol="0" anchor="b" anchorCtr="0"/>
-          <a:lstStyle/>
-          <a:p>
-            <a:pPr algn="ctr" defTabSz="914038"/>
-            <a:r>
-              <a:rPr lang="en-US" sz="784" dirty="0">
-                <a:gradFill>
-                  <a:gsLst>
-                    <a:gs pos="0">
-                      <a:srgbClr val="FFFFFF"/>
-                    </a:gs>
-                    <a:gs pos="100000">
-                      <a:srgbClr val="FFFFFF"/>
-                    </a:gs>
-                  </a:gsLst>
-                  <a:lin ang="5400000" scaled="0"/>
-                </a:gradFill>
-                <a:ea typeface="Segoe UI" pitchFamily="34" charset="0"/>
-                <a:cs typeface="Segoe UI" pitchFamily="34" charset="0"/>
-              </a:rPr>
-              <a:t> </a:t>
-            </a:r>
-          </a:p>
-        </p:txBody>
-      </p:sp>
-      <p:sp>
-        <p:nvSpPr>
-          <p:cNvPr id="31" name="Rectangle 30"/>
-          <p:cNvSpPr/>
-          <p:nvPr/>
-        </p:nvSpPr>
-        <p:spPr bwMode="auto">
-          <a:xfrm>
-            <a:off x="92710" y="2542711"/>
-            <a:ext cx="3953838" cy="806692"/>
-          </a:xfrm>
-          <a:prstGeom prst="rect">
-            <a:avLst/>
-          </a:prstGeom>
-          <a:solidFill>
-            <a:schemeClr val="tx2"/>
-          </a:solidFill>
-          <a:ln>
-            <a:noFill/>
-            <a:headEnd type="none" w="med" len="med"/>
-            <a:tailEnd type="none" w="med" len="med"/>
-          </a:ln>
-          <a:effectLst/>
-        </p:spPr>
-        <p:style>
-          <a:lnRef idx="1">
-            <a:schemeClr val="accent2"/>
-          </a:lnRef>
-          <a:fillRef idx="3">
-            <a:schemeClr val="accent2"/>
-          </a:fillRef>
-          <a:effectRef idx="2">
-            <a:schemeClr val="accent2"/>
-          </a:effectRef>
-          <a:fontRef idx="minor">
-            <a:schemeClr val="lt1"/>
-          </a:fontRef>
-        </p:style>
-        <p:txBody>
-          <a:bodyPr lIns="89642" tIns="89642" rIns="33620" bIns="33620" rtlCol="0" anchor="b" anchorCtr="0"/>
-          <a:lstStyle/>
-          <a:p>
-            <a:pPr algn="ctr" defTabSz="914038"/>
-            <a:r>
-              <a:rPr lang="en-US" sz="784" dirty="0">
-                <a:gradFill>
-                  <a:gsLst>
-                    <a:gs pos="0">
-                      <a:srgbClr val="FFFFFF"/>
-                    </a:gs>
-                    <a:gs pos="100000">
-                      <a:srgbClr val="FFFFFF"/>
-                    </a:gs>
-                  </a:gsLst>
-                  <a:lin ang="5400000" scaled="0"/>
-                </a:gradFill>
-                <a:ea typeface="Segoe UI" pitchFamily="34" charset="0"/>
-                <a:cs typeface="Segoe UI" pitchFamily="34" charset="0"/>
-              </a:rPr>
-              <a:t> </a:t>
-            </a:r>
-          </a:p>
-        </p:txBody>
-      </p:sp>
-      <p:sp>
-        <p:nvSpPr>
-          <p:cNvPr id="2" name="Title 1"/>
-          <p:cNvSpPr>
-            <a:spLocks noGrp="1"/>
-          </p:cNvSpPr>
-          <p:nvPr>
-            <p:ph type="title"/>
-          </p:nvPr>
-        </p:nvSpPr>
-        <p:spPr>
-          <a:xfrm>
-            <a:off x="269241" y="289957"/>
-            <a:ext cx="11655840" cy="899537"/>
-          </a:xfrm>
-        </p:spPr>
-        <p:txBody>
-          <a:bodyPr/>
-          <a:lstStyle/>
-          <a:p>
-            <a:pPr algn="ctr"/>
-            <a:r>
-              <a:rPr lang="en-US" dirty="0"/>
-              <a:t>Configuration in the </a:t>
-            </a:r>
-            <a:r>
-              <a:rPr lang="en-US" dirty="0" err="1"/>
-              <a:t>.net</a:t>
-            </a:r>
-            <a:r>
-              <a:rPr lang="en-US" dirty="0"/>
-              <a:t> world</a:t>
-            </a:r>
-          </a:p>
-        </p:txBody>
-      </p:sp>
-      <p:sp>
-        <p:nvSpPr>
-          <p:cNvPr id="21" name="TextBox 20"/>
-          <p:cNvSpPr txBox="1"/>
-          <p:nvPr/>
-        </p:nvSpPr>
-        <p:spPr>
-          <a:xfrm>
-            <a:off x="161204" y="2642772"/>
-            <a:ext cx="3887841" cy="621608"/>
-          </a:xfrm>
-          <a:prstGeom prst="rect">
-            <a:avLst/>
-          </a:prstGeom>
-          <a:noFill/>
-        </p:spPr>
-        <p:txBody>
-          <a:bodyPr wrap="square" lIns="179285" tIns="143428" rIns="179285" bIns="143428" rtlCol="0">
-            <a:spAutoFit/>
-          </a:bodyPr>
-          <a:lstStyle/>
-          <a:p>
-            <a:pPr algn="ctr" defTabSz="914102" fontAlgn="base">
-              <a:spcBef>
-                <a:spcPct val="0"/>
-              </a:spcBef>
-              <a:spcAft>
-                <a:spcPct val="0"/>
-              </a:spcAft>
-            </a:pPr>
-            <a:r>
-              <a:rPr lang="en-US" sz="2157" dirty="0">
-                <a:solidFill>
-                  <a:schemeClr val="bg1"/>
-                </a:solidFill>
-              </a:rPr>
-              <a:t>ASP.net</a:t>
-            </a:r>
-          </a:p>
-        </p:txBody>
-      </p:sp>
-      <p:sp>
-        <p:nvSpPr>
-          <p:cNvPr id="27" name="TextBox 26"/>
-          <p:cNvSpPr txBox="1"/>
-          <p:nvPr/>
-        </p:nvSpPr>
-        <p:spPr>
-          <a:xfrm>
-            <a:off x="164091" y="3542020"/>
-            <a:ext cx="3825447" cy="1422403"/>
-          </a:xfrm>
-          <a:prstGeom prst="rect">
-            <a:avLst/>
-          </a:prstGeom>
-          <a:noFill/>
-        </p:spPr>
-        <p:txBody>
-          <a:bodyPr wrap="square" lIns="179285" tIns="143428" rIns="179285" bIns="143428" rtlCol="0">
-            <a:spAutoFit/>
-          </a:bodyPr>
-          <a:lstStyle/>
-          <a:p>
-            <a:pPr defTabSz="914102" fontAlgn="base">
-              <a:spcBef>
-                <a:spcPct val="0"/>
-              </a:spcBef>
-              <a:spcAft>
-                <a:spcPct val="0"/>
-              </a:spcAft>
-            </a:pPr>
-            <a:r>
-              <a:rPr lang="en-US" dirty="0" err="1"/>
-              <a:t>web.config</a:t>
-            </a:r>
-            <a:endParaRPr lang="en-US" dirty="0"/>
-          </a:p>
-          <a:p>
-            <a:pPr defTabSz="914102" fontAlgn="base">
-              <a:spcBef>
-                <a:spcPct val="0"/>
-              </a:spcBef>
-              <a:spcAft>
-                <a:spcPct val="0"/>
-              </a:spcAft>
-            </a:pPr>
-            <a:r>
-              <a:rPr lang="en-US" dirty="0"/>
-              <a:t>Api: </a:t>
-            </a:r>
-            <a:r>
-              <a:rPr lang="en-US" dirty="0" err="1"/>
-              <a:t>System.Configuration</a:t>
-            </a:r>
-            <a:endParaRPr lang="en-US" dirty="0"/>
-          </a:p>
-          <a:p>
-            <a:pPr defTabSz="914102" fontAlgn="base">
-              <a:spcBef>
-                <a:spcPct val="0"/>
-              </a:spcBef>
-              <a:spcAft>
-                <a:spcPct val="0"/>
-              </a:spcAft>
-            </a:pPr>
-            <a:r>
-              <a:rPr lang="en-US" dirty="0"/>
-              <a:t>Configurations: Built in transforms</a:t>
-            </a:r>
-          </a:p>
-          <a:p>
-            <a:pPr defTabSz="914102" fontAlgn="base">
-              <a:spcBef>
-                <a:spcPct val="0"/>
-              </a:spcBef>
-              <a:spcAft>
-                <a:spcPct val="0"/>
-              </a:spcAft>
-            </a:pPr>
-            <a:endParaRPr lang="en-US" sz="1961" dirty="0">
-              <a:solidFill>
-                <a:schemeClr val="bg1"/>
-              </a:solidFill>
-              <a:latin typeface="+mj-lt"/>
-            </a:endParaRPr>
-          </a:p>
-        </p:txBody>
-      </p:sp>
-      <p:sp>
-        <p:nvSpPr>
-          <p:cNvPr id="42" name="Rectangle 41"/>
-          <p:cNvSpPr/>
-          <p:nvPr/>
-        </p:nvSpPr>
-        <p:spPr bwMode="auto">
-          <a:xfrm>
-            <a:off x="4104761" y="2542711"/>
-            <a:ext cx="3970751" cy="2544853"/>
-          </a:xfrm>
-          <a:prstGeom prst="rect">
-            <a:avLst/>
-          </a:prstGeom>
-          <a:solidFill>
-            <a:srgbClr val="A6A6A6"/>
-          </a:solidFill>
-          <a:ln>
-            <a:noFill/>
-            <a:headEnd type="none" w="med" len="med"/>
-            <a:tailEnd type="none" w="med" len="med"/>
-          </a:ln>
-          <a:effectLst/>
-        </p:spPr>
-        <p:style>
-          <a:lnRef idx="1">
-            <a:schemeClr val="accent2"/>
-          </a:lnRef>
-          <a:fillRef idx="3">
-            <a:schemeClr val="accent2"/>
-          </a:fillRef>
-          <a:effectRef idx="2">
-            <a:schemeClr val="accent2"/>
-          </a:effectRef>
-          <a:fontRef idx="minor">
-            <a:schemeClr val="lt1"/>
-          </a:fontRef>
-        </p:style>
-        <p:txBody>
-          <a:bodyPr lIns="89642" tIns="89642" rIns="33620" bIns="33620" rtlCol="0" anchor="b" anchorCtr="0"/>
-          <a:lstStyle/>
-          <a:p>
-            <a:pPr algn="ctr" defTabSz="914038"/>
-            <a:r>
-              <a:rPr lang="en-US" sz="784" dirty="0">
-                <a:gradFill>
-                  <a:gsLst>
-                    <a:gs pos="0">
-                      <a:srgbClr val="FFFFFF"/>
-                    </a:gs>
-                    <a:gs pos="100000">
-                      <a:srgbClr val="FFFFFF"/>
-                    </a:gs>
-                  </a:gsLst>
-                  <a:lin ang="5400000" scaled="0"/>
-                </a:gradFill>
-                <a:ea typeface="Segoe UI" pitchFamily="34" charset="0"/>
-                <a:cs typeface="Segoe UI" pitchFamily="34" charset="0"/>
-              </a:rPr>
-              <a:t> </a:t>
-            </a:r>
-          </a:p>
-        </p:txBody>
-      </p:sp>
-      <p:sp>
-        <p:nvSpPr>
-          <p:cNvPr id="43" name="Rectangle 42"/>
-          <p:cNvSpPr/>
-          <p:nvPr/>
-        </p:nvSpPr>
-        <p:spPr bwMode="auto">
-          <a:xfrm>
-            <a:off x="4122315" y="2542711"/>
-            <a:ext cx="3953838" cy="806692"/>
-          </a:xfrm>
-          <a:prstGeom prst="rect">
-            <a:avLst/>
-          </a:prstGeom>
-          <a:solidFill>
-            <a:schemeClr val="tx2"/>
-          </a:solidFill>
-          <a:ln>
-            <a:noFill/>
-            <a:headEnd type="none" w="med" len="med"/>
-            <a:tailEnd type="none" w="med" len="med"/>
-          </a:ln>
-          <a:effectLst/>
-        </p:spPr>
-        <p:style>
-          <a:lnRef idx="1">
-            <a:schemeClr val="accent2"/>
-          </a:lnRef>
-          <a:fillRef idx="3">
-            <a:schemeClr val="accent2"/>
-          </a:fillRef>
-          <a:effectRef idx="2">
-            <a:schemeClr val="accent2"/>
-          </a:effectRef>
-          <a:fontRef idx="minor">
-            <a:schemeClr val="lt1"/>
-          </a:fontRef>
-        </p:style>
-        <p:txBody>
-          <a:bodyPr lIns="89642" tIns="89642" rIns="33620" bIns="33620" rtlCol="0" anchor="b" anchorCtr="0"/>
-          <a:lstStyle/>
-          <a:p>
-            <a:pPr algn="ctr" defTabSz="914038"/>
-            <a:r>
-              <a:rPr lang="en-US" sz="784" dirty="0">
-                <a:gradFill>
-                  <a:gsLst>
-                    <a:gs pos="0">
-                      <a:srgbClr val="FFFFFF"/>
-                    </a:gs>
-                    <a:gs pos="100000">
-                      <a:srgbClr val="FFFFFF"/>
-                    </a:gs>
-                  </a:gsLst>
-                  <a:lin ang="5400000" scaled="0"/>
-                </a:gradFill>
-                <a:ea typeface="Segoe UI" pitchFamily="34" charset="0"/>
-                <a:cs typeface="Segoe UI" pitchFamily="34" charset="0"/>
-              </a:rPr>
-              <a:t> </a:t>
-            </a:r>
-          </a:p>
-        </p:txBody>
-      </p:sp>
-      <p:sp>
-        <p:nvSpPr>
-          <p:cNvPr id="44" name="TextBox 43"/>
-          <p:cNvSpPr txBox="1"/>
-          <p:nvPr/>
-        </p:nvSpPr>
-        <p:spPr>
-          <a:xfrm>
-            <a:off x="4190809" y="2642772"/>
-            <a:ext cx="3887841" cy="621608"/>
-          </a:xfrm>
-          <a:prstGeom prst="rect">
-            <a:avLst/>
-          </a:prstGeom>
-          <a:noFill/>
-        </p:spPr>
-        <p:txBody>
-          <a:bodyPr wrap="square" lIns="179285" tIns="143428" rIns="179285" bIns="143428" rtlCol="0">
-            <a:spAutoFit/>
-          </a:bodyPr>
-          <a:lstStyle/>
-          <a:p>
-            <a:pPr algn="ctr" defTabSz="914102" fontAlgn="base">
-              <a:spcBef>
-                <a:spcPct val="0"/>
-              </a:spcBef>
-              <a:spcAft>
-                <a:spcPct val="0"/>
-              </a:spcAft>
-            </a:pPr>
-            <a:r>
-              <a:rPr lang="en-US" sz="2157" dirty="0">
-                <a:solidFill>
-                  <a:schemeClr val="bg1"/>
-                </a:solidFill>
-              </a:rPr>
-              <a:t>WPF, </a:t>
-            </a:r>
-            <a:r>
-              <a:rPr lang="en-US" sz="2157" dirty="0" err="1">
-                <a:solidFill>
-                  <a:schemeClr val="bg1"/>
-                </a:solidFill>
-              </a:rPr>
-              <a:t>WinForm</a:t>
-            </a:r>
-            <a:r>
-              <a:rPr lang="en-US" sz="2157" dirty="0">
-                <a:solidFill>
-                  <a:schemeClr val="bg1"/>
-                </a:solidFill>
-              </a:rPr>
-              <a:t>, Service</a:t>
-            </a:r>
-          </a:p>
-        </p:txBody>
-      </p:sp>
-      <p:sp>
-        <p:nvSpPr>
-          <p:cNvPr id="45" name="TextBox 44"/>
-          <p:cNvSpPr txBox="1"/>
-          <p:nvPr/>
-        </p:nvSpPr>
-        <p:spPr>
-          <a:xfrm>
-            <a:off x="4193696" y="3542020"/>
-            <a:ext cx="3825447" cy="1699402"/>
-          </a:xfrm>
-          <a:prstGeom prst="rect">
-            <a:avLst/>
-          </a:prstGeom>
-          <a:noFill/>
-        </p:spPr>
-        <p:txBody>
-          <a:bodyPr wrap="square" lIns="179285" tIns="143428" rIns="179285" bIns="143428" rtlCol="0">
-            <a:spAutoFit/>
-          </a:bodyPr>
-          <a:lstStyle/>
-          <a:p>
-            <a:pPr defTabSz="914102" fontAlgn="base">
-              <a:spcBef>
-                <a:spcPct val="0"/>
-              </a:spcBef>
-              <a:spcAft>
-                <a:spcPct val="0"/>
-              </a:spcAft>
-            </a:pPr>
-            <a:r>
-              <a:rPr lang="en-US" dirty="0" err="1"/>
-              <a:t>app.config</a:t>
-            </a:r>
-            <a:r>
-              <a:rPr lang="en-US" dirty="0"/>
-              <a:t>, </a:t>
-            </a:r>
-            <a:r>
-              <a:rPr lang="en-US" dirty="0" err="1"/>
-              <a:t>settings.settings</a:t>
-            </a:r>
-            <a:endParaRPr lang="en-US" dirty="0"/>
-          </a:p>
-          <a:p>
-            <a:pPr defTabSz="914102" fontAlgn="base">
-              <a:spcBef>
-                <a:spcPct val="0"/>
-              </a:spcBef>
-              <a:spcAft>
-                <a:spcPct val="0"/>
-              </a:spcAft>
-            </a:pPr>
-            <a:r>
-              <a:rPr lang="en-US" dirty="0"/>
-              <a:t>Api: </a:t>
-            </a:r>
-            <a:r>
-              <a:rPr lang="en-US" dirty="0" err="1"/>
-              <a:t>System.Configuration</a:t>
-            </a:r>
-            <a:endParaRPr lang="en-US" dirty="0"/>
-          </a:p>
-          <a:p>
-            <a:pPr defTabSz="914102" fontAlgn="base">
-              <a:spcBef>
-                <a:spcPct val="0"/>
-              </a:spcBef>
-              <a:spcAft>
-                <a:spcPct val="0"/>
-              </a:spcAft>
-            </a:pPr>
-            <a:r>
-              <a:rPr lang="en-US" dirty="0"/>
-              <a:t>Configurations: Transforms with 3</a:t>
-            </a:r>
-            <a:r>
-              <a:rPr lang="en-US" baseline="30000" dirty="0"/>
-              <a:t>rd</a:t>
-            </a:r>
-            <a:r>
-              <a:rPr lang="en-US" dirty="0"/>
-              <a:t> party (slow cheetah)</a:t>
-            </a:r>
-          </a:p>
-          <a:p>
-            <a:pPr defTabSz="914102" fontAlgn="base">
-              <a:spcBef>
-                <a:spcPct val="0"/>
-              </a:spcBef>
-              <a:spcAft>
-                <a:spcPct val="0"/>
-              </a:spcAft>
-            </a:pPr>
-            <a:endParaRPr lang="en-US" sz="1961" dirty="0">
-              <a:solidFill>
-                <a:schemeClr val="bg1"/>
-              </a:solidFill>
-              <a:latin typeface="+mj-lt"/>
-            </a:endParaRPr>
-          </a:p>
-        </p:txBody>
-      </p:sp>
-      <p:sp>
-        <p:nvSpPr>
-          <p:cNvPr id="59" name="Rectangle 58"/>
-          <p:cNvSpPr/>
-          <p:nvPr/>
-        </p:nvSpPr>
-        <p:spPr bwMode="auto">
-          <a:xfrm>
-            <a:off x="8138978" y="2542711"/>
-            <a:ext cx="3970751" cy="2544853"/>
-          </a:xfrm>
-          <a:prstGeom prst="rect">
-            <a:avLst/>
-          </a:prstGeom>
-          <a:solidFill>
-            <a:srgbClr val="A6A6A6"/>
-          </a:solidFill>
-          <a:ln>
-            <a:noFill/>
-            <a:headEnd type="none" w="med" len="med"/>
-            <a:tailEnd type="none" w="med" len="med"/>
-          </a:ln>
-          <a:effectLst/>
-        </p:spPr>
-        <p:style>
-          <a:lnRef idx="1">
-            <a:schemeClr val="accent2"/>
-          </a:lnRef>
-          <a:fillRef idx="3">
-            <a:schemeClr val="accent2"/>
-          </a:fillRef>
-          <a:effectRef idx="2">
-            <a:schemeClr val="accent2"/>
-          </a:effectRef>
-          <a:fontRef idx="minor">
-            <a:schemeClr val="lt1"/>
-          </a:fontRef>
-        </p:style>
-        <p:txBody>
-          <a:bodyPr lIns="89642" tIns="89642" rIns="33620" bIns="33620" rtlCol="0" anchor="b" anchorCtr="0"/>
-          <a:lstStyle/>
-          <a:p>
-            <a:pPr algn="ctr" defTabSz="914038"/>
-            <a:r>
-              <a:rPr lang="en-US" sz="784" dirty="0">
-                <a:gradFill>
-                  <a:gsLst>
-                    <a:gs pos="0">
-                      <a:srgbClr val="FFFFFF"/>
-                    </a:gs>
-                    <a:gs pos="100000">
-                      <a:srgbClr val="FFFFFF"/>
-                    </a:gs>
-                  </a:gsLst>
-                  <a:lin ang="5400000" scaled="0"/>
-                </a:gradFill>
-                <a:ea typeface="Segoe UI" pitchFamily="34" charset="0"/>
-                <a:cs typeface="Segoe UI" pitchFamily="34" charset="0"/>
-              </a:rPr>
-              <a:t> </a:t>
-            </a:r>
-          </a:p>
-        </p:txBody>
-      </p:sp>
-      <p:sp>
-        <p:nvSpPr>
-          <p:cNvPr id="60" name="Rectangle 59"/>
-          <p:cNvSpPr/>
-          <p:nvPr/>
-        </p:nvSpPr>
-        <p:spPr bwMode="auto">
-          <a:xfrm>
-            <a:off x="8156532" y="2542711"/>
-            <a:ext cx="3953838" cy="806692"/>
-          </a:xfrm>
-          <a:prstGeom prst="rect">
-            <a:avLst/>
-          </a:prstGeom>
-          <a:solidFill>
-            <a:schemeClr val="tx2"/>
-          </a:solidFill>
-          <a:ln>
-            <a:noFill/>
-            <a:headEnd type="none" w="med" len="med"/>
-            <a:tailEnd type="none" w="med" len="med"/>
-          </a:ln>
-          <a:effectLst/>
-        </p:spPr>
-        <p:style>
-          <a:lnRef idx="1">
-            <a:schemeClr val="accent2"/>
-          </a:lnRef>
-          <a:fillRef idx="3">
-            <a:schemeClr val="accent2"/>
-          </a:fillRef>
-          <a:effectRef idx="2">
-            <a:schemeClr val="accent2"/>
-          </a:effectRef>
-          <a:fontRef idx="minor">
-            <a:schemeClr val="lt1"/>
-          </a:fontRef>
-        </p:style>
-        <p:txBody>
-          <a:bodyPr lIns="89642" tIns="89642" rIns="33620" bIns="33620" rtlCol="0" anchor="b" anchorCtr="0"/>
-          <a:lstStyle/>
-          <a:p>
-            <a:pPr algn="ctr" defTabSz="914038"/>
-            <a:r>
-              <a:rPr lang="en-US" sz="784" dirty="0">
-                <a:gradFill>
-                  <a:gsLst>
-                    <a:gs pos="0">
-                      <a:srgbClr val="FFFFFF"/>
-                    </a:gs>
-                    <a:gs pos="100000">
-                      <a:srgbClr val="FFFFFF"/>
-                    </a:gs>
-                  </a:gsLst>
-                  <a:lin ang="5400000" scaled="0"/>
-                </a:gradFill>
-                <a:ea typeface="Segoe UI" pitchFamily="34" charset="0"/>
-                <a:cs typeface="Segoe UI" pitchFamily="34" charset="0"/>
-              </a:rPr>
-              <a:t> </a:t>
-            </a:r>
-          </a:p>
-        </p:txBody>
-      </p:sp>
-      <p:sp>
-        <p:nvSpPr>
-          <p:cNvPr id="61" name="TextBox 60"/>
-          <p:cNvSpPr txBox="1"/>
-          <p:nvPr/>
-        </p:nvSpPr>
-        <p:spPr>
-          <a:xfrm>
-            <a:off x="8225026" y="2642772"/>
-            <a:ext cx="3887841" cy="621608"/>
-          </a:xfrm>
-          <a:prstGeom prst="rect">
-            <a:avLst/>
-          </a:prstGeom>
-          <a:noFill/>
-        </p:spPr>
-        <p:txBody>
-          <a:bodyPr wrap="square" lIns="179285" tIns="143428" rIns="179285" bIns="143428" rtlCol="0">
-            <a:spAutoFit/>
-          </a:bodyPr>
-          <a:lstStyle/>
-          <a:p>
-            <a:pPr algn="ctr" defTabSz="914102" fontAlgn="base">
-              <a:spcBef>
-                <a:spcPct val="0"/>
-              </a:spcBef>
-              <a:spcAft>
-                <a:spcPct val="0"/>
-              </a:spcAft>
-            </a:pPr>
-            <a:r>
-              <a:rPr lang="en-US" sz="2157" dirty="0">
-                <a:solidFill>
-                  <a:schemeClr val="bg1"/>
-                </a:solidFill>
-              </a:rPr>
-              <a:t>Silverlight</a:t>
-            </a:r>
-          </a:p>
-        </p:txBody>
-      </p:sp>
-      <p:sp>
-        <p:nvSpPr>
-          <p:cNvPr id="62" name="TextBox 61"/>
-          <p:cNvSpPr txBox="1"/>
-          <p:nvPr/>
-        </p:nvSpPr>
-        <p:spPr>
-          <a:xfrm>
-            <a:off x="8227913" y="3542020"/>
-            <a:ext cx="3825447" cy="1422403"/>
-          </a:xfrm>
-          <a:prstGeom prst="rect">
-            <a:avLst/>
-          </a:prstGeom>
-          <a:noFill/>
-        </p:spPr>
-        <p:txBody>
-          <a:bodyPr wrap="square" lIns="179285" tIns="143428" rIns="179285" bIns="143428" rtlCol="0">
-            <a:spAutoFit/>
-          </a:bodyPr>
-          <a:lstStyle/>
-          <a:p>
-            <a:pPr defTabSz="914102" fontAlgn="base">
-              <a:spcBef>
-                <a:spcPct val="0"/>
-              </a:spcBef>
-              <a:spcAft>
-                <a:spcPct val="0"/>
-              </a:spcAft>
-            </a:pPr>
-            <a:r>
-              <a:rPr lang="en-US" dirty="0" err="1"/>
-              <a:t>Xaml</a:t>
-            </a:r>
-            <a:r>
-              <a:rPr lang="en-US" dirty="0"/>
-              <a:t>, </a:t>
-            </a:r>
-            <a:r>
-              <a:rPr lang="en-US" dirty="0" err="1"/>
-              <a:t>web.config</a:t>
-            </a:r>
-            <a:endParaRPr lang="en-US" dirty="0"/>
-          </a:p>
-          <a:p>
-            <a:pPr defTabSz="914102" fontAlgn="base">
-              <a:spcBef>
-                <a:spcPct val="0"/>
-              </a:spcBef>
-              <a:spcAft>
-                <a:spcPct val="0"/>
-              </a:spcAft>
-            </a:pPr>
-            <a:r>
-              <a:rPr lang="en-US" dirty="0"/>
-              <a:t>Api: </a:t>
-            </a:r>
-            <a:r>
-              <a:rPr lang="en-US" dirty="0" err="1"/>
-              <a:t>System.Configuration</a:t>
-            </a:r>
-            <a:endParaRPr lang="en-US" dirty="0"/>
-          </a:p>
-          <a:p>
-            <a:pPr defTabSz="914102" fontAlgn="base">
-              <a:spcBef>
-                <a:spcPct val="0"/>
-              </a:spcBef>
-              <a:spcAft>
-                <a:spcPct val="0"/>
-              </a:spcAft>
-            </a:pPr>
-            <a:r>
-              <a:rPr lang="en-US" dirty="0"/>
-              <a:t>Configurations: Built in transforms</a:t>
-            </a:r>
-          </a:p>
-          <a:p>
-            <a:pPr defTabSz="914102" fontAlgn="base">
-              <a:spcBef>
-                <a:spcPct val="0"/>
-              </a:spcBef>
-              <a:spcAft>
-                <a:spcPct val="0"/>
-              </a:spcAft>
-            </a:pPr>
-            <a:endParaRPr lang="en-US" sz="1961" dirty="0">
-              <a:solidFill>
-                <a:schemeClr val="bg1"/>
-              </a:solidFill>
-              <a:latin typeface="+mj-lt"/>
-            </a:endParaRPr>
-          </a:p>
-        </p:txBody>
-      </p:sp>
-    </p:spTree>
-    <p:extLst>
-      <p:ext uri="{BB962C8B-B14F-4D97-AF65-F5344CB8AC3E}">
-        <p14:creationId xmlns:p14="http://schemas.microsoft.com/office/powerpoint/2010/main" val="1424771149"/>
-      </p:ext>
-    </p:extLst>
-  </p:cSld>
-  <p:clrMapOvr>
-    <a:masterClrMapping/>
-  </p:clrMapOvr>
-  <p:transition>
-    <p:fade/>
-  </p:transition>
-  <p:timing>
-    <p:tnLst>
-      <p:par>
-        <p:cTn id="1" dur="indefinite" restart="never" nodeType="tmRoot"/>
-      </p:par>
-    </p:tnLst>
-  </p:timing>
-</p:sld>
-</file>
-
-<file path=ppt/slides/slide20.xml><?xml version="1.0" encoding="utf-8"?>
-<p:sld xmlns:a="http://schemas.openxmlformats.org/drawingml/2006/main" xmlns:r="http://schemas.openxmlformats.org/officeDocument/2006/relationships" xmlns:p="http://schemas.openxmlformats.org/presentationml/2006/main">
-  <p:cSld>
-    <p:bg>
-      <p:bgPr>
-        <a:blipFill dpi="0" rotWithShape="1">
-          <a:blip r:embed="rId3">
-            <a:alphaModFix amt="12000"/>
-            <a:lum/>
-          </a:blip>
-          <a:srcRect/>
-          <a:stretch>
-            <a:fillRect l="-45000" t="-39000" r="45000" b="-39000"/>
-          </a:stretch>
-        </a:blipFill>
-        <a:effectLst/>
-      </p:bgPr>
-    </p:bg>
-    <p:spTree>
-      <p:nvGrpSpPr>
-        <p:cNvPr id="1" name=""/>
-        <p:cNvGrpSpPr/>
-        <p:nvPr/>
-      </p:nvGrpSpPr>
-      <p:grpSpPr>
-        <a:xfrm>
-          <a:off x="0" y="0"/>
-          <a:ext cx="0" cy="0"/>
-          <a:chOff x="0" y="0"/>
-          <a:chExt cx="0" cy="0"/>
-        </a:xfrm>
-      </p:grpSpPr>
-      <p:sp>
-        <p:nvSpPr>
-          <p:cNvPr id="2" name="Title 1"/>
-          <p:cNvSpPr>
-            <a:spLocks noGrp="1"/>
-          </p:cNvSpPr>
-          <p:nvPr>
-            <p:ph type="title"/>
-          </p:nvPr>
-        </p:nvSpPr>
-        <p:spPr>
-          <a:xfrm>
-            <a:off x="268080" y="226025"/>
-            <a:ext cx="11655840" cy="899537"/>
-          </a:xfrm>
-        </p:spPr>
-        <p:txBody>
-          <a:bodyPr/>
-          <a:lstStyle/>
-          <a:p>
-            <a:pPr algn="ctr"/>
-            <a:r>
-              <a:rPr lang="en-US" dirty="0"/>
-              <a:t>PCL App Configuration</a:t>
-            </a:r>
-            <a:endParaRPr lang="en-US" b="1" dirty="0"/>
-          </a:p>
-        </p:txBody>
-      </p:sp>
-      <p:grpSp>
-        <p:nvGrpSpPr>
-          <p:cNvPr id="3" name="Group 2"/>
-          <p:cNvGrpSpPr/>
-          <p:nvPr/>
-        </p:nvGrpSpPr>
-        <p:grpSpPr>
-          <a:xfrm>
-            <a:off x="1902237" y="1021977"/>
-            <a:ext cx="8697665" cy="960142"/>
-            <a:chOff x="3562935" y="1444948"/>
-            <a:chExt cx="4902152" cy="613491"/>
-          </a:xfrm>
-        </p:grpSpPr>
-        <p:grpSp>
-          <p:nvGrpSpPr>
-            <p:cNvPr id="31" name="Group 30"/>
-            <p:cNvGrpSpPr/>
-            <p:nvPr/>
-          </p:nvGrpSpPr>
-          <p:grpSpPr>
-            <a:xfrm>
-              <a:off x="3562935" y="1444948"/>
-              <a:ext cx="613490" cy="613491"/>
-              <a:chOff x="2057399" y="2725789"/>
-              <a:chExt cx="1028699" cy="1028700"/>
-            </a:xfrm>
-          </p:grpSpPr>
-          <p:sp>
-            <p:nvSpPr>
-              <p:cNvPr id="45" name="Oval 44"/>
-              <p:cNvSpPr/>
-              <p:nvPr/>
-            </p:nvSpPr>
-            <p:spPr bwMode="auto">
-              <a:xfrm>
-                <a:off x="2057399" y="2725789"/>
-                <a:ext cx="1028699" cy="1028700"/>
-              </a:xfrm>
-              <a:prstGeom prst="ellipse">
-                <a:avLst/>
-              </a:prstGeom>
-              <a:solidFill>
-                <a:srgbClr val="9570D5"/>
-              </a:solidFill>
-              <a:ln>
-                <a:noFill/>
-                <a:headEnd type="none" w="med" len="med"/>
-                <a:tailEnd type="none" w="med" len="med"/>
-              </a:ln>
-              <a:effectLst/>
-            </p:spPr>
-            <p:style>
-              <a:lnRef idx="1">
-                <a:schemeClr val="accent2"/>
-              </a:lnRef>
-              <a:fillRef idx="3">
-                <a:schemeClr val="accent2"/>
-              </a:fillRef>
-              <a:effectRef idx="2">
-                <a:schemeClr val="accent2"/>
-              </a:effectRef>
-              <a:fontRef idx="minor">
-                <a:schemeClr val="lt1"/>
-              </a:fontRef>
-            </p:style>
-            <p:txBody>
-              <a:bodyPr lIns="89642" tIns="89642" rIns="33620" bIns="33620" rtlCol="0" anchor="b" anchorCtr="0"/>
-              <a:lstStyle/>
-              <a:p>
-                <a:pPr algn="ctr" defTabSz="914038"/>
-                <a:endParaRPr lang="en-US" sz="784" dirty="0">
-                  <a:gradFill>
-                    <a:gsLst>
-                      <a:gs pos="0">
-                        <a:srgbClr val="FFFFFF"/>
-                      </a:gs>
-                      <a:gs pos="100000">
-                        <a:srgbClr val="FFFFFF"/>
-                      </a:gs>
-                    </a:gsLst>
-                    <a:lin ang="5400000" scaled="0"/>
-                  </a:gradFill>
-                  <a:ea typeface="Segoe UI" pitchFamily="34" charset="0"/>
-                  <a:cs typeface="Segoe UI" pitchFamily="34" charset="0"/>
-                </a:endParaRPr>
-              </a:p>
-            </p:txBody>
-          </p:sp>
-          <p:pic>
-            <p:nvPicPr>
-              <p:cNvPr id="46" name="Picture 45" descr="Apple_logo.pdf"/>
-              <p:cNvPicPr>
-                <a:picLocks noChangeAspect="1"/>
-              </p:cNvPicPr>
-              <p:nvPr/>
-            </p:nvPicPr>
-            <p:blipFill>
-              <a:blip r:embed="rId4">
-                <a:extLst>
-                  <a:ext uri="{28A0092B-C50C-407E-A947-70E740481C1C}">
-                    <a14:useLocalDpi xmlns:a14="http://schemas.microsoft.com/office/drawing/2010/main"/>
-                  </a:ext>
-                </a:extLst>
-              </a:blip>
-              <a:stretch>
-                <a:fillRect/>
-              </a:stretch>
-            </p:blipFill>
-            <p:spPr>
-              <a:xfrm>
-                <a:off x="2319103" y="2938131"/>
-                <a:ext cx="468070" cy="523137"/>
-              </a:xfrm>
-              <a:prstGeom prst="rect">
-                <a:avLst/>
-              </a:prstGeom>
-            </p:spPr>
-          </p:pic>
-        </p:grpSp>
-        <p:grpSp>
-          <p:nvGrpSpPr>
-            <p:cNvPr id="32" name="Group 31"/>
-            <p:cNvGrpSpPr/>
-            <p:nvPr/>
-          </p:nvGrpSpPr>
-          <p:grpSpPr>
-            <a:xfrm>
-              <a:off x="5707598" y="1444948"/>
-              <a:ext cx="613490" cy="613491"/>
-              <a:chOff x="3810000" y="3144890"/>
-              <a:chExt cx="1028699" cy="1028700"/>
-            </a:xfrm>
-          </p:grpSpPr>
-          <p:sp>
-            <p:nvSpPr>
-              <p:cNvPr id="41" name="Oval 40"/>
-              <p:cNvSpPr/>
-              <p:nvPr/>
-            </p:nvSpPr>
-            <p:spPr bwMode="auto">
-              <a:xfrm>
-                <a:off x="3810000" y="3144890"/>
-                <a:ext cx="1028699" cy="1028700"/>
-              </a:xfrm>
-              <a:prstGeom prst="ellipse">
-                <a:avLst/>
-              </a:prstGeom>
-              <a:solidFill>
-                <a:srgbClr val="66B11F"/>
-              </a:solidFill>
-              <a:ln>
-                <a:noFill/>
-                <a:headEnd type="none" w="med" len="med"/>
-                <a:tailEnd type="none" w="med" len="med"/>
-              </a:ln>
-              <a:effectLst/>
-            </p:spPr>
-            <p:style>
-              <a:lnRef idx="1">
-                <a:schemeClr val="accent2"/>
-              </a:lnRef>
-              <a:fillRef idx="3">
-                <a:schemeClr val="accent2"/>
-              </a:fillRef>
-              <a:effectRef idx="2">
-                <a:schemeClr val="accent2"/>
-              </a:effectRef>
-              <a:fontRef idx="minor">
-                <a:schemeClr val="lt1"/>
-              </a:fontRef>
-            </p:style>
-            <p:txBody>
-              <a:bodyPr lIns="89642" tIns="89642" rIns="33620" bIns="33620" rtlCol="0" anchor="b" anchorCtr="0"/>
-              <a:lstStyle/>
-              <a:p>
-                <a:pPr algn="ctr" defTabSz="914038"/>
-                <a:endParaRPr lang="en-US" sz="784" dirty="0">
-                  <a:gradFill>
-                    <a:gsLst>
-                      <a:gs pos="0">
-                        <a:srgbClr val="FFFFFF"/>
-                      </a:gs>
-                      <a:gs pos="100000">
-                        <a:srgbClr val="FFFFFF"/>
-                      </a:gs>
-                    </a:gsLst>
-                    <a:lin ang="5400000" scaled="0"/>
-                  </a:gradFill>
-                  <a:ea typeface="Segoe UI" pitchFamily="34" charset="0"/>
-                  <a:cs typeface="Segoe UI" pitchFamily="34" charset="0"/>
-                </a:endParaRPr>
-              </a:p>
-            </p:txBody>
-          </p:sp>
-          <p:pic>
-            <p:nvPicPr>
-              <p:cNvPr id="44" name="Picture 43" descr="Android_logo.pdf"/>
-              <p:cNvPicPr>
-                <a:picLocks noChangeAspect="1"/>
-              </p:cNvPicPr>
-              <p:nvPr/>
-            </p:nvPicPr>
-            <p:blipFill>
-              <a:blip r:embed="rId5">
-                <a:extLst>
-                  <a:ext uri="{28A0092B-C50C-407E-A947-70E740481C1C}">
-                    <a14:useLocalDpi xmlns:a14="http://schemas.microsoft.com/office/drawing/2010/main"/>
-                  </a:ext>
-                </a:extLst>
-              </a:blip>
-              <a:stretch>
-                <a:fillRect/>
-              </a:stretch>
-            </p:blipFill>
-            <p:spPr>
-              <a:xfrm>
-                <a:off x="4097337" y="3402859"/>
-                <a:ext cx="434973" cy="500220"/>
-              </a:xfrm>
-              <a:prstGeom prst="rect">
-                <a:avLst/>
-              </a:prstGeom>
-            </p:spPr>
-          </p:pic>
-        </p:grpSp>
-        <p:grpSp>
-          <p:nvGrpSpPr>
-            <p:cNvPr id="33" name="Group 32"/>
-            <p:cNvGrpSpPr/>
-            <p:nvPr/>
-          </p:nvGrpSpPr>
-          <p:grpSpPr>
-            <a:xfrm>
-              <a:off x="7851596" y="1444948"/>
-              <a:ext cx="613491" cy="613491"/>
-              <a:chOff x="6083298" y="3144890"/>
-              <a:chExt cx="1028699" cy="1028700"/>
-            </a:xfrm>
-          </p:grpSpPr>
-          <p:sp>
-            <p:nvSpPr>
-              <p:cNvPr id="36" name="Oval 35"/>
-              <p:cNvSpPr/>
-              <p:nvPr/>
-            </p:nvSpPr>
-            <p:spPr bwMode="auto">
-              <a:xfrm>
-                <a:off x="6083298" y="3144890"/>
-                <a:ext cx="1028699" cy="1028700"/>
-              </a:xfrm>
-              <a:prstGeom prst="ellipse">
-                <a:avLst/>
-              </a:prstGeom>
-              <a:solidFill>
-                <a:srgbClr val="00BBF1"/>
-              </a:solidFill>
-              <a:ln>
-                <a:noFill/>
-                <a:headEnd type="none" w="med" len="med"/>
-                <a:tailEnd type="none" w="med" len="med"/>
-              </a:ln>
-              <a:effectLst/>
-            </p:spPr>
-            <p:style>
-              <a:lnRef idx="1">
-                <a:schemeClr val="accent2"/>
-              </a:lnRef>
-              <a:fillRef idx="3">
-                <a:schemeClr val="accent2"/>
-              </a:fillRef>
-              <a:effectRef idx="2">
-                <a:schemeClr val="accent2"/>
-              </a:effectRef>
-              <a:fontRef idx="minor">
-                <a:schemeClr val="lt1"/>
-              </a:fontRef>
-            </p:style>
-            <p:txBody>
-              <a:bodyPr lIns="89642" tIns="89642" rIns="33620" bIns="33620" rtlCol="0" anchor="b" anchorCtr="0"/>
-              <a:lstStyle/>
-              <a:p>
-                <a:pPr algn="ctr" defTabSz="914038"/>
-                <a:endParaRPr lang="en-US" sz="784" dirty="0">
-                  <a:gradFill>
-                    <a:gsLst>
-                      <a:gs pos="0">
-                        <a:srgbClr val="FFFFFF"/>
-                      </a:gs>
-                      <a:gs pos="100000">
-                        <a:srgbClr val="FFFFFF"/>
-                      </a:gs>
-                    </a:gsLst>
-                    <a:lin ang="5400000" scaled="0"/>
-                  </a:gradFill>
-                  <a:ea typeface="Segoe UI" pitchFamily="34" charset="0"/>
-                  <a:cs typeface="Segoe UI" pitchFamily="34" charset="0"/>
-                </a:endParaRPr>
-              </a:p>
-            </p:txBody>
-          </p:sp>
-          <p:pic>
-            <p:nvPicPr>
-              <p:cNvPr id="38" name="Picture 37" descr="Windows_logo.pdf"/>
-              <p:cNvPicPr>
-                <a:picLocks noChangeAspect="1"/>
-              </p:cNvPicPr>
-              <p:nvPr/>
-            </p:nvPicPr>
-            <p:blipFill>
-              <a:blip r:embed="rId6">
-                <a:extLst>
-                  <a:ext uri="{28A0092B-C50C-407E-A947-70E740481C1C}">
-                    <a14:useLocalDpi xmlns:a14="http://schemas.microsoft.com/office/drawing/2010/main"/>
-                  </a:ext>
-                </a:extLst>
-              </a:blip>
-              <a:stretch>
-                <a:fillRect/>
-              </a:stretch>
-            </p:blipFill>
-            <p:spPr>
-              <a:xfrm>
-                <a:off x="6365885" y="3436990"/>
-                <a:ext cx="466043" cy="434973"/>
-              </a:xfrm>
-              <a:prstGeom prst="rect">
-                <a:avLst/>
-              </a:prstGeom>
-            </p:spPr>
-          </p:pic>
-        </p:grpSp>
-      </p:grpSp>
-      <p:sp>
-        <p:nvSpPr>
-          <p:cNvPr id="21" name="Title 1"/>
-          <p:cNvSpPr txBox="1">
-            <a:spLocks/>
-          </p:cNvSpPr>
-          <p:nvPr/>
-        </p:nvSpPr>
-        <p:spPr>
-          <a:xfrm>
-            <a:off x="2025421" y="3949324"/>
-            <a:ext cx="7363987" cy="1505132"/>
-          </a:xfrm>
-          <a:prstGeom prst="rect">
-            <a:avLst/>
-          </a:prstGeom>
-        </p:spPr>
-        <p:txBody>
-          <a:bodyPr vert="horz" wrap="square" lIns="146304" tIns="91440" rIns="146304" bIns="91440" rtlCol="0" anchor="t">
-            <a:noAutofit/>
-          </a:bodyPr>
-          <a:lstStyle>
-            <a:lvl1pPr algn="l" defTabSz="914367" rtl="0" eaLnBrk="1" latinLnBrk="0" hangingPunct="1">
-              <a:lnSpc>
-                <a:spcPct val="90000"/>
-              </a:lnSpc>
-              <a:spcBef>
-                <a:spcPct val="0"/>
-              </a:spcBef>
-              <a:buNone/>
-              <a:defRPr lang="en-US" sz="4705" b="0" kern="1200" cap="none" spc="-100" baseline="0" dirty="0" smtClean="0">
-                <a:ln w="3175">
-                  <a:noFill/>
-                </a:ln>
-                <a:gradFill>
-                  <a:gsLst>
-                    <a:gs pos="1250">
-                      <a:schemeClr val="tx1"/>
-                    </a:gs>
-                    <a:gs pos="100000">
-                      <a:schemeClr val="tx1"/>
-                    </a:gs>
-                  </a:gsLst>
-                  <a:lin ang="5400000" scaled="0"/>
-                </a:gradFill>
-                <a:effectLst/>
-                <a:latin typeface="+mj-lt"/>
-                <a:ea typeface="+mn-ea"/>
-                <a:cs typeface="Segoe UI" pitchFamily="34" charset="0"/>
-              </a:defRPr>
-            </a:lvl1pPr>
-          </a:lstStyle>
-          <a:p>
-            <a:pPr algn="ctr"/>
-            <a:r>
-              <a:rPr lang="en-US" sz="9600" dirty="0"/>
-              <a:t>DEMO</a:t>
-            </a:r>
-            <a:endParaRPr lang="en-US" sz="9600" b="1" dirty="0"/>
-          </a:p>
-        </p:txBody>
-      </p:sp>
-      <p:sp>
-        <p:nvSpPr>
-          <p:cNvPr id="20" name="Rectangle 19"/>
-          <p:cNvSpPr/>
-          <p:nvPr/>
-        </p:nvSpPr>
-        <p:spPr bwMode="auto">
-          <a:xfrm>
-            <a:off x="555812" y="2119311"/>
-            <a:ext cx="11368108" cy="723642"/>
-          </a:xfrm>
-          <a:prstGeom prst="rect">
-            <a:avLst/>
-          </a:prstGeom>
-          <a:solidFill>
-            <a:schemeClr val="accent2">
-              <a:lumMod val="75000"/>
-            </a:schemeClr>
-          </a:solidFill>
-          <a:ln>
-            <a:noFill/>
-            <a:headEnd type="none" w="med" len="med"/>
-            <a:tailEnd type="none" w="med" len="med"/>
-          </a:ln>
-          <a:effectLst/>
-        </p:spPr>
-        <p:style>
-          <a:lnRef idx="1">
-            <a:schemeClr val="accent2"/>
-          </a:lnRef>
-          <a:fillRef idx="3">
-            <a:schemeClr val="accent2"/>
-          </a:fillRef>
-          <a:effectRef idx="2">
-            <a:schemeClr val="accent2"/>
-          </a:effectRef>
-          <a:fontRef idx="minor">
-            <a:schemeClr val="lt1"/>
-          </a:fontRef>
-        </p:style>
-        <p:txBody>
-          <a:bodyPr lIns="91440" tIns="91440" rIns="34294" bIns="34294" rtlCol="0" anchor="b" anchorCtr="0"/>
-          <a:lstStyle/>
-          <a:p>
-            <a:pPr algn="ctr" defTabSz="932406"/>
-            <a:r>
-              <a:rPr lang="en-US" sz="800" dirty="0"/>
-              <a:t> </a:t>
-            </a:r>
-            <a:r>
-              <a:rPr lang="en-US" sz="3200" dirty="0"/>
               <a:t>Unified App</a:t>
             </a:r>
             <a:endParaRPr lang="en-US" sz="3200" dirty="0">
@@ -14820,7 +11574,7 @@
 </p:sld>
 </file>
 
-<file path=ppt/slides/slide21.xml><?xml version="1.0" encoding="utf-8"?>
+<file path=ppt/slides/slide18.xml><?xml version="1.0" encoding="utf-8"?>
 <p:sld xmlns:a="http://schemas.openxmlformats.org/drawingml/2006/main" xmlns:r="http://schemas.openxmlformats.org/officeDocument/2006/relationships" xmlns:p="http://schemas.openxmlformats.org/presentationml/2006/main">
   <p:cSld>
     <p:bg>
@@ -15010,7 +11764,7 @@
 </p:sld>
 </file>
 
-<file path=ppt/slides/slide22.xml><?xml version="1.0" encoding="utf-8"?>
+<file path=ppt/slides/slide19.xml><?xml version="1.0" encoding="utf-8"?>
 <p:sld xmlns:a="http://schemas.openxmlformats.org/drawingml/2006/main" xmlns:r="http://schemas.openxmlformats.org/officeDocument/2006/relationships" xmlns:p="http://schemas.openxmlformats.org/presentationml/2006/main">
   <p:cSld>
     <p:bg>
@@ -15635,6 +12389,905 @@
     <p:bldLst>
       <p:bldP spid="27" grpId="0"/>
     </p:bldLst>
+  </p:timing>
+</p:sld>
+</file>
+
+<file path=ppt/slides/slide2.xml><?xml version="1.0" encoding="utf-8"?>
+<p:sld xmlns:a="http://schemas.openxmlformats.org/drawingml/2006/main" xmlns:r="http://schemas.openxmlformats.org/officeDocument/2006/relationships" xmlns:p="http://schemas.openxmlformats.org/presentationml/2006/main">
+  <p:cSld>
+    <p:bg>
+      <p:bgPr>
+        <a:blipFill dpi="0" rotWithShape="1">
+          <a:blip r:embed="rId3">
+            <a:alphaModFix amt="12000"/>
+            <a:lum/>
+          </a:blip>
+          <a:srcRect/>
+          <a:stretch>
+            <a:fillRect l="-45000" t="-39000" r="45000" b="-39000"/>
+          </a:stretch>
+        </a:blipFill>
+        <a:effectLst/>
+      </p:bgPr>
+    </p:bg>
+    <p:spTree>
+      <p:nvGrpSpPr>
+        <p:cNvPr id="1" name=""/>
+        <p:cNvGrpSpPr/>
+        <p:nvPr/>
+      </p:nvGrpSpPr>
+      <p:grpSpPr>
+        <a:xfrm>
+          <a:off x="0" y="0"/>
+          <a:ext cx="0" cy="0"/>
+          <a:chOff x="0" y="0"/>
+          <a:chExt cx="0" cy="0"/>
+        </a:xfrm>
+      </p:grpSpPr>
+      <p:sp>
+        <p:nvSpPr>
+          <p:cNvPr id="9" name="Rectangle 8"/>
+          <p:cNvSpPr/>
+          <p:nvPr/>
+        </p:nvSpPr>
+        <p:spPr bwMode="auto">
+          <a:xfrm>
+            <a:off x="75156" y="2542711"/>
+            <a:ext cx="3970751" cy="2544853"/>
+          </a:xfrm>
+          <a:prstGeom prst="rect">
+            <a:avLst/>
+          </a:prstGeom>
+          <a:solidFill>
+            <a:srgbClr val="A6A6A6"/>
+          </a:solidFill>
+          <a:ln>
+            <a:noFill/>
+            <a:headEnd type="none" w="med" len="med"/>
+            <a:tailEnd type="none" w="med" len="med"/>
+          </a:ln>
+          <a:effectLst/>
+        </p:spPr>
+        <p:style>
+          <a:lnRef idx="1">
+            <a:schemeClr val="accent2"/>
+          </a:lnRef>
+          <a:fillRef idx="3">
+            <a:schemeClr val="accent2"/>
+          </a:fillRef>
+          <a:effectRef idx="2">
+            <a:schemeClr val="accent2"/>
+          </a:effectRef>
+          <a:fontRef idx="minor">
+            <a:schemeClr val="lt1"/>
+          </a:fontRef>
+        </p:style>
+        <p:txBody>
+          <a:bodyPr lIns="89642" tIns="89642" rIns="33620" bIns="33620" rtlCol="0" anchor="b" anchorCtr="0"/>
+          <a:lstStyle/>
+          <a:p>
+            <a:pPr algn="ctr" defTabSz="914038"/>
+            <a:r>
+              <a:rPr lang="en-US" sz="784" dirty="0">
+                <a:gradFill>
+                  <a:gsLst>
+                    <a:gs pos="0">
+                      <a:srgbClr val="FFFFFF"/>
+                    </a:gs>
+                    <a:gs pos="100000">
+                      <a:srgbClr val="FFFFFF"/>
+                    </a:gs>
+                  </a:gsLst>
+                  <a:lin ang="5400000" scaled="0"/>
+                </a:gradFill>
+                <a:ea typeface="Segoe UI" pitchFamily="34" charset="0"/>
+                <a:cs typeface="Segoe UI" pitchFamily="34" charset="0"/>
+              </a:rPr>
+              <a:t> </a:t>
+            </a:r>
+          </a:p>
+        </p:txBody>
+      </p:sp>
+      <p:sp>
+        <p:nvSpPr>
+          <p:cNvPr id="31" name="Rectangle 30"/>
+          <p:cNvSpPr/>
+          <p:nvPr/>
+        </p:nvSpPr>
+        <p:spPr bwMode="auto">
+          <a:xfrm>
+            <a:off x="92710" y="2542711"/>
+            <a:ext cx="3953838" cy="806692"/>
+          </a:xfrm>
+          <a:prstGeom prst="rect">
+            <a:avLst/>
+          </a:prstGeom>
+          <a:solidFill>
+            <a:schemeClr val="tx2"/>
+          </a:solidFill>
+          <a:ln>
+            <a:noFill/>
+            <a:headEnd type="none" w="med" len="med"/>
+            <a:tailEnd type="none" w="med" len="med"/>
+          </a:ln>
+          <a:effectLst/>
+        </p:spPr>
+        <p:style>
+          <a:lnRef idx="1">
+            <a:schemeClr val="accent2"/>
+          </a:lnRef>
+          <a:fillRef idx="3">
+            <a:schemeClr val="accent2"/>
+          </a:fillRef>
+          <a:effectRef idx="2">
+            <a:schemeClr val="accent2"/>
+          </a:effectRef>
+          <a:fontRef idx="minor">
+            <a:schemeClr val="lt1"/>
+          </a:fontRef>
+        </p:style>
+        <p:txBody>
+          <a:bodyPr lIns="89642" tIns="89642" rIns="33620" bIns="33620" rtlCol="0" anchor="b" anchorCtr="0"/>
+          <a:lstStyle/>
+          <a:p>
+            <a:pPr algn="ctr" defTabSz="914038"/>
+            <a:r>
+              <a:rPr lang="en-US" sz="784" dirty="0">
+                <a:gradFill>
+                  <a:gsLst>
+                    <a:gs pos="0">
+                      <a:srgbClr val="FFFFFF"/>
+                    </a:gs>
+                    <a:gs pos="100000">
+                      <a:srgbClr val="FFFFFF"/>
+                    </a:gs>
+                  </a:gsLst>
+                  <a:lin ang="5400000" scaled="0"/>
+                </a:gradFill>
+                <a:ea typeface="Segoe UI" pitchFamily="34" charset="0"/>
+                <a:cs typeface="Segoe UI" pitchFamily="34" charset="0"/>
+              </a:rPr>
+              <a:t> </a:t>
+            </a:r>
+          </a:p>
+        </p:txBody>
+      </p:sp>
+      <p:sp>
+        <p:nvSpPr>
+          <p:cNvPr id="2" name="Title 1"/>
+          <p:cNvSpPr>
+            <a:spLocks noGrp="1"/>
+          </p:cNvSpPr>
+          <p:nvPr>
+            <p:ph type="title"/>
+          </p:nvPr>
+        </p:nvSpPr>
+        <p:spPr>
+          <a:xfrm>
+            <a:off x="269241" y="289957"/>
+            <a:ext cx="11655840" cy="899537"/>
+          </a:xfrm>
+        </p:spPr>
+        <p:txBody>
+          <a:bodyPr/>
+          <a:lstStyle/>
+          <a:p>
+            <a:pPr algn="ctr"/>
+            <a:r>
+              <a:rPr lang="en-US" dirty="0"/>
+              <a:t>Configuration in the </a:t>
+            </a:r>
+            <a:r>
+              <a:rPr lang="en-US" dirty="0" err="1"/>
+              <a:t>.net</a:t>
+            </a:r>
+            <a:r>
+              <a:rPr lang="en-US" dirty="0"/>
+              <a:t> world</a:t>
+            </a:r>
+          </a:p>
+        </p:txBody>
+      </p:sp>
+      <p:sp>
+        <p:nvSpPr>
+          <p:cNvPr id="21" name="TextBox 20"/>
+          <p:cNvSpPr txBox="1"/>
+          <p:nvPr/>
+        </p:nvSpPr>
+        <p:spPr>
+          <a:xfrm>
+            <a:off x="161204" y="2642772"/>
+            <a:ext cx="3887841" cy="621608"/>
+          </a:xfrm>
+          <a:prstGeom prst="rect">
+            <a:avLst/>
+          </a:prstGeom>
+          <a:noFill/>
+        </p:spPr>
+        <p:txBody>
+          <a:bodyPr wrap="square" lIns="179285" tIns="143428" rIns="179285" bIns="143428" rtlCol="0">
+            <a:spAutoFit/>
+          </a:bodyPr>
+          <a:lstStyle/>
+          <a:p>
+            <a:pPr algn="ctr" defTabSz="914102" fontAlgn="base">
+              <a:spcBef>
+                <a:spcPct val="0"/>
+              </a:spcBef>
+              <a:spcAft>
+                <a:spcPct val="0"/>
+              </a:spcAft>
+            </a:pPr>
+            <a:r>
+              <a:rPr lang="en-US" sz="2157" dirty="0">
+                <a:solidFill>
+                  <a:schemeClr val="bg1"/>
+                </a:solidFill>
+              </a:rPr>
+              <a:t>ASP.net</a:t>
+            </a:r>
+          </a:p>
+        </p:txBody>
+      </p:sp>
+      <p:sp>
+        <p:nvSpPr>
+          <p:cNvPr id="27" name="TextBox 26"/>
+          <p:cNvSpPr txBox="1"/>
+          <p:nvPr/>
+        </p:nvSpPr>
+        <p:spPr>
+          <a:xfrm>
+            <a:off x="164091" y="3542020"/>
+            <a:ext cx="3825447" cy="1422403"/>
+          </a:xfrm>
+          <a:prstGeom prst="rect">
+            <a:avLst/>
+          </a:prstGeom>
+          <a:noFill/>
+        </p:spPr>
+        <p:txBody>
+          <a:bodyPr wrap="square" lIns="179285" tIns="143428" rIns="179285" bIns="143428" rtlCol="0">
+            <a:spAutoFit/>
+          </a:bodyPr>
+          <a:lstStyle/>
+          <a:p>
+            <a:pPr defTabSz="914102" fontAlgn="base">
+              <a:spcBef>
+                <a:spcPct val="0"/>
+              </a:spcBef>
+              <a:spcAft>
+                <a:spcPct val="0"/>
+              </a:spcAft>
+            </a:pPr>
+            <a:r>
+              <a:rPr lang="en-US" dirty="0" err="1"/>
+              <a:t>web.config</a:t>
+            </a:r>
+            <a:endParaRPr lang="en-US" dirty="0"/>
+          </a:p>
+          <a:p>
+            <a:pPr defTabSz="914102" fontAlgn="base">
+              <a:spcBef>
+                <a:spcPct val="0"/>
+              </a:spcBef>
+              <a:spcAft>
+                <a:spcPct val="0"/>
+              </a:spcAft>
+            </a:pPr>
+            <a:r>
+              <a:rPr lang="en-US" dirty="0"/>
+              <a:t>Api: </a:t>
+            </a:r>
+            <a:r>
+              <a:rPr lang="en-US" dirty="0" err="1"/>
+              <a:t>System.Configuration</a:t>
+            </a:r>
+            <a:endParaRPr lang="en-US" dirty="0"/>
+          </a:p>
+          <a:p>
+            <a:pPr defTabSz="914102" fontAlgn="base">
+              <a:spcBef>
+                <a:spcPct val="0"/>
+              </a:spcBef>
+              <a:spcAft>
+                <a:spcPct val="0"/>
+              </a:spcAft>
+            </a:pPr>
+            <a:r>
+              <a:rPr lang="en-US" dirty="0"/>
+              <a:t>Configurations: Built in transforms</a:t>
+            </a:r>
+          </a:p>
+          <a:p>
+            <a:pPr defTabSz="914102" fontAlgn="base">
+              <a:spcBef>
+                <a:spcPct val="0"/>
+              </a:spcBef>
+              <a:spcAft>
+                <a:spcPct val="0"/>
+              </a:spcAft>
+            </a:pPr>
+            <a:endParaRPr lang="en-US" sz="1961" dirty="0">
+              <a:solidFill>
+                <a:schemeClr val="bg1"/>
+              </a:solidFill>
+              <a:latin typeface="+mj-lt"/>
+            </a:endParaRPr>
+          </a:p>
+        </p:txBody>
+      </p:sp>
+      <p:sp>
+        <p:nvSpPr>
+          <p:cNvPr id="42" name="Rectangle 41"/>
+          <p:cNvSpPr/>
+          <p:nvPr/>
+        </p:nvSpPr>
+        <p:spPr bwMode="auto">
+          <a:xfrm>
+            <a:off x="4104761" y="2542711"/>
+            <a:ext cx="3970751" cy="2544853"/>
+          </a:xfrm>
+          <a:prstGeom prst="rect">
+            <a:avLst/>
+          </a:prstGeom>
+          <a:solidFill>
+            <a:srgbClr val="A6A6A6"/>
+          </a:solidFill>
+          <a:ln>
+            <a:noFill/>
+            <a:headEnd type="none" w="med" len="med"/>
+            <a:tailEnd type="none" w="med" len="med"/>
+          </a:ln>
+          <a:effectLst/>
+        </p:spPr>
+        <p:style>
+          <a:lnRef idx="1">
+            <a:schemeClr val="accent2"/>
+          </a:lnRef>
+          <a:fillRef idx="3">
+            <a:schemeClr val="accent2"/>
+          </a:fillRef>
+          <a:effectRef idx="2">
+            <a:schemeClr val="accent2"/>
+          </a:effectRef>
+          <a:fontRef idx="minor">
+            <a:schemeClr val="lt1"/>
+          </a:fontRef>
+        </p:style>
+        <p:txBody>
+          <a:bodyPr lIns="89642" tIns="89642" rIns="33620" bIns="33620" rtlCol="0" anchor="b" anchorCtr="0"/>
+          <a:lstStyle/>
+          <a:p>
+            <a:pPr algn="ctr" defTabSz="914038"/>
+            <a:r>
+              <a:rPr lang="en-US" sz="784" dirty="0">
+                <a:gradFill>
+                  <a:gsLst>
+                    <a:gs pos="0">
+                      <a:srgbClr val="FFFFFF"/>
+                    </a:gs>
+                    <a:gs pos="100000">
+                      <a:srgbClr val="FFFFFF"/>
+                    </a:gs>
+                  </a:gsLst>
+                  <a:lin ang="5400000" scaled="0"/>
+                </a:gradFill>
+                <a:ea typeface="Segoe UI" pitchFamily="34" charset="0"/>
+                <a:cs typeface="Segoe UI" pitchFamily="34" charset="0"/>
+              </a:rPr>
+              <a:t> </a:t>
+            </a:r>
+          </a:p>
+        </p:txBody>
+      </p:sp>
+      <p:sp>
+        <p:nvSpPr>
+          <p:cNvPr id="43" name="Rectangle 42"/>
+          <p:cNvSpPr/>
+          <p:nvPr/>
+        </p:nvSpPr>
+        <p:spPr bwMode="auto">
+          <a:xfrm>
+            <a:off x="4122315" y="2542711"/>
+            <a:ext cx="3953838" cy="806692"/>
+          </a:xfrm>
+          <a:prstGeom prst="rect">
+            <a:avLst/>
+          </a:prstGeom>
+          <a:solidFill>
+            <a:schemeClr val="tx2"/>
+          </a:solidFill>
+          <a:ln>
+            <a:noFill/>
+            <a:headEnd type="none" w="med" len="med"/>
+            <a:tailEnd type="none" w="med" len="med"/>
+          </a:ln>
+          <a:effectLst/>
+        </p:spPr>
+        <p:style>
+          <a:lnRef idx="1">
+            <a:schemeClr val="accent2"/>
+          </a:lnRef>
+          <a:fillRef idx="3">
+            <a:schemeClr val="accent2"/>
+          </a:fillRef>
+          <a:effectRef idx="2">
+            <a:schemeClr val="accent2"/>
+          </a:effectRef>
+          <a:fontRef idx="minor">
+            <a:schemeClr val="lt1"/>
+          </a:fontRef>
+        </p:style>
+        <p:txBody>
+          <a:bodyPr lIns="89642" tIns="89642" rIns="33620" bIns="33620" rtlCol="0" anchor="b" anchorCtr="0"/>
+          <a:lstStyle/>
+          <a:p>
+            <a:pPr algn="ctr" defTabSz="914038"/>
+            <a:r>
+              <a:rPr lang="en-US" sz="784" dirty="0">
+                <a:gradFill>
+                  <a:gsLst>
+                    <a:gs pos="0">
+                      <a:srgbClr val="FFFFFF"/>
+                    </a:gs>
+                    <a:gs pos="100000">
+                      <a:srgbClr val="FFFFFF"/>
+                    </a:gs>
+                  </a:gsLst>
+                  <a:lin ang="5400000" scaled="0"/>
+                </a:gradFill>
+                <a:ea typeface="Segoe UI" pitchFamily="34" charset="0"/>
+                <a:cs typeface="Segoe UI" pitchFamily="34" charset="0"/>
+              </a:rPr>
+              <a:t> </a:t>
+            </a:r>
+          </a:p>
+        </p:txBody>
+      </p:sp>
+      <p:sp>
+        <p:nvSpPr>
+          <p:cNvPr id="44" name="TextBox 43"/>
+          <p:cNvSpPr txBox="1"/>
+          <p:nvPr/>
+        </p:nvSpPr>
+        <p:spPr>
+          <a:xfrm>
+            <a:off x="4190809" y="2642772"/>
+            <a:ext cx="3887841" cy="621608"/>
+          </a:xfrm>
+          <a:prstGeom prst="rect">
+            <a:avLst/>
+          </a:prstGeom>
+          <a:noFill/>
+        </p:spPr>
+        <p:txBody>
+          <a:bodyPr wrap="square" lIns="179285" tIns="143428" rIns="179285" bIns="143428" rtlCol="0">
+            <a:spAutoFit/>
+          </a:bodyPr>
+          <a:lstStyle/>
+          <a:p>
+            <a:pPr algn="ctr" defTabSz="914102" fontAlgn="base">
+              <a:spcBef>
+                <a:spcPct val="0"/>
+              </a:spcBef>
+              <a:spcAft>
+                <a:spcPct val="0"/>
+              </a:spcAft>
+            </a:pPr>
+            <a:r>
+              <a:rPr lang="en-US" sz="2157" dirty="0">
+                <a:solidFill>
+                  <a:schemeClr val="bg1"/>
+                </a:solidFill>
+              </a:rPr>
+              <a:t>WPF, </a:t>
+            </a:r>
+            <a:r>
+              <a:rPr lang="en-US" sz="2157" dirty="0" err="1">
+                <a:solidFill>
+                  <a:schemeClr val="bg1"/>
+                </a:solidFill>
+              </a:rPr>
+              <a:t>WinForm</a:t>
+            </a:r>
+            <a:r>
+              <a:rPr lang="en-US" sz="2157" dirty="0">
+                <a:solidFill>
+                  <a:schemeClr val="bg1"/>
+                </a:solidFill>
+              </a:rPr>
+              <a:t>, Service</a:t>
+            </a:r>
+          </a:p>
+        </p:txBody>
+      </p:sp>
+      <p:sp>
+        <p:nvSpPr>
+          <p:cNvPr id="45" name="TextBox 44"/>
+          <p:cNvSpPr txBox="1"/>
+          <p:nvPr/>
+        </p:nvSpPr>
+        <p:spPr>
+          <a:xfrm>
+            <a:off x="4193696" y="3542020"/>
+            <a:ext cx="3825447" cy="1699402"/>
+          </a:xfrm>
+          <a:prstGeom prst="rect">
+            <a:avLst/>
+          </a:prstGeom>
+          <a:noFill/>
+        </p:spPr>
+        <p:txBody>
+          <a:bodyPr wrap="square" lIns="179285" tIns="143428" rIns="179285" bIns="143428" rtlCol="0">
+            <a:spAutoFit/>
+          </a:bodyPr>
+          <a:lstStyle/>
+          <a:p>
+            <a:pPr defTabSz="914102" fontAlgn="base">
+              <a:spcBef>
+                <a:spcPct val="0"/>
+              </a:spcBef>
+              <a:spcAft>
+                <a:spcPct val="0"/>
+              </a:spcAft>
+            </a:pPr>
+            <a:r>
+              <a:rPr lang="en-US" dirty="0" err="1"/>
+              <a:t>app.config</a:t>
+            </a:r>
+            <a:r>
+              <a:rPr lang="en-US" dirty="0"/>
+              <a:t>, </a:t>
+            </a:r>
+            <a:r>
+              <a:rPr lang="en-US" dirty="0" err="1"/>
+              <a:t>settings.settings</a:t>
+            </a:r>
+            <a:endParaRPr lang="en-US" dirty="0"/>
+          </a:p>
+          <a:p>
+            <a:pPr defTabSz="914102" fontAlgn="base">
+              <a:spcBef>
+                <a:spcPct val="0"/>
+              </a:spcBef>
+              <a:spcAft>
+                <a:spcPct val="0"/>
+              </a:spcAft>
+            </a:pPr>
+            <a:r>
+              <a:rPr lang="en-US" dirty="0"/>
+              <a:t>Api: </a:t>
+            </a:r>
+            <a:r>
+              <a:rPr lang="en-US" dirty="0" err="1"/>
+              <a:t>System.Configuration</a:t>
+            </a:r>
+            <a:endParaRPr lang="en-US" dirty="0"/>
+          </a:p>
+          <a:p>
+            <a:pPr defTabSz="914102" fontAlgn="base">
+              <a:spcBef>
+                <a:spcPct val="0"/>
+              </a:spcBef>
+              <a:spcAft>
+                <a:spcPct val="0"/>
+              </a:spcAft>
+            </a:pPr>
+            <a:r>
+              <a:rPr lang="en-US" dirty="0"/>
+              <a:t>Configurations: Transforms with 3</a:t>
+            </a:r>
+            <a:r>
+              <a:rPr lang="en-US" baseline="30000" dirty="0"/>
+              <a:t>rd</a:t>
+            </a:r>
+            <a:r>
+              <a:rPr lang="en-US" dirty="0"/>
+              <a:t> party (slow cheetah)</a:t>
+            </a:r>
+          </a:p>
+          <a:p>
+            <a:pPr defTabSz="914102" fontAlgn="base">
+              <a:spcBef>
+                <a:spcPct val="0"/>
+              </a:spcBef>
+              <a:spcAft>
+                <a:spcPct val="0"/>
+              </a:spcAft>
+            </a:pPr>
+            <a:endParaRPr lang="en-US" sz="1961" dirty="0">
+              <a:solidFill>
+                <a:schemeClr val="bg1"/>
+              </a:solidFill>
+              <a:latin typeface="+mj-lt"/>
+            </a:endParaRPr>
+          </a:p>
+        </p:txBody>
+      </p:sp>
+      <p:sp>
+        <p:nvSpPr>
+          <p:cNvPr id="59" name="Rectangle 58"/>
+          <p:cNvSpPr/>
+          <p:nvPr/>
+        </p:nvSpPr>
+        <p:spPr bwMode="auto">
+          <a:xfrm>
+            <a:off x="8138978" y="2542711"/>
+            <a:ext cx="3970751" cy="2544853"/>
+          </a:xfrm>
+          <a:prstGeom prst="rect">
+            <a:avLst/>
+          </a:prstGeom>
+          <a:solidFill>
+            <a:srgbClr val="A6A6A6"/>
+          </a:solidFill>
+          <a:ln>
+            <a:noFill/>
+            <a:headEnd type="none" w="med" len="med"/>
+            <a:tailEnd type="none" w="med" len="med"/>
+          </a:ln>
+          <a:effectLst/>
+        </p:spPr>
+        <p:style>
+          <a:lnRef idx="1">
+            <a:schemeClr val="accent2"/>
+          </a:lnRef>
+          <a:fillRef idx="3">
+            <a:schemeClr val="accent2"/>
+          </a:fillRef>
+          <a:effectRef idx="2">
+            <a:schemeClr val="accent2"/>
+          </a:effectRef>
+          <a:fontRef idx="minor">
+            <a:schemeClr val="lt1"/>
+          </a:fontRef>
+        </p:style>
+        <p:txBody>
+          <a:bodyPr lIns="89642" tIns="89642" rIns="33620" bIns="33620" rtlCol="0" anchor="b" anchorCtr="0"/>
+          <a:lstStyle/>
+          <a:p>
+            <a:pPr algn="ctr" defTabSz="914038"/>
+            <a:r>
+              <a:rPr lang="en-US" sz="784" dirty="0">
+                <a:gradFill>
+                  <a:gsLst>
+                    <a:gs pos="0">
+                      <a:srgbClr val="FFFFFF"/>
+                    </a:gs>
+                    <a:gs pos="100000">
+                      <a:srgbClr val="FFFFFF"/>
+                    </a:gs>
+                  </a:gsLst>
+                  <a:lin ang="5400000" scaled="0"/>
+                </a:gradFill>
+                <a:ea typeface="Segoe UI" pitchFamily="34" charset="0"/>
+                <a:cs typeface="Segoe UI" pitchFamily="34" charset="0"/>
+              </a:rPr>
+              <a:t> </a:t>
+            </a:r>
+          </a:p>
+        </p:txBody>
+      </p:sp>
+      <p:sp>
+        <p:nvSpPr>
+          <p:cNvPr id="60" name="Rectangle 59"/>
+          <p:cNvSpPr/>
+          <p:nvPr/>
+        </p:nvSpPr>
+        <p:spPr bwMode="auto">
+          <a:xfrm>
+            <a:off x="8156532" y="2542711"/>
+            <a:ext cx="3953838" cy="806692"/>
+          </a:xfrm>
+          <a:prstGeom prst="rect">
+            <a:avLst/>
+          </a:prstGeom>
+          <a:solidFill>
+            <a:schemeClr val="tx2"/>
+          </a:solidFill>
+          <a:ln>
+            <a:noFill/>
+            <a:headEnd type="none" w="med" len="med"/>
+            <a:tailEnd type="none" w="med" len="med"/>
+          </a:ln>
+          <a:effectLst/>
+        </p:spPr>
+        <p:style>
+          <a:lnRef idx="1">
+            <a:schemeClr val="accent2"/>
+          </a:lnRef>
+          <a:fillRef idx="3">
+            <a:schemeClr val="accent2"/>
+          </a:fillRef>
+          <a:effectRef idx="2">
+            <a:schemeClr val="accent2"/>
+          </a:effectRef>
+          <a:fontRef idx="minor">
+            <a:schemeClr val="lt1"/>
+          </a:fontRef>
+        </p:style>
+        <p:txBody>
+          <a:bodyPr lIns="89642" tIns="89642" rIns="33620" bIns="33620" rtlCol="0" anchor="b" anchorCtr="0"/>
+          <a:lstStyle/>
+          <a:p>
+            <a:pPr algn="ctr" defTabSz="914038"/>
+            <a:r>
+              <a:rPr lang="en-US" sz="784" dirty="0">
+                <a:gradFill>
+                  <a:gsLst>
+                    <a:gs pos="0">
+                      <a:srgbClr val="FFFFFF"/>
+                    </a:gs>
+                    <a:gs pos="100000">
+                      <a:srgbClr val="FFFFFF"/>
+                    </a:gs>
+                  </a:gsLst>
+                  <a:lin ang="5400000" scaled="0"/>
+                </a:gradFill>
+                <a:ea typeface="Segoe UI" pitchFamily="34" charset="0"/>
+                <a:cs typeface="Segoe UI" pitchFamily="34" charset="0"/>
+              </a:rPr>
+              <a:t> </a:t>
+            </a:r>
+          </a:p>
+        </p:txBody>
+      </p:sp>
+      <p:sp>
+        <p:nvSpPr>
+          <p:cNvPr id="61" name="TextBox 60"/>
+          <p:cNvSpPr txBox="1"/>
+          <p:nvPr/>
+        </p:nvSpPr>
+        <p:spPr>
+          <a:xfrm>
+            <a:off x="8225026" y="2642772"/>
+            <a:ext cx="3887841" cy="621608"/>
+          </a:xfrm>
+          <a:prstGeom prst="rect">
+            <a:avLst/>
+          </a:prstGeom>
+          <a:noFill/>
+        </p:spPr>
+        <p:txBody>
+          <a:bodyPr wrap="square" lIns="179285" tIns="143428" rIns="179285" bIns="143428" rtlCol="0">
+            <a:spAutoFit/>
+          </a:bodyPr>
+          <a:lstStyle/>
+          <a:p>
+            <a:pPr algn="ctr" defTabSz="914102" fontAlgn="base">
+              <a:spcBef>
+                <a:spcPct val="0"/>
+              </a:spcBef>
+              <a:spcAft>
+                <a:spcPct val="0"/>
+              </a:spcAft>
+            </a:pPr>
+            <a:r>
+              <a:rPr lang="en-US" sz="2157" dirty="0">
+                <a:solidFill>
+                  <a:schemeClr val="bg1"/>
+                </a:solidFill>
+              </a:rPr>
+              <a:t>Silverlight</a:t>
+            </a:r>
+          </a:p>
+        </p:txBody>
+      </p:sp>
+      <p:sp>
+        <p:nvSpPr>
+          <p:cNvPr id="62" name="TextBox 61"/>
+          <p:cNvSpPr txBox="1"/>
+          <p:nvPr/>
+        </p:nvSpPr>
+        <p:spPr>
+          <a:xfrm>
+            <a:off x="8227913" y="3542020"/>
+            <a:ext cx="3825447" cy="1422403"/>
+          </a:xfrm>
+          <a:prstGeom prst="rect">
+            <a:avLst/>
+          </a:prstGeom>
+          <a:noFill/>
+        </p:spPr>
+        <p:txBody>
+          <a:bodyPr wrap="square" lIns="179285" tIns="143428" rIns="179285" bIns="143428" rtlCol="0">
+            <a:spAutoFit/>
+          </a:bodyPr>
+          <a:lstStyle/>
+          <a:p>
+            <a:pPr defTabSz="914102" fontAlgn="base">
+              <a:spcBef>
+                <a:spcPct val="0"/>
+              </a:spcBef>
+              <a:spcAft>
+                <a:spcPct val="0"/>
+              </a:spcAft>
+            </a:pPr>
+            <a:r>
+              <a:rPr lang="en-US" dirty="0" err="1"/>
+              <a:t>Xaml</a:t>
+            </a:r>
+            <a:r>
+              <a:rPr lang="en-US" dirty="0"/>
+              <a:t>, </a:t>
+            </a:r>
+            <a:r>
+              <a:rPr lang="en-US" dirty="0" err="1"/>
+              <a:t>web.config</a:t>
+            </a:r>
+            <a:endParaRPr lang="en-US" dirty="0"/>
+          </a:p>
+          <a:p>
+            <a:pPr defTabSz="914102" fontAlgn="base">
+              <a:spcBef>
+                <a:spcPct val="0"/>
+              </a:spcBef>
+              <a:spcAft>
+                <a:spcPct val="0"/>
+              </a:spcAft>
+            </a:pPr>
+            <a:r>
+              <a:rPr lang="en-US" dirty="0"/>
+              <a:t>Api: </a:t>
+            </a:r>
+            <a:r>
+              <a:rPr lang="en-US" dirty="0" err="1"/>
+              <a:t>System.Configuration</a:t>
+            </a:r>
+            <a:endParaRPr lang="en-US" dirty="0"/>
+          </a:p>
+          <a:p>
+            <a:pPr defTabSz="914102" fontAlgn="base">
+              <a:spcBef>
+                <a:spcPct val="0"/>
+              </a:spcBef>
+              <a:spcAft>
+                <a:spcPct val="0"/>
+              </a:spcAft>
+            </a:pPr>
+            <a:r>
+              <a:rPr lang="en-US" dirty="0"/>
+              <a:t>Configurations: Built in transforms</a:t>
+            </a:r>
+          </a:p>
+          <a:p>
+            <a:pPr defTabSz="914102" fontAlgn="base">
+              <a:spcBef>
+                <a:spcPct val="0"/>
+              </a:spcBef>
+              <a:spcAft>
+                <a:spcPct val="0"/>
+              </a:spcAft>
+            </a:pPr>
+            <a:endParaRPr lang="en-US" sz="1961" dirty="0">
+              <a:solidFill>
+                <a:schemeClr val="bg1"/>
+              </a:solidFill>
+              <a:latin typeface="+mj-lt"/>
+            </a:endParaRPr>
+          </a:p>
+        </p:txBody>
+      </p:sp>
+    </p:spTree>
+    <p:extLst>
+      <p:ext uri="{BB962C8B-B14F-4D97-AF65-F5344CB8AC3E}">
+        <p14:creationId xmlns:p14="http://schemas.microsoft.com/office/powerpoint/2010/main" val="1424771149"/>
+      </p:ext>
+    </p:extLst>
+  </p:cSld>
+  <p:clrMapOvr>
+    <a:masterClrMapping/>
+  </p:clrMapOvr>
+  <p:transition>
+    <p:fade/>
+  </p:transition>
+  <p:timing>
+    <p:tnLst>
+      <p:par>
+        <p:cTn id="1" dur="indefinite" restart="never" nodeType="tmRoot"/>
+      </p:par>
+    </p:tnLst>
   </p:timing>
 </p:sld>
 </file>
